--- a/docs/assets/图稿.pptx
+++ b/docs/assets/图稿.pptx
@@ -5,7 +5,7 @@
     <p:sldMasterId id="2147483648" r:id="rId1"/>
   </p:sldMasterIdLst>
   <p:notesMasterIdLst>
-    <p:notesMasterId r:id="rId8"/>
+    <p:notesMasterId r:id="rId9"/>
   </p:notesMasterIdLst>
   <p:sldIdLst>
     <p:sldId id="262" r:id="rId2"/>
@@ -14,6 +14,7 @@
     <p:sldId id="258" r:id="rId5"/>
     <p:sldId id="259" r:id="rId6"/>
     <p:sldId id="257" r:id="rId7"/>
+    <p:sldId id="264" r:id="rId8"/>
   </p:sldIdLst>
   <p:sldSz cx="12192000" cy="6858000"/>
   <p:notesSz cx="6858000" cy="9144000"/>
@@ -131,6 +132,7 @@
         <p14:section name="第2章：六大设计模式原则" id="{983CE400-8410-B044-A87E-D095F8512A88}">
           <p14:sldIdLst>
             <p14:sldId id="257"/>
+            <p14:sldId id="264"/>
           </p14:sldIdLst>
         </p14:section>
       </p14:sectionLst>
@@ -9365,6 +9367,934 @@
     <p:extLst>
       <p:ext uri="{BB962C8B-B14F-4D97-AF65-F5344CB8AC3E}">
         <p14:creationId xmlns:p14="http://schemas.microsoft.com/office/powerpoint/2010/main" val="1139188264"/>
+      </p:ext>
+    </p:extLst>
+  </p:cSld>
+  <p:clrMapOvr>
+    <a:masterClrMapping/>
+  </p:clrMapOvr>
+</p:sld>
+</file>
+
+<file path=ppt/slides/slide7.xml><?xml version="1.0" encoding="utf-8"?>
+<p:sld xmlns:a="http://schemas.openxmlformats.org/drawingml/2006/main" xmlns:r="http://schemas.openxmlformats.org/officeDocument/2006/relationships" xmlns:p="http://schemas.openxmlformats.org/presentationml/2006/main">
+  <p:cSld>
+    <p:spTree>
+      <p:nvGrpSpPr>
+        <p:cNvPr id="1" name=""/>
+        <p:cNvGrpSpPr/>
+        <p:nvPr/>
+      </p:nvGrpSpPr>
+      <p:grpSpPr>
+        <a:xfrm>
+          <a:off x="0" y="0"/>
+          <a:ext cx="0" cy="0"/>
+          <a:chOff x="0" y="0"/>
+          <a:chExt cx="0" cy="0"/>
+        </a:xfrm>
+      </p:grpSpPr>
+      <p:sp>
+        <p:nvSpPr>
+          <p:cNvPr id="8" name="文本占位符 1">
+            <a:extLst>
+              <a:ext uri="{FF2B5EF4-FFF2-40B4-BE49-F238E27FC236}">
+                <a16:creationId xmlns:a16="http://schemas.microsoft.com/office/drawing/2014/main" id="{587F8A25-E515-D342-9A64-D2BF6FA543BD}"/>
+              </a:ext>
+            </a:extLst>
+          </p:cNvPr>
+          <p:cNvSpPr txBox="1">
+            <a:spLocks/>
+          </p:cNvSpPr>
+          <p:nvPr/>
+        </p:nvSpPr>
+        <p:spPr>
+          <a:xfrm>
+            <a:off x="457589" y="269298"/>
+            <a:ext cx="6476553" cy="685359"/>
+          </a:xfrm>
+          <a:prstGeom prst="rect">
+            <a:avLst/>
+          </a:prstGeom>
+        </p:spPr>
+        <p:txBody>
+          <a:bodyPr/>
+          <a:lstStyle>
+            <a:lvl1pPr marL="0" indent="0" algn="l" defTabSz="1028065" rtl="0" eaLnBrk="1" latinLnBrk="0" hangingPunct="1">
+              <a:spcBef>
+                <a:spcPct val="20000"/>
+              </a:spcBef>
+              <a:buFontTx/>
+              <a:buNone/>
+              <a:defRPr sz="3200" b="1" kern="1200">
+                <a:solidFill>
+                  <a:srgbClr val="E2231A"/>
+                </a:solidFill>
+                <a:latin typeface="Microsoft YaHei" charset="-122"/>
+                <a:ea typeface="Microsoft YaHei" charset="-122"/>
+                <a:cs typeface="Microsoft YaHei" charset="-122"/>
+              </a:defRPr>
+            </a:lvl1pPr>
+            <a:lvl2pPr marL="835660" indent="-321310" algn="l" defTabSz="1028065" rtl="0" eaLnBrk="1" latinLnBrk="0" hangingPunct="1">
+              <a:spcBef>
+                <a:spcPct val="20000"/>
+              </a:spcBef>
+              <a:buFont typeface="Arial" panose="020B0604020202020204" pitchFamily="34" charset="0"/>
+              <a:buChar char="–"/>
+              <a:defRPr sz="3100" kern="1200">
+                <a:solidFill>
+                  <a:schemeClr val="tx1"/>
+                </a:solidFill>
+                <a:latin typeface="+mn-lt"/>
+                <a:ea typeface="+mn-ea"/>
+                <a:cs typeface="+mn-cs"/>
+              </a:defRPr>
+            </a:lvl2pPr>
+            <a:lvl3pPr marL="1285875" indent="-257175" algn="l" defTabSz="1028065" rtl="0" eaLnBrk="1" latinLnBrk="0" hangingPunct="1">
+              <a:spcBef>
+                <a:spcPct val="20000"/>
+              </a:spcBef>
+              <a:buFont typeface="Arial" panose="020B0604020202020204" pitchFamily="34" charset="0"/>
+              <a:buChar char="•"/>
+              <a:defRPr sz="2700" kern="1200">
+                <a:solidFill>
+                  <a:schemeClr val="tx1"/>
+                </a:solidFill>
+                <a:latin typeface="+mn-lt"/>
+                <a:ea typeface="+mn-ea"/>
+                <a:cs typeface="+mn-cs"/>
+              </a:defRPr>
+            </a:lvl3pPr>
+            <a:lvl4pPr marL="1800225" indent="-257175" algn="l" defTabSz="1028065" rtl="0" eaLnBrk="1" latinLnBrk="0" hangingPunct="1">
+              <a:spcBef>
+                <a:spcPct val="20000"/>
+              </a:spcBef>
+              <a:buFont typeface="Arial" panose="020B0604020202020204" pitchFamily="34" charset="0"/>
+              <a:buChar char="–"/>
+              <a:defRPr sz="2200" kern="1200">
+                <a:solidFill>
+                  <a:schemeClr val="tx1"/>
+                </a:solidFill>
+                <a:latin typeface="+mn-lt"/>
+                <a:ea typeface="+mn-ea"/>
+                <a:cs typeface="+mn-cs"/>
+              </a:defRPr>
+            </a:lvl4pPr>
+            <a:lvl5pPr marL="2314575" indent="-257175" algn="l" defTabSz="1028065" rtl="0" eaLnBrk="1" latinLnBrk="0" hangingPunct="1">
+              <a:spcBef>
+                <a:spcPct val="20000"/>
+              </a:spcBef>
+              <a:buFont typeface="Arial" panose="020B0604020202020204" pitchFamily="34" charset="0"/>
+              <a:buChar char="»"/>
+              <a:defRPr sz="2200" kern="1200">
+                <a:solidFill>
+                  <a:schemeClr val="tx1"/>
+                </a:solidFill>
+                <a:latin typeface="+mn-lt"/>
+                <a:ea typeface="+mn-ea"/>
+                <a:cs typeface="+mn-cs"/>
+              </a:defRPr>
+            </a:lvl5pPr>
+            <a:lvl6pPr marL="2828925" indent="-257175" algn="l" defTabSz="1028065" rtl="0" eaLnBrk="1" latinLnBrk="0" hangingPunct="1">
+              <a:spcBef>
+                <a:spcPct val="20000"/>
+              </a:spcBef>
+              <a:buFont typeface="Arial" panose="020B0604020202020204" pitchFamily="34" charset="0"/>
+              <a:buChar char="•"/>
+              <a:defRPr sz="2200" kern="1200">
+                <a:solidFill>
+                  <a:schemeClr val="tx1"/>
+                </a:solidFill>
+                <a:latin typeface="+mn-lt"/>
+                <a:ea typeface="+mn-ea"/>
+                <a:cs typeface="+mn-cs"/>
+              </a:defRPr>
+            </a:lvl6pPr>
+            <a:lvl7pPr marL="3343275" indent="-257175" algn="l" defTabSz="1028065" rtl="0" eaLnBrk="1" latinLnBrk="0" hangingPunct="1">
+              <a:spcBef>
+                <a:spcPct val="20000"/>
+              </a:spcBef>
+              <a:buFont typeface="Arial" panose="020B0604020202020204" pitchFamily="34" charset="0"/>
+              <a:buChar char="•"/>
+              <a:defRPr sz="2200" kern="1200">
+                <a:solidFill>
+                  <a:schemeClr val="tx1"/>
+                </a:solidFill>
+                <a:latin typeface="+mn-lt"/>
+                <a:ea typeface="+mn-ea"/>
+                <a:cs typeface="+mn-cs"/>
+              </a:defRPr>
+            </a:lvl7pPr>
+            <a:lvl8pPr marL="3856990" indent="-257175" algn="l" defTabSz="1028065" rtl="0" eaLnBrk="1" latinLnBrk="0" hangingPunct="1">
+              <a:spcBef>
+                <a:spcPct val="20000"/>
+              </a:spcBef>
+              <a:buFont typeface="Arial" panose="020B0604020202020204" pitchFamily="34" charset="0"/>
+              <a:buChar char="•"/>
+              <a:defRPr sz="2200" kern="1200">
+                <a:solidFill>
+                  <a:schemeClr val="tx1"/>
+                </a:solidFill>
+                <a:latin typeface="+mn-lt"/>
+                <a:ea typeface="+mn-ea"/>
+                <a:cs typeface="+mn-cs"/>
+              </a:defRPr>
+            </a:lvl8pPr>
+            <a:lvl9pPr marL="4371340" indent="-257175" algn="l" defTabSz="1028065" rtl="0" eaLnBrk="1" latinLnBrk="0" hangingPunct="1">
+              <a:spcBef>
+                <a:spcPct val="20000"/>
+              </a:spcBef>
+              <a:buFont typeface="Arial" panose="020B0604020202020204" pitchFamily="34" charset="0"/>
+              <a:buChar char="•"/>
+              <a:defRPr sz="2200" kern="1200">
+                <a:solidFill>
+                  <a:schemeClr val="tx1"/>
+                </a:solidFill>
+                <a:latin typeface="+mn-lt"/>
+                <a:ea typeface="+mn-ea"/>
+                <a:cs typeface="+mn-cs"/>
+              </a:defRPr>
+            </a:lvl9pPr>
+          </a:lstStyle>
+          <a:p>
+            <a:r>
+              <a:rPr lang="en-US" altLang="zh-CN" sz="3386" dirty="0">
+                <a:solidFill>
+                  <a:schemeClr val="tx1">
+                    <a:lumMod val="85000"/>
+                    <a:lumOff val="15000"/>
+                  </a:schemeClr>
+                </a:solidFill>
+                <a:latin typeface="Xingkai SC Light" panose="02010600040101010101" pitchFamily="2" charset="-122"/>
+                <a:ea typeface="Xingkai SC Light" panose="02010600040101010101" pitchFamily="2" charset="-122"/>
+                <a:cs typeface="+mn-ea"/>
+                <a:sym typeface="+mn-lt"/>
+              </a:rPr>
+              <a:t>2</a:t>
+            </a:r>
+            <a:r>
+              <a:rPr lang="zh-CN" altLang="en-US" sz="3386" dirty="0">
+                <a:solidFill>
+                  <a:schemeClr val="tx1">
+                    <a:lumMod val="85000"/>
+                    <a:lumOff val="15000"/>
+                  </a:schemeClr>
+                </a:solidFill>
+                <a:latin typeface="Xingkai SC Light" panose="02010600040101010101" pitchFamily="2" charset="-122"/>
+                <a:ea typeface="Xingkai SC Light" panose="02010600040101010101" pitchFamily="2" charset="-122"/>
+                <a:cs typeface="+mn-ea"/>
+                <a:sym typeface="+mn-lt"/>
+              </a:rPr>
+              <a:t>、开闭原则</a:t>
+            </a:r>
+            <a:endParaRPr lang="zh-CN" altLang="en-US" sz="3386" dirty="0">
+              <a:solidFill>
+                <a:schemeClr val="tx1">
+                  <a:lumMod val="85000"/>
+                  <a:lumOff val="15000"/>
+                </a:schemeClr>
+              </a:solidFill>
+              <a:latin typeface="Xingkai SC Light" panose="02010600040101010101" pitchFamily="2" charset="-122"/>
+              <a:ea typeface="Xingkai SC Light" panose="02010600040101010101" pitchFamily="2" charset="-122"/>
+              <a:cs typeface="+mn-ea"/>
+              <a:sym typeface="+mn-lt"/>
+            </a:endParaRPr>
+          </a:p>
+        </p:txBody>
+      </p:sp>
+      <p:grpSp>
+        <p:nvGrpSpPr>
+          <p:cNvPr id="66" name="组合 65">
+            <a:extLst>
+              <a:ext uri="{FF2B5EF4-FFF2-40B4-BE49-F238E27FC236}">
+                <a16:creationId xmlns:a16="http://schemas.microsoft.com/office/drawing/2014/main" id="{E17C53BF-EE96-E64F-A568-F7D0EAF858ED}"/>
+              </a:ext>
+            </a:extLst>
+          </p:cNvPr>
+          <p:cNvGrpSpPr/>
+          <p:nvPr/>
+        </p:nvGrpSpPr>
+        <p:grpSpPr>
+          <a:xfrm>
+            <a:off x="1147798" y="1770950"/>
+            <a:ext cx="2759561" cy="2996121"/>
+            <a:chOff x="1147798" y="1770950"/>
+            <a:chExt cx="2759561" cy="2996121"/>
+          </a:xfrm>
+        </p:grpSpPr>
+        <p:sp>
+          <p:nvSpPr>
+            <p:cNvPr id="20" name="Rounded Rectangle 4">
+              <a:extLst>
+                <a:ext uri="{FF2B5EF4-FFF2-40B4-BE49-F238E27FC236}">
+                  <a16:creationId xmlns:a16="http://schemas.microsoft.com/office/drawing/2014/main" id="{FD835581-2B48-AF47-985A-42E116B90135}"/>
+                </a:ext>
+              </a:extLst>
+            </p:cNvPr>
+            <p:cNvSpPr/>
+            <p:nvPr/>
+          </p:nvSpPr>
+          <p:spPr>
+            <a:xfrm>
+              <a:off x="1147798" y="1770950"/>
+              <a:ext cx="2715316" cy="2996121"/>
+            </a:xfrm>
+            <a:prstGeom prst="roundRect">
+              <a:avLst>
+                <a:gd name="adj" fmla="val 2432"/>
+              </a:avLst>
+            </a:prstGeom>
+            <a:solidFill>
+              <a:schemeClr val="bg1">
+                <a:lumMod val="95000"/>
+              </a:schemeClr>
+            </a:solidFill>
+            <a:ln>
+              <a:noFill/>
+            </a:ln>
+          </p:spPr>
+          <p:style>
+            <a:lnRef idx="2">
+              <a:schemeClr val="accent1">
+                <a:shade val="50000"/>
+              </a:schemeClr>
+            </a:lnRef>
+            <a:fillRef idx="1">
+              <a:schemeClr val="accent1"/>
+            </a:fillRef>
+            <a:effectRef idx="0">
+              <a:schemeClr val="accent1"/>
+            </a:effectRef>
+            <a:fontRef idx="minor">
+              <a:schemeClr val="lt1"/>
+            </a:fontRef>
+          </p:style>
+          <p:txBody>
+            <a:bodyPr rtlCol="0" anchor="ctr"/>
+            <a:lstStyle/>
+            <a:p>
+              <a:pPr algn="ctr"/>
+              <a:endParaRPr kumimoji="1" lang="en-US" altLang="zh-CN" sz="1905" b="1" dirty="0">
+                <a:solidFill>
+                  <a:srgbClr val="C00000"/>
+                </a:solidFill>
+              </a:endParaRPr>
+            </a:p>
+          </p:txBody>
+        </p:sp>
+        <p:sp>
+          <p:nvSpPr>
+            <p:cNvPr id="22" name="文本框 21">
+              <a:extLst>
+                <a:ext uri="{FF2B5EF4-FFF2-40B4-BE49-F238E27FC236}">
+                  <a16:creationId xmlns:a16="http://schemas.microsoft.com/office/drawing/2014/main" id="{93FE1862-82D6-7C46-BCA1-C321297B4238}"/>
+                </a:ext>
+              </a:extLst>
+            </p:cNvPr>
+            <p:cNvSpPr txBox="1"/>
+            <p:nvPr/>
+          </p:nvSpPr>
+          <p:spPr>
+            <a:xfrm>
+              <a:off x="1147798" y="3109830"/>
+              <a:ext cx="2759561" cy="352854"/>
+            </a:xfrm>
+            <a:prstGeom prst="rect">
+              <a:avLst/>
+            </a:prstGeom>
+            <a:noFill/>
+          </p:spPr>
+          <p:txBody>
+            <a:bodyPr wrap="square" rtlCol="0">
+              <a:spAutoFit/>
+            </a:bodyPr>
+            <a:lstStyle/>
+            <a:p>
+              <a:pPr algn="ctr"/>
+              <a:r>
+                <a:rPr lang="zh-CN" altLang="en-US" sz="1693" b="1" dirty="0">
+                  <a:solidFill>
+                    <a:srgbClr val="C00000"/>
+                  </a:solidFill>
+                  <a:latin typeface="+mn-ea"/>
+                </a:rPr>
+                <a:t>开闭原则</a:t>
+              </a:r>
+            </a:p>
+          </p:txBody>
+        </p:sp>
+        <p:sp>
+          <p:nvSpPr>
+            <p:cNvPr id="23" name="文本框 22">
+              <a:extLst>
+                <a:ext uri="{FF2B5EF4-FFF2-40B4-BE49-F238E27FC236}">
+                  <a16:creationId xmlns:a16="http://schemas.microsoft.com/office/drawing/2014/main" id="{8CF472E5-805D-7C4B-9947-4716FF1180A5}"/>
+                </a:ext>
+              </a:extLst>
+            </p:cNvPr>
+            <p:cNvSpPr txBox="1"/>
+            <p:nvPr/>
+          </p:nvSpPr>
+          <p:spPr>
+            <a:xfrm>
+              <a:off x="1147799" y="3908959"/>
+              <a:ext cx="2715316" cy="255134"/>
+            </a:xfrm>
+            <a:prstGeom prst="rect">
+              <a:avLst/>
+            </a:prstGeom>
+            <a:noFill/>
+          </p:spPr>
+          <p:txBody>
+            <a:bodyPr wrap="square" rtlCol="0">
+              <a:spAutoFit/>
+            </a:bodyPr>
+            <a:lstStyle/>
+            <a:p>
+              <a:pPr algn="ctr"/>
+              <a:r>
+                <a:rPr lang="zh-CN" altLang="en-US" sz="1058" dirty="0">
+                  <a:latin typeface="+mn-ea"/>
+                </a:rPr>
+                <a:t>扩展开放，修改封闭</a:t>
+              </a:r>
+            </a:p>
+          </p:txBody>
+        </p:sp>
+        <p:pic>
+          <p:nvPicPr>
+            <p:cNvPr id="53" name="图片 52">
+              <a:extLst>
+                <a:ext uri="{FF2B5EF4-FFF2-40B4-BE49-F238E27FC236}">
+                  <a16:creationId xmlns:a16="http://schemas.microsoft.com/office/drawing/2014/main" id="{CC3D935B-F2B4-CA42-8841-E391FBF1B84A}"/>
+                </a:ext>
+              </a:extLst>
+            </p:cNvPr>
+            <p:cNvPicPr>
+              <a:picLocks noChangeAspect="1"/>
+            </p:cNvPicPr>
+            <p:nvPr/>
+          </p:nvPicPr>
+          <p:blipFill>
+            <a:blip r:embed="rId2"/>
+            <a:stretch>
+              <a:fillRect/>
+            </a:stretch>
+          </p:blipFill>
+          <p:spPr>
+            <a:xfrm>
+              <a:off x="2278825" y="2305983"/>
+              <a:ext cx="493033" cy="493033"/>
+            </a:xfrm>
+            <a:prstGeom prst="rect">
+              <a:avLst/>
+            </a:prstGeom>
+            <a:effectLst>
+              <a:outerShdw blurRad="50800" dist="38100" dir="2700000" algn="tl" rotWithShape="0">
+                <a:prstClr val="black">
+                  <a:alpha val="40000"/>
+                </a:prstClr>
+              </a:outerShdw>
+            </a:effectLst>
+          </p:spPr>
+        </p:pic>
+      </p:grpSp>
+      <p:sp>
+        <p:nvSpPr>
+          <p:cNvPr id="54" name="Rounded Rectangle 4">
+            <a:extLst>
+              <a:ext uri="{FF2B5EF4-FFF2-40B4-BE49-F238E27FC236}">
+                <a16:creationId xmlns:a16="http://schemas.microsoft.com/office/drawing/2014/main" id="{A3272151-2C4C-5B46-8DC7-C804CBDECFF1}"/>
+              </a:ext>
+            </a:extLst>
+          </p:cNvPr>
+          <p:cNvSpPr/>
+          <p:nvPr/>
+        </p:nvSpPr>
+        <p:spPr>
+          <a:xfrm>
+            <a:off x="4878550" y="1770950"/>
+            <a:ext cx="2715316" cy="2996121"/>
+          </a:xfrm>
+          <a:prstGeom prst="roundRect">
+            <a:avLst>
+              <a:gd name="adj" fmla="val 2432"/>
+            </a:avLst>
+          </a:prstGeom>
+          <a:solidFill>
+            <a:schemeClr val="bg1">
+              <a:lumMod val="95000"/>
+            </a:schemeClr>
+          </a:solidFill>
+          <a:ln>
+            <a:noFill/>
+          </a:ln>
+        </p:spPr>
+        <p:style>
+          <a:lnRef idx="2">
+            <a:schemeClr val="accent1">
+              <a:shade val="50000"/>
+            </a:schemeClr>
+          </a:lnRef>
+          <a:fillRef idx="1">
+            <a:schemeClr val="accent1"/>
+          </a:fillRef>
+          <a:effectRef idx="0">
+            <a:schemeClr val="accent1"/>
+          </a:effectRef>
+          <a:fontRef idx="minor">
+            <a:schemeClr val="lt1"/>
+          </a:fontRef>
+        </p:style>
+        <p:txBody>
+          <a:bodyPr rtlCol="0" anchor="ctr"/>
+          <a:lstStyle/>
+          <a:p>
+            <a:pPr algn="ctr"/>
+            <a:endParaRPr kumimoji="1" lang="en-US" altLang="zh-CN" sz="1905" b="1" dirty="0">
+              <a:solidFill>
+                <a:srgbClr val="C00000"/>
+              </a:solidFill>
+            </a:endParaRPr>
+          </a:p>
+        </p:txBody>
+      </p:sp>
+      <p:sp>
+        <p:nvSpPr>
+          <p:cNvPr id="55" name="文本框 54">
+            <a:extLst>
+              <a:ext uri="{FF2B5EF4-FFF2-40B4-BE49-F238E27FC236}">
+                <a16:creationId xmlns:a16="http://schemas.microsoft.com/office/drawing/2014/main" id="{BB22FBCD-D4A2-A749-908C-2948C6D0B306}"/>
+              </a:ext>
+            </a:extLst>
+          </p:cNvPr>
+          <p:cNvSpPr txBox="1"/>
+          <p:nvPr/>
+        </p:nvSpPr>
+        <p:spPr>
+          <a:xfrm>
+            <a:off x="4878550" y="3109830"/>
+            <a:ext cx="2759561" cy="352854"/>
+          </a:xfrm>
+          <a:prstGeom prst="rect">
+            <a:avLst/>
+          </a:prstGeom>
+          <a:noFill/>
+        </p:spPr>
+        <p:txBody>
+          <a:bodyPr wrap="square" rtlCol="0">
+            <a:spAutoFit/>
+          </a:bodyPr>
+          <a:lstStyle/>
+          <a:p>
+            <a:pPr algn="ctr"/>
+            <a:r>
+              <a:rPr lang="zh-CN" altLang="en-US" sz="1693" b="1" dirty="0">
+                <a:solidFill>
+                  <a:srgbClr val="C00000"/>
+                </a:solidFill>
+                <a:latin typeface="+mn-ea"/>
+              </a:rPr>
+              <a:t>面积计算</a:t>
+            </a:r>
+          </a:p>
+        </p:txBody>
+      </p:sp>
+      <p:sp>
+        <p:nvSpPr>
+          <p:cNvPr id="56" name="文本框 55">
+            <a:extLst>
+              <a:ext uri="{FF2B5EF4-FFF2-40B4-BE49-F238E27FC236}">
+                <a16:creationId xmlns:a16="http://schemas.microsoft.com/office/drawing/2014/main" id="{223E20C5-6354-044C-B4D6-D8529945D5EF}"/>
+              </a:ext>
+            </a:extLst>
+          </p:cNvPr>
+          <p:cNvSpPr txBox="1"/>
+          <p:nvPr/>
+        </p:nvSpPr>
+        <p:spPr>
+          <a:xfrm>
+            <a:off x="4878551" y="3908959"/>
+            <a:ext cx="2715316" cy="255134"/>
+          </a:xfrm>
+          <a:prstGeom prst="rect">
+            <a:avLst/>
+          </a:prstGeom>
+          <a:noFill/>
+        </p:spPr>
+        <p:txBody>
+          <a:bodyPr wrap="square" rtlCol="0">
+            <a:spAutoFit/>
+          </a:bodyPr>
+          <a:lstStyle/>
+          <a:p>
+            <a:pPr algn="ctr"/>
+            <a:r>
+              <a:rPr lang="zh-CN" altLang="en-US" sz="1058" dirty="0">
+                <a:latin typeface="+mn-ea"/>
+              </a:rPr>
+              <a:t>长方形 </a:t>
+            </a:r>
+            <a:r>
+              <a:rPr lang="en-US" altLang="zh-CN" sz="1058" dirty="0">
+                <a:latin typeface="+mn-ea"/>
+              </a:rPr>
+              <a:t>•</a:t>
+            </a:r>
+            <a:r>
+              <a:rPr lang="zh-CN" altLang="en-US" sz="1058" dirty="0">
+                <a:latin typeface="+mn-ea"/>
+              </a:rPr>
+              <a:t> 三角形 </a:t>
+            </a:r>
+            <a:r>
+              <a:rPr lang="en-US" altLang="zh-CN" sz="1058" dirty="0">
+                <a:latin typeface="+mn-ea"/>
+              </a:rPr>
+              <a:t>• </a:t>
+            </a:r>
+            <a:r>
+              <a:rPr lang="zh-CN" altLang="en-US" sz="1058" dirty="0">
+                <a:latin typeface="+mn-ea"/>
+              </a:rPr>
+              <a:t> 圆形</a:t>
+            </a:r>
+          </a:p>
+        </p:txBody>
+      </p:sp>
+      <p:grpSp>
+        <p:nvGrpSpPr>
+          <p:cNvPr id="68" name="组合 67">
+            <a:extLst>
+              <a:ext uri="{FF2B5EF4-FFF2-40B4-BE49-F238E27FC236}">
+                <a16:creationId xmlns:a16="http://schemas.microsoft.com/office/drawing/2014/main" id="{238D303D-4BCC-F44C-A396-FCC4FE670F98}"/>
+              </a:ext>
+            </a:extLst>
+          </p:cNvPr>
+          <p:cNvGrpSpPr/>
+          <p:nvPr/>
+        </p:nvGrpSpPr>
+        <p:grpSpPr>
+          <a:xfrm>
+            <a:off x="8609302" y="1770950"/>
+            <a:ext cx="2759561" cy="2996121"/>
+            <a:chOff x="8609302" y="1770950"/>
+            <a:chExt cx="2759561" cy="2996121"/>
+          </a:xfrm>
+        </p:grpSpPr>
+        <p:sp>
+          <p:nvSpPr>
+            <p:cNvPr id="60" name="Rounded Rectangle 4">
+              <a:extLst>
+                <a:ext uri="{FF2B5EF4-FFF2-40B4-BE49-F238E27FC236}">
+                  <a16:creationId xmlns:a16="http://schemas.microsoft.com/office/drawing/2014/main" id="{F6609698-76BD-D44F-93EB-8071451838E7}"/>
+                </a:ext>
+              </a:extLst>
+            </p:cNvPr>
+            <p:cNvSpPr/>
+            <p:nvPr/>
+          </p:nvSpPr>
+          <p:spPr>
+            <a:xfrm>
+              <a:off x="8609302" y="1770950"/>
+              <a:ext cx="2715316" cy="2996121"/>
+            </a:xfrm>
+            <a:prstGeom prst="roundRect">
+              <a:avLst>
+                <a:gd name="adj" fmla="val 2432"/>
+              </a:avLst>
+            </a:prstGeom>
+            <a:solidFill>
+              <a:schemeClr val="bg1">
+                <a:lumMod val="95000"/>
+              </a:schemeClr>
+            </a:solidFill>
+            <a:ln>
+              <a:noFill/>
+            </a:ln>
+          </p:spPr>
+          <p:style>
+            <a:lnRef idx="2">
+              <a:schemeClr val="accent1">
+                <a:shade val="50000"/>
+              </a:schemeClr>
+            </a:lnRef>
+            <a:fillRef idx="1">
+              <a:schemeClr val="accent1"/>
+            </a:fillRef>
+            <a:effectRef idx="0">
+              <a:schemeClr val="accent1"/>
+            </a:effectRef>
+            <a:fontRef idx="minor">
+              <a:schemeClr val="lt1"/>
+            </a:fontRef>
+          </p:style>
+          <p:txBody>
+            <a:bodyPr rtlCol="0" anchor="ctr"/>
+            <a:lstStyle/>
+            <a:p>
+              <a:pPr algn="ctr"/>
+              <a:endParaRPr kumimoji="1" lang="en-US" altLang="zh-CN" sz="1905" b="1" dirty="0">
+                <a:solidFill>
+                  <a:srgbClr val="C00000"/>
+                </a:solidFill>
+              </a:endParaRPr>
+            </a:p>
+          </p:txBody>
+        </p:sp>
+        <p:sp>
+          <p:nvSpPr>
+            <p:cNvPr id="61" name="文本框 60">
+              <a:extLst>
+                <a:ext uri="{FF2B5EF4-FFF2-40B4-BE49-F238E27FC236}">
+                  <a16:creationId xmlns:a16="http://schemas.microsoft.com/office/drawing/2014/main" id="{5D2F3745-4FA4-D04A-94FC-2CD28FD90042}"/>
+                </a:ext>
+              </a:extLst>
+            </p:cNvPr>
+            <p:cNvSpPr txBox="1"/>
+            <p:nvPr/>
+          </p:nvSpPr>
+          <p:spPr>
+            <a:xfrm>
+              <a:off x="8609302" y="3109830"/>
+              <a:ext cx="2759561" cy="352854"/>
+            </a:xfrm>
+            <a:prstGeom prst="rect">
+              <a:avLst/>
+            </a:prstGeom>
+            <a:noFill/>
+          </p:spPr>
+          <p:txBody>
+            <a:bodyPr wrap="square" rtlCol="0">
+              <a:spAutoFit/>
+            </a:bodyPr>
+            <a:lstStyle/>
+            <a:p>
+              <a:pPr algn="ctr"/>
+              <a:r>
+                <a:rPr lang="zh-CN" altLang="en-US" sz="1693" b="1" dirty="0">
+                  <a:solidFill>
+                    <a:srgbClr val="C00000"/>
+                  </a:solidFill>
+                  <a:latin typeface="+mn-ea"/>
+                </a:rPr>
+                <a:t>编码实现</a:t>
+              </a:r>
+            </a:p>
+          </p:txBody>
+        </p:sp>
+        <p:sp>
+          <p:nvSpPr>
+            <p:cNvPr id="62" name="文本框 61">
+              <a:extLst>
+                <a:ext uri="{FF2B5EF4-FFF2-40B4-BE49-F238E27FC236}">
+                  <a16:creationId xmlns:a16="http://schemas.microsoft.com/office/drawing/2014/main" id="{E746D5D7-CF11-CE45-ADF2-40EEB4C88A46}"/>
+                </a:ext>
+              </a:extLst>
+            </p:cNvPr>
+            <p:cNvSpPr txBox="1"/>
+            <p:nvPr/>
+          </p:nvSpPr>
+          <p:spPr>
+            <a:xfrm>
+              <a:off x="8609303" y="3908959"/>
+              <a:ext cx="2715316" cy="255134"/>
+            </a:xfrm>
+            <a:prstGeom prst="rect">
+              <a:avLst/>
+            </a:prstGeom>
+            <a:noFill/>
+          </p:spPr>
+          <p:txBody>
+            <a:bodyPr wrap="square" rtlCol="0">
+              <a:spAutoFit/>
+            </a:bodyPr>
+            <a:lstStyle/>
+            <a:p>
+              <a:pPr algn="ctr"/>
+              <a:r>
+                <a:rPr lang="zh-CN" altLang="en-US" sz="1058" dirty="0">
+                  <a:latin typeface="+mn-ea"/>
+                </a:rPr>
+                <a:t>破坏方法 </a:t>
+              </a:r>
+              <a:r>
+                <a:rPr lang="en-US" altLang="zh-CN" sz="1058" dirty="0">
+                  <a:latin typeface="+mn-ea"/>
+                </a:rPr>
+                <a:t>•</a:t>
+              </a:r>
+              <a:r>
+                <a:rPr lang="zh-CN" altLang="en-US" sz="1058" dirty="0">
+                  <a:latin typeface="+mn-ea"/>
+                </a:rPr>
+                <a:t> 继承扩展</a:t>
+              </a:r>
+            </a:p>
+          </p:txBody>
+        </p:sp>
+        <p:pic>
+          <p:nvPicPr>
+            <p:cNvPr id="65" name="图片 64">
+              <a:extLst>
+                <a:ext uri="{FF2B5EF4-FFF2-40B4-BE49-F238E27FC236}">
+                  <a16:creationId xmlns:a16="http://schemas.microsoft.com/office/drawing/2014/main" id="{2391F3AA-A4D0-8944-A315-D52FE8ECB29C}"/>
+                </a:ext>
+              </a:extLst>
+            </p:cNvPr>
+            <p:cNvPicPr>
+              <a:picLocks noChangeAspect="1"/>
+            </p:cNvPicPr>
+            <p:nvPr/>
+          </p:nvPicPr>
+          <p:blipFill>
+            <a:blip r:embed="rId3"/>
+            <a:stretch>
+              <a:fillRect/>
+            </a:stretch>
+          </p:blipFill>
+          <p:spPr>
+            <a:xfrm>
+              <a:off x="9742565" y="2305983"/>
+              <a:ext cx="493033" cy="493033"/>
+            </a:xfrm>
+            <a:prstGeom prst="rect">
+              <a:avLst/>
+            </a:prstGeom>
+            <a:effectLst>
+              <a:outerShdw blurRad="50800" dist="38100" dir="2700000" algn="tl" rotWithShape="0">
+                <a:prstClr val="black">
+                  <a:alpha val="40000"/>
+                </a:prstClr>
+              </a:outerShdw>
+            </a:effectLst>
+          </p:spPr>
+        </p:pic>
+      </p:grpSp>
+      <p:sp>
+        <p:nvSpPr>
+          <p:cNvPr id="69" name="圆角矩形 68">
+            <a:extLst>
+              <a:ext uri="{FF2B5EF4-FFF2-40B4-BE49-F238E27FC236}">
+                <a16:creationId xmlns:a16="http://schemas.microsoft.com/office/drawing/2014/main" id="{E3CC9A0F-2A75-A548-8A30-11B39E7451A3}"/>
+              </a:ext>
+            </a:extLst>
+          </p:cNvPr>
+          <p:cNvSpPr/>
+          <p:nvPr/>
+        </p:nvSpPr>
+        <p:spPr>
+          <a:xfrm>
+            <a:off x="1147798" y="5352288"/>
+            <a:ext cx="10176820" cy="597408"/>
+          </a:xfrm>
+          <a:prstGeom prst="roundRect">
+            <a:avLst/>
+          </a:prstGeom>
+          <a:noFill/>
+          <a:ln>
+            <a:solidFill>
+              <a:schemeClr val="tx1">
+                <a:lumMod val="75000"/>
+                <a:lumOff val="25000"/>
+              </a:schemeClr>
+            </a:solidFill>
+            <a:prstDash val="dash"/>
+            <a:extLst>
+              <a:ext uri="{C807C97D-BFC1-408E-A445-0C87EB9F89A2}">
+                <ask:lineSketchStyleProps xmlns:ask="http://schemas.microsoft.com/office/drawing/2018/sketchyshapes">
+                  <ask:type>
+                    <ask:lineSketchFreehand/>
+                  </ask:type>
+                </ask:lineSketchStyleProps>
+              </a:ext>
+            </a:extLst>
+          </a:ln>
+        </p:spPr>
+        <p:style>
+          <a:lnRef idx="2">
+            <a:schemeClr val="accent1">
+              <a:shade val="50000"/>
+            </a:schemeClr>
+          </a:lnRef>
+          <a:fillRef idx="1">
+            <a:schemeClr val="accent1"/>
+          </a:fillRef>
+          <a:effectRef idx="0">
+            <a:schemeClr val="accent1"/>
+          </a:effectRef>
+          <a:fontRef idx="minor">
+            <a:schemeClr val="lt1"/>
+          </a:fontRef>
+        </p:style>
+        <p:txBody>
+          <a:bodyPr rtlCol="0" anchor="ctr"/>
+          <a:lstStyle/>
+          <a:p>
+            <a:pPr algn="ctr"/>
+            <a:r>
+              <a:rPr lang="zh-CN" altLang="en-US" sz="1600" b="1" dirty="0">
+                <a:solidFill>
+                  <a:schemeClr val="tx1"/>
+                </a:solidFill>
+                <a:latin typeface="XINGKAI SC LIGHT" panose="02010600040101010101" pitchFamily="2" charset="-122"/>
+                <a:ea typeface="XINGKAI SC LIGHT" panose="02010600040101010101" pitchFamily="2" charset="-122"/>
+              </a:rPr>
+              <a:t>开闭原则规定</a:t>
+            </a:r>
+            <a:r>
+              <a:rPr lang="zh-CN" altLang="en-US" sz="1600" dirty="0">
+                <a:solidFill>
+                  <a:schemeClr val="tx1"/>
+                </a:solidFill>
+                <a:latin typeface="Xingkai SC Light" panose="02010600040101010101" pitchFamily="2" charset="-122"/>
+                <a:ea typeface="Xingkai SC Light" panose="02010600040101010101" pitchFamily="2" charset="-122"/>
+              </a:rPr>
+              <a:t>“软件中的对象（类，模块，函数等等）应该对于扩展是开放的，但是对于修改是封闭的”</a:t>
+            </a:r>
+          </a:p>
+        </p:txBody>
+      </p:sp>
+      <p:pic>
+        <p:nvPicPr>
+          <p:cNvPr id="3" name="图片 2">
+            <a:extLst>
+              <a:ext uri="{FF2B5EF4-FFF2-40B4-BE49-F238E27FC236}">
+                <a16:creationId xmlns:a16="http://schemas.microsoft.com/office/drawing/2014/main" id="{FBCFD191-E636-5542-822F-1872B6D3F03F}"/>
+              </a:ext>
+            </a:extLst>
+          </p:cNvPr>
+          <p:cNvPicPr>
+            <a:picLocks noChangeAspect="1"/>
+          </p:cNvPicPr>
+          <p:nvPr/>
+        </p:nvPicPr>
+        <p:blipFill>
+          <a:blip r:embed="rId4"/>
+          <a:stretch>
+            <a:fillRect/>
+          </a:stretch>
+        </p:blipFill>
+        <p:spPr>
+          <a:xfrm>
+            <a:off x="6006883" y="2305982"/>
+            <a:ext cx="502894" cy="493033"/>
+          </a:xfrm>
+          <a:prstGeom prst="rect">
+            <a:avLst/>
+          </a:prstGeom>
+          <a:effectLst>
+            <a:outerShdw blurRad="50800" dist="38100" dir="2700000" algn="tl" rotWithShape="0">
+              <a:prstClr val="black">
+                <a:alpha val="40000"/>
+              </a:prstClr>
+            </a:outerShdw>
+          </a:effectLst>
+        </p:spPr>
+      </p:pic>
+    </p:spTree>
+    <p:extLst>
+      <p:ext uri="{BB962C8B-B14F-4D97-AF65-F5344CB8AC3E}">
+        <p14:creationId xmlns:p14="http://schemas.microsoft.com/office/powerpoint/2010/main" val="3403841399"/>
       </p:ext>
     </p:extLst>
   </p:cSld>

--- a/docs/assets/图稿.pptx
+++ b/docs/assets/图稿.pptx
@@ -5,7 +5,7 @@
     <p:sldMasterId id="2147483648" r:id="rId1"/>
   </p:sldMasterIdLst>
   <p:notesMasterIdLst>
-    <p:notesMasterId r:id="rId9"/>
+    <p:notesMasterId r:id="rId12"/>
   </p:notesMasterIdLst>
   <p:sldIdLst>
     <p:sldId id="262" r:id="rId2"/>
@@ -15,6 +15,9 @@
     <p:sldId id="259" r:id="rId6"/>
     <p:sldId id="257" r:id="rId7"/>
     <p:sldId id="264" r:id="rId8"/>
+    <p:sldId id="265" r:id="rId9"/>
+    <p:sldId id="266" r:id="rId10"/>
+    <p:sldId id="267" r:id="rId11"/>
   </p:sldIdLst>
   <p:sldSz cx="12192000" cy="6858000"/>
   <p:notesSz cx="6858000" cy="9144000"/>
@@ -133,6 +136,9 @@
           <p14:sldIdLst>
             <p14:sldId id="257"/>
             <p14:sldId id="264"/>
+            <p14:sldId id="265"/>
+            <p14:sldId id="266"/>
+            <p14:sldId id="267"/>
           </p14:sldIdLst>
         </p14:section>
       </p14:sectionLst>
@@ -491,6 +497,174 @@
     </a:lvl9pPr>
   </p:notesStyle>
 </p:notesMaster>
+</file>
+
+<file path=ppt/notesSlides/notesSlide1.xml><?xml version="1.0" encoding="utf-8"?>
+<p:notes xmlns:a="http://schemas.openxmlformats.org/drawingml/2006/main" xmlns:r="http://schemas.openxmlformats.org/officeDocument/2006/relationships" xmlns:p="http://schemas.openxmlformats.org/presentationml/2006/main">
+  <p:cSld>
+    <p:spTree>
+      <p:nvGrpSpPr>
+        <p:cNvPr id="1" name=""/>
+        <p:cNvGrpSpPr/>
+        <p:nvPr/>
+      </p:nvGrpSpPr>
+      <p:grpSpPr>
+        <a:xfrm>
+          <a:off x="0" y="0"/>
+          <a:ext cx="0" cy="0"/>
+          <a:chOff x="0" y="0"/>
+          <a:chExt cx="0" cy="0"/>
+        </a:xfrm>
+      </p:grpSpPr>
+      <p:sp>
+        <p:nvSpPr>
+          <p:cNvPr id="2" name="幻灯片图像占位符 1"/>
+          <p:cNvSpPr>
+            <a:spLocks noGrp="1" noRot="1" noChangeAspect="1"/>
+          </p:cNvSpPr>
+          <p:nvPr>
+            <p:ph type="sldImg"/>
+          </p:nvPr>
+        </p:nvSpPr>
+        <p:spPr/>
+      </p:sp>
+      <p:sp>
+        <p:nvSpPr>
+          <p:cNvPr id="3" name="备注占位符 2"/>
+          <p:cNvSpPr>
+            <a:spLocks noGrp="1"/>
+          </p:cNvSpPr>
+          <p:nvPr>
+            <p:ph type="body" idx="1"/>
+          </p:nvPr>
+        </p:nvSpPr>
+        <p:spPr/>
+        <p:txBody>
+          <a:bodyPr/>
+          <a:lstStyle/>
+          <a:p>
+            <a:endParaRPr kumimoji="1" lang="zh-CN" altLang="en-US" dirty="0"/>
+          </a:p>
+        </p:txBody>
+      </p:sp>
+      <p:sp>
+        <p:nvSpPr>
+          <p:cNvPr id="4" name="灯片编号占位符 3"/>
+          <p:cNvSpPr>
+            <a:spLocks noGrp="1"/>
+          </p:cNvSpPr>
+          <p:nvPr>
+            <p:ph type="sldNum" sz="quarter" idx="5"/>
+          </p:nvPr>
+        </p:nvSpPr>
+        <p:spPr/>
+        <p:txBody>
+          <a:bodyPr/>
+          <a:lstStyle/>
+          <a:p>
+            <a:fld id="{F27ACFC7-DDB1-344E-839F-3E9A781B1DD5}" type="slidenum">
+              <a:rPr kumimoji="1" lang="zh-CN" altLang="en-US" smtClean="0"/>
+              <a:t>7</a:t>
+            </a:fld>
+            <a:endParaRPr kumimoji="1" lang="zh-CN" altLang="en-US"/>
+          </a:p>
+        </p:txBody>
+      </p:sp>
+    </p:spTree>
+    <p:extLst>
+      <p:ext uri="{BB962C8B-B14F-4D97-AF65-F5344CB8AC3E}">
+        <p14:creationId xmlns:p14="http://schemas.microsoft.com/office/powerpoint/2010/main" val="2287697759"/>
+      </p:ext>
+    </p:extLst>
+  </p:cSld>
+  <p:clrMapOvr>
+    <a:masterClrMapping/>
+  </p:clrMapOvr>
+</p:notes>
+</file>
+
+<file path=ppt/notesSlides/notesSlide2.xml><?xml version="1.0" encoding="utf-8"?>
+<p:notes xmlns:a="http://schemas.openxmlformats.org/drawingml/2006/main" xmlns:r="http://schemas.openxmlformats.org/officeDocument/2006/relationships" xmlns:p="http://schemas.openxmlformats.org/presentationml/2006/main">
+  <p:cSld>
+    <p:spTree>
+      <p:nvGrpSpPr>
+        <p:cNvPr id="1" name=""/>
+        <p:cNvGrpSpPr/>
+        <p:nvPr/>
+      </p:nvGrpSpPr>
+      <p:grpSpPr>
+        <a:xfrm>
+          <a:off x="0" y="0"/>
+          <a:ext cx="0" cy="0"/>
+          <a:chOff x="0" y="0"/>
+          <a:chExt cx="0" cy="0"/>
+        </a:xfrm>
+      </p:grpSpPr>
+      <p:sp>
+        <p:nvSpPr>
+          <p:cNvPr id="2" name="幻灯片图像占位符 1"/>
+          <p:cNvSpPr>
+            <a:spLocks noGrp="1" noRot="1" noChangeAspect="1"/>
+          </p:cNvSpPr>
+          <p:nvPr>
+            <p:ph type="sldImg"/>
+          </p:nvPr>
+        </p:nvSpPr>
+        <p:spPr/>
+      </p:sp>
+      <p:sp>
+        <p:nvSpPr>
+          <p:cNvPr id="3" name="备注占位符 2"/>
+          <p:cNvSpPr>
+            <a:spLocks noGrp="1"/>
+          </p:cNvSpPr>
+          <p:nvPr>
+            <p:ph type="body" idx="1"/>
+          </p:nvPr>
+        </p:nvSpPr>
+        <p:spPr/>
+        <p:txBody>
+          <a:bodyPr/>
+          <a:lstStyle/>
+          <a:p>
+            <a:endParaRPr kumimoji="1" lang="zh-CN" altLang="en-US" dirty="0"/>
+          </a:p>
+        </p:txBody>
+      </p:sp>
+      <p:sp>
+        <p:nvSpPr>
+          <p:cNvPr id="4" name="灯片编号占位符 3"/>
+          <p:cNvSpPr>
+            <a:spLocks noGrp="1"/>
+          </p:cNvSpPr>
+          <p:nvPr>
+            <p:ph type="sldNum" sz="quarter" idx="5"/>
+          </p:nvPr>
+        </p:nvSpPr>
+        <p:spPr/>
+        <p:txBody>
+          <a:bodyPr/>
+          <a:lstStyle/>
+          <a:p>
+            <a:fld id="{F27ACFC7-DDB1-344E-839F-3E9A781B1DD5}" type="slidenum">
+              <a:rPr kumimoji="1" lang="zh-CN" altLang="en-US" smtClean="0"/>
+              <a:t>8</a:t>
+            </a:fld>
+            <a:endParaRPr kumimoji="1" lang="zh-CN" altLang="en-US"/>
+          </a:p>
+        </p:txBody>
+      </p:sp>
+    </p:spTree>
+    <p:extLst>
+      <p:ext uri="{BB962C8B-B14F-4D97-AF65-F5344CB8AC3E}">
+        <p14:creationId xmlns:p14="http://schemas.microsoft.com/office/powerpoint/2010/main" val="1392667786"/>
+      </p:ext>
+    </p:extLst>
+  </p:cSld>
+  <p:clrMapOvr>
+    <a:masterClrMapping/>
+  </p:clrMapOvr>
+</p:notes>
 </file>
 
 <file path=ppt/slideLayouts/slideLayout1.xml><?xml version="1.0" encoding="utf-8"?>
@@ -4440,6 +4614,407 @@
 </p:sld>
 </file>
 
+<file path=ppt/slides/slide10.xml><?xml version="1.0" encoding="utf-8"?>
+<p:sld xmlns:a="http://schemas.openxmlformats.org/drawingml/2006/main" xmlns:r="http://schemas.openxmlformats.org/officeDocument/2006/relationships" xmlns:p="http://schemas.openxmlformats.org/presentationml/2006/main">
+  <p:cSld>
+    <p:spTree>
+      <p:nvGrpSpPr>
+        <p:cNvPr id="1" name=""/>
+        <p:cNvGrpSpPr/>
+        <p:nvPr/>
+      </p:nvGrpSpPr>
+      <p:grpSpPr>
+        <a:xfrm>
+          <a:off x="0" y="0"/>
+          <a:ext cx="0" cy="0"/>
+          <a:chOff x="0" y="0"/>
+          <a:chExt cx="0" cy="0"/>
+        </a:xfrm>
+      </p:grpSpPr>
+      <p:sp>
+        <p:nvSpPr>
+          <p:cNvPr id="4" name="剪去单角的矩形 3">
+            <a:extLst>
+              <a:ext uri="{FF2B5EF4-FFF2-40B4-BE49-F238E27FC236}">
+                <a16:creationId xmlns:a16="http://schemas.microsoft.com/office/drawing/2014/main" id="{81E78ADB-BB54-3C42-9014-3EA434A04FB4}"/>
+              </a:ext>
+            </a:extLst>
+          </p:cNvPr>
+          <p:cNvSpPr/>
+          <p:nvPr/>
+        </p:nvSpPr>
+        <p:spPr>
+          <a:xfrm>
+            <a:off x="1627632" y="365760"/>
+            <a:ext cx="3304032" cy="1633728"/>
+          </a:xfrm>
+          <a:prstGeom prst="snip1Rect">
+            <a:avLst/>
+          </a:prstGeom>
+          <a:noFill/>
+          <a:ln w="19050">
+            <a:solidFill>
+              <a:schemeClr val="tx1"/>
+            </a:solidFill>
+          </a:ln>
+        </p:spPr>
+        <p:style>
+          <a:lnRef idx="2">
+            <a:schemeClr val="accent1">
+              <a:shade val="50000"/>
+            </a:schemeClr>
+          </a:lnRef>
+          <a:fillRef idx="1">
+            <a:schemeClr val="accent1"/>
+          </a:fillRef>
+          <a:effectRef idx="0">
+            <a:schemeClr val="accent1"/>
+          </a:effectRef>
+          <a:fontRef idx="minor">
+            <a:schemeClr val="lt1"/>
+          </a:fontRef>
+        </p:style>
+        <p:txBody>
+          <a:bodyPr rtlCol="0" anchor="ctr"/>
+          <a:lstStyle/>
+          <a:p>
+            <a:pPr algn="ctr"/>
+            <a:r>
+              <a:rPr kumimoji="1" lang="zh-CN" altLang="en-US" b="1" dirty="0">
+                <a:solidFill>
+                  <a:schemeClr val="tx1"/>
+                </a:solidFill>
+              </a:rPr>
+              <a:t>卡</a:t>
+            </a:r>
+          </a:p>
+        </p:txBody>
+      </p:sp>
+      <p:sp>
+        <p:nvSpPr>
+          <p:cNvPr id="5" name="剪去单角的矩形 4">
+            <a:extLst>
+              <a:ext uri="{FF2B5EF4-FFF2-40B4-BE49-F238E27FC236}">
+                <a16:creationId xmlns:a16="http://schemas.microsoft.com/office/drawing/2014/main" id="{08DE8676-F915-CB47-8048-FF6735D327BC}"/>
+              </a:ext>
+            </a:extLst>
+          </p:cNvPr>
+          <p:cNvSpPr/>
+          <p:nvPr/>
+        </p:nvSpPr>
+        <p:spPr>
+          <a:xfrm>
+            <a:off x="1627632" y="2676145"/>
+            <a:ext cx="3304032" cy="1633728"/>
+          </a:xfrm>
+          <a:prstGeom prst="snip1Rect">
+            <a:avLst/>
+          </a:prstGeom>
+          <a:noFill/>
+          <a:ln w="19050">
+            <a:solidFill>
+              <a:schemeClr val="tx1"/>
+            </a:solidFill>
+          </a:ln>
+        </p:spPr>
+        <p:style>
+          <a:lnRef idx="2">
+            <a:schemeClr val="accent1">
+              <a:shade val="50000"/>
+            </a:schemeClr>
+          </a:lnRef>
+          <a:fillRef idx="1">
+            <a:schemeClr val="accent1"/>
+          </a:fillRef>
+          <a:effectRef idx="0">
+            <a:schemeClr val="accent1"/>
+          </a:effectRef>
+          <a:fontRef idx="minor">
+            <a:schemeClr val="lt1"/>
+          </a:fontRef>
+        </p:style>
+        <p:txBody>
+          <a:bodyPr rtlCol="0" anchor="ctr"/>
+          <a:lstStyle/>
+          <a:p>
+            <a:pPr algn="ctr"/>
+            <a:r>
+              <a:rPr kumimoji="1" lang="zh-CN" altLang="en-US" b="1" dirty="0">
+                <a:solidFill>
+                  <a:schemeClr val="tx1"/>
+                </a:solidFill>
+              </a:rPr>
+              <a:t>银行卡</a:t>
+            </a:r>
+          </a:p>
+        </p:txBody>
+      </p:sp>
+      <p:sp>
+        <p:nvSpPr>
+          <p:cNvPr id="6" name="剪去单角的矩形 5">
+            <a:extLst>
+              <a:ext uri="{FF2B5EF4-FFF2-40B4-BE49-F238E27FC236}">
+                <a16:creationId xmlns:a16="http://schemas.microsoft.com/office/drawing/2014/main" id="{CC010DA9-63A7-464B-B429-9050CDBE15D8}"/>
+              </a:ext>
+            </a:extLst>
+          </p:cNvPr>
+          <p:cNvSpPr/>
+          <p:nvPr/>
+        </p:nvSpPr>
+        <p:spPr>
+          <a:xfrm>
+            <a:off x="6022848" y="2676145"/>
+            <a:ext cx="3304032" cy="1633728"/>
+          </a:xfrm>
+          <a:prstGeom prst="snip1Rect">
+            <a:avLst/>
+          </a:prstGeom>
+          <a:noFill/>
+          <a:ln w="19050">
+            <a:solidFill>
+              <a:schemeClr val="tx1"/>
+            </a:solidFill>
+          </a:ln>
+        </p:spPr>
+        <p:style>
+          <a:lnRef idx="2">
+            <a:schemeClr val="accent1">
+              <a:shade val="50000"/>
+            </a:schemeClr>
+          </a:lnRef>
+          <a:fillRef idx="1">
+            <a:schemeClr val="accent1"/>
+          </a:fillRef>
+          <a:effectRef idx="0">
+            <a:schemeClr val="accent1"/>
+          </a:effectRef>
+          <a:fontRef idx="minor">
+            <a:schemeClr val="lt1"/>
+          </a:fontRef>
+        </p:style>
+        <p:txBody>
+          <a:bodyPr rtlCol="0" anchor="ctr"/>
+          <a:lstStyle/>
+          <a:p>
+            <a:pPr algn="ctr"/>
+            <a:r>
+              <a:rPr kumimoji="1" lang="zh-CN" altLang="en-US" b="1" dirty="0">
+                <a:solidFill>
+                  <a:schemeClr val="tx1"/>
+                </a:solidFill>
+              </a:rPr>
+              <a:t>地铁卡 </a:t>
+            </a:r>
+          </a:p>
+        </p:txBody>
+      </p:sp>
+      <p:cxnSp>
+        <p:nvCxnSpPr>
+          <p:cNvPr id="9" name="直线箭头连接符 8">
+            <a:extLst>
+              <a:ext uri="{FF2B5EF4-FFF2-40B4-BE49-F238E27FC236}">
+                <a16:creationId xmlns:a16="http://schemas.microsoft.com/office/drawing/2014/main" id="{7E80D47A-E40F-C149-8CC2-F52F1383F2EB}"/>
+              </a:ext>
+            </a:extLst>
+          </p:cNvPr>
+          <p:cNvCxnSpPr>
+            <a:stCxn id="5" idx="3"/>
+            <a:endCxn id="4" idx="1"/>
+          </p:cNvCxnSpPr>
+          <p:nvPr/>
+        </p:nvCxnSpPr>
+        <p:spPr>
+          <a:xfrm flipV="1">
+            <a:off x="3279648" y="1999488"/>
+            <a:ext cx="0" cy="676657"/>
+          </a:xfrm>
+          <a:prstGeom prst="straightConnector1">
+            <a:avLst/>
+          </a:prstGeom>
+          <a:ln w="12700">
+            <a:solidFill>
+              <a:schemeClr val="tx1"/>
+            </a:solidFill>
+            <a:tailEnd type="triangle"/>
+          </a:ln>
+        </p:spPr>
+        <p:style>
+          <a:lnRef idx="1">
+            <a:schemeClr val="accent1"/>
+          </a:lnRef>
+          <a:fillRef idx="0">
+            <a:schemeClr val="accent1"/>
+          </a:fillRef>
+          <a:effectRef idx="0">
+            <a:schemeClr val="accent1"/>
+          </a:effectRef>
+          <a:fontRef idx="minor">
+            <a:schemeClr val="tx1"/>
+          </a:fontRef>
+        </p:style>
+      </p:cxnSp>
+      <p:cxnSp>
+        <p:nvCxnSpPr>
+          <p:cNvPr id="13" name="曲线连接符 12">
+            <a:extLst>
+              <a:ext uri="{FF2B5EF4-FFF2-40B4-BE49-F238E27FC236}">
+                <a16:creationId xmlns:a16="http://schemas.microsoft.com/office/drawing/2014/main" id="{7386224C-7F5A-EF43-B44A-FCFDAA29B13C}"/>
+              </a:ext>
+            </a:extLst>
+          </p:cNvPr>
+          <p:cNvCxnSpPr>
+            <a:stCxn id="6" idx="3"/>
+            <a:endCxn id="4" idx="1"/>
+          </p:cNvCxnSpPr>
+          <p:nvPr/>
+        </p:nvCxnSpPr>
+        <p:spPr>
+          <a:xfrm rot="16200000" flipV="1">
+            <a:off x="5138928" y="140209"/>
+            <a:ext cx="676657" cy="4395216"/>
+          </a:xfrm>
+          <a:prstGeom prst="curvedConnector3">
+            <a:avLst/>
+          </a:prstGeom>
+          <a:ln w="12700">
+            <a:solidFill>
+              <a:schemeClr val="tx1"/>
+            </a:solidFill>
+            <a:tailEnd type="triangle"/>
+          </a:ln>
+        </p:spPr>
+        <p:style>
+          <a:lnRef idx="1">
+            <a:schemeClr val="accent1"/>
+          </a:lnRef>
+          <a:fillRef idx="0">
+            <a:schemeClr val="accent1"/>
+          </a:fillRef>
+          <a:effectRef idx="0">
+            <a:schemeClr val="accent1"/>
+          </a:effectRef>
+          <a:fontRef idx="minor">
+            <a:schemeClr val="tx1"/>
+          </a:fontRef>
+        </p:style>
+      </p:cxnSp>
+      <p:sp>
+        <p:nvSpPr>
+          <p:cNvPr id="7" name="剪去单角的矩形 6">
+            <a:extLst>
+              <a:ext uri="{FF2B5EF4-FFF2-40B4-BE49-F238E27FC236}">
+                <a16:creationId xmlns:a16="http://schemas.microsoft.com/office/drawing/2014/main" id="{8F155B99-0233-8042-8F74-E835B066BDF1}"/>
+              </a:ext>
+            </a:extLst>
+          </p:cNvPr>
+          <p:cNvSpPr/>
+          <p:nvPr/>
+        </p:nvSpPr>
+        <p:spPr>
+          <a:xfrm>
+            <a:off x="1627632" y="4986530"/>
+            <a:ext cx="3304032" cy="1633728"/>
+          </a:xfrm>
+          <a:prstGeom prst="snip1Rect">
+            <a:avLst/>
+          </a:prstGeom>
+          <a:noFill/>
+          <a:ln w="19050">
+            <a:solidFill>
+              <a:schemeClr val="tx1"/>
+            </a:solidFill>
+          </a:ln>
+        </p:spPr>
+        <p:style>
+          <a:lnRef idx="2">
+            <a:schemeClr val="accent1">
+              <a:shade val="50000"/>
+            </a:schemeClr>
+          </a:lnRef>
+          <a:fillRef idx="1">
+            <a:schemeClr val="accent1"/>
+          </a:fillRef>
+          <a:effectRef idx="0">
+            <a:schemeClr val="accent1"/>
+          </a:effectRef>
+          <a:fontRef idx="minor">
+            <a:schemeClr val="lt1"/>
+          </a:fontRef>
+        </p:style>
+        <p:txBody>
+          <a:bodyPr rtlCol="0" anchor="ctr"/>
+          <a:lstStyle/>
+          <a:p>
+            <a:pPr algn="ctr"/>
+            <a:r>
+              <a:rPr kumimoji="1" lang="zh-CN" altLang="en-US" b="1" dirty="0">
+                <a:solidFill>
+                  <a:schemeClr val="tx1"/>
+                </a:solidFill>
+              </a:rPr>
+              <a:t>储蓄卡 </a:t>
+            </a:r>
+          </a:p>
+        </p:txBody>
+      </p:sp>
+      <p:cxnSp>
+        <p:nvCxnSpPr>
+          <p:cNvPr id="3" name="直线箭头连接符 2">
+            <a:extLst>
+              <a:ext uri="{FF2B5EF4-FFF2-40B4-BE49-F238E27FC236}">
+                <a16:creationId xmlns:a16="http://schemas.microsoft.com/office/drawing/2014/main" id="{21A5AB5B-9D1C-AC49-AEC8-B8E4734BE1B7}"/>
+              </a:ext>
+            </a:extLst>
+          </p:cNvPr>
+          <p:cNvCxnSpPr>
+            <a:stCxn id="7" idx="3"/>
+            <a:endCxn id="5" idx="1"/>
+          </p:cNvCxnSpPr>
+          <p:nvPr/>
+        </p:nvCxnSpPr>
+        <p:spPr>
+          <a:xfrm flipV="1">
+            <a:off x="3279648" y="4309873"/>
+            <a:ext cx="0" cy="676657"/>
+          </a:xfrm>
+          <a:prstGeom prst="straightConnector1">
+            <a:avLst/>
+          </a:prstGeom>
+          <a:ln w="12700">
+            <a:solidFill>
+              <a:schemeClr val="tx1"/>
+            </a:solidFill>
+            <a:tailEnd type="triangle"/>
+          </a:ln>
+        </p:spPr>
+        <p:style>
+          <a:lnRef idx="1">
+            <a:schemeClr val="accent1"/>
+          </a:lnRef>
+          <a:fillRef idx="0">
+            <a:schemeClr val="accent1"/>
+          </a:fillRef>
+          <a:effectRef idx="0">
+            <a:schemeClr val="accent1"/>
+          </a:effectRef>
+          <a:fontRef idx="minor">
+            <a:schemeClr val="tx1"/>
+          </a:fontRef>
+        </p:style>
+      </p:cxnSp>
+    </p:spTree>
+    <p:extLst>
+      <p:ext uri="{BB962C8B-B14F-4D97-AF65-F5344CB8AC3E}">
+        <p14:creationId xmlns:p14="http://schemas.microsoft.com/office/powerpoint/2010/main" val="3096391366"/>
+      </p:ext>
+    </p:extLst>
+  </p:cSld>
+  <p:clrMapOvr>
+    <a:masterClrMapping/>
+  </p:clrMapOvr>
+</p:sld>
+</file>
+
 <file path=ppt/slides/slide2.xml><?xml version="1.0" encoding="utf-8"?>
 <p:sld xmlns:a="http://schemas.openxmlformats.org/drawingml/2006/main" xmlns:r="http://schemas.openxmlformats.org/officeDocument/2006/relationships" xmlns:p="http://schemas.openxmlformats.org/presentationml/2006/main">
   <p:cSld>
@@ -9775,7 +10350,7 @@
             <p:nvPr/>
           </p:nvPicPr>
           <p:blipFill>
-            <a:blip r:embed="rId2"/>
+            <a:blip r:embed="rId3"/>
             <a:stretch>
               <a:fillRect/>
             </a:stretch>
@@ -10147,7 +10722,7 @@
             <p:nvPr/>
           </p:nvPicPr>
           <p:blipFill>
-            <a:blip r:embed="rId3"/>
+            <a:blip r:embed="rId4"/>
             <a:stretch>
               <a:fillRect/>
             </a:stretch>
@@ -10269,7 +10844,7 @@
           <p:nvPr/>
         </p:nvPicPr>
         <p:blipFill>
-          <a:blip r:embed="rId4"/>
+          <a:blip r:embed="rId5"/>
           <a:stretch>
             <a:fillRect/>
           </a:stretch>
@@ -10295,6 +10870,1168 @@
     <p:extLst>
       <p:ext uri="{BB962C8B-B14F-4D97-AF65-F5344CB8AC3E}">
         <p14:creationId xmlns:p14="http://schemas.microsoft.com/office/powerpoint/2010/main" val="3403841399"/>
+      </p:ext>
+    </p:extLst>
+  </p:cSld>
+  <p:clrMapOvr>
+    <a:masterClrMapping/>
+  </p:clrMapOvr>
+</p:sld>
+</file>
+
+<file path=ppt/slides/slide8.xml><?xml version="1.0" encoding="utf-8"?>
+<p:sld xmlns:a="http://schemas.openxmlformats.org/drawingml/2006/main" xmlns:r="http://schemas.openxmlformats.org/officeDocument/2006/relationships" xmlns:p="http://schemas.openxmlformats.org/presentationml/2006/main">
+  <p:cSld>
+    <p:spTree>
+      <p:nvGrpSpPr>
+        <p:cNvPr id="1" name=""/>
+        <p:cNvGrpSpPr/>
+        <p:nvPr/>
+      </p:nvGrpSpPr>
+      <p:grpSpPr>
+        <a:xfrm>
+          <a:off x="0" y="0"/>
+          <a:ext cx="0" cy="0"/>
+          <a:chOff x="0" y="0"/>
+          <a:chExt cx="0" cy="0"/>
+        </a:xfrm>
+      </p:grpSpPr>
+      <p:sp>
+        <p:nvSpPr>
+          <p:cNvPr id="8" name="文本占位符 1">
+            <a:extLst>
+              <a:ext uri="{FF2B5EF4-FFF2-40B4-BE49-F238E27FC236}">
+                <a16:creationId xmlns:a16="http://schemas.microsoft.com/office/drawing/2014/main" id="{587F8A25-E515-D342-9A64-D2BF6FA543BD}"/>
+              </a:ext>
+            </a:extLst>
+          </p:cNvPr>
+          <p:cNvSpPr txBox="1">
+            <a:spLocks/>
+          </p:cNvSpPr>
+          <p:nvPr/>
+        </p:nvSpPr>
+        <p:spPr>
+          <a:xfrm>
+            <a:off x="457589" y="269298"/>
+            <a:ext cx="6476553" cy="685359"/>
+          </a:xfrm>
+          <a:prstGeom prst="rect">
+            <a:avLst/>
+          </a:prstGeom>
+        </p:spPr>
+        <p:txBody>
+          <a:bodyPr/>
+          <a:lstStyle>
+            <a:lvl1pPr marL="0" indent="0" algn="l" defTabSz="1028065" rtl="0" eaLnBrk="1" latinLnBrk="0" hangingPunct="1">
+              <a:spcBef>
+                <a:spcPct val="20000"/>
+              </a:spcBef>
+              <a:buFontTx/>
+              <a:buNone/>
+              <a:defRPr sz="3200" b="1" kern="1200">
+                <a:solidFill>
+                  <a:srgbClr val="E2231A"/>
+                </a:solidFill>
+                <a:latin typeface="Microsoft YaHei" charset="-122"/>
+                <a:ea typeface="Microsoft YaHei" charset="-122"/>
+                <a:cs typeface="Microsoft YaHei" charset="-122"/>
+              </a:defRPr>
+            </a:lvl1pPr>
+            <a:lvl2pPr marL="835660" indent="-321310" algn="l" defTabSz="1028065" rtl="0" eaLnBrk="1" latinLnBrk="0" hangingPunct="1">
+              <a:spcBef>
+                <a:spcPct val="20000"/>
+              </a:spcBef>
+              <a:buFont typeface="Arial" panose="020B0604020202020204" pitchFamily="34" charset="0"/>
+              <a:buChar char="–"/>
+              <a:defRPr sz="3100" kern="1200">
+                <a:solidFill>
+                  <a:schemeClr val="tx1"/>
+                </a:solidFill>
+                <a:latin typeface="+mn-lt"/>
+                <a:ea typeface="+mn-ea"/>
+                <a:cs typeface="+mn-cs"/>
+              </a:defRPr>
+            </a:lvl2pPr>
+            <a:lvl3pPr marL="1285875" indent="-257175" algn="l" defTabSz="1028065" rtl="0" eaLnBrk="1" latinLnBrk="0" hangingPunct="1">
+              <a:spcBef>
+                <a:spcPct val="20000"/>
+              </a:spcBef>
+              <a:buFont typeface="Arial" panose="020B0604020202020204" pitchFamily="34" charset="0"/>
+              <a:buChar char="•"/>
+              <a:defRPr sz="2700" kern="1200">
+                <a:solidFill>
+                  <a:schemeClr val="tx1"/>
+                </a:solidFill>
+                <a:latin typeface="+mn-lt"/>
+                <a:ea typeface="+mn-ea"/>
+                <a:cs typeface="+mn-cs"/>
+              </a:defRPr>
+            </a:lvl3pPr>
+            <a:lvl4pPr marL="1800225" indent="-257175" algn="l" defTabSz="1028065" rtl="0" eaLnBrk="1" latinLnBrk="0" hangingPunct="1">
+              <a:spcBef>
+                <a:spcPct val="20000"/>
+              </a:spcBef>
+              <a:buFont typeface="Arial" panose="020B0604020202020204" pitchFamily="34" charset="0"/>
+              <a:buChar char="–"/>
+              <a:defRPr sz="2200" kern="1200">
+                <a:solidFill>
+                  <a:schemeClr val="tx1"/>
+                </a:solidFill>
+                <a:latin typeface="+mn-lt"/>
+                <a:ea typeface="+mn-ea"/>
+                <a:cs typeface="+mn-cs"/>
+              </a:defRPr>
+            </a:lvl4pPr>
+            <a:lvl5pPr marL="2314575" indent="-257175" algn="l" defTabSz="1028065" rtl="0" eaLnBrk="1" latinLnBrk="0" hangingPunct="1">
+              <a:spcBef>
+                <a:spcPct val="20000"/>
+              </a:spcBef>
+              <a:buFont typeface="Arial" panose="020B0604020202020204" pitchFamily="34" charset="0"/>
+              <a:buChar char="»"/>
+              <a:defRPr sz="2200" kern="1200">
+                <a:solidFill>
+                  <a:schemeClr val="tx1"/>
+                </a:solidFill>
+                <a:latin typeface="+mn-lt"/>
+                <a:ea typeface="+mn-ea"/>
+                <a:cs typeface="+mn-cs"/>
+              </a:defRPr>
+            </a:lvl5pPr>
+            <a:lvl6pPr marL="2828925" indent="-257175" algn="l" defTabSz="1028065" rtl="0" eaLnBrk="1" latinLnBrk="0" hangingPunct="1">
+              <a:spcBef>
+                <a:spcPct val="20000"/>
+              </a:spcBef>
+              <a:buFont typeface="Arial" panose="020B0604020202020204" pitchFamily="34" charset="0"/>
+              <a:buChar char="•"/>
+              <a:defRPr sz="2200" kern="1200">
+                <a:solidFill>
+                  <a:schemeClr val="tx1"/>
+                </a:solidFill>
+                <a:latin typeface="+mn-lt"/>
+                <a:ea typeface="+mn-ea"/>
+                <a:cs typeface="+mn-cs"/>
+              </a:defRPr>
+            </a:lvl6pPr>
+            <a:lvl7pPr marL="3343275" indent="-257175" algn="l" defTabSz="1028065" rtl="0" eaLnBrk="1" latinLnBrk="0" hangingPunct="1">
+              <a:spcBef>
+                <a:spcPct val="20000"/>
+              </a:spcBef>
+              <a:buFont typeface="Arial" panose="020B0604020202020204" pitchFamily="34" charset="0"/>
+              <a:buChar char="•"/>
+              <a:defRPr sz="2200" kern="1200">
+                <a:solidFill>
+                  <a:schemeClr val="tx1"/>
+                </a:solidFill>
+                <a:latin typeface="+mn-lt"/>
+                <a:ea typeface="+mn-ea"/>
+                <a:cs typeface="+mn-cs"/>
+              </a:defRPr>
+            </a:lvl7pPr>
+            <a:lvl8pPr marL="3856990" indent="-257175" algn="l" defTabSz="1028065" rtl="0" eaLnBrk="1" latinLnBrk="0" hangingPunct="1">
+              <a:spcBef>
+                <a:spcPct val="20000"/>
+              </a:spcBef>
+              <a:buFont typeface="Arial" panose="020B0604020202020204" pitchFamily="34" charset="0"/>
+              <a:buChar char="•"/>
+              <a:defRPr sz="2200" kern="1200">
+                <a:solidFill>
+                  <a:schemeClr val="tx1"/>
+                </a:solidFill>
+                <a:latin typeface="+mn-lt"/>
+                <a:ea typeface="+mn-ea"/>
+                <a:cs typeface="+mn-cs"/>
+              </a:defRPr>
+            </a:lvl8pPr>
+            <a:lvl9pPr marL="4371340" indent="-257175" algn="l" defTabSz="1028065" rtl="0" eaLnBrk="1" latinLnBrk="0" hangingPunct="1">
+              <a:spcBef>
+                <a:spcPct val="20000"/>
+              </a:spcBef>
+              <a:buFont typeface="Arial" panose="020B0604020202020204" pitchFamily="34" charset="0"/>
+              <a:buChar char="•"/>
+              <a:defRPr sz="2200" kern="1200">
+                <a:solidFill>
+                  <a:schemeClr val="tx1"/>
+                </a:solidFill>
+                <a:latin typeface="+mn-lt"/>
+                <a:ea typeface="+mn-ea"/>
+                <a:cs typeface="+mn-cs"/>
+              </a:defRPr>
+            </a:lvl9pPr>
+          </a:lstStyle>
+          <a:p>
+            <a:r>
+              <a:rPr lang="en-US" altLang="zh-CN" sz="3386" dirty="0">
+                <a:solidFill>
+                  <a:schemeClr val="tx1">
+                    <a:lumMod val="85000"/>
+                    <a:lumOff val="15000"/>
+                  </a:schemeClr>
+                </a:solidFill>
+                <a:latin typeface="Xingkai SC Light" panose="02010600040101010101" pitchFamily="2" charset="-122"/>
+                <a:ea typeface="Xingkai SC Light" panose="02010600040101010101" pitchFamily="2" charset="-122"/>
+                <a:cs typeface="+mn-ea"/>
+                <a:sym typeface="+mn-lt"/>
+              </a:rPr>
+              <a:t>3</a:t>
+            </a:r>
+            <a:r>
+              <a:rPr lang="zh-CN" altLang="en-US" sz="3386" dirty="0">
+                <a:solidFill>
+                  <a:schemeClr val="tx1">
+                    <a:lumMod val="85000"/>
+                    <a:lumOff val="15000"/>
+                  </a:schemeClr>
+                </a:solidFill>
+                <a:latin typeface="Xingkai SC Light" panose="02010600040101010101" pitchFamily="2" charset="-122"/>
+                <a:ea typeface="Xingkai SC Light" panose="02010600040101010101" pitchFamily="2" charset="-122"/>
+                <a:cs typeface="+mn-ea"/>
+                <a:sym typeface="+mn-lt"/>
+              </a:rPr>
+              <a:t>、里氏替换原则</a:t>
+            </a:r>
+            <a:endParaRPr lang="zh-CN" altLang="en-US" sz="3386" dirty="0">
+              <a:solidFill>
+                <a:schemeClr val="tx1">
+                  <a:lumMod val="85000"/>
+                  <a:lumOff val="15000"/>
+                </a:schemeClr>
+              </a:solidFill>
+              <a:latin typeface="Xingkai SC Light" panose="02010600040101010101" pitchFamily="2" charset="-122"/>
+              <a:ea typeface="Xingkai SC Light" panose="02010600040101010101" pitchFamily="2" charset="-122"/>
+              <a:cs typeface="+mn-ea"/>
+              <a:sym typeface="+mn-lt"/>
+            </a:endParaRPr>
+          </a:p>
+        </p:txBody>
+      </p:sp>
+      <p:sp>
+        <p:nvSpPr>
+          <p:cNvPr id="20" name="Rounded Rectangle 4">
+            <a:extLst>
+              <a:ext uri="{FF2B5EF4-FFF2-40B4-BE49-F238E27FC236}">
+                <a16:creationId xmlns:a16="http://schemas.microsoft.com/office/drawing/2014/main" id="{FD835581-2B48-AF47-985A-42E116B90135}"/>
+              </a:ext>
+            </a:extLst>
+          </p:cNvPr>
+          <p:cNvSpPr/>
+          <p:nvPr/>
+        </p:nvSpPr>
+        <p:spPr>
+          <a:xfrm>
+            <a:off x="1147798" y="1770950"/>
+            <a:ext cx="2715316" cy="2996121"/>
+          </a:xfrm>
+          <a:prstGeom prst="roundRect">
+            <a:avLst>
+              <a:gd name="adj" fmla="val 2432"/>
+            </a:avLst>
+          </a:prstGeom>
+          <a:solidFill>
+            <a:schemeClr val="bg1">
+              <a:lumMod val="95000"/>
+            </a:schemeClr>
+          </a:solidFill>
+          <a:ln>
+            <a:noFill/>
+          </a:ln>
+        </p:spPr>
+        <p:style>
+          <a:lnRef idx="2">
+            <a:schemeClr val="accent1">
+              <a:shade val="50000"/>
+            </a:schemeClr>
+          </a:lnRef>
+          <a:fillRef idx="1">
+            <a:schemeClr val="accent1"/>
+          </a:fillRef>
+          <a:effectRef idx="0">
+            <a:schemeClr val="accent1"/>
+          </a:effectRef>
+          <a:fontRef idx="minor">
+            <a:schemeClr val="lt1"/>
+          </a:fontRef>
+        </p:style>
+        <p:txBody>
+          <a:bodyPr rtlCol="0" anchor="ctr"/>
+          <a:lstStyle/>
+          <a:p>
+            <a:pPr algn="ctr"/>
+            <a:endParaRPr kumimoji="1" lang="en-US" altLang="zh-CN" sz="1905" b="1" dirty="0">
+              <a:solidFill>
+                <a:srgbClr val="C00000"/>
+              </a:solidFill>
+            </a:endParaRPr>
+          </a:p>
+        </p:txBody>
+      </p:sp>
+      <p:sp>
+        <p:nvSpPr>
+          <p:cNvPr id="22" name="文本框 21">
+            <a:extLst>
+              <a:ext uri="{FF2B5EF4-FFF2-40B4-BE49-F238E27FC236}">
+                <a16:creationId xmlns:a16="http://schemas.microsoft.com/office/drawing/2014/main" id="{93FE1862-82D6-7C46-BCA1-C321297B4238}"/>
+              </a:ext>
+            </a:extLst>
+          </p:cNvPr>
+          <p:cNvSpPr txBox="1"/>
+          <p:nvPr/>
+        </p:nvSpPr>
+        <p:spPr>
+          <a:xfrm>
+            <a:off x="1147798" y="3109830"/>
+            <a:ext cx="2759561" cy="352854"/>
+          </a:xfrm>
+          <a:prstGeom prst="rect">
+            <a:avLst/>
+          </a:prstGeom>
+          <a:noFill/>
+        </p:spPr>
+        <p:txBody>
+          <a:bodyPr wrap="square" rtlCol="0">
+            <a:spAutoFit/>
+          </a:bodyPr>
+          <a:lstStyle/>
+          <a:p>
+            <a:pPr algn="ctr"/>
+            <a:r>
+              <a:rPr lang="zh-CN" altLang="en-US" sz="1693" b="1" dirty="0">
+                <a:solidFill>
+                  <a:srgbClr val="C00000"/>
+                </a:solidFill>
+                <a:latin typeface="+mn-ea"/>
+              </a:rPr>
+              <a:t>里氏替换原则</a:t>
+            </a:r>
+          </a:p>
+        </p:txBody>
+      </p:sp>
+      <p:sp>
+        <p:nvSpPr>
+          <p:cNvPr id="23" name="文本框 22">
+            <a:extLst>
+              <a:ext uri="{FF2B5EF4-FFF2-40B4-BE49-F238E27FC236}">
+                <a16:creationId xmlns:a16="http://schemas.microsoft.com/office/drawing/2014/main" id="{8CF472E5-805D-7C4B-9947-4716FF1180A5}"/>
+              </a:ext>
+            </a:extLst>
+          </p:cNvPr>
+          <p:cNvSpPr txBox="1"/>
+          <p:nvPr/>
+        </p:nvSpPr>
+        <p:spPr>
+          <a:xfrm>
+            <a:off x="1147799" y="3908959"/>
+            <a:ext cx="2715316" cy="255134"/>
+          </a:xfrm>
+          <a:prstGeom prst="rect">
+            <a:avLst/>
+          </a:prstGeom>
+          <a:noFill/>
+        </p:spPr>
+        <p:txBody>
+          <a:bodyPr wrap="square" rtlCol="0">
+            <a:spAutoFit/>
+          </a:bodyPr>
+          <a:lstStyle/>
+          <a:p>
+            <a:pPr algn="ctr"/>
+            <a:r>
+              <a:rPr lang="zh-CN" altLang="en-US" sz="1058" dirty="0">
+                <a:latin typeface="+mn-ea"/>
+              </a:rPr>
+              <a:t>兼容性、维护性、扩展性</a:t>
+            </a:r>
+          </a:p>
+        </p:txBody>
+      </p:sp>
+      <p:pic>
+        <p:nvPicPr>
+          <p:cNvPr id="53" name="图片 52">
+            <a:extLst>
+              <a:ext uri="{FF2B5EF4-FFF2-40B4-BE49-F238E27FC236}">
+                <a16:creationId xmlns:a16="http://schemas.microsoft.com/office/drawing/2014/main" id="{CC3D935B-F2B4-CA42-8841-E391FBF1B84A}"/>
+              </a:ext>
+            </a:extLst>
+          </p:cNvPr>
+          <p:cNvPicPr>
+            <a:picLocks noChangeAspect="1"/>
+          </p:cNvPicPr>
+          <p:nvPr/>
+        </p:nvPicPr>
+        <p:blipFill>
+          <a:blip r:embed="rId3"/>
+          <a:stretch>
+            <a:fillRect/>
+          </a:stretch>
+        </p:blipFill>
+        <p:spPr>
+          <a:xfrm>
+            <a:off x="2278825" y="2219490"/>
+            <a:ext cx="493033" cy="493033"/>
+          </a:xfrm>
+          <a:prstGeom prst="rect">
+            <a:avLst/>
+          </a:prstGeom>
+          <a:effectLst>
+            <a:outerShdw blurRad="50800" dist="38100" dir="2700000" algn="tl" rotWithShape="0">
+              <a:prstClr val="black">
+                <a:alpha val="40000"/>
+              </a:prstClr>
+            </a:outerShdw>
+          </a:effectLst>
+        </p:spPr>
+      </p:pic>
+      <p:sp>
+        <p:nvSpPr>
+          <p:cNvPr id="54" name="Rounded Rectangle 4">
+            <a:extLst>
+              <a:ext uri="{FF2B5EF4-FFF2-40B4-BE49-F238E27FC236}">
+                <a16:creationId xmlns:a16="http://schemas.microsoft.com/office/drawing/2014/main" id="{A3272151-2C4C-5B46-8DC7-C804CBDECFF1}"/>
+              </a:ext>
+            </a:extLst>
+          </p:cNvPr>
+          <p:cNvSpPr/>
+          <p:nvPr/>
+        </p:nvSpPr>
+        <p:spPr>
+          <a:xfrm>
+            <a:off x="4878550" y="1770950"/>
+            <a:ext cx="2715316" cy="2996121"/>
+          </a:xfrm>
+          <a:prstGeom prst="roundRect">
+            <a:avLst>
+              <a:gd name="adj" fmla="val 2432"/>
+            </a:avLst>
+          </a:prstGeom>
+          <a:solidFill>
+            <a:schemeClr val="bg1">
+              <a:lumMod val="95000"/>
+            </a:schemeClr>
+          </a:solidFill>
+          <a:ln>
+            <a:noFill/>
+          </a:ln>
+        </p:spPr>
+        <p:style>
+          <a:lnRef idx="2">
+            <a:schemeClr val="accent1">
+              <a:shade val="50000"/>
+            </a:schemeClr>
+          </a:lnRef>
+          <a:fillRef idx="1">
+            <a:schemeClr val="accent1"/>
+          </a:fillRef>
+          <a:effectRef idx="0">
+            <a:schemeClr val="accent1"/>
+          </a:effectRef>
+          <a:fontRef idx="minor">
+            <a:schemeClr val="lt1"/>
+          </a:fontRef>
+        </p:style>
+        <p:txBody>
+          <a:bodyPr rtlCol="0" anchor="ctr"/>
+          <a:lstStyle/>
+          <a:p>
+            <a:pPr algn="ctr"/>
+            <a:endParaRPr kumimoji="1" lang="en-US" altLang="zh-CN" sz="1905" b="1" dirty="0">
+              <a:solidFill>
+                <a:srgbClr val="C00000"/>
+              </a:solidFill>
+            </a:endParaRPr>
+          </a:p>
+        </p:txBody>
+      </p:sp>
+      <p:sp>
+        <p:nvSpPr>
+          <p:cNvPr id="55" name="文本框 54">
+            <a:extLst>
+              <a:ext uri="{FF2B5EF4-FFF2-40B4-BE49-F238E27FC236}">
+                <a16:creationId xmlns:a16="http://schemas.microsoft.com/office/drawing/2014/main" id="{BB22FBCD-D4A2-A749-908C-2948C6D0B306}"/>
+              </a:ext>
+            </a:extLst>
+          </p:cNvPr>
+          <p:cNvSpPr txBox="1"/>
+          <p:nvPr/>
+        </p:nvSpPr>
+        <p:spPr>
+          <a:xfrm>
+            <a:off x="4878550" y="3109830"/>
+            <a:ext cx="2759561" cy="352854"/>
+          </a:xfrm>
+          <a:prstGeom prst="rect">
+            <a:avLst/>
+          </a:prstGeom>
+          <a:noFill/>
+        </p:spPr>
+        <p:txBody>
+          <a:bodyPr wrap="square" rtlCol="0">
+            <a:spAutoFit/>
+          </a:bodyPr>
+          <a:lstStyle/>
+          <a:p>
+            <a:pPr algn="ctr"/>
+            <a:r>
+              <a:rPr lang="zh-CN" altLang="en-US" sz="1693" b="1" dirty="0">
+                <a:solidFill>
+                  <a:srgbClr val="C00000"/>
+                </a:solidFill>
+                <a:latin typeface="+mn-ea"/>
+              </a:rPr>
+              <a:t>银行卡</a:t>
+            </a:r>
+          </a:p>
+        </p:txBody>
+      </p:sp>
+      <p:sp>
+        <p:nvSpPr>
+          <p:cNvPr id="56" name="文本框 55">
+            <a:extLst>
+              <a:ext uri="{FF2B5EF4-FFF2-40B4-BE49-F238E27FC236}">
+                <a16:creationId xmlns:a16="http://schemas.microsoft.com/office/drawing/2014/main" id="{223E20C5-6354-044C-B4D6-D8529945D5EF}"/>
+              </a:ext>
+            </a:extLst>
+          </p:cNvPr>
+          <p:cNvSpPr txBox="1"/>
+          <p:nvPr/>
+        </p:nvSpPr>
+        <p:spPr>
+          <a:xfrm>
+            <a:off x="4878551" y="3908959"/>
+            <a:ext cx="2715316" cy="255134"/>
+          </a:xfrm>
+          <a:prstGeom prst="rect">
+            <a:avLst/>
+          </a:prstGeom>
+          <a:noFill/>
+        </p:spPr>
+        <p:txBody>
+          <a:bodyPr wrap="square" rtlCol="0">
+            <a:spAutoFit/>
+          </a:bodyPr>
+          <a:lstStyle/>
+          <a:p>
+            <a:pPr algn="ctr"/>
+            <a:r>
+              <a:rPr lang="zh-CN" altLang="en-US" sz="1058" dirty="0">
+                <a:latin typeface="+mn-ea"/>
+              </a:rPr>
+              <a:t>信用卡、储蓄卡、地铁卡、饭卡</a:t>
+            </a:r>
+          </a:p>
+        </p:txBody>
+      </p:sp>
+      <p:sp>
+        <p:nvSpPr>
+          <p:cNvPr id="60" name="Rounded Rectangle 4">
+            <a:extLst>
+              <a:ext uri="{FF2B5EF4-FFF2-40B4-BE49-F238E27FC236}">
+                <a16:creationId xmlns:a16="http://schemas.microsoft.com/office/drawing/2014/main" id="{F6609698-76BD-D44F-93EB-8071451838E7}"/>
+              </a:ext>
+            </a:extLst>
+          </p:cNvPr>
+          <p:cNvSpPr/>
+          <p:nvPr/>
+        </p:nvSpPr>
+        <p:spPr>
+          <a:xfrm>
+            <a:off x="8609302" y="1770950"/>
+            <a:ext cx="2715316" cy="2996121"/>
+          </a:xfrm>
+          <a:prstGeom prst="roundRect">
+            <a:avLst>
+              <a:gd name="adj" fmla="val 2432"/>
+            </a:avLst>
+          </a:prstGeom>
+          <a:solidFill>
+            <a:schemeClr val="bg1">
+              <a:lumMod val="95000"/>
+            </a:schemeClr>
+          </a:solidFill>
+          <a:ln>
+            <a:noFill/>
+          </a:ln>
+        </p:spPr>
+        <p:style>
+          <a:lnRef idx="2">
+            <a:schemeClr val="accent1">
+              <a:shade val="50000"/>
+            </a:schemeClr>
+          </a:lnRef>
+          <a:fillRef idx="1">
+            <a:schemeClr val="accent1"/>
+          </a:fillRef>
+          <a:effectRef idx="0">
+            <a:schemeClr val="accent1"/>
+          </a:effectRef>
+          <a:fontRef idx="minor">
+            <a:schemeClr val="lt1"/>
+          </a:fontRef>
+        </p:style>
+        <p:txBody>
+          <a:bodyPr rtlCol="0" anchor="ctr"/>
+          <a:lstStyle/>
+          <a:p>
+            <a:pPr algn="ctr"/>
+            <a:endParaRPr kumimoji="1" lang="en-US" altLang="zh-CN" sz="1905" b="1" dirty="0">
+              <a:solidFill>
+                <a:srgbClr val="C00000"/>
+              </a:solidFill>
+            </a:endParaRPr>
+          </a:p>
+        </p:txBody>
+      </p:sp>
+      <p:sp>
+        <p:nvSpPr>
+          <p:cNvPr id="61" name="文本框 60">
+            <a:extLst>
+              <a:ext uri="{FF2B5EF4-FFF2-40B4-BE49-F238E27FC236}">
+                <a16:creationId xmlns:a16="http://schemas.microsoft.com/office/drawing/2014/main" id="{5D2F3745-4FA4-D04A-94FC-2CD28FD90042}"/>
+              </a:ext>
+            </a:extLst>
+          </p:cNvPr>
+          <p:cNvSpPr txBox="1"/>
+          <p:nvPr/>
+        </p:nvSpPr>
+        <p:spPr>
+          <a:xfrm>
+            <a:off x="8609302" y="3109830"/>
+            <a:ext cx="2759561" cy="352854"/>
+          </a:xfrm>
+          <a:prstGeom prst="rect">
+            <a:avLst/>
+          </a:prstGeom>
+          <a:noFill/>
+        </p:spPr>
+        <p:txBody>
+          <a:bodyPr wrap="square" rtlCol="0">
+            <a:spAutoFit/>
+          </a:bodyPr>
+          <a:lstStyle/>
+          <a:p>
+            <a:pPr algn="ctr"/>
+            <a:r>
+              <a:rPr lang="zh-CN" altLang="en-US" sz="1693" b="1" dirty="0">
+                <a:solidFill>
+                  <a:srgbClr val="C00000"/>
+                </a:solidFill>
+                <a:latin typeface="+mn-ea"/>
+              </a:rPr>
+              <a:t>编码实现</a:t>
+            </a:r>
+          </a:p>
+        </p:txBody>
+      </p:sp>
+      <p:sp>
+        <p:nvSpPr>
+          <p:cNvPr id="62" name="文本框 61">
+            <a:extLst>
+              <a:ext uri="{FF2B5EF4-FFF2-40B4-BE49-F238E27FC236}">
+                <a16:creationId xmlns:a16="http://schemas.microsoft.com/office/drawing/2014/main" id="{E746D5D7-CF11-CE45-ADF2-40EEB4C88A46}"/>
+              </a:ext>
+            </a:extLst>
+          </p:cNvPr>
+          <p:cNvSpPr txBox="1"/>
+          <p:nvPr/>
+        </p:nvSpPr>
+        <p:spPr>
+          <a:xfrm>
+            <a:off x="8609303" y="3908959"/>
+            <a:ext cx="2715316" cy="255134"/>
+          </a:xfrm>
+          <a:prstGeom prst="rect">
+            <a:avLst/>
+          </a:prstGeom>
+          <a:noFill/>
+        </p:spPr>
+        <p:txBody>
+          <a:bodyPr wrap="square" rtlCol="0">
+            <a:spAutoFit/>
+          </a:bodyPr>
+          <a:lstStyle/>
+          <a:p>
+            <a:pPr algn="ctr"/>
+            <a:r>
+              <a:rPr lang="zh-CN" altLang="en-US" sz="1058" dirty="0">
+                <a:latin typeface="+mn-ea"/>
+              </a:rPr>
+              <a:t>银行卡类、正向、逆向</a:t>
+            </a:r>
+          </a:p>
+        </p:txBody>
+      </p:sp>
+      <p:pic>
+        <p:nvPicPr>
+          <p:cNvPr id="65" name="图片 64">
+            <a:extLst>
+              <a:ext uri="{FF2B5EF4-FFF2-40B4-BE49-F238E27FC236}">
+                <a16:creationId xmlns:a16="http://schemas.microsoft.com/office/drawing/2014/main" id="{2391F3AA-A4D0-8944-A315-D52FE8ECB29C}"/>
+              </a:ext>
+            </a:extLst>
+          </p:cNvPr>
+          <p:cNvPicPr>
+            <a:picLocks noChangeAspect="1"/>
+          </p:cNvPicPr>
+          <p:nvPr/>
+        </p:nvPicPr>
+        <p:blipFill>
+          <a:blip r:embed="rId4"/>
+          <a:stretch>
+            <a:fillRect/>
+          </a:stretch>
+        </p:blipFill>
+        <p:spPr>
+          <a:xfrm>
+            <a:off x="9742565" y="2219490"/>
+            <a:ext cx="493033" cy="493033"/>
+          </a:xfrm>
+          <a:prstGeom prst="rect">
+            <a:avLst/>
+          </a:prstGeom>
+          <a:effectLst>
+            <a:outerShdw blurRad="50800" dist="38100" dir="2700000" algn="tl" rotWithShape="0">
+              <a:prstClr val="black">
+                <a:alpha val="40000"/>
+              </a:prstClr>
+            </a:outerShdw>
+          </a:effectLst>
+        </p:spPr>
+      </p:pic>
+      <p:sp>
+        <p:nvSpPr>
+          <p:cNvPr id="69" name="圆角矩形 68">
+            <a:extLst>
+              <a:ext uri="{FF2B5EF4-FFF2-40B4-BE49-F238E27FC236}">
+                <a16:creationId xmlns:a16="http://schemas.microsoft.com/office/drawing/2014/main" id="{E3CC9A0F-2A75-A548-8A30-11B39E7451A3}"/>
+              </a:ext>
+            </a:extLst>
+          </p:cNvPr>
+          <p:cNvSpPr/>
+          <p:nvPr/>
+        </p:nvSpPr>
+        <p:spPr>
+          <a:xfrm>
+            <a:off x="1147798" y="5352288"/>
+            <a:ext cx="10176820" cy="597408"/>
+          </a:xfrm>
+          <a:prstGeom prst="roundRect">
+            <a:avLst/>
+          </a:prstGeom>
+          <a:noFill/>
+          <a:ln>
+            <a:solidFill>
+              <a:schemeClr val="tx1">
+                <a:lumMod val="75000"/>
+                <a:lumOff val="25000"/>
+              </a:schemeClr>
+            </a:solidFill>
+            <a:prstDash val="dash"/>
+            <a:extLst>
+              <a:ext uri="{C807C97D-BFC1-408E-A445-0C87EB9F89A2}">
+                <ask:lineSketchStyleProps xmlns:ask="http://schemas.microsoft.com/office/drawing/2018/sketchyshapes">
+                  <ask:type>
+                    <ask:lineSketchFreehand/>
+                  </ask:type>
+                </ask:lineSketchStyleProps>
+              </a:ext>
+            </a:extLst>
+          </a:ln>
+        </p:spPr>
+        <p:style>
+          <a:lnRef idx="2">
+            <a:schemeClr val="accent1">
+              <a:shade val="50000"/>
+            </a:schemeClr>
+          </a:lnRef>
+          <a:fillRef idx="1">
+            <a:schemeClr val="accent1"/>
+          </a:fillRef>
+          <a:effectRef idx="0">
+            <a:schemeClr val="accent1"/>
+          </a:effectRef>
+          <a:fontRef idx="minor">
+            <a:schemeClr val="lt1"/>
+          </a:fontRef>
+        </p:style>
+        <p:txBody>
+          <a:bodyPr rtlCol="0" anchor="ctr"/>
+          <a:lstStyle/>
+          <a:p>
+            <a:pPr algn="ctr"/>
+            <a:r>
+              <a:rPr lang="zh-CN" altLang="en-US" sz="1600" b="1" dirty="0">
+                <a:solidFill>
+                  <a:schemeClr val="tx1">
+                    <a:lumMod val="85000"/>
+                    <a:lumOff val="15000"/>
+                  </a:schemeClr>
+                </a:solidFill>
+                <a:latin typeface="Xingkai SC Light" panose="02010600040101010101" pitchFamily="2" charset="-122"/>
+                <a:ea typeface="Xingkai SC Light" panose="02010600040101010101" pitchFamily="2" charset="-122"/>
+                <a:cs typeface="+mn-ea"/>
+                <a:sym typeface="+mn-lt"/>
+              </a:rPr>
+              <a:t>里氏替换</a:t>
+            </a:r>
+            <a:r>
+              <a:rPr lang="zh-CN" altLang="en-US" sz="1600" b="1" dirty="0">
+                <a:solidFill>
+                  <a:schemeClr val="tx1"/>
+                </a:solidFill>
+                <a:latin typeface="XINGKAI SC LIGHT" panose="02010600040101010101" pitchFamily="2" charset="-122"/>
+                <a:ea typeface="XINGKAI SC LIGHT" panose="02010600040101010101" pitchFamily="2" charset="-122"/>
+              </a:rPr>
+              <a:t>原则，</a:t>
+            </a:r>
+            <a:r>
+              <a:rPr lang="zh-CN" altLang="en-US" sz="1600" dirty="0">
+                <a:solidFill>
+                  <a:schemeClr val="tx1"/>
+                </a:solidFill>
+                <a:latin typeface="Xingkai SC Light" panose="02010600040101010101" pitchFamily="2" charset="-122"/>
+                <a:ea typeface="Xingkai SC Light" panose="02010600040101010101" pitchFamily="2" charset="-122"/>
+              </a:rPr>
+              <a:t>继承必须确保超类所拥有的性质在子类中依然成立。</a:t>
+            </a:r>
+          </a:p>
+        </p:txBody>
+      </p:sp>
+      <p:pic>
+        <p:nvPicPr>
+          <p:cNvPr id="4" name="图片 3">
+            <a:extLst>
+              <a:ext uri="{FF2B5EF4-FFF2-40B4-BE49-F238E27FC236}">
+                <a16:creationId xmlns:a16="http://schemas.microsoft.com/office/drawing/2014/main" id="{A205BE45-AB81-1545-A7F0-ACC683A49903}"/>
+              </a:ext>
+            </a:extLst>
+          </p:cNvPr>
+          <p:cNvPicPr>
+            <a:picLocks noChangeAspect="1"/>
+          </p:cNvPicPr>
+          <p:nvPr/>
+        </p:nvPicPr>
+        <p:blipFill>
+          <a:blip r:embed="rId5"/>
+          <a:stretch>
+            <a:fillRect/>
+          </a:stretch>
+        </p:blipFill>
+        <p:spPr>
+          <a:xfrm>
+            <a:off x="5884992" y="2114790"/>
+            <a:ext cx="702432" cy="702432"/>
+          </a:xfrm>
+          <a:prstGeom prst="rect">
+            <a:avLst/>
+          </a:prstGeom>
+          <a:effectLst>
+            <a:outerShdw blurRad="50800" dist="38100" dir="2700000" algn="tl" rotWithShape="0">
+              <a:prstClr val="black">
+                <a:alpha val="40000"/>
+              </a:prstClr>
+            </a:outerShdw>
+          </a:effectLst>
+        </p:spPr>
+      </p:pic>
+    </p:spTree>
+    <p:extLst>
+      <p:ext uri="{BB962C8B-B14F-4D97-AF65-F5344CB8AC3E}">
+        <p14:creationId xmlns:p14="http://schemas.microsoft.com/office/powerpoint/2010/main" val="3777916313"/>
+      </p:ext>
+    </p:extLst>
+  </p:cSld>
+  <p:clrMapOvr>
+    <a:masterClrMapping/>
+  </p:clrMapOvr>
+</p:sld>
+</file>
+
+<file path=ppt/slides/slide9.xml><?xml version="1.0" encoding="utf-8"?>
+<p:sld xmlns:a="http://schemas.openxmlformats.org/drawingml/2006/main" xmlns:r="http://schemas.openxmlformats.org/officeDocument/2006/relationships" xmlns:p="http://schemas.openxmlformats.org/presentationml/2006/main">
+  <p:cSld>
+    <p:spTree>
+      <p:nvGrpSpPr>
+        <p:cNvPr id="1" name=""/>
+        <p:cNvGrpSpPr/>
+        <p:nvPr/>
+      </p:nvGrpSpPr>
+      <p:grpSpPr>
+        <a:xfrm>
+          <a:off x="0" y="0"/>
+          <a:ext cx="0" cy="0"/>
+          <a:chOff x="0" y="0"/>
+          <a:chExt cx="0" cy="0"/>
+        </a:xfrm>
+      </p:grpSpPr>
+      <p:sp>
+        <p:nvSpPr>
+          <p:cNvPr id="4" name="剪去单角的矩形 3">
+            <a:extLst>
+              <a:ext uri="{FF2B5EF4-FFF2-40B4-BE49-F238E27FC236}">
+                <a16:creationId xmlns:a16="http://schemas.microsoft.com/office/drawing/2014/main" id="{81E78ADB-BB54-3C42-9014-3EA434A04FB4}"/>
+              </a:ext>
+            </a:extLst>
+          </p:cNvPr>
+          <p:cNvSpPr/>
+          <p:nvPr/>
+        </p:nvSpPr>
+        <p:spPr>
+          <a:xfrm>
+            <a:off x="1627632" y="365760"/>
+            <a:ext cx="3304032" cy="1633728"/>
+          </a:xfrm>
+          <a:prstGeom prst="snip1Rect">
+            <a:avLst/>
+          </a:prstGeom>
+          <a:noFill/>
+          <a:ln w="19050">
+            <a:solidFill>
+              <a:schemeClr val="tx1"/>
+            </a:solidFill>
+          </a:ln>
+        </p:spPr>
+        <p:style>
+          <a:lnRef idx="2">
+            <a:schemeClr val="accent1">
+              <a:shade val="50000"/>
+            </a:schemeClr>
+          </a:lnRef>
+          <a:fillRef idx="1">
+            <a:schemeClr val="accent1"/>
+          </a:fillRef>
+          <a:effectRef idx="0">
+            <a:schemeClr val="accent1"/>
+          </a:effectRef>
+          <a:fontRef idx="minor">
+            <a:schemeClr val="lt1"/>
+          </a:fontRef>
+        </p:style>
+        <p:txBody>
+          <a:bodyPr rtlCol="0" anchor="ctr"/>
+          <a:lstStyle/>
+          <a:p>
+            <a:pPr algn="ctr"/>
+            <a:r>
+              <a:rPr kumimoji="1" lang="zh-CN" altLang="en-US" b="1" dirty="0">
+                <a:solidFill>
+                  <a:schemeClr val="tx1"/>
+                </a:solidFill>
+              </a:rPr>
+              <a:t>卡</a:t>
+            </a:r>
+          </a:p>
+        </p:txBody>
+      </p:sp>
+      <p:sp>
+        <p:nvSpPr>
+          <p:cNvPr id="5" name="剪去单角的矩形 4">
+            <a:extLst>
+              <a:ext uri="{FF2B5EF4-FFF2-40B4-BE49-F238E27FC236}">
+                <a16:creationId xmlns:a16="http://schemas.microsoft.com/office/drawing/2014/main" id="{08DE8676-F915-CB47-8048-FF6735D327BC}"/>
+              </a:ext>
+            </a:extLst>
+          </p:cNvPr>
+          <p:cNvSpPr/>
+          <p:nvPr/>
+        </p:nvSpPr>
+        <p:spPr>
+          <a:xfrm>
+            <a:off x="1627632" y="2676145"/>
+            <a:ext cx="3304032" cy="1633728"/>
+          </a:xfrm>
+          <a:prstGeom prst="snip1Rect">
+            <a:avLst/>
+          </a:prstGeom>
+          <a:noFill/>
+          <a:ln w="19050">
+            <a:solidFill>
+              <a:schemeClr val="tx1"/>
+            </a:solidFill>
+          </a:ln>
+        </p:spPr>
+        <p:style>
+          <a:lnRef idx="2">
+            <a:schemeClr val="accent1">
+              <a:shade val="50000"/>
+            </a:schemeClr>
+          </a:lnRef>
+          <a:fillRef idx="1">
+            <a:schemeClr val="accent1"/>
+          </a:fillRef>
+          <a:effectRef idx="0">
+            <a:schemeClr val="accent1"/>
+          </a:effectRef>
+          <a:fontRef idx="minor">
+            <a:schemeClr val="lt1"/>
+          </a:fontRef>
+        </p:style>
+        <p:txBody>
+          <a:bodyPr rtlCol="0" anchor="ctr"/>
+          <a:lstStyle/>
+          <a:p>
+            <a:pPr algn="ctr"/>
+            <a:r>
+              <a:rPr kumimoji="1" lang="zh-CN" altLang="en-US" b="1" dirty="0">
+                <a:solidFill>
+                  <a:schemeClr val="tx1"/>
+                </a:solidFill>
+              </a:rPr>
+              <a:t>储蓄卡 </a:t>
+            </a:r>
+          </a:p>
+        </p:txBody>
+      </p:sp>
+      <p:sp>
+        <p:nvSpPr>
+          <p:cNvPr id="6" name="剪去单角的矩形 5">
+            <a:extLst>
+              <a:ext uri="{FF2B5EF4-FFF2-40B4-BE49-F238E27FC236}">
+                <a16:creationId xmlns:a16="http://schemas.microsoft.com/office/drawing/2014/main" id="{CC010DA9-63A7-464B-B429-9050CDBE15D8}"/>
+              </a:ext>
+            </a:extLst>
+          </p:cNvPr>
+          <p:cNvSpPr/>
+          <p:nvPr/>
+        </p:nvSpPr>
+        <p:spPr>
+          <a:xfrm>
+            <a:off x="6022848" y="2676145"/>
+            <a:ext cx="3304032" cy="1633728"/>
+          </a:xfrm>
+          <a:prstGeom prst="snip1Rect">
+            <a:avLst/>
+          </a:prstGeom>
+          <a:noFill/>
+          <a:ln w="19050">
+            <a:solidFill>
+              <a:schemeClr val="tx1"/>
+            </a:solidFill>
+          </a:ln>
+        </p:spPr>
+        <p:style>
+          <a:lnRef idx="2">
+            <a:schemeClr val="accent1">
+              <a:shade val="50000"/>
+            </a:schemeClr>
+          </a:lnRef>
+          <a:fillRef idx="1">
+            <a:schemeClr val="accent1"/>
+          </a:fillRef>
+          <a:effectRef idx="0">
+            <a:schemeClr val="accent1"/>
+          </a:effectRef>
+          <a:fontRef idx="minor">
+            <a:schemeClr val="lt1"/>
+          </a:fontRef>
+        </p:style>
+        <p:txBody>
+          <a:bodyPr rtlCol="0" anchor="ctr"/>
+          <a:lstStyle/>
+          <a:p>
+            <a:pPr algn="ctr"/>
+            <a:r>
+              <a:rPr kumimoji="1" lang="zh-CN" altLang="en-US" b="1" dirty="0">
+                <a:solidFill>
+                  <a:schemeClr val="tx1"/>
+                </a:solidFill>
+              </a:rPr>
+              <a:t>地铁卡 </a:t>
+            </a:r>
+          </a:p>
+        </p:txBody>
+      </p:sp>
+      <p:cxnSp>
+        <p:nvCxnSpPr>
+          <p:cNvPr id="9" name="直线箭头连接符 8">
+            <a:extLst>
+              <a:ext uri="{FF2B5EF4-FFF2-40B4-BE49-F238E27FC236}">
+                <a16:creationId xmlns:a16="http://schemas.microsoft.com/office/drawing/2014/main" id="{7E80D47A-E40F-C149-8CC2-F52F1383F2EB}"/>
+              </a:ext>
+            </a:extLst>
+          </p:cNvPr>
+          <p:cNvCxnSpPr>
+            <a:stCxn id="5" idx="3"/>
+            <a:endCxn id="4" idx="1"/>
+          </p:cNvCxnSpPr>
+          <p:nvPr/>
+        </p:nvCxnSpPr>
+        <p:spPr>
+          <a:xfrm flipV="1">
+            <a:off x="3279648" y="1999488"/>
+            <a:ext cx="0" cy="676657"/>
+          </a:xfrm>
+          <a:prstGeom prst="straightConnector1">
+            <a:avLst/>
+          </a:prstGeom>
+          <a:ln w="12700">
+            <a:solidFill>
+              <a:schemeClr val="tx1"/>
+            </a:solidFill>
+            <a:tailEnd type="triangle"/>
+          </a:ln>
+        </p:spPr>
+        <p:style>
+          <a:lnRef idx="1">
+            <a:schemeClr val="accent1"/>
+          </a:lnRef>
+          <a:fillRef idx="0">
+            <a:schemeClr val="accent1"/>
+          </a:fillRef>
+          <a:effectRef idx="0">
+            <a:schemeClr val="accent1"/>
+          </a:effectRef>
+          <a:fontRef idx="minor">
+            <a:schemeClr val="tx1"/>
+          </a:fontRef>
+        </p:style>
+      </p:cxnSp>
+      <p:cxnSp>
+        <p:nvCxnSpPr>
+          <p:cNvPr id="13" name="曲线连接符 12">
+            <a:extLst>
+              <a:ext uri="{FF2B5EF4-FFF2-40B4-BE49-F238E27FC236}">
+                <a16:creationId xmlns:a16="http://schemas.microsoft.com/office/drawing/2014/main" id="{7386224C-7F5A-EF43-B44A-FCFDAA29B13C}"/>
+              </a:ext>
+            </a:extLst>
+          </p:cNvPr>
+          <p:cNvCxnSpPr>
+            <a:stCxn id="6" idx="3"/>
+            <a:endCxn id="4" idx="1"/>
+          </p:cNvCxnSpPr>
+          <p:nvPr/>
+        </p:nvCxnSpPr>
+        <p:spPr>
+          <a:xfrm rot="16200000" flipV="1">
+            <a:off x="5138928" y="140209"/>
+            <a:ext cx="676657" cy="4395216"/>
+          </a:xfrm>
+          <a:prstGeom prst="curvedConnector3">
+            <a:avLst/>
+          </a:prstGeom>
+          <a:ln w="12700">
+            <a:solidFill>
+              <a:schemeClr val="tx1"/>
+            </a:solidFill>
+            <a:tailEnd type="triangle"/>
+          </a:ln>
+        </p:spPr>
+        <p:style>
+          <a:lnRef idx="1">
+            <a:schemeClr val="accent1"/>
+          </a:lnRef>
+          <a:fillRef idx="0">
+            <a:schemeClr val="accent1"/>
+          </a:fillRef>
+          <a:effectRef idx="0">
+            <a:schemeClr val="accent1"/>
+          </a:effectRef>
+          <a:fontRef idx="minor">
+            <a:schemeClr val="tx1"/>
+          </a:fontRef>
+        </p:style>
+      </p:cxnSp>
+    </p:spTree>
+    <p:extLst>
+      <p:ext uri="{BB962C8B-B14F-4D97-AF65-F5344CB8AC3E}">
+        <p14:creationId xmlns:p14="http://schemas.microsoft.com/office/powerpoint/2010/main" val="3194885600"/>
       </p:ext>
     </p:extLst>
   </p:cSld>

--- a/docs/assets/图稿.pptx
+++ b/docs/assets/图稿.pptx
@@ -5,7 +5,7 @@
     <p:sldMasterId id="2147483648" r:id="rId1"/>
   </p:sldMasterIdLst>
   <p:notesMasterIdLst>
-    <p:notesMasterId r:id="rId12"/>
+    <p:notesMasterId r:id="rId14"/>
   </p:notesMasterIdLst>
   <p:sldIdLst>
     <p:sldId id="262" r:id="rId2"/>
@@ -18,6 +18,8 @@
     <p:sldId id="265" r:id="rId9"/>
     <p:sldId id="266" r:id="rId10"/>
     <p:sldId id="267" r:id="rId11"/>
+    <p:sldId id="269" r:id="rId12"/>
+    <p:sldId id="268" r:id="rId13"/>
   </p:sldIdLst>
   <p:sldSz cx="12192000" cy="6858000"/>
   <p:notesSz cx="6858000" cy="9144000"/>
@@ -139,6 +141,8 @@
             <p14:sldId id="265"/>
             <p14:sldId id="266"/>
             <p14:sldId id="267"/>
+            <p14:sldId id="269"/>
+            <p14:sldId id="268"/>
           </p14:sldIdLst>
         </p14:section>
       </p14:sectionLst>
@@ -232,7 +236,7 @@
           <a:p>
             <a:fld id="{3533513E-8777-384F-BF50-565235350325}" type="datetimeFigureOut">
               <a:rPr kumimoji="1" lang="zh-CN" altLang="en-US" smtClean="0"/>
-              <a:t>2022/3/5</a:t>
+              <a:t>2022/3/8</a:t>
             </a:fld>
             <a:endParaRPr kumimoji="1" lang="zh-CN" altLang="en-US"/>
           </a:p>
@@ -564,7 +568,7 @@
           <a:p>
             <a:fld id="{F27ACFC7-DDB1-344E-839F-3E9A781B1DD5}" type="slidenum">
               <a:rPr kumimoji="1" lang="zh-CN" altLang="en-US" smtClean="0"/>
-              <a:t>7</a:t>
+              <a:t>1</a:t>
             </a:fld>
             <a:endParaRPr kumimoji="1" lang="zh-CN" altLang="en-US"/>
           </a:p>
@@ -573,7 +577,7 @@
     </p:spTree>
     <p:extLst>
       <p:ext uri="{BB962C8B-B14F-4D97-AF65-F5344CB8AC3E}">
-        <p14:creationId xmlns:p14="http://schemas.microsoft.com/office/powerpoint/2010/main" val="2287697759"/>
+        <p14:creationId xmlns:p14="http://schemas.microsoft.com/office/powerpoint/2010/main" val="2544139054"/>
       </p:ext>
     </p:extLst>
   </p:cSld>
@@ -648,6 +652,90 @@
           <a:p>
             <a:fld id="{F27ACFC7-DDB1-344E-839F-3E9A781B1DD5}" type="slidenum">
               <a:rPr kumimoji="1" lang="zh-CN" altLang="en-US" smtClean="0"/>
+              <a:t>7</a:t>
+            </a:fld>
+            <a:endParaRPr kumimoji="1" lang="zh-CN" altLang="en-US"/>
+          </a:p>
+        </p:txBody>
+      </p:sp>
+    </p:spTree>
+    <p:extLst>
+      <p:ext uri="{BB962C8B-B14F-4D97-AF65-F5344CB8AC3E}">
+        <p14:creationId xmlns:p14="http://schemas.microsoft.com/office/powerpoint/2010/main" val="2287697759"/>
+      </p:ext>
+    </p:extLst>
+  </p:cSld>
+  <p:clrMapOvr>
+    <a:masterClrMapping/>
+  </p:clrMapOvr>
+</p:notes>
+</file>
+
+<file path=ppt/notesSlides/notesSlide3.xml><?xml version="1.0" encoding="utf-8"?>
+<p:notes xmlns:a="http://schemas.openxmlformats.org/drawingml/2006/main" xmlns:r="http://schemas.openxmlformats.org/officeDocument/2006/relationships" xmlns:p="http://schemas.openxmlformats.org/presentationml/2006/main">
+  <p:cSld>
+    <p:spTree>
+      <p:nvGrpSpPr>
+        <p:cNvPr id="1" name=""/>
+        <p:cNvGrpSpPr/>
+        <p:nvPr/>
+      </p:nvGrpSpPr>
+      <p:grpSpPr>
+        <a:xfrm>
+          <a:off x="0" y="0"/>
+          <a:ext cx="0" cy="0"/>
+          <a:chOff x="0" y="0"/>
+          <a:chExt cx="0" cy="0"/>
+        </a:xfrm>
+      </p:grpSpPr>
+      <p:sp>
+        <p:nvSpPr>
+          <p:cNvPr id="2" name="幻灯片图像占位符 1"/>
+          <p:cNvSpPr>
+            <a:spLocks noGrp="1" noRot="1" noChangeAspect="1"/>
+          </p:cNvSpPr>
+          <p:nvPr>
+            <p:ph type="sldImg"/>
+          </p:nvPr>
+        </p:nvSpPr>
+        <p:spPr/>
+      </p:sp>
+      <p:sp>
+        <p:nvSpPr>
+          <p:cNvPr id="3" name="备注占位符 2"/>
+          <p:cNvSpPr>
+            <a:spLocks noGrp="1"/>
+          </p:cNvSpPr>
+          <p:nvPr>
+            <p:ph type="body" idx="1"/>
+          </p:nvPr>
+        </p:nvSpPr>
+        <p:spPr/>
+        <p:txBody>
+          <a:bodyPr/>
+          <a:lstStyle/>
+          <a:p>
+            <a:endParaRPr kumimoji="1" lang="zh-CN" altLang="en-US" dirty="0"/>
+          </a:p>
+        </p:txBody>
+      </p:sp>
+      <p:sp>
+        <p:nvSpPr>
+          <p:cNvPr id="4" name="灯片编号占位符 3"/>
+          <p:cNvSpPr>
+            <a:spLocks noGrp="1"/>
+          </p:cNvSpPr>
+          <p:nvPr>
+            <p:ph type="sldNum" sz="quarter" idx="5"/>
+          </p:nvPr>
+        </p:nvSpPr>
+        <p:spPr/>
+        <p:txBody>
+          <a:bodyPr/>
+          <a:lstStyle/>
+          <a:p>
+            <a:fld id="{F27ACFC7-DDB1-344E-839F-3E9A781B1DD5}" type="slidenum">
+              <a:rPr kumimoji="1" lang="zh-CN" altLang="en-US" smtClean="0"/>
               <a:t>8</a:t>
             </a:fld>
             <a:endParaRPr kumimoji="1" lang="zh-CN" altLang="en-US"/>
@@ -658,6 +746,181 @@
     <p:extLst>
       <p:ext uri="{BB962C8B-B14F-4D97-AF65-F5344CB8AC3E}">
         <p14:creationId xmlns:p14="http://schemas.microsoft.com/office/powerpoint/2010/main" val="1392667786"/>
+      </p:ext>
+    </p:extLst>
+  </p:cSld>
+  <p:clrMapOvr>
+    <a:masterClrMapping/>
+  </p:clrMapOvr>
+</p:notes>
+</file>
+
+<file path=ppt/notesSlides/notesSlide4.xml><?xml version="1.0" encoding="utf-8"?>
+<p:notes xmlns:a="http://schemas.openxmlformats.org/drawingml/2006/main" xmlns:r="http://schemas.openxmlformats.org/officeDocument/2006/relationships" xmlns:p="http://schemas.openxmlformats.org/presentationml/2006/main">
+  <p:cSld>
+    <p:spTree>
+      <p:nvGrpSpPr>
+        <p:cNvPr id="1" name=""/>
+        <p:cNvGrpSpPr/>
+        <p:nvPr/>
+      </p:nvGrpSpPr>
+      <p:grpSpPr>
+        <a:xfrm>
+          <a:off x="0" y="0"/>
+          <a:ext cx="0" cy="0"/>
+          <a:chOff x="0" y="0"/>
+          <a:chExt cx="0" cy="0"/>
+        </a:xfrm>
+      </p:grpSpPr>
+      <p:sp>
+        <p:nvSpPr>
+          <p:cNvPr id="2" name="幻灯片图像占位符 1"/>
+          <p:cNvSpPr>
+            <a:spLocks noGrp="1" noRot="1" noChangeAspect="1"/>
+          </p:cNvSpPr>
+          <p:nvPr>
+            <p:ph type="sldImg"/>
+          </p:nvPr>
+        </p:nvSpPr>
+        <p:spPr/>
+      </p:sp>
+      <p:sp>
+        <p:nvSpPr>
+          <p:cNvPr id="3" name="备注占位符 2"/>
+          <p:cNvSpPr>
+            <a:spLocks noGrp="1"/>
+          </p:cNvSpPr>
+          <p:nvPr>
+            <p:ph type="body" idx="1"/>
+          </p:nvPr>
+        </p:nvSpPr>
+        <p:spPr/>
+        <p:txBody>
+          <a:bodyPr/>
+          <a:lstStyle/>
+          <a:p>
+            <a:endParaRPr kumimoji="1" lang="zh-CN" altLang="en-US" dirty="0"/>
+          </a:p>
+        </p:txBody>
+      </p:sp>
+      <p:sp>
+        <p:nvSpPr>
+          <p:cNvPr id="4" name="灯片编号占位符 3"/>
+          <p:cNvSpPr>
+            <a:spLocks noGrp="1"/>
+          </p:cNvSpPr>
+          <p:nvPr>
+            <p:ph type="sldNum" sz="quarter" idx="5"/>
+          </p:nvPr>
+        </p:nvSpPr>
+        <p:spPr/>
+        <p:txBody>
+          <a:bodyPr/>
+          <a:lstStyle/>
+          <a:p>
+            <a:fld id="{F27ACFC7-DDB1-344E-839F-3E9A781B1DD5}" type="slidenum">
+              <a:rPr kumimoji="1" lang="zh-CN" altLang="en-US" smtClean="0"/>
+              <a:t>11</a:t>
+            </a:fld>
+            <a:endParaRPr kumimoji="1" lang="zh-CN" altLang="en-US"/>
+          </a:p>
+        </p:txBody>
+      </p:sp>
+    </p:spTree>
+    <p:extLst>
+      <p:ext uri="{BB962C8B-B14F-4D97-AF65-F5344CB8AC3E}">
+        <p14:creationId xmlns:p14="http://schemas.microsoft.com/office/powerpoint/2010/main" val="1667246031"/>
+      </p:ext>
+    </p:extLst>
+  </p:cSld>
+  <p:clrMapOvr>
+    <a:masterClrMapping/>
+  </p:clrMapOvr>
+</p:notes>
+</file>
+
+<file path=ppt/notesSlides/notesSlide5.xml><?xml version="1.0" encoding="utf-8"?>
+<p:notes xmlns:a="http://schemas.openxmlformats.org/drawingml/2006/main" xmlns:r="http://schemas.openxmlformats.org/officeDocument/2006/relationships" xmlns:p="http://schemas.openxmlformats.org/presentationml/2006/main">
+  <p:cSld>
+    <p:spTree>
+      <p:nvGrpSpPr>
+        <p:cNvPr id="1" name=""/>
+        <p:cNvGrpSpPr/>
+        <p:nvPr/>
+      </p:nvGrpSpPr>
+      <p:grpSpPr>
+        <a:xfrm>
+          <a:off x="0" y="0"/>
+          <a:ext cx="0" cy="0"/>
+          <a:chOff x="0" y="0"/>
+          <a:chExt cx="0" cy="0"/>
+        </a:xfrm>
+      </p:grpSpPr>
+      <p:sp>
+        <p:nvSpPr>
+          <p:cNvPr id="2" name="幻灯片图像占位符 1"/>
+          <p:cNvSpPr>
+            <a:spLocks noGrp="1" noRot="1" noChangeAspect="1"/>
+          </p:cNvSpPr>
+          <p:nvPr>
+            <p:ph type="sldImg"/>
+          </p:nvPr>
+        </p:nvSpPr>
+        <p:spPr/>
+      </p:sp>
+      <p:sp>
+        <p:nvSpPr>
+          <p:cNvPr id="3" name="备注占位符 2"/>
+          <p:cNvSpPr>
+            <a:spLocks noGrp="1"/>
+          </p:cNvSpPr>
+          <p:nvPr>
+            <p:ph type="body" idx="1"/>
+          </p:nvPr>
+        </p:nvSpPr>
+        <p:spPr/>
+        <p:txBody>
+          <a:bodyPr/>
+          <a:lstStyle/>
+          <a:p>
+            <a:r>
+              <a:rPr kumimoji="1" lang="en-US" altLang="zh-CN" dirty="0"/>
+              <a:t>1.</a:t>
+            </a:r>
+            <a:r>
+              <a:rPr kumimoji="1" lang="zh-CN" altLang="en-US" dirty="0"/>
+              <a:t> 越少知道越少，如果领导总是插手你的事，不仅不会提升工作效率，反而还会降低工作效率。就像产品跟研发说，你这块再给我加个功能，那不就是一行的代码吗，你搞定下，你是专业的。</a:t>
+            </a:r>
+          </a:p>
+        </p:txBody>
+      </p:sp>
+      <p:sp>
+        <p:nvSpPr>
+          <p:cNvPr id="4" name="灯片编号占位符 3"/>
+          <p:cNvSpPr>
+            <a:spLocks noGrp="1"/>
+          </p:cNvSpPr>
+          <p:nvPr>
+            <p:ph type="sldNum" sz="quarter" idx="5"/>
+          </p:nvPr>
+        </p:nvSpPr>
+        <p:spPr/>
+        <p:txBody>
+          <a:bodyPr/>
+          <a:lstStyle/>
+          <a:p>
+            <a:fld id="{F27ACFC7-DDB1-344E-839F-3E9A781B1DD5}" type="slidenum">
+              <a:rPr kumimoji="1" lang="zh-CN" altLang="en-US" smtClean="0"/>
+              <a:t>12</a:t>
+            </a:fld>
+            <a:endParaRPr kumimoji="1" lang="zh-CN" altLang="en-US"/>
+          </a:p>
+        </p:txBody>
+      </p:sp>
+    </p:spTree>
+    <p:extLst>
+      <p:ext uri="{BB962C8B-B14F-4D97-AF65-F5344CB8AC3E}">
+        <p14:creationId xmlns:p14="http://schemas.microsoft.com/office/powerpoint/2010/main" val="2529457379"/>
       </p:ext>
     </p:extLst>
   </p:cSld>
@@ -814,7 +1077,7 @@
           <a:p>
             <a:fld id="{09B68B07-A161-0343-89C9-3CA09E00E5F4}" type="datetimeFigureOut">
               <a:rPr kumimoji="1" lang="zh-CN" altLang="en-US" smtClean="0"/>
-              <a:t>2022/3/5</a:t>
+              <a:t>2022/3/8</a:t>
             </a:fld>
             <a:endParaRPr kumimoji="1" lang="zh-CN" altLang="en-US"/>
           </a:p>
@@ -1012,7 +1275,7 @@
           <a:p>
             <a:fld id="{09B68B07-A161-0343-89C9-3CA09E00E5F4}" type="datetimeFigureOut">
               <a:rPr kumimoji="1" lang="zh-CN" altLang="en-US" smtClean="0"/>
-              <a:t>2022/3/5</a:t>
+              <a:t>2022/3/8</a:t>
             </a:fld>
             <a:endParaRPr kumimoji="1" lang="zh-CN" altLang="en-US"/>
           </a:p>
@@ -1220,7 +1483,7 @@
           <a:p>
             <a:fld id="{09B68B07-A161-0343-89C9-3CA09E00E5F4}" type="datetimeFigureOut">
               <a:rPr kumimoji="1" lang="zh-CN" altLang="en-US" smtClean="0"/>
-              <a:t>2022/3/5</a:t>
+              <a:t>2022/3/8</a:t>
             </a:fld>
             <a:endParaRPr kumimoji="1" lang="zh-CN" altLang="en-US"/>
           </a:p>
@@ -1418,7 +1681,7 @@
           <a:p>
             <a:fld id="{09B68B07-A161-0343-89C9-3CA09E00E5F4}" type="datetimeFigureOut">
               <a:rPr kumimoji="1" lang="zh-CN" altLang="en-US" smtClean="0"/>
-              <a:t>2022/3/5</a:t>
+              <a:t>2022/3/8</a:t>
             </a:fld>
             <a:endParaRPr kumimoji="1" lang="zh-CN" altLang="en-US"/>
           </a:p>
@@ -1693,7 +1956,7 @@
           <a:p>
             <a:fld id="{09B68B07-A161-0343-89C9-3CA09E00E5F4}" type="datetimeFigureOut">
               <a:rPr kumimoji="1" lang="zh-CN" altLang="en-US" smtClean="0"/>
-              <a:t>2022/3/5</a:t>
+              <a:t>2022/3/8</a:t>
             </a:fld>
             <a:endParaRPr kumimoji="1" lang="zh-CN" altLang="en-US"/>
           </a:p>
@@ -1958,7 +2221,7 @@
           <a:p>
             <a:fld id="{09B68B07-A161-0343-89C9-3CA09E00E5F4}" type="datetimeFigureOut">
               <a:rPr kumimoji="1" lang="zh-CN" altLang="en-US" smtClean="0"/>
-              <a:t>2022/3/5</a:t>
+              <a:t>2022/3/8</a:t>
             </a:fld>
             <a:endParaRPr kumimoji="1" lang="zh-CN" altLang="en-US"/>
           </a:p>
@@ -2370,7 +2633,7 @@
           <a:p>
             <a:fld id="{09B68B07-A161-0343-89C9-3CA09E00E5F4}" type="datetimeFigureOut">
               <a:rPr kumimoji="1" lang="zh-CN" altLang="en-US" smtClean="0"/>
-              <a:t>2022/3/5</a:t>
+              <a:t>2022/3/8</a:t>
             </a:fld>
             <a:endParaRPr kumimoji="1" lang="zh-CN" altLang="en-US"/>
           </a:p>
@@ -2511,7 +2774,7 @@
           <a:p>
             <a:fld id="{09B68B07-A161-0343-89C9-3CA09E00E5F4}" type="datetimeFigureOut">
               <a:rPr kumimoji="1" lang="zh-CN" altLang="en-US" smtClean="0"/>
-              <a:t>2022/3/5</a:t>
+              <a:t>2022/3/8</a:t>
             </a:fld>
             <a:endParaRPr kumimoji="1" lang="zh-CN" altLang="en-US"/>
           </a:p>
@@ -2624,7 +2887,7 @@
           <a:p>
             <a:fld id="{09B68B07-A161-0343-89C9-3CA09E00E5F4}" type="datetimeFigureOut">
               <a:rPr kumimoji="1" lang="zh-CN" altLang="en-US" smtClean="0"/>
-              <a:t>2022/3/5</a:t>
+              <a:t>2022/3/8</a:t>
             </a:fld>
             <a:endParaRPr kumimoji="1" lang="zh-CN" altLang="en-US"/>
           </a:p>
@@ -2935,7 +3198,7 @@
           <a:p>
             <a:fld id="{09B68B07-A161-0343-89C9-3CA09E00E5F4}" type="datetimeFigureOut">
               <a:rPr kumimoji="1" lang="zh-CN" altLang="en-US" smtClean="0"/>
-              <a:t>2022/3/5</a:t>
+              <a:t>2022/3/8</a:t>
             </a:fld>
             <a:endParaRPr kumimoji="1" lang="zh-CN" altLang="en-US"/>
           </a:p>
@@ -3223,7 +3486,7 @@
           <a:p>
             <a:fld id="{09B68B07-A161-0343-89C9-3CA09E00E5F4}" type="datetimeFigureOut">
               <a:rPr kumimoji="1" lang="zh-CN" altLang="en-US" smtClean="0"/>
-              <a:t>2022/3/5</a:t>
+              <a:t>2022/3/8</a:t>
             </a:fld>
             <a:endParaRPr kumimoji="1" lang="zh-CN" altLang="en-US"/>
           </a:p>
@@ -3464,7 +3727,7 @@
           <a:p>
             <a:fld id="{09B68B07-A161-0343-89C9-3CA09E00E5F4}" type="datetimeFigureOut">
               <a:rPr kumimoji="1" lang="zh-CN" altLang="en-US" smtClean="0"/>
-              <a:t>2022/3/5</a:t>
+              <a:t>2022/3/8</a:t>
             </a:fld>
             <a:endParaRPr kumimoji="1" lang="zh-CN" altLang="en-US"/>
           </a:p>
@@ -3912,7 +4175,7 @@
             <p:nvPr/>
           </p:nvPicPr>
           <p:blipFill>
-            <a:blip r:embed="rId2"/>
+            <a:blip r:embed="rId3"/>
             <a:stretch>
               <a:fillRect/>
             </a:stretch>
@@ -3942,7 +4205,7 @@
             <p:nvPr/>
           </p:nvPicPr>
           <p:blipFill>
-            <a:blip r:embed="rId3"/>
+            <a:blip r:embed="rId4"/>
             <a:stretch>
               <a:fillRect/>
             </a:stretch>
@@ -3972,7 +4235,7 @@
             <p:nvPr/>
           </p:nvPicPr>
           <p:blipFill>
-            <a:blip r:embed="rId4"/>
+            <a:blip r:embed="rId5"/>
             <a:stretch>
               <a:fillRect/>
             </a:stretch>
@@ -4002,7 +4265,7 @@
             <p:nvPr/>
           </p:nvPicPr>
           <p:blipFill>
-            <a:blip r:embed="rId5"/>
+            <a:blip r:embed="rId6"/>
             <a:stretch>
               <a:fillRect/>
             </a:stretch>
@@ -4032,7 +4295,7 @@
             <p:nvPr/>
           </p:nvPicPr>
           <p:blipFill>
-            <a:blip r:embed="rId6"/>
+            <a:blip r:embed="rId7"/>
             <a:stretch>
               <a:fillRect/>
             </a:stretch>
@@ -4144,7 +4407,7 @@
           <p:nvPr/>
         </p:nvPicPr>
         <p:blipFill>
-          <a:blip r:embed="rId7"/>
+          <a:blip r:embed="rId8"/>
           <a:stretch>
             <a:fillRect/>
           </a:stretch>
@@ -4518,7 +4781,7 @@
           <p:nvPr/>
         </p:nvPicPr>
         <p:blipFill>
-          <a:blip r:embed="rId8"/>
+          <a:blip r:embed="rId9"/>
           <a:stretch>
             <a:fillRect/>
           </a:stretch>
@@ -4548,7 +4811,7 @@
           <p:nvPr/>
         </p:nvPicPr>
         <p:blipFill>
-          <a:blip r:embed="rId9"/>
+          <a:blip r:embed="rId10"/>
           <a:stretch>
             <a:fillRect/>
           </a:stretch>
@@ -5006,6 +5269,1896 @@
     <p:extLst>
       <p:ext uri="{BB962C8B-B14F-4D97-AF65-F5344CB8AC3E}">
         <p14:creationId xmlns:p14="http://schemas.microsoft.com/office/powerpoint/2010/main" val="3096391366"/>
+      </p:ext>
+    </p:extLst>
+  </p:cSld>
+  <p:clrMapOvr>
+    <a:masterClrMapping/>
+  </p:clrMapOvr>
+</p:sld>
+</file>
+
+<file path=ppt/slides/slide11.xml><?xml version="1.0" encoding="utf-8"?>
+<p:sld xmlns:a="http://schemas.openxmlformats.org/drawingml/2006/main" xmlns:r="http://schemas.openxmlformats.org/officeDocument/2006/relationships" xmlns:p="http://schemas.openxmlformats.org/presentationml/2006/main">
+  <p:cSld>
+    <p:spTree>
+      <p:nvGrpSpPr>
+        <p:cNvPr id="1" name=""/>
+        <p:cNvGrpSpPr/>
+        <p:nvPr/>
+      </p:nvGrpSpPr>
+      <p:grpSpPr>
+        <a:xfrm>
+          <a:off x="0" y="0"/>
+          <a:ext cx="0" cy="0"/>
+          <a:chOff x="0" y="0"/>
+          <a:chExt cx="0" cy="0"/>
+        </a:xfrm>
+      </p:grpSpPr>
+      <p:sp>
+        <p:nvSpPr>
+          <p:cNvPr id="4" name="文本占位符 1">
+            <a:extLst>
+              <a:ext uri="{FF2B5EF4-FFF2-40B4-BE49-F238E27FC236}">
+                <a16:creationId xmlns:a16="http://schemas.microsoft.com/office/drawing/2014/main" id="{25B626B5-DD24-F848-9DDB-A341E51865E7}"/>
+              </a:ext>
+            </a:extLst>
+          </p:cNvPr>
+          <p:cNvSpPr txBox="1">
+            <a:spLocks/>
+          </p:cNvSpPr>
+          <p:nvPr/>
+        </p:nvSpPr>
+        <p:spPr>
+          <a:xfrm>
+            <a:off x="1" y="1720146"/>
+            <a:ext cx="12192000" cy="685359"/>
+          </a:xfrm>
+          <a:prstGeom prst="rect">
+            <a:avLst/>
+          </a:prstGeom>
+        </p:spPr>
+        <p:txBody>
+          <a:bodyPr/>
+          <a:lstStyle>
+            <a:lvl1pPr marL="0" indent="0" algn="l" defTabSz="1028065" rtl="0" eaLnBrk="1" latinLnBrk="0" hangingPunct="1">
+              <a:spcBef>
+                <a:spcPct val="20000"/>
+              </a:spcBef>
+              <a:buFontTx/>
+              <a:buNone/>
+              <a:defRPr sz="3200" b="1" kern="1200">
+                <a:solidFill>
+                  <a:srgbClr val="E2231A"/>
+                </a:solidFill>
+                <a:latin typeface="Microsoft YaHei" charset="-122"/>
+                <a:ea typeface="Microsoft YaHei" charset="-122"/>
+                <a:cs typeface="Microsoft YaHei" charset="-122"/>
+              </a:defRPr>
+            </a:lvl1pPr>
+            <a:lvl2pPr marL="835660" indent="-321310" algn="l" defTabSz="1028065" rtl="0" eaLnBrk="1" latinLnBrk="0" hangingPunct="1">
+              <a:spcBef>
+                <a:spcPct val="20000"/>
+              </a:spcBef>
+              <a:buFont typeface="Arial" panose="020B0604020202020204" pitchFamily="34" charset="0"/>
+              <a:buChar char="–"/>
+              <a:defRPr sz="3100" kern="1200">
+                <a:solidFill>
+                  <a:schemeClr val="tx1"/>
+                </a:solidFill>
+                <a:latin typeface="+mn-lt"/>
+                <a:ea typeface="+mn-ea"/>
+                <a:cs typeface="+mn-cs"/>
+              </a:defRPr>
+            </a:lvl2pPr>
+            <a:lvl3pPr marL="1285875" indent="-257175" algn="l" defTabSz="1028065" rtl="0" eaLnBrk="1" latinLnBrk="0" hangingPunct="1">
+              <a:spcBef>
+                <a:spcPct val="20000"/>
+              </a:spcBef>
+              <a:buFont typeface="Arial" panose="020B0604020202020204" pitchFamily="34" charset="0"/>
+              <a:buChar char="•"/>
+              <a:defRPr sz="2700" kern="1200">
+                <a:solidFill>
+                  <a:schemeClr val="tx1"/>
+                </a:solidFill>
+                <a:latin typeface="+mn-lt"/>
+                <a:ea typeface="+mn-ea"/>
+                <a:cs typeface="+mn-cs"/>
+              </a:defRPr>
+            </a:lvl3pPr>
+            <a:lvl4pPr marL="1800225" indent="-257175" algn="l" defTabSz="1028065" rtl="0" eaLnBrk="1" latinLnBrk="0" hangingPunct="1">
+              <a:spcBef>
+                <a:spcPct val="20000"/>
+              </a:spcBef>
+              <a:buFont typeface="Arial" panose="020B0604020202020204" pitchFamily="34" charset="0"/>
+              <a:buChar char="–"/>
+              <a:defRPr sz="2200" kern="1200">
+                <a:solidFill>
+                  <a:schemeClr val="tx1"/>
+                </a:solidFill>
+                <a:latin typeface="+mn-lt"/>
+                <a:ea typeface="+mn-ea"/>
+                <a:cs typeface="+mn-cs"/>
+              </a:defRPr>
+            </a:lvl4pPr>
+            <a:lvl5pPr marL="2314575" indent="-257175" algn="l" defTabSz="1028065" rtl="0" eaLnBrk="1" latinLnBrk="0" hangingPunct="1">
+              <a:spcBef>
+                <a:spcPct val="20000"/>
+              </a:spcBef>
+              <a:buFont typeface="Arial" panose="020B0604020202020204" pitchFamily="34" charset="0"/>
+              <a:buChar char="»"/>
+              <a:defRPr sz="2200" kern="1200">
+                <a:solidFill>
+                  <a:schemeClr val="tx1"/>
+                </a:solidFill>
+                <a:latin typeface="+mn-lt"/>
+                <a:ea typeface="+mn-ea"/>
+                <a:cs typeface="+mn-cs"/>
+              </a:defRPr>
+            </a:lvl5pPr>
+            <a:lvl6pPr marL="2828925" indent="-257175" algn="l" defTabSz="1028065" rtl="0" eaLnBrk="1" latinLnBrk="0" hangingPunct="1">
+              <a:spcBef>
+                <a:spcPct val="20000"/>
+              </a:spcBef>
+              <a:buFont typeface="Arial" panose="020B0604020202020204" pitchFamily="34" charset="0"/>
+              <a:buChar char="•"/>
+              <a:defRPr sz="2200" kern="1200">
+                <a:solidFill>
+                  <a:schemeClr val="tx1"/>
+                </a:solidFill>
+                <a:latin typeface="+mn-lt"/>
+                <a:ea typeface="+mn-ea"/>
+                <a:cs typeface="+mn-cs"/>
+              </a:defRPr>
+            </a:lvl6pPr>
+            <a:lvl7pPr marL="3343275" indent="-257175" algn="l" defTabSz="1028065" rtl="0" eaLnBrk="1" latinLnBrk="0" hangingPunct="1">
+              <a:spcBef>
+                <a:spcPct val="20000"/>
+              </a:spcBef>
+              <a:buFont typeface="Arial" panose="020B0604020202020204" pitchFamily="34" charset="0"/>
+              <a:buChar char="•"/>
+              <a:defRPr sz="2200" kern="1200">
+                <a:solidFill>
+                  <a:schemeClr val="tx1"/>
+                </a:solidFill>
+                <a:latin typeface="+mn-lt"/>
+                <a:ea typeface="+mn-ea"/>
+                <a:cs typeface="+mn-cs"/>
+              </a:defRPr>
+            </a:lvl7pPr>
+            <a:lvl8pPr marL="3856990" indent="-257175" algn="l" defTabSz="1028065" rtl="0" eaLnBrk="1" latinLnBrk="0" hangingPunct="1">
+              <a:spcBef>
+                <a:spcPct val="20000"/>
+              </a:spcBef>
+              <a:buFont typeface="Arial" panose="020B0604020202020204" pitchFamily="34" charset="0"/>
+              <a:buChar char="•"/>
+              <a:defRPr sz="2200" kern="1200">
+                <a:solidFill>
+                  <a:schemeClr val="tx1"/>
+                </a:solidFill>
+                <a:latin typeface="+mn-lt"/>
+                <a:ea typeface="+mn-ea"/>
+                <a:cs typeface="+mn-cs"/>
+              </a:defRPr>
+            </a:lvl8pPr>
+            <a:lvl9pPr marL="4371340" indent="-257175" algn="l" defTabSz="1028065" rtl="0" eaLnBrk="1" latinLnBrk="0" hangingPunct="1">
+              <a:spcBef>
+                <a:spcPct val="20000"/>
+              </a:spcBef>
+              <a:buFont typeface="Arial" panose="020B0604020202020204" pitchFamily="34" charset="0"/>
+              <a:buChar char="•"/>
+              <a:defRPr sz="2200" kern="1200">
+                <a:solidFill>
+                  <a:schemeClr val="tx1"/>
+                </a:solidFill>
+                <a:latin typeface="+mn-lt"/>
+                <a:ea typeface="+mn-ea"/>
+                <a:cs typeface="+mn-cs"/>
+              </a:defRPr>
+            </a:lvl9pPr>
+          </a:lstStyle>
+          <a:p>
+            <a:pPr algn="ctr"/>
+            <a:endParaRPr lang="en-US" altLang="zh-CN" sz="6600" dirty="0">
+              <a:solidFill>
+                <a:schemeClr val="tx1">
+                  <a:lumMod val="85000"/>
+                  <a:lumOff val="15000"/>
+                </a:schemeClr>
+              </a:solidFill>
+              <a:latin typeface="Wawati SC" pitchFamily="82" charset="-122"/>
+              <a:ea typeface="Wawati SC" pitchFamily="82" charset="-122"/>
+              <a:cs typeface="+mn-ea"/>
+              <a:sym typeface="+mn-lt"/>
+            </a:endParaRPr>
+          </a:p>
+        </p:txBody>
+      </p:sp>
+      <p:sp>
+        <p:nvSpPr>
+          <p:cNvPr id="6" name="文本框 5">
+            <a:extLst>
+              <a:ext uri="{FF2B5EF4-FFF2-40B4-BE49-F238E27FC236}">
+                <a16:creationId xmlns:a16="http://schemas.microsoft.com/office/drawing/2014/main" id="{7F8629B9-B787-CC49-991B-6C91BFAD7C17}"/>
+              </a:ext>
+            </a:extLst>
+          </p:cNvPr>
+          <p:cNvSpPr txBox="1"/>
+          <p:nvPr/>
+        </p:nvSpPr>
+        <p:spPr>
+          <a:xfrm>
+            <a:off x="3047999" y="5332214"/>
+            <a:ext cx="6096000" cy="369332"/>
+          </a:xfrm>
+          <a:prstGeom prst="rect">
+            <a:avLst/>
+          </a:prstGeom>
+          <a:noFill/>
+        </p:spPr>
+        <p:txBody>
+          <a:bodyPr wrap="square">
+            <a:spAutoFit/>
+          </a:bodyPr>
+          <a:lstStyle/>
+          <a:p>
+            <a:pPr algn="ctr"/>
+            <a:r>
+              <a:rPr lang="zh-CN" altLang="en-US" sz="1800" dirty="0">
+                <a:solidFill>
+                  <a:schemeClr val="tx1">
+                    <a:lumMod val="85000"/>
+                    <a:lumOff val="15000"/>
+                  </a:schemeClr>
+                </a:solidFill>
+                <a:latin typeface="Xingkai SC Light" panose="02010600040101010101" pitchFamily="2" charset="-122"/>
+                <a:ea typeface="Xingkai SC Light" panose="02010600040101010101" pitchFamily="2" charset="-122"/>
+                <a:cs typeface="+mn-ea"/>
+                <a:sym typeface="+mn-lt"/>
+              </a:rPr>
+              <a:t>迪米特法则原则</a:t>
+            </a:r>
+            <a:endParaRPr lang="zh-CN" altLang="en-US" sz="1000" dirty="0">
+              <a:solidFill>
+                <a:schemeClr val="tx1">
+                  <a:lumMod val="85000"/>
+                  <a:lumOff val="15000"/>
+                </a:schemeClr>
+              </a:solidFill>
+              <a:latin typeface="Xingkai SC Light" panose="02010600040101010101" pitchFamily="2" charset="-122"/>
+              <a:ea typeface="Xingkai SC Light" panose="02010600040101010101" pitchFamily="2" charset="-122"/>
+              <a:cs typeface="+mn-ea"/>
+              <a:sym typeface="+mn-lt"/>
+            </a:endParaRPr>
+          </a:p>
+        </p:txBody>
+      </p:sp>
+      <p:grpSp>
+        <p:nvGrpSpPr>
+          <p:cNvPr id="7" name="组合 6">
+            <a:extLst>
+              <a:ext uri="{FF2B5EF4-FFF2-40B4-BE49-F238E27FC236}">
+                <a16:creationId xmlns:a16="http://schemas.microsoft.com/office/drawing/2014/main" id="{0A3B3EBB-8DCB-A849-B1A7-CFA5EB488E13}"/>
+              </a:ext>
+            </a:extLst>
+          </p:cNvPr>
+          <p:cNvGrpSpPr/>
+          <p:nvPr/>
+        </p:nvGrpSpPr>
+        <p:grpSpPr>
+          <a:xfrm>
+            <a:off x="2926079" y="-109728"/>
+            <a:ext cx="6339841" cy="7174894"/>
+            <a:chOff x="2926079" y="0"/>
+            <a:chExt cx="6339841" cy="7174894"/>
+          </a:xfrm>
+        </p:grpSpPr>
+        <p:pic>
+          <p:nvPicPr>
+            <p:cNvPr id="8" name="图片 7">
+              <a:extLst>
+                <a:ext uri="{FF2B5EF4-FFF2-40B4-BE49-F238E27FC236}">
+                  <a16:creationId xmlns:a16="http://schemas.microsoft.com/office/drawing/2014/main" id="{A32C34E6-B517-A841-BA5A-0D92AC4C8DEC}"/>
+                </a:ext>
+              </a:extLst>
+            </p:cNvPr>
+            <p:cNvPicPr>
+              <a:picLocks noChangeAspect="1"/>
+            </p:cNvPicPr>
+            <p:nvPr/>
+          </p:nvPicPr>
+          <p:blipFill>
+            <a:blip r:embed="rId3"/>
+            <a:stretch>
+              <a:fillRect/>
+            </a:stretch>
+          </p:blipFill>
+          <p:spPr>
+            <a:xfrm>
+              <a:off x="3339384" y="0"/>
+              <a:ext cx="5513232" cy="1340343"/>
+            </a:xfrm>
+            <a:prstGeom prst="rect">
+              <a:avLst/>
+            </a:prstGeom>
+          </p:spPr>
+        </p:pic>
+        <p:pic>
+          <p:nvPicPr>
+            <p:cNvPr id="9" name="图片 8">
+              <a:extLst>
+                <a:ext uri="{FF2B5EF4-FFF2-40B4-BE49-F238E27FC236}">
+                  <a16:creationId xmlns:a16="http://schemas.microsoft.com/office/drawing/2014/main" id="{61893400-53A8-1D40-8999-D8BC26758C48}"/>
+                </a:ext>
+              </a:extLst>
+            </p:cNvPr>
+            <p:cNvPicPr>
+              <a:picLocks noChangeAspect="1"/>
+            </p:cNvPicPr>
+            <p:nvPr/>
+          </p:nvPicPr>
+          <p:blipFill>
+            <a:blip r:embed="rId4"/>
+            <a:stretch>
+              <a:fillRect/>
+            </a:stretch>
+          </p:blipFill>
+          <p:spPr>
+            <a:xfrm>
+              <a:off x="3339384" y="1340344"/>
+              <a:ext cx="5513232" cy="1333740"/>
+            </a:xfrm>
+            <a:prstGeom prst="rect">
+              <a:avLst/>
+            </a:prstGeom>
+          </p:spPr>
+        </p:pic>
+        <p:pic>
+          <p:nvPicPr>
+            <p:cNvPr id="10" name="图片 9">
+              <a:extLst>
+                <a:ext uri="{FF2B5EF4-FFF2-40B4-BE49-F238E27FC236}">
+                  <a16:creationId xmlns:a16="http://schemas.microsoft.com/office/drawing/2014/main" id="{B4FA7EB1-3E09-9B42-895D-1596CE39F6CF}"/>
+                </a:ext>
+              </a:extLst>
+            </p:cNvPr>
+            <p:cNvPicPr>
+              <a:picLocks noChangeAspect="1"/>
+            </p:cNvPicPr>
+            <p:nvPr/>
+          </p:nvPicPr>
+          <p:blipFill>
+            <a:blip r:embed="rId5"/>
+            <a:stretch>
+              <a:fillRect/>
+            </a:stretch>
+          </p:blipFill>
+          <p:spPr>
+            <a:xfrm>
+              <a:off x="2926079" y="2674084"/>
+              <a:ext cx="6339841" cy="1617981"/>
+            </a:xfrm>
+            <a:prstGeom prst="rect">
+              <a:avLst/>
+            </a:prstGeom>
+          </p:spPr>
+        </p:pic>
+        <p:pic>
+          <p:nvPicPr>
+            <p:cNvPr id="11" name="图片 10">
+              <a:extLst>
+                <a:ext uri="{FF2B5EF4-FFF2-40B4-BE49-F238E27FC236}">
+                  <a16:creationId xmlns:a16="http://schemas.microsoft.com/office/drawing/2014/main" id="{F789A2CC-EC3E-1F4F-92BE-CDA8DD6497AA}"/>
+                </a:ext>
+              </a:extLst>
+            </p:cNvPr>
+            <p:cNvPicPr>
+              <a:picLocks noChangeAspect="1"/>
+            </p:cNvPicPr>
+            <p:nvPr/>
+          </p:nvPicPr>
+          <p:blipFill>
+            <a:blip r:embed="rId6"/>
+            <a:stretch>
+              <a:fillRect/>
+            </a:stretch>
+          </p:blipFill>
+          <p:spPr>
+            <a:xfrm>
+              <a:off x="3085338" y="4292065"/>
+              <a:ext cx="2669286" cy="2847239"/>
+            </a:xfrm>
+            <a:prstGeom prst="rect">
+              <a:avLst/>
+            </a:prstGeom>
+          </p:spPr>
+        </p:pic>
+        <p:pic>
+          <p:nvPicPr>
+            <p:cNvPr id="12" name="图片 11">
+              <a:extLst>
+                <a:ext uri="{FF2B5EF4-FFF2-40B4-BE49-F238E27FC236}">
+                  <a16:creationId xmlns:a16="http://schemas.microsoft.com/office/drawing/2014/main" id="{3D156A68-8BDF-774E-A16E-CC9F7D2B2C4E}"/>
+                </a:ext>
+              </a:extLst>
+            </p:cNvPr>
+            <p:cNvPicPr>
+              <a:picLocks noChangeAspect="1"/>
+            </p:cNvPicPr>
+            <p:nvPr/>
+          </p:nvPicPr>
+          <p:blipFill>
+            <a:blip r:embed="rId7"/>
+            <a:stretch>
+              <a:fillRect/>
+            </a:stretch>
+          </p:blipFill>
+          <p:spPr>
+            <a:xfrm>
+              <a:off x="6473954" y="4292065"/>
+              <a:ext cx="2669286" cy="2882829"/>
+            </a:xfrm>
+            <a:prstGeom prst="rect">
+              <a:avLst/>
+            </a:prstGeom>
+          </p:spPr>
+        </p:pic>
+      </p:grpSp>
+      <p:sp>
+        <p:nvSpPr>
+          <p:cNvPr id="13" name="圆角矩形 12">
+            <a:extLst>
+              <a:ext uri="{FF2B5EF4-FFF2-40B4-BE49-F238E27FC236}">
+                <a16:creationId xmlns:a16="http://schemas.microsoft.com/office/drawing/2014/main" id="{1CDDE813-4415-0648-91DE-5E82C07B7EAC}"/>
+              </a:ext>
+            </a:extLst>
+          </p:cNvPr>
+          <p:cNvSpPr/>
+          <p:nvPr/>
+        </p:nvSpPr>
+        <p:spPr>
+          <a:xfrm rot="2714456">
+            <a:off x="5365236" y="4485021"/>
+            <a:ext cx="1461526" cy="1461526"/>
+          </a:xfrm>
+          <a:prstGeom prst="roundRect">
+            <a:avLst>
+              <a:gd name="adj" fmla="val 17165"/>
+            </a:avLst>
+          </a:prstGeom>
+          <a:gradFill>
+            <a:gsLst>
+              <a:gs pos="0">
+                <a:srgbClr val="C00000">
+                  <a:shade val="30000"/>
+                  <a:satMod val="115000"/>
+                </a:srgbClr>
+              </a:gs>
+              <a:gs pos="24000">
+                <a:srgbClr val="C00000">
+                  <a:shade val="67500"/>
+                  <a:satMod val="115000"/>
+                </a:srgbClr>
+              </a:gs>
+              <a:gs pos="41000">
+                <a:srgbClr val="C00000">
+                  <a:shade val="100000"/>
+                  <a:satMod val="115000"/>
+                </a:srgbClr>
+              </a:gs>
+            </a:gsLst>
+            <a:lin ang="13800000" scaled="0"/>
+          </a:gradFill>
+          <a:ln>
+            <a:noFill/>
+          </a:ln>
+          <a:effectLst>
+            <a:outerShdw blurRad="50800" dist="38100" dir="2700000" algn="tl" rotWithShape="0">
+              <a:prstClr val="black">
+                <a:alpha val="40000"/>
+              </a:prstClr>
+            </a:outerShdw>
+          </a:effectLst>
+        </p:spPr>
+        <p:style>
+          <a:lnRef idx="2">
+            <a:schemeClr val="accent1">
+              <a:shade val="50000"/>
+            </a:schemeClr>
+          </a:lnRef>
+          <a:fillRef idx="1">
+            <a:schemeClr val="accent1"/>
+          </a:fillRef>
+          <a:effectRef idx="0">
+            <a:schemeClr val="accent1"/>
+          </a:effectRef>
+          <a:fontRef idx="minor">
+            <a:schemeClr val="lt1"/>
+          </a:fontRef>
+        </p:style>
+        <p:txBody>
+          <a:bodyPr rtlCol="0" anchor="ctr"/>
+          <a:lstStyle/>
+          <a:p>
+            <a:pPr algn="ctr"/>
+            <a:endParaRPr kumimoji="1" lang="zh-CN" altLang="en-US"/>
+          </a:p>
+        </p:txBody>
+      </p:sp>
+      <p:pic>
+        <p:nvPicPr>
+          <p:cNvPr id="14" name="图片 13">
+            <a:extLst>
+              <a:ext uri="{FF2B5EF4-FFF2-40B4-BE49-F238E27FC236}">
+                <a16:creationId xmlns:a16="http://schemas.microsoft.com/office/drawing/2014/main" id="{D9719BF0-F8E7-D346-ACB5-5F330A4FE5A5}"/>
+              </a:ext>
+            </a:extLst>
+          </p:cNvPr>
+          <p:cNvPicPr>
+            <a:picLocks noChangeAspect="1"/>
+          </p:cNvPicPr>
+          <p:nvPr/>
+        </p:nvPicPr>
+        <p:blipFill>
+          <a:blip r:embed="rId8"/>
+          <a:stretch>
+            <a:fillRect/>
+          </a:stretch>
+        </p:blipFill>
+        <p:spPr>
+          <a:xfrm>
+            <a:off x="5967729" y="4495518"/>
+            <a:ext cx="256542" cy="256542"/>
+          </a:xfrm>
+          <a:prstGeom prst="rect">
+            <a:avLst/>
+          </a:prstGeom>
+        </p:spPr>
+      </p:pic>
+      <p:sp>
+        <p:nvSpPr>
+          <p:cNvPr id="15" name="文本框 14">
+            <a:extLst>
+              <a:ext uri="{FF2B5EF4-FFF2-40B4-BE49-F238E27FC236}">
+                <a16:creationId xmlns:a16="http://schemas.microsoft.com/office/drawing/2014/main" id="{0114A935-51F8-3E48-A0F7-887ADCD77C34}"/>
+              </a:ext>
+            </a:extLst>
+          </p:cNvPr>
+          <p:cNvSpPr txBox="1"/>
+          <p:nvPr/>
+        </p:nvSpPr>
+        <p:spPr>
+          <a:xfrm>
+            <a:off x="5286979" y="4963509"/>
+            <a:ext cx="1654620" cy="307777"/>
+          </a:xfrm>
+          <a:prstGeom prst="rect">
+            <a:avLst/>
+          </a:prstGeom>
+          <a:noFill/>
+        </p:spPr>
+        <p:txBody>
+          <a:bodyPr wrap="none" rtlCol="0">
+            <a:spAutoFit/>
+          </a:bodyPr>
+          <a:lstStyle/>
+          <a:p>
+            <a:r>
+              <a:rPr kumimoji="1" lang="zh-CN" altLang="en-US" sz="1400" b="1" dirty="0">
+                <a:solidFill>
+                  <a:schemeClr val="bg1"/>
+                </a:solidFill>
+                <a:latin typeface="PingFang SC" panose="020B0400000000000000" pitchFamily="34" charset="-122"/>
+                <a:ea typeface="PingFang SC" panose="020B0400000000000000" pitchFamily="34" charset="-122"/>
+              </a:rPr>
+              <a:t>重学</a:t>
+            </a:r>
+            <a:r>
+              <a:rPr kumimoji="1" lang="en-US" altLang="zh-CN" sz="1400" b="1" dirty="0">
+                <a:solidFill>
+                  <a:schemeClr val="bg1"/>
+                </a:solidFill>
+                <a:latin typeface="PingFang SC" panose="020B0400000000000000" pitchFamily="34" charset="-122"/>
+                <a:ea typeface="PingFang SC" panose="020B0400000000000000" pitchFamily="34" charset="-122"/>
+              </a:rPr>
+              <a:t>Java</a:t>
+            </a:r>
+            <a:r>
+              <a:rPr kumimoji="1" lang="zh-CN" altLang="en-US" sz="1400" b="1" dirty="0">
+                <a:solidFill>
+                  <a:schemeClr val="bg1"/>
+                </a:solidFill>
+                <a:latin typeface="PingFang SC" panose="020B0400000000000000" pitchFamily="34" charset="-122"/>
+                <a:ea typeface="PingFang SC" panose="020B0400000000000000" pitchFamily="34" charset="-122"/>
+              </a:rPr>
+              <a:t>设计模式</a:t>
+            </a:r>
+          </a:p>
+        </p:txBody>
+      </p:sp>
+      <p:sp>
+        <p:nvSpPr>
+          <p:cNvPr id="16" name="文本框 15">
+            <a:extLst>
+              <a:ext uri="{FF2B5EF4-FFF2-40B4-BE49-F238E27FC236}">
+                <a16:creationId xmlns:a16="http://schemas.microsoft.com/office/drawing/2014/main" id="{21077201-E258-E94C-8F2C-D7857B80F04C}"/>
+              </a:ext>
+            </a:extLst>
+          </p:cNvPr>
+          <p:cNvSpPr txBox="1"/>
+          <p:nvPr/>
+        </p:nvSpPr>
+        <p:spPr>
+          <a:xfrm>
+            <a:off x="5286979" y="5200780"/>
+            <a:ext cx="1766327" cy="369332"/>
+          </a:xfrm>
+          <a:prstGeom prst="rect">
+            <a:avLst/>
+          </a:prstGeom>
+          <a:noFill/>
+        </p:spPr>
+        <p:txBody>
+          <a:bodyPr wrap="square">
+            <a:spAutoFit/>
+          </a:bodyPr>
+          <a:lstStyle/>
+          <a:p>
+            <a:r>
+              <a:rPr lang="zh-CN" altLang="en-US" dirty="0">
+                <a:solidFill>
+                  <a:schemeClr val="bg1"/>
+                </a:solidFill>
+                <a:latin typeface="Nanum Brush Script" panose="03060600000000000000" pitchFamily="66" charset="-127"/>
+              </a:rPr>
+              <a:t>CodeDesignTutorials</a:t>
+            </a:r>
+          </a:p>
+        </p:txBody>
+      </p:sp>
+      <p:sp>
+        <p:nvSpPr>
+          <p:cNvPr id="17" name="圆角矩形 16">
+            <a:extLst>
+              <a:ext uri="{FF2B5EF4-FFF2-40B4-BE49-F238E27FC236}">
+                <a16:creationId xmlns:a16="http://schemas.microsoft.com/office/drawing/2014/main" id="{9329DCFD-83B7-EC47-873E-9D9368891F7A}"/>
+              </a:ext>
+            </a:extLst>
+          </p:cNvPr>
+          <p:cNvSpPr/>
+          <p:nvPr/>
+        </p:nvSpPr>
+        <p:spPr>
+          <a:xfrm>
+            <a:off x="5205983" y="5973333"/>
+            <a:ext cx="1780032" cy="367643"/>
+          </a:xfrm>
+          <a:prstGeom prst="roundRect">
+            <a:avLst/>
+          </a:prstGeom>
+          <a:solidFill>
+            <a:srgbClr val="A80100"/>
+          </a:solidFill>
+          <a:ln>
+            <a:solidFill>
+              <a:srgbClr val="C00000"/>
+            </a:solidFill>
+          </a:ln>
+          <a:effectLst>
+            <a:outerShdw blurRad="50800" dist="38100" dir="5400000" algn="t" rotWithShape="0">
+              <a:prstClr val="black">
+                <a:alpha val="40000"/>
+              </a:prstClr>
+            </a:outerShdw>
+          </a:effectLst>
+        </p:spPr>
+        <p:style>
+          <a:lnRef idx="2">
+            <a:schemeClr val="accent1">
+              <a:shade val="50000"/>
+            </a:schemeClr>
+          </a:lnRef>
+          <a:fillRef idx="1">
+            <a:schemeClr val="accent1"/>
+          </a:fillRef>
+          <a:effectRef idx="0">
+            <a:schemeClr val="accent1"/>
+          </a:effectRef>
+          <a:fontRef idx="minor">
+            <a:schemeClr val="lt1"/>
+          </a:fontRef>
+        </p:style>
+        <p:txBody>
+          <a:bodyPr rtlCol="0" anchor="ctr"/>
+          <a:lstStyle/>
+          <a:p>
+            <a:pPr algn="ctr"/>
+            <a:r>
+              <a:rPr kumimoji="1" lang="zh-CN" altLang="en-US" sz="1400" dirty="0">
+                <a:latin typeface="PingFang SC" panose="020B0400000000000000" pitchFamily="34" charset="-122"/>
+                <a:ea typeface="PingFang SC" panose="020B0400000000000000" pitchFamily="34" charset="-122"/>
+              </a:rPr>
+              <a:t>小傅哥，带你卷！</a:t>
+            </a:r>
+          </a:p>
+        </p:txBody>
+      </p:sp>
+      <p:cxnSp>
+        <p:nvCxnSpPr>
+          <p:cNvPr id="18" name="直线连接符 17">
+            <a:extLst>
+              <a:ext uri="{FF2B5EF4-FFF2-40B4-BE49-F238E27FC236}">
+                <a16:creationId xmlns:a16="http://schemas.microsoft.com/office/drawing/2014/main" id="{3F260CF0-93B3-E640-9B28-95FE18AD4AEE}"/>
+              </a:ext>
+            </a:extLst>
+          </p:cNvPr>
+          <p:cNvCxnSpPr/>
+          <p:nvPr/>
+        </p:nvCxnSpPr>
+        <p:spPr>
+          <a:xfrm>
+            <a:off x="5231126" y="5959886"/>
+            <a:ext cx="1754889" cy="0"/>
+          </a:xfrm>
+          <a:prstGeom prst="line">
+            <a:avLst/>
+          </a:prstGeom>
+          <a:ln w="19050">
+            <a:solidFill>
+              <a:schemeClr val="bg1"/>
+            </a:solidFill>
+          </a:ln>
+        </p:spPr>
+        <p:style>
+          <a:lnRef idx="1">
+            <a:schemeClr val="accent1"/>
+          </a:lnRef>
+          <a:fillRef idx="0">
+            <a:schemeClr val="accent1"/>
+          </a:fillRef>
+          <a:effectRef idx="0">
+            <a:schemeClr val="accent1"/>
+          </a:effectRef>
+          <a:fontRef idx="minor">
+            <a:schemeClr val="tx1"/>
+          </a:fontRef>
+        </p:style>
+      </p:cxnSp>
+      <p:sp>
+        <p:nvSpPr>
+          <p:cNvPr id="19" name="圆角矩形 18">
+            <a:extLst>
+              <a:ext uri="{FF2B5EF4-FFF2-40B4-BE49-F238E27FC236}">
+                <a16:creationId xmlns:a16="http://schemas.microsoft.com/office/drawing/2014/main" id="{C1025C4F-698A-2546-8CFA-E7E5175E7BAA}"/>
+              </a:ext>
+            </a:extLst>
+          </p:cNvPr>
+          <p:cNvSpPr/>
+          <p:nvPr/>
+        </p:nvSpPr>
+        <p:spPr>
+          <a:xfrm>
+            <a:off x="0" y="-19454"/>
+            <a:ext cx="12192000" cy="6877454"/>
+          </a:xfrm>
+          <a:prstGeom prst="roundRect">
+            <a:avLst>
+              <a:gd name="adj" fmla="val 9324"/>
+            </a:avLst>
+          </a:prstGeom>
+          <a:solidFill>
+            <a:schemeClr val="bg1">
+              <a:alpha val="92977"/>
+            </a:schemeClr>
+          </a:solidFill>
+          <a:ln>
+            <a:noFill/>
+          </a:ln>
+        </p:spPr>
+        <p:style>
+          <a:lnRef idx="2">
+            <a:schemeClr val="accent1">
+              <a:shade val="50000"/>
+            </a:schemeClr>
+          </a:lnRef>
+          <a:fillRef idx="1">
+            <a:schemeClr val="accent1"/>
+          </a:fillRef>
+          <a:effectRef idx="0">
+            <a:schemeClr val="accent1"/>
+          </a:effectRef>
+          <a:fontRef idx="minor">
+            <a:schemeClr val="lt1"/>
+          </a:fontRef>
+        </p:style>
+        <p:txBody>
+          <a:bodyPr rtlCol="0" anchor="ctr"/>
+          <a:lstStyle/>
+          <a:p>
+            <a:pPr algn="ctr"/>
+            <a:r>
+              <a:rPr lang="zh-CN" altLang="en-US" sz="6600" b="1" dirty="0">
+                <a:solidFill>
+                  <a:schemeClr val="tx1">
+                    <a:lumMod val="85000"/>
+                    <a:lumOff val="15000"/>
+                  </a:schemeClr>
+                </a:solidFill>
+                <a:latin typeface="Wawati SC" pitchFamily="82" charset="-122"/>
+                <a:ea typeface="Wawati SC" pitchFamily="82" charset="-122"/>
+                <a:cs typeface="+mn-ea"/>
+                <a:sym typeface="+mn-lt"/>
+              </a:rPr>
+              <a:t>第</a:t>
+            </a:r>
+            <a:r>
+              <a:rPr lang="en-US" altLang="zh-CN" sz="6600" b="1" dirty="0">
+                <a:solidFill>
+                  <a:schemeClr val="tx1">
+                    <a:lumMod val="85000"/>
+                    <a:lumOff val="15000"/>
+                  </a:schemeClr>
+                </a:solidFill>
+                <a:latin typeface="Wawati SC" pitchFamily="82" charset="-122"/>
+                <a:ea typeface="Wawati SC" pitchFamily="82" charset="-122"/>
+                <a:cs typeface="+mn-ea"/>
+                <a:sym typeface="+mn-lt"/>
+              </a:rPr>
+              <a:t>2</a:t>
+            </a:r>
+            <a:r>
+              <a:rPr lang="zh-CN" altLang="en-US" sz="6600" b="1" dirty="0">
+                <a:solidFill>
+                  <a:schemeClr val="tx1">
+                    <a:lumMod val="85000"/>
+                    <a:lumOff val="15000"/>
+                  </a:schemeClr>
+                </a:solidFill>
+                <a:latin typeface="Wawati SC" pitchFamily="82" charset="-122"/>
+                <a:ea typeface="Wawati SC" pitchFamily="82" charset="-122"/>
+                <a:cs typeface="+mn-ea"/>
+                <a:sym typeface="+mn-lt"/>
+              </a:rPr>
+              <a:t>章 六大设计原则</a:t>
+            </a:r>
+            <a:endParaRPr lang="en-US" altLang="zh-CN" sz="6600" b="1" dirty="0">
+              <a:solidFill>
+                <a:schemeClr val="tx1">
+                  <a:lumMod val="85000"/>
+                  <a:lumOff val="15000"/>
+                </a:schemeClr>
+              </a:solidFill>
+              <a:latin typeface="Wawati SC" pitchFamily="82" charset="-122"/>
+              <a:ea typeface="Wawati SC" pitchFamily="82" charset="-122"/>
+              <a:cs typeface="+mn-ea"/>
+              <a:sym typeface="+mn-lt"/>
+            </a:endParaRPr>
+          </a:p>
+        </p:txBody>
+      </p:sp>
+      <p:pic>
+        <p:nvPicPr>
+          <p:cNvPr id="20" name="图片 19">
+            <a:extLst>
+              <a:ext uri="{FF2B5EF4-FFF2-40B4-BE49-F238E27FC236}">
+                <a16:creationId xmlns:a16="http://schemas.microsoft.com/office/drawing/2014/main" id="{F677A7BD-381D-A240-AC80-3C004D55C334}"/>
+              </a:ext>
+            </a:extLst>
+          </p:cNvPr>
+          <p:cNvPicPr>
+            <a:picLocks noChangeAspect="1"/>
+          </p:cNvPicPr>
+          <p:nvPr/>
+        </p:nvPicPr>
+        <p:blipFill>
+          <a:blip r:embed="rId9"/>
+          <a:stretch>
+            <a:fillRect/>
+          </a:stretch>
+        </p:blipFill>
+        <p:spPr>
+          <a:xfrm>
+            <a:off x="588190" y="863291"/>
+            <a:ext cx="2067560" cy="2067560"/>
+          </a:xfrm>
+          <a:prstGeom prst="rect">
+            <a:avLst/>
+          </a:prstGeom>
+        </p:spPr>
+      </p:pic>
+      <p:pic>
+        <p:nvPicPr>
+          <p:cNvPr id="21" name="图片 20">
+            <a:extLst>
+              <a:ext uri="{FF2B5EF4-FFF2-40B4-BE49-F238E27FC236}">
+                <a16:creationId xmlns:a16="http://schemas.microsoft.com/office/drawing/2014/main" id="{EB47E011-0F23-0642-934B-3514E5A4AF8A}"/>
+              </a:ext>
+            </a:extLst>
+          </p:cNvPr>
+          <p:cNvPicPr>
+            <a:picLocks noChangeAspect="1"/>
+          </p:cNvPicPr>
+          <p:nvPr/>
+        </p:nvPicPr>
+        <p:blipFill>
+          <a:blip r:embed="rId10"/>
+          <a:stretch>
+            <a:fillRect/>
+          </a:stretch>
+        </p:blipFill>
+        <p:spPr>
+          <a:xfrm>
+            <a:off x="8873147" y="3855301"/>
+            <a:ext cx="2107320" cy="2067560"/>
+          </a:xfrm>
+          <a:prstGeom prst="rect">
+            <a:avLst/>
+          </a:prstGeom>
+        </p:spPr>
+      </p:pic>
+      <p:sp>
+        <p:nvSpPr>
+          <p:cNvPr id="22" name="文本框 21">
+            <a:extLst>
+              <a:ext uri="{FF2B5EF4-FFF2-40B4-BE49-F238E27FC236}">
+                <a16:creationId xmlns:a16="http://schemas.microsoft.com/office/drawing/2014/main" id="{5E496DAC-FFB3-8E4D-B9CD-2E2F28A0BE81}"/>
+              </a:ext>
+            </a:extLst>
+          </p:cNvPr>
+          <p:cNvSpPr txBox="1"/>
+          <p:nvPr/>
+        </p:nvSpPr>
+        <p:spPr>
+          <a:xfrm>
+            <a:off x="9159492" y="6570858"/>
+            <a:ext cx="2918608" cy="200055"/>
+          </a:xfrm>
+          <a:prstGeom prst="rect">
+            <a:avLst/>
+          </a:prstGeom>
+          <a:noFill/>
+        </p:spPr>
+        <p:txBody>
+          <a:bodyPr wrap="square">
+            <a:spAutoFit/>
+          </a:bodyPr>
+          <a:lstStyle/>
+          <a:p>
+            <a:r>
+              <a:rPr lang="zh-CN" altLang="en-US" sz="700" dirty="0">
+                <a:latin typeface="PingFang SC" panose="020B0400000000000000" pitchFamily="34" charset="-122"/>
+                <a:ea typeface="PingFang SC" panose="020B0400000000000000" pitchFamily="34" charset="-122"/>
+              </a:rPr>
+              <a:t>参考图稿来源：https://refactoringguru.cn</a:t>
+            </a:r>
+          </a:p>
+        </p:txBody>
+      </p:sp>
+      <p:sp>
+        <p:nvSpPr>
+          <p:cNvPr id="23" name="文本框 22">
+            <a:extLst>
+              <a:ext uri="{FF2B5EF4-FFF2-40B4-BE49-F238E27FC236}">
+                <a16:creationId xmlns:a16="http://schemas.microsoft.com/office/drawing/2014/main" id="{4D67C327-A46F-294C-AF78-388412390533}"/>
+              </a:ext>
+            </a:extLst>
+          </p:cNvPr>
+          <p:cNvSpPr txBox="1"/>
+          <p:nvPr/>
+        </p:nvSpPr>
+        <p:spPr>
+          <a:xfrm>
+            <a:off x="4434731" y="4153660"/>
+            <a:ext cx="3470822" cy="646331"/>
+          </a:xfrm>
+          <a:prstGeom prst="rect">
+            <a:avLst/>
+          </a:prstGeom>
+          <a:noFill/>
+        </p:spPr>
+        <p:txBody>
+          <a:bodyPr wrap="none" rtlCol="0">
+            <a:spAutoFit/>
+          </a:bodyPr>
+          <a:lstStyle/>
+          <a:p>
+            <a:r>
+              <a:rPr kumimoji="1" lang="en-US" altLang="zh-CN" sz="3600" dirty="0">
+                <a:solidFill>
+                  <a:schemeClr val="tx1">
+                    <a:lumMod val="75000"/>
+                    <a:lumOff val="25000"/>
+                  </a:schemeClr>
+                </a:solidFill>
+                <a:latin typeface="Wawati SC" pitchFamily="82" charset="-122"/>
+                <a:ea typeface="Wawati SC" pitchFamily="82" charset="-122"/>
+              </a:rPr>
+              <a:t>2.4</a:t>
+            </a:r>
+            <a:r>
+              <a:rPr kumimoji="1" lang="zh-CN" altLang="en-US" sz="3600" dirty="0">
+                <a:solidFill>
+                  <a:schemeClr val="tx1">
+                    <a:lumMod val="75000"/>
+                    <a:lumOff val="25000"/>
+                  </a:schemeClr>
+                </a:solidFill>
+                <a:latin typeface="Wawati SC" pitchFamily="82" charset="-122"/>
+                <a:ea typeface="Wawati SC" pitchFamily="82" charset="-122"/>
+              </a:rPr>
+              <a:t> 迪米特法则</a:t>
+            </a:r>
+          </a:p>
+        </p:txBody>
+      </p:sp>
+    </p:spTree>
+    <p:extLst>
+      <p:ext uri="{BB962C8B-B14F-4D97-AF65-F5344CB8AC3E}">
+        <p14:creationId xmlns:p14="http://schemas.microsoft.com/office/powerpoint/2010/main" val="845239142"/>
+      </p:ext>
+    </p:extLst>
+  </p:cSld>
+  <p:clrMapOvr>
+    <a:masterClrMapping/>
+  </p:clrMapOvr>
+</p:sld>
+</file>
+
+<file path=ppt/slides/slide12.xml><?xml version="1.0" encoding="utf-8"?>
+<p:sld xmlns:a="http://schemas.openxmlformats.org/drawingml/2006/main" xmlns:r="http://schemas.openxmlformats.org/officeDocument/2006/relationships" xmlns:p="http://schemas.openxmlformats.org/presentationml/2006/main">
+  <p:cSld>
+    <p:spTree>
+      <p:nvGrpSpPr>
+        <p:cNvPr id="1" name=""/>
+        <p:cNvGrpSpPr/>
+        <p:nvPr/>
+      </p:nvGrpSpPr>
+      <p:grpSpPr>
+        <a:xfrm>
+          <a:off x="0" y="0"/>
+          <a:ext cx="0" cy="0"/>
+          <a:chOff x="0" y="0"/>
+          <a:chExt cx="0" cy="0"/>
+        </a:xfrm>
+      </p:grpSpPr>
+      <p:sp>
+        <p:nvSpPr>
+          <p:cNvPr id="8" name="文本占位符 1">
+            <a:extLst>
+              <a:ext uri="{FF2B5EF4-FFF2-40B4-BE49-F238E27FC236}">
+                <a16:creationId xmlns:a16="http://schemas.microsoft.com/office/drawing/2014/main" id="{587F8A25-E515-D342-9A64-D2BF6FA543BD}"/>
+              </a:ext>
+            </a:extLst>
+          </p:cNvPr>
+          <p:cNvSpPr txBox="1">
+            <a:spLocks/>
+          </p:cNvSpPr>
+          <p:nvPr/>
+        </p:nvSpPr>
+        <p:spPr>
+          <a:xfrm>
+            <a:off x="457589" y="269298"/>
+            <a:ext cx="6476553" cy="685359"/>
+          </a:xfrm>
+          <a:prstGeom prst="rect">
+            <a:avLst/>
+          </a:prstGeom>
+        </p:spPr>
+        <p:txBody>
+          <a:bodyPr/>
+          <a:lstStyle>
+            <a:lvl1pPr marL="0" indent="0" algn="l" defTabSz="1028065" rtl="0" eaLnBrk="1" latinLnBrk="0" hangingPunct="1">
+              <a:spcBef>
+                <a:spcPct val="20000"/>
+              </a:spcBef>
+              <a:buFontTx/>
+              <a:buNone/>
+              <a:defRPr sz="3200" b="1" kern="1200">
+                <a:solidFill>
+                  <a:srgbClr val="E2231A"/>
+                </a:solidFill>
+                <a:latin typeface="Microsoft YaHei" charset="-122"/>
+                <a:ea typeface="Microsoft YaHei" charset="-122"/>
+                <a:cs typeface="Microsoft YaHei" charset="-122"/>
+              </a:defRPr>
+            </a:lvl1pPr>
+            <a:lvl2pPr marL="835660" indent="-321310" algn="l" defTabSz="1028065" rtl="0" eaLnBrk="1" latinLnBrk="0" hangingPunct="1">
+              <a:spcBef>
+                <a:spcPct val="20000"/>
+              </a:spcBef>
+              <a:buFont typeface="Arial" panose="020B0604020202020204" pitchFamily="34" charset="0"/>
+              <a:buChar char="–"/>
+              <a:defRPr sz="3100" kern="1200">
+                <a:solidFill>
+                  <a:schemeClr val="tx1"/>
+                </a:solidFill>
+                <a:latin typeface="+mn-lt"/>
+                <a:ea typeface="+mn-ea"/>
+                <a:cs typeface="+mn-cs"/>
+              </a:defRPr>
+            </a:lvl2pPr>
+            <a:lvl3pPr marL="1285875" indent="-257175" algn="l" defTabSz="1028065" rtl="0" eaLnBrk="1" latinLnBrk="0" hangingPunct="1">
+              <a:spcBef>
+                <a:spcPct val="20000"/>
+              </a:spcBef>
+              <a:buFont typeface="Arial" panose="020B0604020202020204" pitchFamily="34" charset="0"/>
+              <a:buChar char="•"/>
+              <a:defRPr sz="2700" kern="1200">
+                <a:solidFill>
+                  <a:schemeClr val="tx1"/>
+                </a:solidFill>
+                <a:latin typeface="+mn-lt"/>
+                <a:ea typeface="+mn-ea"/>
+                <a:cs typeface="+mn-cs"/>
+              </a:defRPr>
+            </a:lvl3pPr>
+            <a:lvl4pPr marL="1800225" indent="-257175" algn="l" defTabSz="1028065" rtl="0" eaLnBrk="1" latinLnBrk="0" hangingPunct="1">
+              <a:spcBef>
+                <a:spcPct val="20000"/>
+              </a:spcBef>
+              <a:buFont typeface="Arial" panose="020B0604020202020204" pitchFamily="34" charset="0"/>
+              <a:buChar char="–"/>
+              <a:defRPr sz="2200" kern="1200">
+                <a:solidFill>
+                  <a:schemeClr val="tx1"/>
+                </a:solidFill>
+                <a:latin typeface="+mn-lt"/>
+                <a:ea typeface="+mn-ea"/>
+                <a:cs typeface="+mn-cs"/>
+              </a:defRPr>
+            </a:lvl4pPr>
+            <a:lvl5pPr marL="2314575" indent="-257175" algn="l" defTabSz="1028065" rtl="0" eaLnBrk="1" latinLnBrk="0" hangingPunct="1">
+              <a:spcBef>
+                <a:spcPct val="20000"/>
+              </a:spcBef>
+              <a:buFont typeface="Arial" panose="020B0604020202020204" pitchFamily="34" charset="0"/>
+              <a:buChar char="»"/>
+              <a:defRPr sz="2200" kern="1200">
+                <a:solidFill>
+                  <a:schemeClr val="tx1"/>
+                </a:solidFill>
+                <a:latin typeface="+mn-lt"/>
+                <a:ea typeface="+mn-ea"/>
+                <a:cs typeface="+mn-cs"/>
+              </a:defRPr>
+            </a:lvl5pPr>
+            <a:lvl6pPr marL="2828925" indent="-257175" algn="l" defTabSz="1028065" rtl="0" eaLnBrk="1" latinLnBrk="0" hangingPunct="1">
+              <a:spcBef>
+                <a:spcPct val="20000"/>
+              </a:spcBef>
+              <a:buFont typeface="Arial" panose="020B0604020202020204" pitchFamily="34" charset="0"/>
+              <a:buChar char="•"/>
+              <a:defRPr sz="2200" kern="1200">
+                <a:solidFill>
+                  <a:schemeClr val="tx1"/>
+                </a:solidFill>
+                <a:latin typeface="+mn-lt"/>
+                <a:ea typeface="+mn-ea"/>
+                <a:cs typeface="+mn-cs"/>
+              </a:defRPr>
+            </a:lvl6pPr>
+            <a:lvl7pPr marL="3343275" indent="-257175" algn="l" defTabSz="1028065" rtl="0" eaLnBrk="1" latinLnBrk="0" hangingPunct="1">
+              <a:spcBef>
+                <a:spcPct val="20000"/>
+              </a:spcBef>
+              <a:buFont typeface="Arial" panose="020B0604020202020204" pitchFamily="34" charset="0"/>
+              <a:buChar char="•"/>
+              <a:defRPr sz="2200" kern="1200">
+                <a:solidFill>
+                  <a:schemeClr val="tx1"/>
+                </a:solidFill>
+                <a:latin typeface="+mn-lt"/>
+                <a:ea typeface="+mn-ea"/>
+                <a:cs typeface="+mn-cs"/>
+              </a:defRPr>
+            </a:lvl7pPr>
+            <a:lvl8pPr marL="3856990" indent="-257175" algn="l" defTabSz="1028065" rtl="0" eaLnBrk="1" latinLnBrk="0" hangingPunct="1">
+              <a:spcBef>
+                <a:spcPct val="20000"/>
+              </a:spcBef>
+              <a:buFont typeface="Arial" panose="020B0604020202020204" pitchFamily="34" charset="0"/>
+              <a:buChar char="•"/>
+              <a:defRPr sz="2200" kern="1200">
+                <a:solidFill>
+                  <a:schemeClr val="tx1"/>
+                </a:solidFill>
+                <a:latin typeface="+mn-lt"/>
+                <a:ea typeface="+mn-ea"/>
+                <a:cs typeface="+mn-cs"/>
+              </a:defRPr>
+            </a:lvl8pPr>
+            <a:lvl9pPr marL="4371340" indent="-257175" algn="l" defTabSz="1028065" rtl="0" eaLnBrk="1" latinLnBrk="0" hangingPunct="1">
+              <a:spcBef>
+                <a:spcPct val="20000"/>
+              </a:spcBef>
+              <a:buFont typeface="Arial" panose="020B0604020202020204" pitchFamily="34" charset="0"/>
+              <a:buChar char="•"/>
+              <a:defRPr sz="2200" kern="1200">
+                <a:solidFill>
+                  <a:schemeClr val="tx1"/>
+                </a:solidFill>
+                <a:latin typeface="+mn-lt"/>
+                <a:ea typeface="+mn-ea"/>
+                <a:cs typeface="+mn-cs"/>
+              </a:defRPr>
+            </a:lvl9pPr>
+          </a:lstStyle>
+          <a:p>
+            <a:r>
+              <a:rPr lang="en-US" altLang="zh-CN" sz="3386" dirty="0">
+                <a:solidFill>
+                  <a:schemeClr val="tx1">
+                    <a:lumMod val="85000"/>
+                    <a:lumOff val="15000"/>
+                  </a:schemeClr>
+                </a:solidFill>
+                <a:latin typeface="Xingkai SC Light" panose="02010600040101010101" pitchFamily="2" charset="-122"/>
+                <a:ea typeface="Xingkai SC Light" panose="02010600040101010101" pitchFamily="2" charset="-122"/>
+                <a:cs typeface="+mn-ea"/>
+                <a:sym typeface="+mn-lt"/>
+              </a:rPr>
+              <a:t>4</a:t>
+            </a:r>
+            <a:r>
+              <a:rPr lang="zh-CN" altLang="en-US" sz="3386" dirty="0">
+                <a:solidFill>
+                  <a:schemeClr val="tx1">
+                    <a:lumMod val="85000"/>
+                    <a:lumOff val="15000"/>
+                  </a:schemeClr>
+                </a:solidFill>
+                <a:latin typeface="Xingkai SC Light" panose="02010600040101010101" pitchFamily="2" charset="-122"/>
+                <a:ea typeface="Xingkai SC Light" panose="02010600040101010101" pitchFamily="2" charset="-122"/>
+                <a:cs typeface="+mn-ea"/>
+                <a:sym typeface="+mn-lt"/>
+              </a:rPr>
+              <a:t>、迪米特法则原则</a:t>
+            </a:r>
+          </a:p>
+        </p:txBody>
+      </p:sp>
+      <p:sp>
+        <p:nvSpPr>
+          <p:cNvPr id="20" name="Rounded Rectangle 4">
+            <a:extLst>
+              <a:ext uri="{FF2B5EF4-FFF2-40B4-BE49-F238E27FC236}">
+                <a16:creationId xmlns:a16="http://schemas.microsoft.com/office/drawing/2014/main" id="{FD835581-2B48-AF47-985A-42E116B90135}"/>
+              </a:ext>
+            </a:extLst>
+          </p:cNvPr>
+          <p:cNvSpPr/>
+          <p:nvPr/>
+        </p:nvSpPr>
+        <p:spPr>
+          <a:xfrm>
+            <a:off x="1147798" y="1770950"/>
+            <a:ext cx="2715316" cy="2996121"/>
+          </a:xfrm>
+          <a:prstGeom prst="roundRect">
+            <a:avLst>
+              <a:gd name="adj" fmla="val 2432"/>
+            </a:avLst>
+          </a:prstGeom>
+          <a:solidFill>
+            <a:schemeClr val="bg1">
+              <a:lumMod val="95000"/>
+            </a:schemeClr>
+          </a:solidFill>
+          <a:ln>
+            <a:noFill/>
+          </a:ln>
+        </p:spPr>
+        <p:style>
+          <a:lnRef idx="2">
+            <a:schemeClr val="accent1">
+              <a:shade val="50000"/>
+            </a:schemeClr>
+          </a:lnRef>
+          <a:fillRef idx="1">
+            <a:schemeClr val="accent1"/>
+          </a:fillRef>
+          <a:effectRef idx="0">
+            <a:schemeClr val="accent1"/>
+          </a:effectRef>
+          <a:fontRef idx="minor">
+            <a:schemeClr val="lt1"/>
+          </a:fontRef>
+        </p:style>
+        <p:txBody>
+          <a:bodyPr rtlCol="0" anchor="ctr"/>
+          <a:lstStyle/>
+          <a:p>
+            <a:pPr algn="ctr"/>
+            <a:endParaRPr kumimoji="1" lang="en-US" altLang="zh-CN" sz="1905" b="1" dirty="0">
+              <a:solidFill>
+                <a:srgbClr val="C00000"/>
+              </a:solidFill>
+            </a:endParaRPr>
+          </a:p>
+        </p:txBody>
+      </p:sp>
+      <p:sp>
+        <p:nvSpPr>
+          <p:cNvPr id="22" name="文本框 21">
+            <a:extLst>
+              <a:ext uri="{FF2B5EF4-FFF2-40B4-BE49-F238E27FC236}">
+                <a16:creationId xmlns:a16="http://schemas.microsoft.com/office/drawing/2014/main" id="{93FE1862-82D6-7C46-BCA1-C321297B4238}"/>
+              </a:ext>
+            </a:extLst>
+          </p:cNvPr>
+          <p:cNvSpPr txBox="1"/>
+          <p:nvPr/>
+        </p:nvSpPr>
+        <p:spPr>
+          <a:xfrm>
+            <a:off x="1147798" y="3109830"/>
+            <a:ext cx="2759561" cy="352854"/>
+          </a:xfrm>
+          <a:prstGeom prst="rect">
+            <a:avLst/>
+          </a:prstGeom>
+          <a:noFill/>
+        </p:spPr>
+        <p:txBody>
+          <a:bodyPr wrap="square" rtlCol="0">
+            <a:spAutoFit/>
+          </a:bodyPr>
+          <a:lstStyle/>
+          <a:p>
+            <a:pPr algn="ctr"/>
+            <a:r>
+              <a:rPr lang="zh-CN" altLang="en-US" sz="1693" b="1" dirty="0">
+                <a:solidFill>
+                  <a:srgbClr val="C00000"/>
+                </a:solidFill>
+                <a:latin typeface="+mn-ea"/>
+              </a:rPr>
+              <a:t>迪米特法则</a:t>
+            </a:r>
+          </a:p>
+        </p:txBody>
+      </p:sp>
+      <p:sp>
+        <p:nvSpPr>
+          <p:cNvPr id="23" name="文本框 22">
+            <a:extLst>
+              <a:ext uri="{FF2B5EF4-FFF2-40B4-BE49-F238E27FC236}">
+                <a16:creationId xmlns:a16="http://schemas.microsoft.com/office/drawing/2014/main" id="{8CF472E5-805D-7C4B-9947-4716FF1180A5}"/>
+              </a:ext>
+            </a:extLst>
+          </p:cNvPr>
+          <p:cNvSpPr txBox="1"/>
+          <p:nvPr/>
+        </p:nvSpPr>
+        <p:spPr>
+          <a:xfrm>
+            <a:off x="1147799" y="3908959"/>
+            <a:ext cx="2715316" cy="255134"/>
+          </a:xfrm>
+          <a:prstGeom prst="rect">
+            <a:avLst/>
+          </a:prstGeom>
+          <a:noFill/>
+        </p:spPr>
+        <p:txBody>
+          <a:bodyPr wrap="square" rtlCol="0">
+            <a:spAutoFit/>
+          </a:bodyPr>
+          <a:lstStyle/>
+          <a:p>
+            <a:pPr algn="ctr"/>
+            <a:r>
+              <a:rPr lang="zh-CN" altLang="en-US" sz="1058" dirty="0">
+                <a:latin typeface="+mn-ea"/>
+              </a:rPr>
+              <a:t>最少知道、减少依赖</a:t>
+            </a:r>
+          </a:p>
+        </p:txBody>
+      </p:sp>
+      <p:pic>
+        <p:nvPicPr>
+          <p:cNvPr id="53" name="图片 52">
+            <a:extLst>
+              <a:ext uri="{FF2B5EF4-FFF2-40B4-BE49-F238E27FC236}">
+                <a16:creationId xmlns:a16="http://schemas.microsoft.com/office/drawing/2014/main" id="{CC3D935B-F2B4-CA42-8841-E391FBF1B84A}"/>
+              </a:ext>
+            </a:extLst>
+          </p:cNvPr>
+          <p:cNvPicPr>
+            <a:picLocks noChangeAspect="1"/>
+          </p:cNvPicPr>
+          <p:nvPr/>
+        </p:nvPicPr>
+        <p:blipFill>
+          <a:blip r:embed="rId3"/>
+          <a:stretch>
+            <a:fillRect/>
+          </a:stretch>
+        </p:blipFill>
+        <p:spPr>
+          <a:xfrm>
+            <a:off x="2278825" y="2219490"/>
+            <a:ext cx="493033" cy="493033"/>
+          </a:xfrm>
+          <a:prstGeom prst="rect">
+            <a:avLst/>
+          </a:prstGeom>
+          <a:effectLst>
+            <a:outerShdw blurRad="50800" dist="38100" dir="2700000" algn="tl" rotWithShape="0">
+              <a:prstClr val="black">
+                <a:alpha val="40000"/>
+              </a:prstClr>
+            </a:outerShdw>
+          </a:effectLst>
+        </p:spPr>
+      </p:pic>
+      <p:sp>
+        <p:nvSpPr>
+          <p:cNvPr id="54" name="Rounded Rectangle 4">
+            <a:extLst>
+              <a:ext uri="{FF2B5EF4-FFF2-40B4-BE49-F238E27FC236}">
+                <a16:creationId xmlns:a16="http://schemas.microsoft.com/office/drawing/2014/main" id="{A3272151-2C4C-5B46-8DC7-C804CBDECFF1}"/>
+              </a:ext>
+            </a:extLst>
+          </p:cNvPr>
+          <p:cNvSpPr/>
+          <p:nvPr/>
+        </p:nvSpPr>
+        <p:spPr>
+          <a:xfrm>
+            <a:off x="4878550" y="1770950"/>
+            <a:ext cx="2715316" cy="2996121"/>
+          </a:xfrm>
+          <a:prstGeom prst="roundRect">
+            <a:avLst>
+              <a:gd name="adj" fmla="val 2432"/>
+            </a:avLst>
+          </a:prstGeom>
+          <a:solidFill>
+            <a:schemeClr val="bg1">
+              <a:lumMod val="95000"/>
+            </a:schemeClr>
+          </a:solidFill>
+          <a:ln>
+            <a:noFill/>
+          </a:ln>
+        </p:spPr>
+        <p:style>
+          <a:lnRef idx="2">
+            <a:schemeClr val="accent1">
+              <a:shade val="50000"/>
+            </a:schemeClr>
+          </a:lnRef>
+          <a:fillRef idx="1">
+            <a:schemeClr val="accent1"/>
+          </a:fillRef>
+          <a:effectRef idx="0">
+            <a:schemeClr val="accent1"/>
+          </a:effectRef>
+          <a:fontRef idx="minor">
+            <a:schemeClr val="lt1"/>
+          </a:fontRef>
+        </p:style>
+        <p:txBody>
+          <a:bodyPr rtlCol="0" anchor="ctr"/>
+          <a:lstStyle/>
+          <a:p>
+            <a:pPr algn="ctr"/>
+            <a:endParaRPr kumimoji="1" lang="en-US" altLang="zh-CN" sz="1905" b="1" dirty="0">
+              <a:solidFill>
+                <a:srgbClr val="C00000"/>
+              </a:solidFill>
+            </a:endParaRPr>
+          </a:p>
+        </p:txBody>
+      </p:sp>
+      <p:sp>
+        <p:nvSpPr>
+          <p:cNvPr id="55" name="文本框 54">
+            <a:extLst>
+              <a:ext uri="{FF2B5EF4-FFF2-40B4-BE49-F238E27FC236}">
+                <a16:creationId xmlns:a16="http://schemas.microsoft.com/office/drawing/2014/main" id="{BB22FBCD-D4A2-A749-908C-2948C6D0B306}"/>
+              </a:ext>
+            </a:extLst>
+          </p:cNvPr>
+          <p:cNvSpPr txBox="1"/>
+          <p:nvPr/>
+        </p:nvSpPr>
+        <p:spPr>
+          <a:xfrm>
+            <a:off x="4878550" y="3109830"/>
+            <a:ext cx="2759561" cy="352854"/>
+          </a:xfrm>
+          <a:prstGeom prst="rect">
+            <a:avLst/>
+          </a:prstGeom>
+          <a:noFill/>
+        </p:spPr>
+        <p:txBody>
+          <a:bodyPr wrap="square" rtlCol="0">
+            <a:spAutoFit/>
+          </a:bodyPr>
+          <a:lstStyle/>
+          <a:p>
+            <a:pPr algn="ctr"/>
+            <a:r>
+              <a:rPr lang="zh-CN" altLang="en-US" sz="1693" b="1" dirty="0">
+                <a:solidFill>
+                  <a:srgbClr val="C00000"/>
+                </a:solidFill>
+                <a:latin typeface="+mn-ea"/>
+              </a:rPr>
+              <a:t>学生成绩</a:t>
+            </a:r>
+            <a:r>
+              <a:rPr lang="en-US" altLang="zh-CN" sz="1693" b="1" dirty="0">
+                <a:solidFill>
+                  <a:srgbClr val="C00000"/>
+                </a:solidFill>
+                <a:latin typeface="+mn-ea"/>
+              </a:rPr>
+              <a:t>&amp;</a:t>
+            </a:r>
+            <a:r>
+              <a:rPr lang="zh-CN" altLang="en-US" sz="1693" b="1" dirty="0">
+                <a:solidFill>
+                  <a:srgbClr val="C00000"/>
+                </a:solidFill>
+                <a:latin typeface="+mn-ea"/>
+              </a:rPr>
+              <a:t>排名</a:t>
+            </a:r>
+          </a:p>
+        </p:txBody>
+      </p:sp>
+      <p:sp>
+        <p:nvSpPr>
+          <p:cNvPr id="56" name="文本框 55">
+            <a:extLst>
+              <a:ext uri="{FF2B5EF4-FFF2-40B4-BE49-F238E27FC236}">
+                <a16:creationId xmlns:a16="http://schemas.microsoft.com/office/drawing/2014/main" id="{223E20C5-6354-044C-B4D6-D8529945D5EF}"/>
+              </a:ext>
+            </a:extLst>
+          </p:cNvPr>
+          <p:cNvSpPr txBox="1"/>
+          <p:nvPr/>
+        </p:nvSpPr>
+        <p:spPr>
+          <a:xfrm>
+            <a:off x="4878551" y="3908959"/>
+            <a:ext cx="2715316" cy="255134"/>
+          </a:xfrm>
+          <a:prstGeom prst="rect">
+            <a:avLst/>
+          </a:prstGeom>
+          <a:noFill/>
+        </p:spPr>
+        <p:txBody>
+          <a:bodyPr wrap="square" rtlCol="0">
+            <a:spAutoFit/>
+          </a:bodyPr>
+          <a:lstStyle/>
+          <a:p>
+            <a:pPr algn="ctr"/>
+            <a:r>
+              <a:rPr lang="zh-CN" altLang="en-US" sz="1058" dirty="0">
+                <a:latin typeface="+mn-ea"/>
+              </a:rPr>
+              <a:t>校长、教师、学生、成绩、排名</a:t>
+            </a:r>
+          </a:p>
+        </p:txBody>
+      </p:sp>
+      <p:sp>
+        <p:nvSpPr>
+          <p:cNvPr id="60" name="Rounded Rectangle 4">
+            <a:extLst>
+              <a:ext uri="{FF2B5EF4-FFF2-40B4-BE49-F238E27FC236}">
+                <a16:creationId xmlns:a16="http://schemas.microsoft.com/office/drawing/2014/main" id="{F6609698-76BD-D44F-93EB-8071451838E7}"/>
+              </a:ext>
+            </a:extLst>
+          </p:cNvPr>
+          <p:cNvSpPr/>
+          <p:nvPr/>
+        </p:nvSpPr>
+        <p:spPr>
+          <a:xfrm>
+            <a:off x="8609302" y="1770950"/>
+            <a:ext cx="2715316" cy="2996121"/>
+          </a:xfrm>
+          <a:prstGeom prst="roundRect">
+            <a:avLst>
+              <a:gd name="adj" fmla="val 2432"/>
+            </a:avLst>
+          </a:prstGeom>
+          <a:solidFill>
+            <a:schemeClr val="bg1">
+              <a:lumMod val="95000"/>
+            </a:schemeClr>
+          </a:solidFill>
+          <a:ln>
+            <a:noFill/>
+          </a:ln>
+        </p:spPr>
+        <p:style>
+          <a:lnRef idx="2">
+            <a:schemeClr val="accent1">
+              <a:shade val="50000"/>
+            </a:schemeClr>
+          </a:lnRef>
+          <a:fillRef idx="1">
+            <a:schemeClr val="accent1"/>
+          </a:fillRef>
+          <a:effectRef idx="0">
+            <a:schemeClr val="accent1"/>
+          </a:effectRef>
+          <a:fontRef idx="minor">
+            <a:schemeClr val="lt1"/>
+          </a:fontRef>
+        </p:style>
+        <p:txBody>
+          <a:bodyPr rtlCol="0" anchor="ctr"/>
+          <a:lstStyle/>
+          <a:p>
+            <a:pPr algn="ctr"/>
+            <a:endParaRPr kumimoji="1" lang="en-US" altLang="zh-CN" sz="1905" b="1" dirty="0">
+              <a:solidFill>
+                <a:srgbClr val="C00000"/>
+              </a:solidFill>
+            </a:endParaRPr>
+          </a:p>
+        </p:txBody>
+      </p:sp>
+      <p:sp>
+        <p:nvSpPr>
+          <p:cNvPr id="61" name="文本框 60">
+            <a:extLst>
+              <a:ext uri="{FF2B5EF4-FFF2-40B4-BE49-F238E27FC236}">
+                <a16:creationId xmlns:a16="http://schemas.microsoft.com/office/drawing/2014/main" id="{5D2F3745-4FA4-D04A-94FC-2CD28FD90042}"/>
+              </a:ext>
+            </a:extLst>
+          </p:cNvPr>
+          <p:cNvSpPr txBox="1"/>
+          <p:nvPr/>
+        </p:nvSpPr>
+        <p:spPr>
+          <a:xfrm>
+            <a:off x="8609302" y="3109830"/>
+            <a:ext cx="2759561" cy="352854"/>
+          </a:xfrm>
+          <a:prstGeom prst="rect">
+            <a:avLst/>
+          </a:prstGeom>
+          <a:noFill/>
+        </p:spPr>
+        <p:txBody>
+          <a:bodyPr wrap="square" rtlCol="0">
+            <a:spAutoFit/>
+          </a:bodyPr>
+          <a:lstStyle/>
+          <a:p>
+            <a:pPr algn="ctr"/>
+            <a:r>
+              <a:rPr lang="zh-CN" altLang="en-US" sz="1693" b="1" dirty="0">
+                <a:solidFill>
+                  <a:srgbClr val="C00000"/>
+                </a:solidFill>
+                <a:latin typeface="+mn-ea"/>
+              </a:rPr>
+              <a:t>编码实现</a:t>
+            </a:r>
+          </a:p>
+        </p:txBody>
+      </p:sp>
+      <p:sp>
+        <p:nvSpPr>
+          <p:cNvPr id="62" name="文本框 61">
+            <a:extLst>
+              <a:ext uri="{FF2B5EF4-FFF2-40B4-BE49-F238E27FC236}">
+                <a16:creationId xmlns:a16="http://schemas.microsoft.com/office/drawing/2014/main" id="{E746D5D7-CF11-CE45-ADF2-40EEB4C88A46}"/>
+              </a:ext>
+            </a:extLst>
+          </p:cNvPr>
+          <p:cNvSpPr txBox="1"/>
+          <p:nvPr/>
+        </p:nvSpPr>
+        <p:spPr>
+          <a:xfrm>
+            <a:off x="8609303" y="3908959"/>
+            <a:ext cx="2715316" cy="255134"/>
+          </a:xfrm>
+          <a:prstGeom prst="rect">
+            <a:avLst/>
+          </a:prstGeom>
+          <a:noFill/>
+        </p:spPr>
+        <p:txBody>
+          <a:bodyPr wrap="square" rtlCol="0">
+            <a:spAutoFit/>
+          </a:bodyPr>
+          <a:lstStyle/>
+          <a:p>
+            <a:pPr algn="ctr"/>
+            <a:r>
+              <a:rPr lang="zh-CN" altLang="en-US" sz="1058" dirty="0">
+                <a:latin typeface="+mn-ea"/>
+              </a:rPr>
+              <a:t>高内聚、低耦合</a:t>
+            </a:r>
+          </a:p>
+        </p:txBody>
+      </p:sp>
+      <p:pic>
+        <p:nvPicPr>
+          <p:cNvPr id="65" name="图片 64">
+            <a:extLst>
+              <a:ext uri="{FF2B5EF4-FFF2-40B4-BE49-F238E27FC236}">
+                <a16:creationId xmlns:a16="http://schemas.microsoft.com/office/drawing/2014/main" id="{2391F3AA-A4D0-8944-A315-D52FE8ECB29C}"/>
+              </a:ext>
+            </a:extLst>
+          </p:cNvPr>
+          <p:cNvPicPr>
+            <a:picLocks noChangeAspect="1"/>
+          </p:cNvPicPr>
+          <p:nvPr/>
+        </p:nvPicPr>
+        <p:blipFill>
+          <a:blip r:embed="rId4"/>
+          <a:stretch>
+            <a:fillRect/>
+          </a:stretch>
+        </p:blipFill>
+        <p:spPr>
+          <a:xfrm>
+            <a:off x="9742565" y="2219490"/>
+            <a:ext cx="493033" cy="493033"/>
+          </a:xfrm>
+          <a:prstGeom prst="rect">
+            <a:avLst/>
+          </a:prstGeom>
+          <a:effectLst>
+            <a:outerShdw blurRad="50800" dist="38100" dir="2700000" algn="tl" rotWithShape="0">
+              <a:prstClr val="black">
+                <a:alpha val="40000"/>
+              </a:prstClr>
+            </a:outerShdw>
+          </a:effectLst>
+        </p:spPr>
+      </p:pic>
+      <p:sp>
+        <p:nvSpPr>
+          <p:cNvPr id="69" name="圆角矩形 68">
+            <a:extLst>
+              <a:ext uri="{FF2B5EF4-FFF2-40B4-BE49-F238E27FC236}">
+                <a16:creationId xmlns:a16="http://schemas.microsoft.com/office/drawing/2014/main" id="{E3CC9A0F-2A75-A548-8A30-11B39E7451A3}"/>
+              </a:ext>
+            </a:extLst>
+          </p:cNvPr>
+          <p:cNvSpPr/>
+          <p:nvPr/>
+        </p:nvSpPr>
+        <p:spPr>
+          <a:xfrm>
+            <a:off x="1147798" y="5352288"/>
+            <a:ext cx="10176820" cy="597408"/>
+          </a:xfrm>
+          <a:prstGeom prst="roundRect">
+            <a:avLst/>
+          </a:prstGeom>
+          <a:noFill/>
+          <a:ln>
+            <a:solidFill>
+              <a:schemeClr val="tx1">
+                <a:lumMod val="75000"/>
+                <a:lumOff val="25000"/>
+              </a:schemeClr>
+            </a:solidFill>
+            <a:prstDash val="dash"/>
+            <a:extLst>
+              <a:ext uri="{C807C97D-BFC1-408E-A445-0C87EB9F89A2}">
+                <ask:lineSketchStyleProps xmlns:ask="http://schemas.microsoft.com/office/drawing/2018/sketchyshapes">
+                  <ask:type>
+                    <ask:lineSketchFreehand/>
+                  </ask:type>
+                </ask:lineSketchStyleProps>
+              </a:ext>
+            </a:extLst>
+          </a:ln>
+        </p:spPr>
+        <p:style>
+          <a:lnRef idx="2">
+            <a:schemeClr val="accent1">
+              <a:shade val="50000"/>
+            </a:schemeClr>
+          </a:lnRef>
+          <a:fillRef idx="1">
+            <a:schemeClr val="accent1"/>
+          </a:fillRef>
+          <a:effectRef idx="0">
+            <a:schemeClr val="accent1"/>
+          </a:effectRef>
+          <a:fontRef idx="minor">
+            <a:schemeClr val="lt1"/>
+          </a:fontRef>
+        </p:style>
+        <p:txBody>
+          <a:bodyPr rtlCol="0" anchor="ctr"/>
+          <a:lstStyle/>
+          <a:p>
+            <a:pPr algn="ctr"/>
+            <a:r>
+              <a:rPr lang="zh-CN" altLang="en-US" sz="1600" b="1" dirty="0">
+                <a:solidFill>
+                  <a:schemeClr val="tx1">
+                    <a:lumMod val="85000"/>
+                    <a:lumOff val="15000"/>
+                  </a:schemeClr>
+                </a:solidFill>
+                <a:latin typeface="Xingkai SC Light" panose="02010600040101010101" pitchFamily="2" charset="-122"/>
+                <a:ea typeface="Xingkai SC Light" panose="02010600040101010101" pitchFamily="2" charset="-122"/>
+                <a:cs typeface="+mn-ea"/>
+              </a:rPr>
+              <a:t>迪米特法则：</a:t>
+            </a:r>
+            <a:r>
+              <a:rPr lang="zh-CN" altLang="en-US" sz="1600" dirty="0">
+                <a:solidFill>
+                  <a:schemeClr val="tx1">
+                    <a:lumMod val="85000"/>
+                    <a:lumOff val="15000"/>
+                  </a:schemeClr>
+                </a:solidFill>
+                <a:latin typeface="Xingkai SC Light" panose="02010600040101010101" pitchFamily="2" charset="-122"/>
+                <a:ea typeface="Xingkai SC Light" panose="02010600040101010101" pitchFamily="2" charset="-122"/>
+                <a:cs typeface="+mn-ea"/>
+              </a:rPr>
+              <a:t>意义在于降低类之间的耦合。由于每个对象尽量减少对其他对象的了解，因此，很容易使得系统的功能模块功能独立，相互之间不存在（或很少有）依赖关系。</a:t>
+            </a:r>
+          </a:p>
+        </p:txBody>
+      </p:sp>
+      <p:pic>
+        <p:nvPicPr>
+          <p:cNvPr id="3" name="图片 2">
+            <a:extLst>
+              <a:ext uri="{FF2B5EF4-FFF2-40B4-BE49-F238E27FC236}">
+                <a16:creationId xmlns:a16="http://schemas.microsoft.com/office/drawing/2014/main" id="{92694A16-9821-AC40-AD78-6D673B7A3736}"/>
+              </a:ext>
+            </a:extLst>
+          </p:cNvPr>
+          <p:cNvPicPr>
+            <a:picLocks noChangeAspect="1"/>
+          </p:cNvPicPr>
+          <p:nvPr/>
+        </p:nvPicPr>
+        <p:blipFill>
+          <a:blip r:embed="rId5"/>
+          <a:stretch>
+            <a:fillRect/>
+          </a:stretch>
+        </p:blipFill>
+        <p:spPr>
+          <a:xfrm>
+            <a:off x="5980266" y="2193261"/>
+            <a:ext cx="548765" cy="548765"/>
+          </a:xfrm>
+          <a:prstGeom prst="rect">
+            <a:avLst/>
+          </a:prstGeom>
+          <a:effectLst>
+            <a:outerShdw blurRad="50800" dist="38100" dir="2700000" algn="tl" rotWithShape="0">
+              <a:prstClr val="black">
+                <a:alpha val="40000"/>
+              </a:prstClr>
+            </a:outerShdw>
+          </a:effectLst>
+        </p:spPr>
+      </p:pic>
+    </p:spTree>
+    <p:extLst>
+      <p:ext uri="{BB962C8B-B14F-4D97-AF65-F5344CB8AC3E}">
+        <p14:creationId xmlns:p14="http://schemas.microsoft.com/office/powerpoint/2010/main" val="347622787"/>
       </p:ext>
     </p:extLst>
   </p:cSld>
@@ -9095,18 +11248,6 @@
               </a:rPr>
               <a:t>、单一职责原则</a:t>
             </a:r>
-            <a:endParaRPr lang="zh-CN" altLang="en-US" sz="3386" dirty="0">
-              <a:solidFill>
-                <a:schemeClr val="tx1">
-                  <a:lumMod val="85000"/>
-                  <a:lumOff val="15000"/>
-                </a:schemeClr>
-              </a:solidFill>
-              <a:latin typeface="Xingkai SC Light" panose="02010600040101010101" pitchFamily="2" charset="-122"/>
-              <a:ea typeface="Xingkai SC Light" panose="02010600040101010101" pitchFamily="2" charset="-122"/>
-              <a:cs typeface="+mn-ea"/>
-              <a:sym typeface="+mn-lt"/>
-            </a:endParaRPr>
           </a:p>
         </p:txBody>
       </p:sp>
@@ -10161,18 +12302,6 @@
               </a:rPr>
               <a:t>、开闭原则</a:t>
             </a:r>
-            <a:endParaRPr lang="zh-CN" altLang="en-US" sz="3386" dirty="0">
-              <a:solidFill>
-                <a:schemeClr val="tx1">
-                  <a:lumMod val="85000"/>
-                  <a:lumOff val="15000"/>
-                </a:schemeClr>
-              </a:solidFill>
-              <a:latin typeface="Xingkai SC Light" panose="02010600040101010101" pitchFamily="2" charset="-122"/>
-              <a:ea typeface="Xingkai SC Light" panose="02010600040101010101" pitchFamily="2" charset="-122"/>
-              <a:cs typeface="+mn-ea"/>
-              <a:sym typeface="+mn-lt"/>
-            </a:endParaRPr>
           </a:p>
         </p:txBody>
       </p:sp>
@@ -11089,18 +13218,6 @@
               </a:rPr>
               <a:t>、里氏替换原则</a:t>
             </a:r>
-            <a:endParaRPr lang="zh-CN" altLang="en-US" sz="3386" dirty="0">
-              <a:solidFill>
-                <a:schemeClr val="tx1">
-                  <a:lumMod val="85000"/>
-                  <a:lumOff val="15000"/>
-                </a:schemeClr>
-              </a:solidFill>
-              <a:latin typeface="Xingkai SC Light" panose="02010600040101010101" pitchFamily="2" charset="-122"/>
-              <a:ea typeface="Xingkai SC Light" panose="02010600040101010101" pitchFamily="2" charset="-122"/>
-              <a:cs typeface="+mn-ea"/>
-              <a:sym typeface="+mn-lt"/>
-            </a:endParaRPr>
           </a:p>
         </p:txBody>
       </p:sp>

--- a/docs/assets/图稿.pptx
+++ b/docs/assets/图稿.pptx
@@ -5,7 +5,7 @@
     <p:sldMasterId id="2147483648" r:id="rId1"/>
   </p:sldMasterIdLst>
   <p:notesMasterIdLst>
-    <p:notesMasterId r:id="rId14"/>
+    <p:notesMasterId r:id="rId17"/>
   </p:notesMasterIdLst>
   <p:sldIdLst>
     <p:sldId id="262" r:id="rId2"/>
@@ -20,6 +20,9 @@
     <p:sldId id="267" r:id="rId11"/>
     <p:sldId id="269" r:id="rId12"/>
     <p:sldId id="268" r:id="rId13"/>
+    <p:sldId id="270" r:id="rId14"/>
+    <p:sldId id="272" r:id="rId15"/>
+    <p:sldId id="271" r:id="rId16"/>
   </p:sldIdLst>
   <p:sldSz cx="12192000" cy="6858000"/>
   <p:notesSz cx="6858000" cy="9144000"/>
@@ -143,6 +146,9 @@
             <p14:sldId id="267"/>
             <p14:sldId id="269"/>
             <p14:sldId id="268"/>
+            <p14:sldId id="270"/>
+            <p14:sldId id="272"/>
+            <p14:sldId id="271"/>
           </p14:sldIdLst>
         </p14:section>
       </p14:sectionLst>
@@ -236,7 +242,7 @@
           <a:p>
             <a:fld id="{3533513E-8777-384F-BF50-565235350325}" type="datetimeFigureOut">
               <a:rPr kumimoji="1" lang="zh-CN" altLang="en-US" smtClean="0"/>
-              <a:t>2022/3/8</a:t>
+              <a:t>2022/3/10</a:t>
             </a:fld>
             <a:endParaRPr kumimoji="1" lang="zh-CN" altLang="en-US"/>
           </a:p>
@@ -930,6 +936,387 @@
 </p:notes>
 </file>
 
+<file path=ppt/notesSlides/notesSlide6.xml><?xml version="1.0" encoding="utf-8"?>
+<p:notes xmlns:a="http://schemas.openxmlformats.org/drawingml/2006/main" xmlns:r="http://schemas.openxmlformats.org/officeDocument/2006/relationships" xmlns:p="http://schemas.openxmlformats.org/presentationml/2006/main">
+  <p:cSld>
+    <p:spTree>
+      <p:nvGrpSpPr>
+        <p:cNvPr id="1" name=""/>
+        <p:cNvGrpSpPr/>
+        <p:nvPr/>
+      </p:nvGrpSpPr>
+      <p:grpSpPr>
+        <a:xfrm>
+          <a:off x="0" y="0"/>
+          <a:ext cx="0" cy="0"/>
+          <a:chOff x="0" y="0"/>
+          <a:chExt cx="0" cy="0"/>
+        </a:xfrm>
+      </p:grpSpPr>
+      <p:sp>
+        <p:nvSpPr>
+          <p:cNvPr id="2" name="幻灯片图像占位符 1"/>
+          <p:cNvSpPr>
+            <a:spLocks noGrp="1" noRot="1" noChangeAspect="1"/>
+          </p:cNvSpPr>
+          <p:nvPr>
+            <p:ph type="sldImg"/>
+          </p:nvPr>
+        </p:nvSpPr>
+        <p:spPr/>
+      </p:sp>
+      <p:sp>
+        <p:nvSpPr>
+          <p:cNvPr id="3" name="备注占位符 2"/>
+          <p:cNvSpPr>
+            <a:spLocks noGrp="1"/>
+          </p:cNvSpPr>
+          <p:nvPr>
+            <p:ph type="body" idx="1"/>
+          </p:nvPr>
+        </p:nvSpPr>
+        <p:spPr/>
+        <p:txBody>
+          <a:bodyPr/>
+          <a:lstStyle/>
+          <a:p>
+            <a:r>
+              <a:rPr kumimoji="1" lang="zh-CN" altLang="en-US" dirty="0"/>
+              <a:t>设计模式就来自于生活，生活中就有很多设计模式</a:t>
+            </a:r>
+            <a:endParaRPr kumimoji="1" lang="en-US" altLang="zh-CN" dirty="0"/>
+          </a:p>
+          <a:p>
+            <a:endParaRPr kumimoji="1" lang="en-US" altLang="zh-CN" dirty="0"/>
+          </a:p>
+        </p:txBody>
+      </p:sp>
+      <p:sp>
+        <p:nvSpPr>
+          <p:cNvPr id="4" name="灯片编号占位符 3"/>
+          <p:cNvSpPr>
+            <a:spLocks noGrp="1"/>
+          </p:cNvSpPr>
+          <p:nvPr>
+            <p:ph type="sldNum" sz="quarter" idx="5"/>
+          </p:nvPr>
+        </p:nvSpPr>
+        <p:spPr/>
+        <p:txBody>
+          <a:bodyPr/>
+          <a:lstStyle/>
+          <a:p>
+            <a:fld id="{F27ACFC7-DDB1-344E-839F-3E9A781B1DD5}" type="slidenum">
+              <a:rPr kumimoji="1" lang="zh-CN" altLang="en-US" smtClean="0"/>
+              <a:t>13</a:t>
+            </a:fld>
+            <a:endParaRPr kumimoji="1" lang="zh-CN" altLang="en-US"/>
+          </a:p>
+        </p:txBody>
+      </p:sp>
+    </p:spTree>
+    <p:extLst>
+      <p:ext uri="{BB962C8B-B14F-4D97-AF65-F5344CB8AC3E}">
+        <p14:creationId xmlns:p14="http://schemas.microsoft.com/office/powerpoint/2010/main" val="2618348057"/>
+      </p:ext>
+    </p:extLst>
+  </p:cSld>
+  <p:clrMapOvr>
+    <a:masterClrMapping/>
+  </p:clrMapOvr>
+</p:notes>
+</file>
+
+<file path=ppt/notesSlides/notesSlide7.xml><?xml version="1.0" encoding="utf-8"?>
+<p:notes xmlns:a="http://schemas.openxmlformats.org/drawingml/2006/main" xmlns:r="http://schemas.openxmlformats.org/officeDocument/2006/relationships" xmlns:p="http://schemas.openxmlformats.org/presentationml/2006/main">
+  <p:cSld>
+    <p:spTree>
+      <p:nvGrpSpPr>
+        <p:cNvPr id="1" name=""/>
+        <p:cNvGrpSpPr/>
+        <p:nvPr/>
+      </p:nvGrpSpPr>
+      <p:grpSpPr>
+        <a:xfrm>
+          <a:off x="0" y="0"/>
+          <a:ext cx="0" cy="0"/>
+          <a:chOff x="0" y="0"/>
+          <a:chExt cx="0" cy="0"/>
+        </a:xfrm>
+      </p:grpSpPr>
+      <p:sp>
+        <p:nvSpPr>
+          <p:cNvPr id="2" name="幻灯片图像占位符 1"/>
+          <p:cNvSpPr>
+            <a:spLocks noGrp="1" noRot="1" noChangeAspect="1"/>
+          </p:cNvSpPr>
+          <p:nvPr>
+            <p:ph type="sldImg"/>
+          </p:nvPr>
+        </p:nvSpPr>
+        <p:spPr/>
+      </p:sp>
+      <p:sp>
+        <p:nvSpPr>
+          <p:cNvPr id="3" name="备注占位符 2"/>
+          <p:cNvSpPr>
+            <a:spLocks noGrp="1"/>
+          </p:cNvSpPr>
+          <p:nvPr>
+            <p:ph type="body" idx="1"/>
+          </p:nvPr>
+        </p:nvSpPr>
+        <p:spPr/>
+        <p:txBody>
+          <a:bodyPr/>
+          <a:lstStyle/>
+          <a:p>
+            <a:pPr marL="0" marR="0" lvl="0" indent="0" algn="l" defTabSz="914400" rtl="0" eaLnBrk="1" fontAlgn="auto" latinLnBrk="0" hangingPunct="1">
+              <a:lnSpc>
+                <a:spcPct val="100000"/>
+              </a:lnSpc>
+              <a:spcBef>
+                <a:spcPts val="0"/>
+              </a:spcBef>
+              <a:spcAft>
+                <a:spcPts val="0"/>
+              </a:spcAft>
+              <a:buClrTx/>
+              <a:buSzTx/>
+              <a:buFontTx/>
+              <a:buNone/>
+              <a:tabLst/>
+              <a:defRPr/>
+            </a:pPr>
+            <a:r>
+              <a:rPr kumimoji="1" lang="zh-CN" altLang="en-US" dirty="0"/>
+              <a:t>杨树林、小沈阳有个小品，四大才子，大小姐出题，</a:t>
+            </a:r>
+            <a:r>
+              <a:rPr kumimoji="1" lang="en-US" altLang="zh-CN" dirty="0"/>
+              <a:t>1+1</a:t>
+            </a:r>
+            <a:r>
+              <a:rPr kumimoji="1" lang="zh-CN" altLang="en-US" dirty="0"/>
+              <a:t>等于几，小沈阳说杨树林他们家祖传数学的，杨树林为了避开这个回答，说传女不传男。</a:t>
+            </a:r>
+            <a:r>
+              <a:rPr lang="zh-CN" altLang="en-US" sz="1200" b="0" i="0" kern="1200" dirty="0">
+                <a:solidFill>
+                  <a:schemeClr val="tx1"/>
+                </a:solidFill>
+                <a:effectLst/>
+                <a:latin typeface="+mn-lt"/>
+                <a:ea typeface="+mn-ea"/>
+                <a:cs typeface="+mn-cs"/>
+              </a:rPr>
+              <a:t>我们家的确是祖传数学</a:t>
+            </a:r>
+            <a:r>
+              <a:rPr lang="en-US" altLang="zh-CN" sz="1200" b="0" i="0" kern="1200" dirty="0">
+                <a:solidFill>
+                  <a:schemeClr val="tx1"/>
+                </a:solidFill>
+                <a:effectLst/>
+                <a:latin typeface="+mn-lt"/>
+                <a:ea typeface="+mn-ea"/>
+                <a:cs typeface="+mn-cs"/>
+              </a:rPr>
+              <a:t>,</a:t>
+            </a:r>
+            <a:r>
+              <a:rPr lang="zh-CN" altLang="en-US" sz="1200" b="0" i="0" kern="1200" dirty="0">
+                <a:solidFill>
+                  <a:schemeClr val="tx1"/>
+                </a:solidFill>
+                <a:effectLst/>
+                <a:latin typeface="+mn-lt"/>
+                <a:ea typeface="+mn-ea"/>
+                <a:cs typeface="+mn-cs"/>
+              </a:rPr>
+              <a:t>传女不传男</a:t>
+            </a:r>
+            <a:endParaRPr kumimoji="1" lang="zh-CN" altLang="en-US" dirty="0"/>
+          </a:p>
+          <a:p>
+            <a:endParaRPr kumimoji="1" lang="zh-CN" altLang="en-US" dirty="0"/>
+          </a:p>
+        </p:txBody>
+      </p:sp>
+      <p:sp>
+        <p:nvSpPr>
+          <p:cNvPr id="4" name="灯片编号占位符 3"/>
+          <p:cNvSpPr>
+            <a:spLocks noGrp="1"/>
+          </p:cNvSpPr>
+          <p:nvPr>
+            <p:ph type="sldNum" sz="quarter" idx="5"/>
+          </p:nvPr>
+        </p:nvSpPr>
+        <p:spPr/>
+        <p:txBody>
+          <a:bodyPr/>
+          <a:lstStyle/>
+          <a:p>
+            <a:fld id="{F27ACFC7-DDB1-344E-839F-3E9A781B1DD5}" type="slidenum">
+              <a:rPr kumimoji="1" lang="zh-CN" altLang="en-US" smtClean="0"/>
+              <a:t>14</a:t>
+            </a:fld>
+            <a:endParaRPr kumimoji="1" lang="zh-CN" altLang="en-US"/>
+          </a:p>
+        </p:txBody>
+      </p:sp>
+    </p:spTree>
+    <p:extLst>
+      <p:ext uri="{BB962C8B-B14F-4D97-AF65-F5344CB8AC3E}">
+        <p14:creationId xmlns:p14="http://schemas.microsoft.com/office/powerpoint/2010/main" val="1740639419"/>
+      </p:ext>
+    </p:extLst>
+  </p:cSld>
+  <p:clrMapOvr>
+    <a:masterClrMapping/>
+  </p:clrMapOvr>
+</p:notes>
+</file>
+
+<file path=ppt/notesSlides/notesSlide8.xml><?xml version="1.0" encoding="utf-8"?>
+<p:notes xmlns:a="http://schemas.openxmlformats.org/drawingml/2006/main" xmlns:r="http://schemas.openxmlformats.org/officeDocument/2006/relationships" xmlns:p="http://schemas.openxmlformats.org/presentationml/2006/main">
+  <p:cSld>
+    <p:spTree>
+      <p:nvGrpSpPr>
+        <p:cNvPr id="1" name=""/>
+        <p:cNvGrpSpPr/>
+        <p:nvPr/>
+      </p:nvGrpSpPr>
+      <p:grpSpPr>
+        <a:xfrm>
+          <a:off x="0" y="0"/>
+          <a:ext cx="0" cy="0"/>
+          <a:chOff x="0" y="0"/>
+          <a:chExt cx="0" cy="0"/>
+        </a:xfrm>
+      </p:grpSpPr>
+      <p:sp>
+        <p:nvSpPr>
+          <p:cNvPr id="2" name="幻灯片图像占位符 1"/>
+          <p:cNvSpPr>
+            <a:spLocks noGrp="1" noRot="1" noChangeAspect="1"/>
+          </p:cNvSpPr>
+          <p:nvPr>
+            <p:ph type="sldImg"/>
+          </p:nvPr>
+        </p:nvSpPr>
+        <p:spPr/>
+      </p:sp>
+      <p:sp>
+        <p:nvSpPr>
+          <p:cNvPr id="3" name="备注占位符 2"/>
+          <p:cNvSpPr>
+            <a:spLocks noGrp="1"/>
+          </p:cNvSpPr>
+          <p:nvPr>
+            <p:ph type="body" idx="1"/>
+          </p:nvPr>
+        </p:nvSpPr>
+        <p:spPr/>
+        <p:txBody>
+          <a:bodyPr/>
+          <a:lstStyle/>
+          <a:p>
+            <a:pPr marL="162003" lvl="0" indent="-162003">
+              <a:lnSpc>
+                <a:spcPct val="150000"/>
+              </a:lnSpc>
+              <a:buFont typeface="Arial" panose="020B0604020202020204" pitchFamily="34" charset="0"/>
+              <a:buChar char="•"/>
+              <a:defRPr/>
+            </a:pPr>
+            <a:r>
+              <a:rPr lang="zh-CN" altLang="en-US" sz="1200" dirty="0">
+                <a:solidFill>
+                  <a:schemeClr val="tx1"/>
+                </a:solidFill>
+                <a:latin typeface="+mn-ea"/>
+                <a:sym typeface="+mn-lt"/>
+              </a:rPr>
+              <a:t>解决复杂场景的设计主要分为：分治、抽象和知识。</a:t>
+            </a:r>
+            <a:endParaRPr lang="en-US" altLang="zh-CN" sz="1200" dirty="0">
+              <a:solidFill>
+                <a:schemeClr val="tx1"/>
+              </a:solidFill>
+              <a:latin typeface="+mn-ea"/>
+              <a:sym typeface="+mn-lt"/>
+            </a:endParaRPr>
+          </a:p>
+          <a:p>
+            <a:pPr marL="162003" lvl="0" indent="-162003">
+              <a:lnSpc>
+                <a:spcPct val="150000"/>
+              </a:lnSpc>
+              <a:buFont typeface="Arial" panose="020B0604020202020204" pitchFamily="34" charset="0"/>
+              <a:buChar char="•"/>
+              <a:defRPr/>
+            </a:pPr>
+            <a:r>
+              <a:rPr lang="zh-CN" altLang="en-US" sz="1200" dirty="0">
+                <a:solidFill>
+                  <a:schemeClr val="tx1"/>
+                </a:solidFill>
+                <a:latin typeface="+mn-ea"/>
+                <a:sym typeface="+mn-lt"/>
+              </a:rPr>
+              <a:t>运用设计模式在分治层面合理切割问题空间为更小规模的若干子问题，而问题越小就容易被理解和处理，做到高内聚低耦合。</a:t>
+            </a:r>
+            <a:endParaRPr lang="en-US" altLang="zh-CN" sz="1200" dirty="0">
+              <a:solidFill>
+                <a:schemeClr val="tx1"/>
+              </a:solidFill>
+              <a:latin typeface="+mn-ea"/>
+              <a:sym typeface="+mn-lt"/>
+            </a:endParaRPr>
+          </a:p>
+          <a:p>
+            <a:endParaRPr kumimoji="1" lang="zh-CN" altLang="en-US" dirty="0"/>
+          </a:p>
+        </p:txBody>
+      </p:sp>
+      <p:sp>
+        <p:nvSpPr>
+          <p:cNvPr id="4" name="灯片编号占位符 3"/>
+          <p:cNvSpPr>
+            <a:spLocks noGrp="1"/>
+          </p:cNvSpPr>
+          <p:nvPr>
+            <p:ph type="sldNum" sz="quarter" idx="5"/>
+          </p:nvPr>
+        </p:nvSpPr>
+        <p:spPr/>
+        <p:txBody>
+          <a:bodyPr/>
+          <a:lstStyle/>
+          <a:p>
+            <a:fld id="{F27ACFC7-DDB1-344E-839F-3E9A781B1DD5}" type="slidenum">
+              <a:rPr kumimoji="1" lang="zh-CN" altLang="en-US" smtClean="0"/>
+              <a:t>15</a:t>
+            </a:fld>
+            <a:endParaRPr kumimoji="1" lang="zh-CN" altLang="en-US"/>
+          </a:p>
+        </p:txBody>
+      </p:sp>
+    </p:spTree>
+    <p:extLst>
+      <p:ext uri="{BB962C8B-B14F-4D97-AF65-F5344CB8AC3E}">
+        <p14:creationId xmlns:p14="http://schemas.microsoft.com/office/powerpoint/2010/main" val="3192719528"/>
+      </p:ext>
+    </p:extLst>
+  </p:cSld>
+  <p:clrMapOvr>
+    <a:masterClrMapping/>
+  </p:clrMapOvr>
+</p:notes>
+</file>
+
 <file path=ppt/slideLayouts/slideLayout1.xml><?xml version="1.0" encoding="utf-8"?>
 <p:sldLayout xmlns:a="http://schemas.openxmlformats.org/drawingml/2006/main" xmlns:r="http://schemas.openxmlformats.org/officeDocument/2006/relationships" xmlns:p="http://schemas.openxmlformats.org/presentationml/2006/main" type="title" preserve="1">
   <p:cSld name="标题幻灯片">
@@ -1077,7 +1464,7 @@
           <a:p>
             <a:fld id="{09B68B07-A161-0343-89C9-3CA09E00E5F4}" type="datetimeFigureOut">
               <a:rPr kumimoji="1" lang="zh-CN" altLang="en-US" smtClean="0"/>
-              <a:t>2022/3/8</a:t>
+              <a:t>2022/3/10</a:t>
             </a:fld>
             <a:endParaRPr kumimoji="1" lang="zh-CN" altLang="en-US"/>
           </a:p>
@@ -1275,7 +1662,7 @@
           <a:p>
             <a:fld id="{09B68B07-A161-0343-89C9-3CA09E00E5F4}" type="datetimeFigureOut">
               <a:rPr kumimoji="1" lang="zh-CN" altLang="en-US" smtClean="0"/>
-              <a:t>2022/3/8</a:t>
+              <a:t>2022/3/10</a:t>
             </a:fld>
             <a:endParaRPr kumimoji="1" lang="zh-CN" altLang="en-US"/>
           </a:p>
@@ -1483,7 +1870,7 @@
           <a:p>
             <a:fld id="{09B68B07-A161-0343-89C9-3CA09E00E5F4}" type="datetimeFigureOut">
               <a:rPr kumimoji="1" lang="zh-CN" altLang="en-US" smtClean="0"/>
-              <a:t>2022/3/8</a:t>
+              <a:t>2022/3/10</a:t>
             </a:fld>
             <a:endParaRPr kumimoji="1" lang="zh-CN" altLang="en-US"/>
           </a:p>
@@ -1681,7 +2068,7 @@
           <a:p>
             <a:fld id="{09B68B07-A161-0343-89C9-3CA09E00E5F4}" type="datetimeFigureOut">
               <a:rPr kumimoji="1" lang="zh-CN" altLang="en-US" smtClean="0"/>
-              <a:t>2022/3/8</a:t>
+              <a:t>2022/3/10</a:t>
             </a:fld>
             <a:endParaRPr kumimoji="1" lang="zh-CN" altLang="en-US"/>
           </a:p>
@@ -1956,7 +2343,7 @@
           <a:p>
             <a:fld id="{09B68B07-A161-0343-89C9-3CA09E00E5F4}" type="datetimeFigureOut">
               <a:rPr kumimoji="1" lang="zh-CN" altLang="en-US" smtClean="0"/>
-              <a:t>2022/3/8</a:t>
+              <a:t>2022/3/10</a:t>
             </a:fld>
             <a:endParaRPr kumimoji="1" lang="zh-CN" altLang="en-US"/>
           </a:p>
@@ -2221,7 +2608,7 @@
           <a:p>
             <a:fld id="{09B68B07-A161-0343-89C9-3CA09E00E5F4}" type="datetimeFigureOut">
               <a:rPr kumimoji="1" lang="zh-CN" altLang="en-US" smtClean="0"/>
-              <a:t>2022/3/8</a:t>
+              <a:t>2022/3/10</a:t>
             </a:fld>
             <a:endParaRPr kumimoji="1" lang="zh-CN" altLang="en-US"/>
           </a:p>
@@ -2633,7 +3020,7 @@
           <a:p>
             <a:fld id="{09B68B07-A161-0343-89C9-3CA09E00E5F4}" type="datetimeFigureOut">
               <a:rPr kumimoji="1" lang="zh-CN" altLang="en-US" smtClean="0"/>
-              <a:t>2022/3/8</a:t>
+              <a:t>2022/3/10</a:t>
             </a:fld>
             <a:endParaRPr kumimoji="1" lang="zh-CN" altLang="en-US"/>
           </a:p>
@@ -2774,7 +3161,7 @@
           <a:p>
             <a:fld id="{09B68B07-A161-0343-89C9-3CA09E00E5F4}" type="datetimeFigureOut">
               <a:rPr kumimoji="1" lang="zh-CN" altLang="en-US" smtClean="0"/>
-              <a:t>2022/3/8</a:t>
+              <a:t>2022/3/10</a:t>
             </a:fld>
             <a:endParaRPr kumimoji="1" lang="zh-CN" altLang="en-US"/>
           </a:p>
@@ -2887,7 +3274,7 @@
           <a:p>
             <a:fld id="{09B68B07-A161-0343-89C9-3CA09E00E5F4}" type="datetimeFigureOut">
               <a:rPr kumimoji="1" lang="zh-CN" altLang="en-US" smtClean="0"/>
-              <a:t>2022/3/8</a:t>
+              <a:t>2022/3/10</a:t>
             </a:fld>
             <a:endParaRPr kumimoji="1" lang="zh-CN" altLang="en-US"/>
           </a:p>
@@ -3198,7 +3585,7 @@
           <a:p>
             <a:fld id="{09B68B07-A161-0343-89C9-3CA09E00E5F4}" type="datetimeFigureOut">
               <a:rPr kumimoji="1" lang="zh-CN" altLang="en-US" smtClean="0"/>
-              <a:t>2022/3/8</a:t>
+              <a:t>2022/3/10</a:t>
             </a:fld>
             <a:endParaRPr kumimoji="1" lang="zh-CN" altLang="en-US"/>
           </a:p>
@@ -3486,7 +3873,7 @@
           <a:p>
             <a:fld id="{09B68B07-A161-0343-89C9-3CA09E00E5F4}" type="datetimeFigureOut">
               <a:rPr kumimoji="1" lang="zh-CN" altLang="en-US" smtClean="0"/>
-              <a:t>2022/3/8</a:t>
+              <a:t>2022/3/10</a:t>
             </a:fld>
             <a:endParaRPr kumimoji="1" lang="zh-CN" altLang="en-US"/>
           </a:p>
@@ -3727,7 +4114,7 @@
           <a:p>
             <a:fld id="{09B68B07-A161-0343-89C9-3CA09E00E5F4}" type="datetimeFigureOut">
               <a:rPr kumimoji="1" lang="zh-CN" altLang="en-US" smtClean="0"/>
-              <a:t>2022/3/8</a:t>
+              <a:t>2022/3/10</a:t>
             </a:fld>
             <a:endParaRPr kumimoji="1" lang="zh-CN" altLang="en-US"/>
           </a:p>
@@ -7159,6 +7546,1938 @@
     <p:extLst>
       <p:ext uri="{BB962C8B-B14F-4D97-AF65-F5344CB8AC3E}">
         <p14:creationId xmlns:p14="http://schemas.microsoft.com/office/powerpoint/2010/main" val="347622787"/>
+      </p:ext>
+    </p:extLst>
+  </p:cSld>
+  <p:clrMapOvr>
+    <a:masterClrMapping/>
+  </p:clrMapOvr>
+</p:sld>
+</file>
+
+<file path=ppt/slides/slide13.xml><?xml version="1.0" encoding="utf-8"?>
+<p:sld xmlns:a="http://schemas.openxmlformats.org/drawingml/2006/main" xmlns:r="http://schemas.openxmlformats.org/officeDocument/2006/relationships" xmlns:p="http://schemas.openxmlformats.org/presentationml/2006/main">
+  <p:cSld>
+    <p:spTree>
+      <p:nvGrpSpPr>
+        <p:cNvPr id="1" name=""/>
+        <p:cNvGrpSpPr/>
+        <p:nvPr/>
+      </p:nvGrpSpPr>
+      <p:grpSpPr>
+        <a:xfrm>
+          <a:off x="0" y="0"/>
+          <a:ext cx="0" cy="0"/>
+          <a:chOff x="0" y="0"/>
+          <a:chExt cx="0" cy="0"/>
+        </a:xfrm>
+      </p:grpSpPr>
+      <p:sp>
+        <p:nvSpPr>
+          <p:cNvPr id="4" name="文本占位符 1">
+            <a:extLst>
+              <a:ext uri="{FF2B5EF4-FFF2-40B4-BE49-F238E27FC236}">
+                <a16:creationId xmlns:a16="http://schemas.microsoft.com/office/drawing/2014/main" id="{25B626B5-DD24-F848-9DDB-A341E51865E7}"/>
+              </a:ext>
+            </a:extLst>
+          </p:cNvPr>
+          <p:cNvSpPr txBox="1">
+            <a:spLocks/>
+          </p:cNvSpPr>
+          <p:nvPr/>
+        </p:nvSpPr>
+        <p:spPr>
+          <a:xfrm>
+            <a:off x="1" y="1720146"/>
+            <a:ext cx="12192000" cy="685359"/>
+          </a:xfrm>
+          <a:prstGeom prst="rect">
+            <a:avLst/>
+          </a:prstGeom>
+        </p:spPr>
+        <p:txBody>
+          <a:bodyPr/>
+          <a:lstStyle>
+            <a:lvl1pPr marL="0" indent="0" algn="l" defTabSz="1028065" rtl="0" eaLnBrk="1" latinLnBrk="0" hangingPunct="1">
+              <a:spcBef>
+                <a:spcPct val="20000"/>
+              </a:spcBef>
+              <a:buFontTx/>
+              <a:buNone/>
+              <a:defRPr sz="3200" b="1" kern="1200">
+                <a:solidFill>
+                  <a:srgbClr val="E2231A"/>
+                </a:solidFill>
+                <a:latin typeface="Microsoft YaHei" charset="-122"/>
+                <a:ea typeface="Microsoft YaHei" charset="-122"/>
+                <a:cs typeface="Microsoft YaHei" charset="-122"/>
+              </a:defRPr>
+            </a:lvl1pPr>
+            <a:lvl2pPr marL="835660" indent="-321310" algn="l" defTabSz="1028065" rtl="0" eaLnBrk="1" latinLnBrk="0" hangingPunct="1">
+              <a:spcBef>
+                <a:spcPct val="20000"/>
+              </a:spcBef>
+              <a:buFont typeface="Arial" panose="020B0604020202020204" pitchFamily="34" charset="0"/>
+              <a:buChar char="–"/>
+              <a:defRPr sz="3100" kern="1200">
+                <a:solidFill>
+                  <a:schemeClr val="tx1"/>
+                </a:solidFill>
+                <a:latin typeface="+mn-lt"/>
+                <a:ea typeface="+mn-ea"/>
+                <a:cs typeface="+mn-cs"/>
+              </a:defRPr>
+            </a:lvl2pPr>
+            <a:lvl3pPr marL="1285875" indent="-257175" algn="l" defTabSz="1028065" rtl="0" eaLnBrk="1" latinLnBrk="0" hangingPunct="1">
+              <a:spcBef>
+                <a:spcPct val="20000"/>
+              </a:spcBef>
+              <a:buFont typeface="Arial" panose="020B0604020202020204" pitchFamily="34" charset="0"/>
+              <a:buChar char="•"/>
+              <a:defRPr sz="2700" kern="1200">
+                <a:solidFill>
+                  <a:schemeClr val="tx1"/>
+                </a:solidFill>
+                <a:latin typeface="+mn-lt"/>
+                <a:ea typeface="+mn-ea"/>
+                <a:cs typeface="+mn-cs"/>
+              </a:defRPr>
+            </a:lvl3pPr>
+            <a:lvl4pPr marL="1800225" indent="-257175" algn="l" defTabSz="1028065" rtl="0" eaLnBrk="1" latinLnBrk="0" hangingPunct="1">
+              <a:spcBef>
+                <a:spcPct val="20000"/>
+              </a:spcBef>
+              <a:buFont typeface="Arial" panose="020B0604020202020204" pitchFamily="34" charset="0"/>
+              <a:buChar char="–"/>
+              <a:defRPr sz="2200" kern="1200">
+                <a:solidFill>
+                  <a:schemeClr val="tx1"/>
+                </a:solidFill>
+                <a:latin typeface="+mn-lt"/>
+                <a:ea typeface="+mn-ea"/>
+                <a:cs typeface="+mn-cs"/>
+              </a:defRPr>
+            </a:lvl4pPr>
+            <a:lvl5pPr marL="2314575" indent="-257175" algn="l" defTabSz="1028065" rtl="0" eaLnBrk="1" latinLnBrk="0" hangingPunct="1">
+              <a:spcBef>
+                <a:spcPct val="20000"/>
+              </a:spcBef>
+              <a:buFont typeface="Arial" panose="020B0604020202020204" pitchFamily="34" charset="0"/>
+              <a:buChar char="»"/>
+              <a:defRPr sz="2200" kern="1200">
+                <a:solidFill>
+                  <a:schemeClr val="tx1"/>
+                </a:solidFill>
+                <a:latin typeface="+mn-lt"/>
+                <a:ea typeface="+mn-ea"/>
+                <a:cs typeface="+mn-cs"/>
+              </a:defRPr>
+            </a:lvl5pPr>
+            <a:lvl6pPr marL="2828925" indent="-257175" algn="l" defTabSz="1028065" rtl="0" eaLnBrk="1" latinLnBrk="0" hangingPunct="1">
+              <a:spcBef>
+                <a:spcPct val="20000"/>
+              </a:spcBef>
+              <a:buFont typeface="Arial" panose="020B0604020202020204" pitchFamily="34" charset="0"/>
+              <a:buChar char="•"/>
+              <a:defRPr sz="2200" kern="1200">
+                <a:solidFill>
+                  <a:schemeClr val="tx1"/>
+                </a:solidFill>
+                <a:latin typeface="+mn-lt"/>
+                <a:ea typeface="+mn-ea"/>
+                <a:cs typeface="+mn-cs"/>
+              </a:defRPr>
+            </a:lvl6pPr>
+            <a:lvl7pPr marL="3343275" indent="-257175" algn="l" defTabSz="1028065" rtl="0" eaLnBrk="1" latinLnBrk="0" hangingPunct="1">
+              <a:spcBef>
+                <a:spcPct val="20000"/>
+              </a:spcBef>
+              <a:buFont typeface="Arial" panose="020B0604020202020204" pitchFamily="34" charset="0"/>
+              <a:buChar char="•"/>
+              <a:defRPr sz="2200" kern="1200">
+                <a:solidFill>
+                  <a:schemeClr val="tx1"/>
+                </a:solidFill>
+                <a:latin typeface="+mn-lt"/>
+                <a:ea typeface="+mn-ea"/>
+                <a:cs typeface="+mn-cs"/>
+              </a:defRPr>
+            </a:lvl7pPr>
+            <a:lvl8pPr marL="3856990" indent="-257175" algn="l" defTabSz="1028065" rtl="0" eaLnBrk="1" latinLnBrk="0" hangingPunct="1">
+              <a:spcBef>
+                <a:spcPct val="20000"/>
+              </a:spcBef>
+              <a:buFont typeface="Arial" panose="020B0604020202020204" pitchFamily="34" charset="0"/>
+              <a:buChar char="•"/>
+              <a:defRPr sz="2200" kern="1200">
+                <a:solidFill>
+                  <a:schemeClr val="tx1"/>
+                </a:solidFill>
+                <a:latin typeface="+mn-lt"/>
+                <a:ea typeface="+mn-ea"/>
+                <a:cs typeface="+mn-cs"/>
+              </a:defRPr>
+            </a:lvl8pPr>
+            <a:lvl9pPr marL="4371340" indent="-257175" algn="l" defTabSz="1028065" rtl="0" eaLnBrk="1" latinLnBrk="0" hangingPunct="1">
+              <a:spcBef>
+                <a:spcPct val="20000"/>
+              </a:spcBef>
+              <a:buFont typeface="Arial" panose="020B0604020202020204" pitchFamily="34" charset="0"/>
+              <a:buChar char="•"/>
+              <a:defRPr sz="2200" kern="1200">
+                <a:solidFill>
+                  <a:schemeClr val="tx1"/>
+                </a:solidFill>
+                <a:latin typeface="+mn-lt"/>
+                <a:ea typeface="+mn-ea"/>
+                <a:cs typeface="+mn-cs"/>
+              </a:defRPr>
+            </a:lvl9pPr>
+          </a:lstStyle>
+          <a:p>
+            <a:pPr algn="ctr"/>
+            <a:endParaRPr lang="en-US" altLang="zh-CN" sz="6600" dirty="0">
+              <a:solidFill>
+                <a:schemeClr val="tx1">
+                  <a:lumMod val="85000"/>
+                  <a:lumOff val="15000"/>
+                </a:schemeClr>
+              </a:solidFill>
+              <a:latin typeface="Wawati SC" pitchFamily="82" charset="-122"/>
+              <a:ea typeface="Wawati SC" pitchFamily="82" charset="-122"/>
+              <a:cs typeface="+mn-ea"/>
+              <a:sym typeface="+mn-lt"/>
+            </a:endParaRPr>
+          </a:p>
+        </p:txBody>
+      </p:sp>
+      <p:sp>
+        <p:nvSpPr>
+          <p:cNvPr id="6" name="文本框 5">
+            <a:extLst>
+              <a:ext uri="{FF2B5EF4-FFF2-40B4-BE49-F238E27FC236}">
+                <a16:creationId xmlns:a16="http://schemas.microsoft.com/office/drawing/2014/main" id="{7F8629B9-B787-CC49-991B-6C91BFAD7C17}"/>
+              </a:ext>
+            </a:extLst>
+          </p:cNvPr>
+          <p:cNvSpPr txBox="1"/>
+          <p:nvPr/>
+        </p:nvSpPr>
+        <p:spPr>
+          <a:xfrm>
+            <a:off x="3047999" y="5332214"/>
+            <a:ext cx="6096000" cy="369332"/>
+          </a:xfrm>
+          <a:prstGeom prst="rect">
+            <a:avLst/>
+          </a:prstGeom>
+          <a:noFill/>
+        </p:spPr>
+        <p:txBody>
+          <a:bodyPr wrap="square">
+            <a:spAutoFit/>
+          </a:bodyPr>
+          <a:lstStyle/>
+          <a:p>
+            <a:pPr algn="ctr"/>
+            <a:r>
+              <a:rPr lang="zh-CN" altLang="en-US" sz="1800" dirty="0">
+                <a:solidFill>
+                  <a:schemeClr val="tx1">
+                    <a:lumMod val="85000"/>
+                    <a:lumOff val="15000"/>
+                  </a:schemeClr>
+                </a:solidFill>
+                <a:latin typeface="Xingkai SC Light" panose="02010600040101010101" pitchFamily="2" charset="-122"/>
+                <a:ea typeface="Xingkai SC Light" panose="02010600040101010101" pitchFamily="2" charset="-122"/>
+                <a:cs typeface="+mn-ea"/>
+                <a:sym typeface="+mn-lt"/>
+              </a:rPr>
+              <a:t>迪米特法则原则</a:t>
+            </a:r>
+            <a:endParaRPr lang="zh-CN" altLang="en-US" sz="1000" dirty="0">
+              <a:solidFill>
+                <a:schemeClr val="tx1">
+                  <a:lumMod val="85000"/>
+                  <a:lumOff val="15000"/>
+                </a:schemeClr>
+              </a:solidFill>
+              <a:latin typeface="Xingkai SC Light" panose="02010600040101010101" pitchFamily="2" charset="-122"/>
+              <a:ea typeface="Xingkai SC Light" panose="02010600040101010101" pitchFamily="2" charset="-122"/>
+              <a:cs typeface="+mn-ea"/>
+              <a:sym typeface="+mn-lt"/>
+            </a:endParaRPr>
+          </a:p>
+        </p:txBody>
+      </p:sp>
+      <p:grpSp>
+        <p:nvGrpSpPr>
+          <p:cNvPr id="7" name="组合 6">
+            <a:extLst>
+              <a:ext uri="{FF2B5EF4-FFF2-40B4-BE49-F238E27FC236}">
+                <a16:creationId xmlns:a16="http://schemas.microsoft.com/office/drawing/2014/main" id="{0A3B3EBB-8DCB-A849-B1A7-CFA5EB488E13}"/>
+              </a:ext>
+            </a:extLst>
+          </p:cNvPr>
+          <p:cNvGrpSpPr/>
+          <p:nvPr/>
+        </p:nvGrpSpPr>
+        <p:grpSpPr>
+          <a:xfrm>
+            <a:off x="2926079" y="-109728"/>
+            <a:ext cx="6339841" cy="7174894"/>
+            <a:chOff x="2926079" y="0"/>
+            <a:chExt cx="6339841" cy="7174894"/>
+          </a:xfrm>
+        </p:grpSpPr>
+        <p:pic>
+          <p:nvPicPr>
+            <p:cNvPr id="8" name="图片 7">
+              <a:extLst>
+                <a:ext uri="{FF2B5EF4-FFF2-40B4-BE49-F238E27FC236}">
+                  <a16:creationId xmlns:a16="http://schemas.microsoft.com/office/drawing/2014/main" id="{A32C34E6-B517-A841-BA5A-0D92AC4C8DEC}"/>
+                </a:ext>
+              </a:extLst>
+            </p:cNvPr>
+            <p:cNvPicPr>
+              <a:picLocks noChangeAspect="1"/>
+            </p:cNvPicPr>
+            <p:nvPr/>
+          </p:nvPicPr>
+          <p:blipFill>
+            <a:blip r:embed="rId3"/>
+            <a:stretch>
+              <a:fillRect/>
+            </a:stretch>
+          </p:blipFill>
+          <p:spPr>
+            <a:xfrm>
+              <a:off x="3339384" y="0"/>
+              <a:ext cx="5513232" cy="1340343"/>
+            </a:xfrm>
+            <a:prstGeom prst="rect">
+              <a:avLst/>
+            </a:prstGeom>
+          </p:spPr>
+        </p:pic>
+        <p:pic>
+          <p:nvPicPr>
+            <p:cNvPr id="9" name="图片 8">
+              <a:extLst>
+                <a:ext uri="{FF2B5EF4-FFF2-40B4-BE49-F238E27FC236}">
+                  <a16:creationId xmlns:a16="http://schemas.microsoft.com/office/drawing/2014/main" id="{61893400-53A8-1D40-8999-D8BC26758C48}"/>
+                </a:ext>
+              </a:extLst>
+            </p:cNvPr>
+            <p:cNvPicPr>
+              <a:picLocks noChangeAspect="1"/>
+            </p:cNvPicPr>
+            <p:nvPr/>
+          </p:nvPicPr>
+          <p:blipFill>
+            <a:blip r:embed="rId4"/>
+            <a:stretch>
+              <a:fillRect/>
+            </a:stretch>
+          </p:blipFill>
+          <p:spPr>
+            <a:xfrm>
+              <a:off x="3339384" y="1340344"/>
+              <a:ext cx="5513232" cy="1333740"/>
+            </a:xfrm>
+            <a:prstGeom prst="rect">
+              <a:avLst/>
+            </a:prstGeom>
+          </p:spPr>
+        </p:pic>
+        <p:pic>
+          <p:nvPicPr>
+            <p:cNvPr id="10" name="图片 9">
+              <a:extLst>
+                <a:ext uri="{FF2B5EF4-FFF2-40B4-BE49-F238E27FC236}">
+                  <a16:creationId xmlns:a16="http://schemas.microsoft.com/office/drawing/2014/main" id="{B4FA7EB1-3E09-9B42-895D-1596CE39F6CF}"/>
+                </a:ext>
+              </a:extLst>
+            </p:cNvPr>
+            <p:cNvPicPr>
+              <a:picLocks noChangeAspect="1"/>
+            </p:cNvPicPr>
+            <p:nvPr/>
+          </p:nvPicPr>
+          <p:blipFill>
+            <a:blip r:embed="rId5"/>
+            <a:stretch>
+              <a:fillRect/>
+            </a:stretch>
+          </p:blipFill>
+          <p:spPr>
+            <a:xfrm>
+              <a:off x="2926079" y="2674084"/>
+              <a:ext cx="6339841" cy="1617981"/>
+            </a:xfrm>
+            <a:prstGeom prst="rect">
+              <a:avLst/>
+            </a:prstGeom>
+          </p:spPr>
+        </p:pic>
+        <p:pic>
+          <p:nvPicPr>
+            <p:cNvPr id="11" name="图片 10">
+              <a:extLst>
+                <a:ext uri="{FF2B5EF4-FFF2-40B4-BE49-F238E27FC236}">
+                  <a16:creationId xmlns:a16="http://schemas.microsoft.com/office/drawing/2014/main" id="{F789A2CC-EC3E-1F4F-92BE-CDA8DD6497AA}"/>
+                </a:ext>
+              </a:extLst>
+            </p:cNvPr>
+            <p:cNvPicPr>
+              <a:picLocks noChangeAspect="1"/>
+            </p:cNvPicPr>
+            <p:nvPr/>
+          </p:nvPicPr>
+          <p:blipFill>
+            <a:blip r:embed="rId6"/>
+            <a:stretch>
+              <a:fillRect/>
+            </a:stretch>
+          </p:blipFill>
+          <p:spPr>
+            <a:xfrm>
+              <a:off x="3085338" y="4292065"/>
+              <a:ext cx="2669286" cy="2847239"/>
+            </a:xfrm>
+            <a:prstGeom prst="rect">
+              <a:avLst/>
+            </a:prstGeom>
+          </p:spPr>
+        </p:pic>
+        <p:pic>
+          <p:nvPicPr>
+            <p:cNvPr id="12" name="图片 11">
+              <a:extLst>
+                <a:ext uri="{FF2B5EF4-FFF2-40B4-BE49-F238E27FC236}">
+                  <a16:creationId xmlns:a16="http://schemas.microsoft.com/office/drawing/2014/main" id="{3D156A68-8BDF-774E-A16E-CC9F7D2B2C4E}"/>
+                </a:ext>
+              </a:extLst>
+            </p:cNvPr>
+            <p:cNvPicPr>
+              <a:picLocks noChangeAspect="1"/>
+            </p:cNvPicPr>
+            <p:nvPr/>
+          </p:nvPicPr>
+          <p:blipFill>
+            <a:blip r:embed="rId7"/>
+            <a:stretch>
+              <a:fillRect/>
+            </a:stretch>
+          </p:blipFill>
+          <p:spPr>
+            <a:xfrm>
+              <a:off x="6473954" y="4292065"/>
+              <a:ext cx="2669286" cy="2882829"/>
+            </a:xfrm>
+            <a:prstGeom prst="rect">
+              <a:avLst/>
+            </a:prstGeom>
+          </p:spPr>
+        </p:pic>
+      </p:grpSp>
+      <p:sp>
+        <p:nvSpPr>
+          <p:cNvPr id="13" name="圆角矩形 12">
+            <a:extLst>
+              <a:ext uri="{FF2B5EF4-FFF2-40B4-BE49-F238E27FC236}">
+                <a16:creationId xmlns:a16="http://schemas.microsoft.com/office/drawing/2014/main" id="{1CDDE813-4415-0648-91DE-5E82C07B7EAC}"/>
+              </a:ext>
+            </a:extLst>
+          </p:cNvPr>
+          <p:cNvSpPr/>
+          <p:nvPr/>
+        </p:nvSpPr>
+        <p:spPr>
+          <a:xfrm rot="2714456">
+            <a:off x="5365236" y="4485021"/>
+            <a:ext cx="1461526" cy="1461526"/>
+          </a:xfrm>
+          <a:prstGeom prst="roundRect">
+            <a:avLst>
+              <a:gd name="adj" fmla="val 17165"/>
+            </a:avLst>
+          </a:prstGeom>
+          <a:gradFill>
+            <a:gsLst>
+              <a:gs pos="0">
+                <a:srgbClr val="C00000">
+                  <a:shade val="30000"/>
+                  <a:satMod val="115000"/>
+                </a:srgbClr>
+              </a:gs>
+              <a:gs pos="24000">
+                <a:srgbClr val="C00000">
+                  <a:shade val="67500"/>
+                  <a:satMod val="115000"/>
+                </a:srgbClr>
+              </a:gs>
+              <a:gs pos="41000">
+                <a:srgbClr val="C00000">
+                  <a:shade val="100000"/>
+                  <a:satMod val="115000"/>
+                </a:srgbClr>
+              </a:gs>
+            </a:gsLst>
+            <a:lin ang="13800000" scaled="0"/>
+          </a:gradFill>
+          <a:ln>
+            <a:noFill/>
+          </a:ln>
+          <a:effectLst>
+            <a:outerShdw blurRad="50800" dist="38100" dir="2700000" algn="tl" rotWithShape="0">
+              <a:prstClr val="black">
+                <a:alpha val="40000"/>
+              </a:prstClr>
+            </a:outerShdw>
+          </a:effectLst>
+        </p:spPr>
+        <p:style>
+          <a:lnRef idx="2">
+            <a:schemeClr val="accent1">
+              <a:shade val="50000"/>
+            </a:schemeClr>
+          </a:lnRef>
+          <a:fillRef idx="1">
+            <a:schemeClr val="accent1"/>
+          </a:fillRef>
+          <a:effectRef idx="0">
+            <a:schemeClr val="accent1"/>
+          </a:effectRef>
+          <a:fontRef idx="minor">
+            <a:schemeClr val="lt1"/>
+          </a:fontRef>
+        </p:style>
+        <p:txBody>
+          <a:bodyPr rtlCol="0" anchor="ctr"/>
+          <a:lstStyle/>
+          <a:p>
+            <a:pPr algn="ctr"/>
+            <a:endParaRPr kumimoji="1" lang="zh-CN" altLang="en-US"/>
+          </a:p>
+        </p:txBody>
+      </p:sp>
+      <p:pic>
+        <p:nvPicPr>
+          <p:cNvPr id="14" name="图片 13">
+            <a:extLst>
+              <a:ext uri="{FF2B5EF4-FFF2-40B4-BE49-F238E27FC236}">
+                <a16:creationId xmlns:a16="http://schemas.microsoft.com/office/drawing/2014/main" id="{D9719BF0-F8E7-D346-ACB5-5F330A4FE5A5}"/>
+              </a:ext>
+            </a:extLst>
+          </p:cNvPr>
+          <p:cNvPicPr>
+            <a:picLocks noChangeAspect="1"/>
+          </p:cNvPicPr>
+          <p:nvPr/>
+        </p:nvPicPr>
+        <p:blipFill>
+          <a:blip r:embed="rId8"/>
+          <a:stretch>
+            <a:fillRect/>
+          </a:stretch>
+        </p:blipFill>
+        <p:spPr>
+          <a:xfrm>
+            <a:off x="5967729" y="4495518"/>
+            <a:ext cx="256542" cy="256542"/>
+          </a:xfrm>
+          <a:prstGeom prst="rect">
+            <a:avLst/>
+          </a:prstGeom>
+        </p:spPr>
+      </p:pic>
+      <p:sp>
+        <p:nvSpPr>
+          <p:cNvPr id="15" name="文本框 14">
+            <a:extLst>
+              <a:ext uri="{FF2B5EF4-FFF2-40B4-BE49-F238E27FC236}">
+                <a16:creationId xmlns:a16="http://schemas.microsoft.com/office/drawing/2014/main" id="{0114A935-51F8-3E48-A0F7-887ADCD77C34}"/>
+              </a:ext>
+            </a:extLst>
+          </p:cNvPr>
+          <p:cNvSpPr txBox="1"/>
+          <p:nvPr/>
+        </p:nvSpPr>
+        <p:spPr>
+          <a:xfrm>
+            <a:off x="5286979" y="4963509"/>
+            <a:ext cx="1654620" cy="307777"/>
+          </a:xfrm>
+          <a:prstGeom prst="rect">
+            <a:avLst/>
+          </a:prstGeom>
+          <a:noFill/>
+        </p:spPr>
+        <p:txBody>
+          <a:bodyPr wrap="none" rtlCol="0">
+            <a:spAutoFit/>
+          </a:bodyPr>
+          <a:lstStyle/>
+          <a:p>
+            <a:r>
+              <a:rPr kumimoji="1" lang="zh-CN" altLang="en-US" sz="1400" b="1" dirty="0">
+                <a:solidFill>
+                  <a:schemeClr val="bg1"/>
+                </a:solidFill>
+                <a:latin typeface="PingFang SC" panose="020B0400000000000000" pitchFamily="34" charset="-122"/>
+                <a:ea typeface="PingFang SC" panose="020B0400000000000000" pitchFamily="34" charset="-122"/>
+              </a:rPr>
+              <a:t>重学</a:t>
+            </a:r>
+            <a:r>
+              <a:rPr kumimoji="1" lang="en-US" altLang="zh-CN" sz="1400" b="1" dirty="0">
+                <a:solidFill>
+                  <a:schemeClr val="bg1"/>
+                </a:solidFill>
+                <a:latin typeface="PingFang SC" panose="020B0400000000000000" pitchFamily="34" charset="-122"/>
+                <a:ea typeface="PingFang SC" panose="020B0400000000000000" pitchFamily="34" charset="-122"/>
+              </a:rPr>
+              <a:t>Java</a:t>
+            </a:r>
+            <a:r>
+              <a:rPr kumimoji="1" lang="zh-CN" altLang="en-US" sz="1400" b="1" dirty="0">
+                <a:solidFill>
+                  <a:schemeClr val="bg1"/>
+                </a:solidFill>
+                <a:latin typeface="PingFang SC" panose="020B0400000000000000" pitchFamily="34" charset="-122"/>
+                <a:ea typeface="PingFang SC" panose="020B0400000000000000" pitchFamily="34" charset="-122"/>
+              </a:rPr>
+              <a:t>设计模式</a:t>
+            </a:r>
+          </a:p>
+        </p:txBody>
+      </p:sp>
+      <p:sp>
+        <p:nvSpPr>
+          <p:cNvPr id="16" name="文本框 15">
+            <a:extLst>
+              <a:ext uri="{FF2B5EF4-FFF2-40B4-BE49-F238E27FC236}">
+                <a16:creationId xmlns:a16="http://schemas.microsoft.com/office/drawing/2014/main" id="{21077201-E258-E94C-8F2C-D7857B80F04C}"/>
+              </a:ext>
+            </a:extLst>
+          </p:cNvPr>
+          <p:cNvSpPr txBox="1"/>
+          <p:nvPr/>
+        </p:nvSpPr>
+        <p:spPr>
+          <a:xfrm>
+            <a:off x="5286979" y="5200780"/>
+            <a:ext cx="1766327" cy="369332"/>
+          </a:xfrm>
+          <a:prstGeom prst="rect">
+            <a:avLst/>
+          </a:prstGeom>
+          <a:noFill/>
+        </p:spPr>
+        <p:txBody>
+          <a:bodyPr wrap="square">
+            <a:spAutoFit/>
+          </a:bodyPr>
+          <a:lstStyle/>
+          <a:p>
+            <a:r>
+              <a:rPr lang="zh-CN" altLang="en-US" dirty="0">
+                <a:solidFill>
+                  <a:schemeClr val="bg1"/>
+                </a:solidFill>
+                <a:latin typeface="Nanum Brush Script" panose="03060600000000000000" pitchFamily="66" charset="-127"/>
+              </a:rPr>
+              <a:t>CodeDesignTutorials</a:t>
+            </a:r>
+          </a:p>
+        </p:txBody>
+      </p:sp>
+      <p:sp>
+        <p:nvSpPr>
+          <p:cNvPr id="17" name="圆角矩形 16">
+            <a:extLst>
+              <a:ext uri="{FF2B5EF4-FFF2-40B4-BE49-F238E27FC236}">
+                <a16:creationId xmlns:a16="http://schemas.microsoft.com/office/drawing/2014/main" id="{9329DCFD-83B7-EC47-873E-9D9368891F7A}"/>
+              </a:ext>
+            </a:extLst>
+          </p:cNvPr>
+          <p:cNvSpPr/>
+          <p:nvPr/>
+        </p:nvSpPr>
+        <p:spPr>
+          <a:xfrm>
+            <a:off x="5205983" y="5973333"/>
+            <a:ext cx="1780032" cy="367643"/>
+          </a:xfrm>
+          <a:prstGeom prst="roundRect">
+            <a:avLst/>
+          </a:prstGeom>
+          <a:solidFill>
+            <a:srgbClr val="A80100"/>
+          </a:solidFill>
+          <a:ln>
+            <a:solidFill>
+              <a:srgbClr val="C00000"/>
+            </a:solidFill>
+          </a:ln>
+          <a:effectLst>
+            <a:outerShdw blurRad="50800" dist="38100" dir="5400000" algn="t" rotWithShape="0">
+              <a:prstClr val="black">
+                <a:alpha val="40000"/>
+              </a:prstClr>
+            </a:outerShdw>
+          </a:effectLst>
+        </p:spPr>
+        <p:style>
+          <a:lnRef idx="2">
+            <a:schemeClr val="accent1">
+              <a:shade val="50000"/>
+            </a:schemeClr>
+          </a:lnRef>
+          <a:fillRef idx="1">
+            <a:schemeClr val="accent1"/>
+          </a:fillRef>
+          <a:effectRef idx="0">
+            <a:schemeClr val="accent1"/>
+          </a:effectRef>
+          <a:fontRef idx="minor">
+            <a:schemeClr val="lt1"/>
+          </a:fontRef>
+        </p:style>
+        <p:txBody>
+          <a:bodyPr rtlCol="0" anchor="ctr"/>
+          <a:lstStyle/>
+          <a:p>
+            <a:pPr algn="ctr"/>
+            <a:r>
+              <a:rPr kumimoji="1" lang="zh-CN" altLang="en-US" sz="1400" dirty="0">
+                <a:latin typeface="PingFang SC" panose="020B0400000000000000" pitchFamily="34" charset="-122"/>
+                <a:ea typeface="PingFang SC" panose="020B0400000000000000" pitchFamily="34" charset="-122"/>
+              </a:rPr>
+              <a:t>小傅哥，带你卷！</a:t>
+            </a:r>
+          </a:p>
+        </p:txBody>
+      </p:sp>
+      <p:cxnSp>
+        <p:nvCxnSpPr>
+          <p:cNvPr id="18" name="直线连接符 17">
+            <a:extLst>
+              <a:ext uri="{FF2B5EF4-FFF2-40B4-BE49-F238E27FC236}">
+                <a16:creationId xmlns:a16="http://schemas.microsoft.com/office/drawing/2014/main" id="{3F260CF0-93B3-E640-9B28-95FE18AD4AEE}"/>
+              </a:ext>
+            </a:extLst>
+          </p:cNvPr>
+          <p:cNvCxnSpPr/>
+          <p:nvPr/>
+        </p:nvCxnSpPr>
+        <p:spPr>
+          <a:xfrm>
+            <a:off x="5231126" y="5959886"/>
+            <a:ext cx="1754889" cy="0"/>
+          </a:xfrm>
+          <a:prstGeom prst="line">
+            <a:avLst/>
+          </a:prstGeom>
+          <a:ln w="19050">
+            <a:solidFill>
+              <a:schemeClr val="bg1"/>
+            </a:solidFill>
+          </a:ln>
+        </p:spPr>
+        <p:style>
+          <a:lnRef idx="1">
+            <a:schemeClr val="accent1"/>
+          </a:lnRef>
+          <a:fillRef idx="0">
+            <a:schemeClr val="accent1"/>
+          </a:fillRef>
+          <a:effectRef idx="0">
+            <a:schemeClr val="accent1"/>
+          </a:effectRef>
+          <a:fontRef idx="minor">
+            <a:schemeClr val="tx1"/>
+          </a:fontRef>
+        </p:style>
+      </p:cxnSp>
+      <p:sp>
+        <p:nvSpPr>
+          <p:cNvPr id="19" name="圆角矩形 18">
+            <a:extLst>
+              <a:ext uri="{FF2B5EF4-FFF2-40B4-BE49-F238E27FC236}">
+                <a16:creationId xmlns:a16="http://schemas.microsoft.com/office/drawing/2014/main" id="{C1025C4F-698A-2546-8CFA-E7E5175E7BAA}"/>
+              </a:ext>
+            </a:extLst>
+          </p:cNvPr>
+          <p:cNvSpPr/>
+          <p:nvPr/>
+        </p:nvSpPr>
+        <p:spPr>
+          <a:xfrm>
+            <a:off x="0" y="-19454"/>
+            <a:ext cx="12192000" cy="6877454"/>
+          </a:xfrm>
+          <a:prstGeom prst="roundRect">
+            <a:avLst>
+              <a:gd name="adj" fmla="val 9324"/>
+            </a:avLst>
+          </a:prstGeom>
+          <a:solidFill>
+            <a:schemeClr val="bg1">
+              <a:alpha val="92977"/>
+            </a:schemeClr>
+          </a:solidFill>
+          <a:ln>
+            <a:noFill/>
+          </a:ln>
+        </p:spPr>
+        <p:style>
+          <a:lnRef idx="2">
+            <a:schemeClr val="accent1">
+              <a:shade val="50000"/>
+            </a:schemeClr>
+          </a:lnRef>
+          <a:fillRef idx="1">
+            <a:schemeClr val="accent1"/>
+          </a:fillRef>
+          <a:effectRef idx="0">
+            <a:schemeClr val="accent1"/>
+          </a:effectRef>
+          <a:fontRef idx="minor">
+            <a:schemeClr val="lt1"/>
+          </a:fontRef>
+        </p:style>
+        <p:txBody>
+          <a:bodyPr rtlCol="0" anchor="ctr"/>
+          <a:lstStyle/>
+          <a:p>
+            <a:pPr algn="ctr"/>
+            <a:r>
+              <a:rPr lang="zh-CN" altLang="en-US" sz="6600" b="1" dirty="0">
+                <a:solidFill>
+                  <a:schemeClr val="tx1">
+                    <a:lumMod val="85000"/>
+                    <a:lumOff val="15000"/>
+                  </a:schemeClr>
+                </a:solidFill>
+                <a:latin typeface="Wawati SC" pitchFamily="82" charset="-122"/>
+                <a:ea typeface="Wawati SC" pitchFamily="82" charset="-122"/>
+                <a:cs typeface="+mn-ea"/>
+                <a:sym typeface="+mn-lt"/>
+              </a:rPr>
+              <a:t>第</a:t>
+            </a:r>
+            <a:r>
+              <a:rPr lang="en-US" altLang="zh-CN" sz="6600" b="1" dirty="0">
+                <a:solidFill>
+                  <a:schemeClr val="tx1">
+                    <a:lumMod val="85000"/>
+                    <a:lumOff val="15000"/>
+                  </a:schemeClr>
+                </a:solidFill>
+                <a:latin typeface="Wawati SC" pitchFamily="82" charset="-122"/>
+                <a:ea typeface="Wawati SC" pitchFamily="82" charset="-122"/>
+                <a:cs typeface="+mn-ea"/>
+                <a:sym typeface="+mn-lt"/>
+              </a:rPr>
+              <a:t>2</a:t>
+            </a:r>
+            <a:r>
+              <a:rPr lang="zh-CN" altLang="en-US" sz="6600" b="1" dirty="0">
+                <a:solidFill>
+                  <a:schemeClr val="tx1">
+                    <a:lumMod val="85000"/>
+                    <a:lumOff val="15000"/>
+                  </a:schemeClr>
+                </a:solidFill>
+                <a:latin typeface="Wawati SC" pitchFamily="82" charset="-122"/>
+                <a:ea typeface="Wawati SC" pitchFamily="82" charset="-122"/>
+                <a:cs typeface="+mn-ea"/>
+                <a:sym typeface="+mn-lt"/>
+              </a:rPr>
+              <a:t>章 六大设计原则</a:t>
+            </a:r>
+            <a:endParaRPr lang="en-US" altLang="zh-CN" sz="6600" b="1" dirty="0">
+              <a:solidFill>
+                <a:schemeClr val="tx1">
+                  <a:lumMod val="85000"/>
+                  <a:lumOff val="15000"/>
+                </a:schemeClr>
+              </a:solidFill>
+              <a:latin typeface="Wawati SC" pitchFamily="82" charset="-122"/>
+              <a:ea typeface="Wawati SC" pitchFamily="82" charset="-122"/>
+              <a:cs typeface="+mn-ea"/>
+              <a:sym typeface="+mn-lt"/>
+            </a:endParaRPr>
+          </a:p>
+        </p:txBody>
+      </p:sp>
+      <p:pic>
+        <p:nvPicPr>
+          <p:cNvPr id="20" name="图片 19">
+            <a:extLst>
+              <a:ext uri="{FF2B5EF4-FFF2-40B4-BE49-F238E27FC236}">
+                <a16:creationId xmlns:a16="http://schemas.microsoft.com/office/drawing/2014/main" id="{F677A7BD-381D-A240-AC80-3C004D55C334}"/>
+              </a:ext>
+            </a:extLst>
+          </p:cNvPr>
+          <p:cNvPicPr>
+            <a:picLocks noChangeAspect="1"/>
+          </p:cNvPicPr>
+          <p:nvPr/>
+        </p:nvPicPr>
+        <p:blipFill>
+          <a:blip r:embed="rId9"/>
+          <a:stretch>
+            <a:fillRect/>
+          </a:stretch>
+        </p:blipFill>
+        <p:spPr>
+          <a:xfrm>
+            <a:off x="588190" y="863291"/>
+            <a:ext cx="2067560" cy="2067560"/>
+          </a:xfrm>
+          <a:prstGeom prst="rect">
+            <a:avLst/>
+          </a:prstGeom>
+        </p:spPr>
+      </p:pic>
+      <p:pic>
+        <p:nvPicPr>
+          <p:cNvPr id="21" name="图片 20">
+            <a:extLst>
+              <a:ext uri="{FF2B5EF4-FFF2-40B4-BE49-F238E27FC236}">
+                <a16:creationId xmlns:a16="http://schemas.microsoft.com/office/drawing/2014/main" id="{EB47E011-0F23-0642-934B-3514E5A4AF8A}"/>
+              </a:ext>
+            </a:extLst>
+          </p:cNvPr>
+          <p:cNvPicPr>
+            <a:picLocks noChangeAspect="1"/>
+          </p:cNvPicPr>
+          <p:nvPr/>
+        </p:nvPicPr>
+        <p:blipFill>
+          <a:blip r:embed="rId10"/>
+          <a:stretch>
+            <a:fillRect/>
+          </a:stretch>
+        </p:blipFill>
+        <p:spPr>
+          <a:xfrm>
+            <a:off x="8873147" y="3855301"/>
+            <a:ext cx="2107320" cy="2067560"/>
+          </a:xfrm>
+          <a:prstGeom prst="rect">
+            <a:avLst/>
+          </a:prstGeom>
+        </p:spPr>
+      </p:pic>
+      <p:sp>
+        <p:nvSpPr>
+          <p:cNvPr id="22" name="文本框 21">
+            <a:extLst>
+              <a:ext uri="{FF2B5EF4-FFF2-40B4-BE49-F238E27FC236}">
+                <a16:creationId xmlns:a16="http://schemas.microsoft.com/office/drawing/2014/main" id="{5E496DAC-FFB3-8E4D-B9CD-2E2F28A0BE81}"/>
+              </a:ext>
+            </a:extLst>
+          </p:cNvPr>
+          <p:cNvSpPr txBox="1"/>
+          <p:nvPr/>
+        </p:nvSpPr>
+        <p:spPr>
+          <a:xfrm>
+            <a:off x="9159492" y="6570858"/>
+            <a:ext cx="2918608" cy="200055"/>
+          </a:xfrm>
+          <a:prstGeom prst="rect">
+            <a:avLst/>
+          </a:prstGeom>
+          <a:noFill/>
+        </p:spPr>
+        <p:txBody>
+          <a:bodyPr wrap="square">
+            <a:spAutoFit/>
+          </a:bodyPr>
+          <a:lstStyle/>
+          <a:p>
+            <a:r>
+              <a:rPr lang="zh-CN" altLang="en-US" sz="700" dirty="0">
+                <a:latin typeface="PingFang SC" panose="020B0400000000000000" pitchFamily="34" charset="-122"/>
+                <a:ea typeface="PingFang SC" panose="020B0400000000000000" pitchFamily="34" charset="-122"/>
+              </a:rPr>
+              <a:t>参考图稿来源：https://refactoringguru.cn</a:t>
+            </a:r>
+          </a:p>
+        </p:txBody>
+      </p:sp>
+      <p:sp>
+        <p:nvSpPr>
+          <p:cNvPr id="23" name="文本框 22">
+            <a:extLst>
+              <a:ext uri="{FF2B5EF4-FFF2-40B4-BE49-F238E27FC236}">
+                <a16:creationId xmlns:a16="http://schemas.microsoft.com/office/drawing/2014/main" id="{4D67C327-A46F-294C-AF78-388412390533}"/>
+              </a:ext>
+            </a:extLst>
+          </p:cNvPr>
+          <p:cNvSpPr txBox="1"/>
+          <p:nvPr/>
+        </p:nvSpPr>
+        <p:spPr>
+          <a:xfrm>
+            <a:off x="4434731" y="4153660"/>
+            <a:ext cx="3849131" cy="646331"/>
+          </a:xfrm>
+          <a:prstGeom prst="rect">
+            <a:avLst/>
+          </a:prstGeom>
+          <a:noFill/>
+        </p:spPr>
+        <p:txBody>
+          <a:bodyPr wrap="none" rtlCol="0">
+            <a:spAutoFit/>
+          </a:bodyPr>
+          <a:lstStyle/>
+          <a:p>
+            <a:r>
+              <a:rPr kumimoji="1" lang="en-US" altLang="zh-CN" sz="3600" dirty="0">
+                <a:solidFill>
+                  <a:schemeClr val="tx1">
+                    <a:lumMod val="75000"/>
+                    <a:lumOff val="25000"/>
+                  </a:schemeClr>
+                </a:solidFill>
+                <a:latin typeface="Wawati SC" pitchFamily="82" charset="-122"/>
+                <a:ea typeface="Wawati SC" pitchFamily="82" charset="-122"/>
+              </a:rPr>
+              <a:t>2.5</a:t>
+            </a:r>
+            <a:r>
+              <a:rPr kumimoji="1" lang="zh-CN" altLang="en-US" sz="3600" dirty="0">
+                <a:solidFill>
+                  <a:schemeClr val="tx1">
+                    <a:lumMod val="75000"/>
+                    <a:lumOff val="25000"/>
+                  </a:schemeClr>
+                </a:solidFill>
+                <a:latin typeface="Wawati SC" pitchFamily="82" charset="-122"/>
+                <a:ea typeface="Wawati SC" pitchFamily="82" charset="-122"/>
+              </a:rPr>
+              <a:t> 接口隔离原则</a:t>
+            </a:r>
+          </a:p>
+        </p:txBody>
+      </p:sp>
+    </p:spTree>
+    <p:extLst>
+      <p:ext uri="{BB962C8B-B14F-4D97-AF65-F5344CB8AC3E}">
+        <p14:creationId xmlns:p14="http://schemas.microsoft.com/office/powerpoint/2010/main" val="3403707865"/>
+      </p:ext>
+    </p:extLst>
+  </p:cSld>
+  <p:clrMapOvr>
+    <a:masterClrMapping/>
+  </p:clrMapOvr>
+</p:sld>
+</file>
+
+<file path=ppt/slides/slide14.xml><?xml version="1.0" encoding="utf-8"?>
+<p:sld xmlns:a="http://schemas.openxmlformats.org/drawingml/2006/main" xmlns:r="http://schemas.openxmlformats.org/officeDocument/2006/relationships" xmlns:p="http://schemas.openxmlformats.org/presentationml/2006/main">
+  <p:cSld>
+    <p:spTree>
+      <p:nvGrpSpPr>
+        <p:cNvPr id="1" name=""/>
+        <p:cNvGrpSpPr/>
+        <p:nvPr/>
+      </p:nvGrpSpPr>
+      <p:grpSpPr>
+        <a:xfrm>
+          <a:off x="0" y="0"/>
+          <a:ext cx="0" cy="0"/>
+          <a:chOff x="0" y="0"/>
+          <a:chExt cx="0" cy="0"/>
+        </a:xfrm>
+      </p:grpSpPr>
+      <p:pic>
+        <p:nvPicPr>
+          <p:cNvPr id="5" name="图片 4">
+            <a:extLst>
+              <a:ext uri="{FF2B5EF4-FFF2-40B4-BE49-F238E27FC236}">
+                <a16:creationId xmlns:a16="http://schemas.microsoft.com/office/drawing/2014/main" id="{398A9758-63CF-D745-98ED-FCCABB4DFE53}"/>
+              </a:ext>
+            </a:extLst>
+          </p:cNvPr>
+          <p:cNvPicPr>
+            <a:picLocks noChangeAspect="1"/>
+          </p:cNvPicPr>
+          <p:nvPr/>
+        </p:nvPicPr>
+        <p:blipFill>
+          <a:blip r:embed="rId3"/>
+          <a:stretch>
+            <a:fillRect/>
+          </a:stretch>
+        </p:blipFill>
+        <p:spPr>
+          <a:xfrm>
+            <a:off x="0" y="0"/>
+            <a:ext cx="12192000" cy="6858000"/>
+          </a:xfrm>
+          <a:prstGeom prst="rect">
+            <a:avLst/>
+          </a:prstGeom>
+        </p:spPr>
+      </p:pic>
+    </p:spTree>
+    <p:extLst>
+      <p:ext uri="{BB962C8B-B14F-4D97-AF65-F5344CB8AC3E}">
+        <p14:creationId xmlns:p14="http://schemas.microsoft.com/office/powerpoint/2010/main" val="2018551367"/>
+      </p:ext>
+    </p:extLst>
+  </p:cSld>
+  <p:clrMapOvr>
+    <a:masterClrMapping/>
+  </p:clrMapOvr>
+</p:sld>
+</file>
+
+<file path=ppt/slides/slide15.xml><?xml version="1.0" encoding="utf-8"?>
+<p:sld xmlns:a="http://schemas.openxmlformats.org/drawingml/2006/main" xmlns:r="http://schemas.openxmlformats.org/officeDocument/2006/relationships" xmlns:p="http://schemas.openxmlformats.org/presentationml/2006/main">
+  <p:cSld>
+    <p:spTree>
+      <p:nvGrpSpPr>
+        <p:cNvPr id="1" name=""/>
+        <p:cNvGrpSpPr/>
+        <p:nvPr/>
+      </p:nvGrpSpPr>
+      <p:grpSpPr>
+        <a:xfrm>
+          <a:off x="0" y="0"/>
+          <a:ext cx="0" cy="0"/>
+          <a:chOff x="0" y="0"/>
+          <a:chExt cx="0" cy="0"/>
+        </a:xfrm>
+      </p:grpSpPr>
+      <p:sp>
+        <p:nvSpPr>
+          <p:cNvPr id="8" name="文本占位符 1">
+            <a:extLst>
+              <a:ext uri="{FF2B5EF4-FFF2-40B4-BE49-F238E27FC236}">
+                <a16:creationId xmlns:a16="http://schemas.microsoft.com/office/drawing/2014/main" id="{587F8A25-E515-D342-9A64-D2BF6FA543BD}"/>
+              </a:ext>
+            </a:extLst>
+          </p:cNvPr>
+          <p:cNvSpPr txBox="1">
+            <a:spLocks/>
+          </p:cNvSpPr>
+          <p:nvPr/>
+        </p:nvSpPr>
+        <p:spPr>
+          <a:xfrm>
+            <a:off x="457589" y="269298"/>
+            <a:ext cx="6476553" cy="685359"/>
+          </a:xfrm>
+          <a:prstGeom prst="rect">
+            <a:avLst/>
+          </a:prstGeom>
+        </p:spPr>
+        <p:txBody>
+          <a:bodyPr/>
+          <a:lstStyle>
+            <a:lvl1pPr marL="0" indent="0" algn="l" defTabSz="1028065" rtl="0" eaLnBrk="1" latinLnBrk="0" hangingPunct="1">
+              <a:spcBef>
+                <a:spcPct val="20000"/>
+              </a:spcBef>
+              <a:buFontTx/>
+              <a:buNone/>
+              <a:defRPr sz="3200" b="1" kern="1200">
+                <a:solidFill>
+                  <a:srgbClr val="E2231A"/>
+                </a:solidFill>
+                <a:latin typeface="Microsoft YaHei" charset="-122"/>
+                <a:ea typeface="Microsoft YaHei" charset="-122"/>
+                <a:cs typeface="Microsoft YaHei" charset="-122"/>
+              </a:defRPr>
+            </a:lvl1pPr>
+            <a:lvl2pPr marL="835660" indent="-321310" algn="l" defTabSz="1028065" rtl="0" eaLnBrk="1" latinLnBrk="0" hangingPunct="1">
+              <a:spcBef>
+                <a:spcPct val="20000"/>
+              </a:spcBef>
+              <a:buFont typeface="Arial" panose="020B0604020202020204" pitchFamily="34" charset="0"/>
+              <a:buChar char="–"/>
+              <a:defRPr sz="3100" kern="1200">
+                <a:solidFill>
+                  <a:schemeClr val="tx1"/>
+                </a:solidFill>
+                <a:latin typeface="+mn-lt"/>
+                <a:ea typeface="+mn-ea"/>
+                <a:cs typeface="+mn-cs"/>
+              </a:defRPr>
+            </a:lvl2pPr>
+            <a:lvl3pPr marL="1285875" indent="-257175" algn="l" defTabSz="1028065" rtl="0" eaLnBrk="1" latinLnBrk="0" hangingPunct="1">
+              <a:spcBef>
+                <a:spcPct val="20000"/>
+              </a:spcBef>
+              <a:buFont typeface="Arial" panose="020B0604020202020204" pitchFamily="34" charset="0"/>
+              <a:buChar char="•"/>
+              <a:defRPr sz="2700" kern="1200">
+                <a:solidFill>
+                  <a:schemeClr val="tx1"/>
+                </a:solidFill>
+                <a:latin typeface="+mn-lt"/>
+                <a:ea typeface="+mn-ea"/>
+                <a:cs typeface="+mn-cs"/>
+              </a:defRPr>
+            </a:lvl3pPr>
+            <a:lvl4pPr marL="1800225" indent="-257175" algn="l" defTabSz="1028065" rtl="0" eaLnBrk="1" latinLnBrk="0" hangingPunct="1">
+              <a:spcBef>
+                <a:spcPct val="20000"/>
+              </a:spcBef>
+              <a:buFont typeface="Arial" panose="020B0604020202020204" pitchFamily="34" charset="0"/>
+              <a:buChar char="–"/>
+              <a:defRPr sz="2200" kern="1200">
+                <a:solidFill>
+                  <a:schemeClr val="tx1"/>
+                </a:solidFill>
+                <a:latin typeface="+mn-lt"/>
+                <a:ea typeface="+mn-ea"/>
+                <a:cs typeface="+mn-cs"/>
+              </a:defRPr>
+            </a:lvl4pPr>
+            <a:lvl5pPr marL="2314575" indent="-257175" algn="l" defTabSz="1028065" rtl="0" eaLnBrk="1" latinLnBrk="0" hangingPunct="1">
+              <a:spcBef>
+                <a:spcPct val="20000"/>
+              </a:spcBef>
+              <a:buFont typeface="Arial" panose="020B0604020202020204" pitchFamily="34" charset="0"/>
+              <a:buChar char="»"/>
+              <a:defRPr sz="2200" kern="1200">
+                <a:solidFill>
+                  <a:schemeClr val="tx1"/>
+                </a:solidFill>
+                <a:latin typeface="+mn-lt"/>
+                <a:ea typeface="+mn-ea"/>
+                <a:cs typeface="+mn-cs"/>
+              </a:defRPr>
+            </a:lvl5pPr>
+            <a:lvl6pPr marL="2828925" indent="-257175" algn="l" defTabSz="1028065" rtl="0" eaLnBrk="1" latinLnBrk="0" hangingPunct="1">
+              <a:spcBef>
+                <a:spcPct val="20000"/>
+              </a:spcBef>
+              <a:buFont typeface="Arial" panose="020B0604020202020204" pitchFamily="34" charset="0"/>
+              <a:buChar char="•"/>
+              <a:defRPr sz="2200" kern="1200">
+                <a:solidFill>
+                  <a:schemeClr val="tx1"/>
+                </a:solidFill>
+                <a:latin typeface="+mn-lt"/>
+                <a:ea typeface="+mn-ea"/>
+                <a:cs typeface="+mn-cs"/>
+              </a:defRPr>
+            </a:lvl6pPr>
+            <a:lvl7pPr marL="3343275" indent="-257175" algn="l" defTabSz="1028065" rtl="0" eaLnBrk="1" latinLnBrk="0" hangingPunct="1">
+              <a:spcBef>
+                <a:spcPct val="20000"/>
+              </a:spcBef>
+              <a:buFont typeface="Arial" panose="020B0604020202020204" pitchFamily="34" charset="0"/>
+              <a:buChar char="•"/>
+              <a:defRPr sz="2200" kern="1200">
+                <a:solidFill>
+                  <a:schemeClr val="tx1"/>
+                </a:solidFill>
+                <a:latin typeface="+mn-lt"/>
+                <a:ea typeface="+mn-ea"/>
+                <a:cs typeface="+mn-cs"/>
+              </a:defRPr>
+            </a:lvl7pPr>
+            <a:lvl8pPr marL="3856990" indent="-257175" algn="l" defTabSz="1028065" rtl="0" eaLnBrk="1" latinLnBrk="0" hangingPunct="1">
+              <a:spcBef>
+                <a:spcPct val="20000"/>
+              </a:spcBef>
+              <a:buFont typeface="Arial" panose="020B0604020202020204" pitchFamily="34" charset="0"/>
+              <a:buChar char="•"/>
+              <a:defRPr sz="2200" kern="1200">
+                <a:solidFill>
+                  <a:schemeClr val="tx1"/>
+                </a:solidFill>
+                <a:latin typeface="+mn-lt"/>
+                <a:ea typeface="+mn-ea"/>
+                <a:cs typeface="+mn-cs"/>
+              </a:defRPr>
+            </a:lvl8pPr>
+            <a:lvl9pPr marL="4371340" indent="-257175" algn="l" defTabSz="1028065" rtl="0" eaLnBrk="1" latinLnBrk="0" hangingPunct="1">
+              <a:spcBef>
+                <a:spcPct val="20000"/>
+              </a:spcBef>
+              <a:buFont typeface="Arial" panose="020B0604020202020204" pitchFamily="34" charset="0"/>
+              <a:buChar char="•"/>
+              <a:defRPr sz="2200" kern="1200">
+                <a:solidFill>
+                  <a:schemeClr val="tx1"/>
+                </a:solidFill>
+                <a:latin typeface="+mn-lt"/>
+                <a:ea typeface="+mn-ea"/>
+                <a:cs typeface="+mn-cs"/>
+              </a:defRPr>
+            </a:lvl9pPr>
+          </a:lstStyle>
+          <a:p>
+            <a:r>
+              <a:rPr lang="en-US" altLang="zh-CN" sz="3386" dirty="0">
+                <a:solidFill>
+                  <a:schemeClr val="tx1">
+                    <a:lumMod val="85000"/>
+                    <a:lumOff val="15000"/>
+                  </a:schemeClr>
+                </a:solidFill>
+                <a:latin typeface="Xingkai SC Light" panose="02010600040101010101" pitchFamily="2" charset="-122"/>
+                <a:ea typeface="Xingkai SC Light" panose="02010600040101010101" pitchFamily="2" charset="-122"/>
+                <a:cs typeface="+mn-ea"/>
+                <a:sym typeface="+mn-lt"/>
+              </a:rPr>
+              <a:t>4</a:t>
+            </a:r>
+            <a:r>
+              <a:rPr lang="zh-CN" altLang="en-US" sz="3386" dirty="0">
+                <a:solidFill>
+                  <a:schemeClr val="tx1">
+                    <a:lumMod val="85000"/>
+                    <a:lumOff val="15000"/>
+                  </a:schemeClr>
+                </a:solidFill>
+                <a:latin typeface="Xingkai SC Light" panose="02010600040101010101" pitchFamily="2" charset="-122"/>
+                <a:ea typeface="Xingkai SC Light" panose="02010600040101010101" pitchFamily="2" charset="-122"/>
+                <a:cs typeface="+mn-ea"/>
+                <a:sym typeface="+mn-lt"/>
+              </a:rPr>
+              <a:t>、接口隔离原则</a:t>
+            </a:r>
+          </a:p>
+        </p:txBody>
+      </p:sp>
+      <p:sp>
+        <p:nvSpPr>
+          <p:cNvPr id="20" name="Rounded Rectangle 4">
+            <a:extLst>
+              <a:ext uri="{FF2B5EF4-FFF2-40B4-BE49-F238E27FC236}">
+                <a16:creationId xmlns:a16="http://schemas.microsoft.com/office/drawing/2014/main" id="{FD835581-2B48-AF47-985A-42E116B90135}"/>
+              </a:ext>
+            </a:extLst>
+          </p:cNvPr>
+          <p:cNvSpPr/>
+          <p:nvPr/>
+        </p:nvSpPr>
+        <p:spPr>
+          <a:xfrm>
+            <a:off x="1147798" y="1770950"/>
+            <a:ext cx="2715316" cy="2996121"/>
+          </a:xfrm>
+          <a:prstGeom prst="roundRect">
+            <a:avLst>
+              <a:gd name="adj" fmla="val 2432"/>
+            </a:avLst>
+          </a:prstGeom>
+          <a:solidFill>
+            <a:schemeClr val="bg1">
+              <a:lumMod val="95000"/>
+            </a:schemeClr>
+          </a:solidFill>
+          <a:ln>
+            <a:noFill/>
+          </a:ln>
+        </p:spPr>
+        <p:style>
+          <a:lnRef idx="2">
+            <a:schemeClr val="accent1">
+              <a:shade val="50000"/>
+            </a:schemeClr>
+          </a:lnRef>
+          <a:fillRef idx="1">
+            <a:schemeClr val="accent1"/>
+          </a:fillRef>
+          <a:effectRef idx="0">
+            <a:schemeClr val="accent1"/>
+          </a:effectRef>
+          <a:fontRef idx="minor">
+            <a:schemeClr val="lt1"/>
+          </a:fontRef>
+        </p:style>
+        <p:txBody>
+          <a:bodyPr rtlCol="0" anchor="ctr"/>
+          <a:lstStyle/>
+          <a:p>
+            <a:pPr algn="ctr"/>
+            <a:endParaRPr kumimoji="1" lang="en-US" altLang="zh-CN" sz="1905" b="1" dirty="0">
+              <a:solidFill>
+                <a:srgbClr val="C00000"/>
+              </a:solidFill>
+            </a:endParaRPr>
+          </a:p>
+        </p:txBody>
+      </p:sp>
+      <p:sp>
+        <p:nvSpPr>
+          <p:cNvPr id="22" name="文本框 21">
+            <a:extLst>
+              <a:ext uri="{FF2B5EF4-FFF2-40B4-BE49-F238E27FC236}">
+                <a16:creationId xmlns:a16="http://schemas.microsoft.com/office/drawing/2014/main" id="{93FE1862-82D6-7C46-BCA1-C321297B4238}"/>
+              </a:ext>
+            </a:extLst>
+          </p:cNvPr>
+          <p:cNvSpPr txBox="1"/>
+          <p:nvPr/>
+        </p:nvSpPr>
+        <p:spPr>
+          <a:xfrm>
+            <a:off x="1147798" y="3109830"/>
+            <a:ext cx="2759561" cy="352854"/>
+          </a:xfrm>
+          <a:prstGeom prst="rect">
+            <a:avLst/>
+          </a:prstGeom>
+          <a:noFill/>
+        </p:spPr>
+        <p:txBody>
+          <a:bodyPr wrap="square" rtlCol="0">
+            <a:spAutoFit/>
+          </a:bodyPr>
+          <a:lstStyle/>
+          <a:p>
+            <a:pPr algn="ctr"/>
+            <a:r>
+              <a:rPr lang="zh-CN" altLang="en-US" sz="1693" b="1" dirty="0">
+                <a:solidFill>
+                  <a:srgbClr val="C00000"/>
+                </a:solidFill>
+                <a:latin typeface="+mn-ea"/>
+              </a:rPr>
+              <a:t>接口隔离原则</a:t>
+            </a:r>
+          </a:p>
+        </p:txBody>
+      </p:sp>
+      <p:sp>
+        <p:nvSpPr>
+          <p:cNvPr id="23" name="文本框 22">
+            <a:extLst>
+              <a:ext uri="{FF2B5EF4-FFF2-40B4-BE49-F238E27FC236}">
+                <a16:creationId xmlns:a16="http://schemas.microsoft.com/office/drawing/2014/main" id="{8CF472E5-805D-7C4B-9947-4716FF1180A5}"/>
+              </a:ext>
+            </a:extLst>
+          </p:cNvPr>
+          <p:cNvSpPr txBox="1"/>
+          <p:nvPr/>
+        </p:nvSpPr>
+        <p:spPr>
+          <a:xfrm>
+            <a:off x="1147799" y="3908959"/>
+            <a:ext cx="2715316" cy="255134"/>
+          </a:xfrm>
+          <a:prstGeom prst="rect">
+            <a:avLst/>
+          </a:prstGeom>
+          <a:noFill/>
+        </p:spPr>
+        <p:txBody>
+          <a:bodyPr wrap="square" rtlCol="0">
+            <a:spAutoFit/>
+          </a:bodyPr>
+          <a:lstStyle/>
+          <a:p>
+            <a:pPr algn="ctr"/>
+            <a:r>
+              <a:rPr lang="zh-CN" altLang="en-US" sz="1058" dirty="0">
+                <a:latin typeface="+mn-ea"/>
+              </a:rPr>
+              <a:t>更小的接口、更具体的接口</a:t>
+            </a:r>
+          </a:p>
+        </p:txBody>
+      </p:sp>
+      <p:pic>
+        <p:nvPicPr>
+          <p:cNvPr id="53" name="图片 52">
+            <a:extLst>
+              <a:ext uri="{FF2B5EF4-FFF2-40B4-BE49-F238E27FC236}">
+                <a16:creationId xmlns:a16="http://schemas.microsoft.com/office/drawing/2014/main" id="{CC3D935B-F2B4-CA42-8841-E391FBF1B84A}"/>
+              </a:ext>
+            </a:extLst>
+          </p:cNvPr>
+          <p:cNvPicPr>
+            <a:picLocks noChangeAspect="1"/>
+          </p:cNvPicPr>
+          <p:nvPr/>
+        </p:nvPicPr>
+        <p:blipFill>
+          <a:blip r:embed="rId3"/>
+          <a:stretch>
+            <a:fillRect/>
+          </a:stretch>
+        </p:blipFill>
+        <p:spPr>
+          <a:xfrm>
+            <a:off x="2278825" y="2219490"/>
+            <a:ext cx="493033" cy="493033"/>
+          </a:xfrm>
+          <a:prstGeom prst="rect">
+            <a:avLst/>
+          </a:prstGeom>
+          <a:effectLst>
+            <a:outerShdw blurRad="50800" dist="38100" dir="2700000" algn="tl" rotWithShape="0">
+              <a:prstClr val="black">
+                <a:alpha val="40000"/>
+              </a:prstClr>
+            </a:outerShdw>
+          </a:effectLst>
+        </p:spPr>
+      </p:pic>
+      <p:sp>
+        <p:nvSpPr>
+          <p:cNvPr id="54" name="Rounded Rectangle 4">
+            <a:extLst>
+              <a:ext uri="{FF2B5EF4-FFF2-40B4-BE49-F238E27FC236}">
+                <a16:creationId xmlns:a16="http://schemas.microsoft.com/office/drawing/2014/main" id="{A3272151-2C4C-5B46-8DC7-C804CBDECFF1}"/>
+              </a:ext>
+            </a:extLst>
+          </p:cNvPr>
+          <p:cNvSpPr/>
+          <p:nvPr/>
+        </p:nvSpPr>
+        <p:spPr>
+          <a:xfrm>
+            <a:off x="4878550" y="1770950"/>
+            <a:ext cx="2715316" cy="2996121"/>
+          </a:xfrm>
+          <a:prstGeom prst="roundRect">
+            <a:avLst>
+              <a:gd name="adj" fmla="val 2432"/>
+            </a:avLst>
+          </a:prstGeom>
+          <a:solidFill>
+            <a:schemeClr val="bg1">
+              <a:lumMod val="95000"/>
+            </a:schemeClr>
+          </a:solidFill>
+          <a:ln>
+            <a:noFill/>
+          </a:ln>
+        </p:spPr>
+        <p:style>
+          <a:lnRef idx="2">
+            <a:schemeClr val="accent1">
+              <a:shade val="50000"/>
+            </a:schemeClr>
+          </a:lnRef>
+          <a:fillRef idx="1">
+            <a:schemeClr val="accent1"/>
+          </a:fillRef>
+          <a:effectRef idx="0">
+            <a:schemeClr val="accent1"/>
+          </a:effectRef>
+          <a:fontRef idx="minor">
+            <a:schemeClr val="lt1"/>
+          </a:fontRef>
+        </p:style>
+        <p:txBody>
+          <a:bodyPr rtlCol="0" anchor="ctr"/>
+          <a:lstStyle/>
+          <a:p>
+            <a:pPr algn="ctr"/>
+            <a:endParaRPr kumimoji="1" lang="en-US" altLang="zh-CN" sz="1905" b="1" dirty="0">
+              <a:solidFill>
+                <a:srgbClr val="C00000"/>
+              </a:solidFill>
+            </a:endParaRPr>
+          </a:p>
+        </p:txBody>
+      </p:sp>
+      <p:sp>
+        <p:nvSpPr>
+          <p:cNvPr id="55" name="文本框 54">
+            <a:extLst>
+              <a:ext uri="{FF2B5EF4-FFF2-40B4-BE49-F238E27FC236}">
+                <a16:creationId xmlns:a16="http://schemas.microsoft.com/office/drawing/2014/main" id="{BB22FBCD-D4A2-A749-908C-2948C6D0B306}"/>
+              </a:ext>
+            </a:extLst>
+          </p:cNvPr>
+          <p:cNvSpPr txBox="1"/>
+          <p:nvPr/>
+        </p:nvSpPr>
+        <p:spPr>
+          <a:xfrm>
+            <a:off x="4878550" y="3109830"/>
+            <a:ext cx="2759561" cy="352854"/>
+          </a:xfrm>
+          <a:prstGeom prst="rect">
+            <a:avLst/>
+          </a:prstGeom>
+          <a:noFill/>
+        </p:spPr>
+        <p:txBody>
+          <a:bodyPr wrap="square" rtlCol="0">
+            <a:spAutoFit/>
+          </a:bodyPr>
+          <a:lstStyle/>
+          <a:p>
+            <a:pPr algn="ctr"/>
+            <a:r>
+              <a:rPr lang="zh-CN" altLang="en-US" sz="1693" b="1" dirty="0">
+                <a:solidFill>
+                  <a:srgbClr val="C00000"/>
+                </a:solidFill>
+                <a:latin typeface="+mn-ea"/>
+              </a:rPr>
+              <a:t>王者荣耀</a:t>
+            </a:r>
+          </a:p>
+        </p:txBody>
+      </p:sp>
+      <p:sp>
+        <p:nvSpPr>
+          <p:cNvPr id="56" name="文本框 55">
+            <a:extLst>
+              <a:ext uri="{FF2B5EF4-FFF2-40B4-BE49-F238E27FC236}">
+                <a16:creationId xmlns:a16="http://schemas.microsoft.com/office/drawing/2014/main" id="{223E20C5-6354-044C-B4D6-D8529945D5EF}"/>
+              </a:ext>
+            </a:extLst>
+          </p:cNvPr>
+          <p:cNvSpPr txBox="1"/>
+          <p:nvPr/>
+        </p:nvSpPr>
+        <p:spPr>
+          <a:xfrm>
+            <a:off x="4878551" y="3908959"/>
+            <a:ext cx="2715316" cy="255134"/>
+          </a:xfrm>
+          <a:prstGeom prst="rect">
+            <a:avLst/>
+          </a:prstGeom>
+          <a:noFill/>
+        </p:spPr>
+        <p:txBody>
+          <a:bodyPr wrap="square" rtlCol="0">
+            <a:spAutoFit/>
+          </a:bodyPr>
+          <a:lstStyle/>
+          <a:p>
+            <a:pPr algn="ctr"/>
+            <a:r>
+              <a:rPr lang="zh-CN" altLang="en-US" sz="1058" dirty="0">
+                <a:latin typeface="+mn-ea"/>
+              </a:rPr>
+              <a:t>射箭、隐袭、沉默、眩晕</a:t>
+            </a:r>
+          </a:p>
+        </p:txBody>
+      </p:sp>
+      <p:sp>
+        <p:nvSpPr>
+          <p:cNvPr id="60" name="Rounded Rectangle 4">
+            <a:extLst>
+              <a:ext uri="{FF2B5EF4-FFF2-40B4-BE49-F238E27FC236}">
+                <a16:creationId xmlns:a16="http://schemas.microsoft.com/office/drawing/2014/main" id="{F6609698-76BD-D44F-93EB-8071451838E7}"/>
+              </a:ext>
+            </a:extLst>
+          </p:cNvPr>
+          <p:cNvSpPr/>
+          <p:nvPr/>
+        </p:nvSpPr>
+        <p:spPr>
+          <a:xfrm>
+            <a:off x="8609302" y="1770950"/>
+            <a:ext cx="2715316" cy="2996121"/>
+          </a:xfrm>
+          <a:prstGeom prst="roundRect">
+            <a:avLst>
+              <a:gd name="adj" fmla="val 2432"/>
+            </a:avLst>
+          </a:prstGeom>
+          <a:solidFill>
+            <a:schemeClr val="bg1">
+              <a:lumMod val="95000"/>
+            </a:schemeClr>
+          </a:solidFill>
+          <a:ln>
+            <a:noFill/>
+          </a:ln>
+        </p:spPr>
+        <p:style>
+          <a:lnRef idx="2">
+            <a:schemeClr val="accent1">
+              <a:shade val="50000"/>
+            </a:schemeClr>
+          </a:lnRef>
+          <a:fillRef idx="1">
+            <a:schemeClr val="accent1"/>
+          </a:fillRef>
+          <a:effectRef idx="0">
+            <a:schemeClr val="accent1"/>
+          </a:effectRef>
+          <a:fontRef idx="minor">
+            <a:schemeClr val="lt1"/>
+          </a:fontRef>
+        </p:style>
+        <p:txBody>
+          <a:bodyPr rtlCol="0" anchor="ctr"/>
+          <a:lstStyle/>
+          <a:p>
+            <a:pPr algn="ctr"/>
+            <a:endParaRPr kumimoji="1" lang="en-US" altLang="zh-CN" sz="1905" b="1" dirty="0">
+              <a:solidFill>
+                <a:srgbClr val="C00000"/>
+              </a:solidFill>
+            </a:endParaRPr>
+          </a:p>
+        </p:txBody>
+      </p:sp>
+      <p:sp>
+        <p:nvSpPr>
+          <p:cNvPr id="61" name="文本框 60">
+            <a:extLst>
+              <a:ext uri="{FF2B5EF4-FFF2-40B4-BE49-F238E27FC236}">
+                <a16:creationId xmlns:a16="http://schemas.microsoft.com/office/drawing/2014/main" id="{5D2F3745-4FA4-D04A-94FC-2CD28FD90042}"/>
+              </a:ext>
+            </a:extLst>
+          </p:cNvPr>
+          <p:cNvSpPr txBox="1"/>
+          <p:nvPr/>
+        </p:nvSpPr>
+        <p:spPr>
+          <a:xfrm>
+            <a:off x="8609302" y="3109830"/>
+            <a:ext cx="2759561" cy="352854"/>
+          </a:xfrm>
+          <a:prstGeom prst="rect">
+            <a:avLst/>
+          </a:prstGeom>
+          <a:noFill/>
+        </p:spPr>
+        <p:txBody>
+          <a:bodyPr wrap="square" rtlCol="0">
+            <a:spAutoFit/>
+          </a:bodyPr>
+          <a:lstStyle/>
+          <a:p>
+            <a:pPr algn="ctr"/>
+            <a:r>
+              <a:rPr lang="zh-CN" altLang="en-US" sz="1693" b="1" dirty="0">
+                <a:solidFill>
+                  <a:srgbClr val="C00000"/>
+                </a:solidFill>
+                <a:latin typeface="+mn-ea"/>
+              </a:rPr>
+              <a:t>编码实现</a:t>
+            </a:r>
+          </a:p>
+        </p:txBody>
+      </p:sp>
+      <p:sp>
+        <p:nvSpPr>
+          <p:cNvPr id="62" name="文本框 61">
+            <a:extLst>
+              <a:ext uri="{FF2B5EF4-FFF2-40B4-BE49-F238E27FC236}">
+                <a16:creationId xmlns:a16="http://schemas.microsoft.com/office/drawing/2014/main" id="{E746D5D7-CF11-CE45-ADF2-40EEB4C88A46}"/>
+              </a:ext>
+            </a:extLst>
+          </p:cNvPr>
+          <p:cNvSpPr txBox="1"/>
+          <p:nvPr/>
+        </p:nvSpPr>
+        <p:spPr>
+          <a:xfrm>
+            <a:off x="8609303" y="3908959"/>
+            <a:ext cx="2715316" cy="255134"/>
+          </a:xfrm>
+          <a:prstGeom prst="rect">
+            <a:avLst/>
+          </a:prstGeom>
+          <a:noFill/>
+        </p:spPr>
+        <p:txBody>
+          <a:bodyPr wrap="square" rtlCol="0">
+            <a:spAutoFit/>
+          </a:bodyPr>
+          <a:lstStyle/>
+          <a:p>
+            <a:pPr algn="ctr"/>
+            <a:r>
+              <a:rPr lang="zh-CN" altLang="en-US" sz="1058" dirty="0">
+                <a:latin typeface="+mn-ea"/>
+              </a:rPr>
+              <a:t>高内聚、低耦合</a:t>
+            </a:r>
+          </a:p>
+        </p:txBody>
+      </p:sp>
+      <p:pic>
+        <p:nvPicPr>
+          <p:cNvPr id="65" name="图片 64">
+            <a:extLst>
+              <a:ext uri="{FF2B5EF4-FFF2-40B4-BE49-F238E27FC236}">
+                <a16:creationId xmlns:a16="http://schemas.microsoft.com/office/drawing/2014/main" id="{2391F3AA-A4D0-8944-A315-D52FE8ECB29C}"/>
+              </a:ext>
+            </a:extLst>
+          </p:cNvPr>
+          <p:cNvPicPr>
+            <a:picLocks noChangeAspect="1"/>
+          </p:cNvPicPr>
+          <p:nvPr/>
+        </p:nvPicPr>
+        <p:blipFill>
+          <a:blip r:embed="rId4"/>
+          <a:stretch>
+            <a:fillRect/>
+          </a:stretch>
+        </p:blipFill>
+        <p:spPr>
+          <a:xfrm>
+            <a:off x="9742565" y="2219490"/>
+            <a:ext cx="493033" cy="493033"/>
+          </a:xfrm>
+          <a:prstGeom prst="rect">
+            <a:avLst/>
+          </a:prstGeom>
+          <a:effectLst>
+            <a:outerShdw blurRad="50800" dist="38100" dir="2700000" algn="tl" rotWithShape="0">
+              <a:prstClr val="black">
+                <a:alpha val="40000"/>
+              </a:prstClr>
+            </a:outerShdw>
+          </a:effectLst>
+        </p:spPr>
+      </p:pic>
+      <p:sp>
+        <p:nvSpPr>
+          <p:cNvPr id="69" name="圆角矩形 68">
+            <a:extLst>
+              <a:ext uri="{FF2B5EF4-FFF2-40B4-BE49-F238E27FC236}">
+                <a16:creationId xmlns:a16="http://schemas.microsoft.com/office/drawing/2014/main" id="{E3CC9A0F-2A75-A548-8A30-11B39E7451A3}"/>
+              </a:ext>
+            </a:extLst>
+          </p:cNvPr>
+          <p:cNvSpPr/>
+          <p:nvPr/>
+        </p:nvSpPr>
+        <p:spPr>
+          <a:xfrm>
+            <a:off x="1147798" y="5352288"/>
+            <a:ext cx="10176820" cy="597408"/>
+          </a:xfrm>
+          <a:prstGeom prst="roundRect">
+            <a:avLst/>
+          </a:prstGeom>
+          <a:noFill/>
+          <a:ln>
+            <a:solidFill>
+              <a:schemeClr val="tx1">
+                <a:lumMod val="75000"/>
+                <a:lumOff val="25000"/>
+              </a:schemeClr>
+            </a:solidFill>
+            <a:prstDash val="dash"/>
+            <a:extLst>
+              <a:ext uri="{C807C97D-BFC1-408E-A445-0C87EB9F89A2}">
+                <ask:lineSketchStyleProps xmlns:ask="http://schemas.microsoft.com/office/drawing/2018/sketchyshapes">
+                  <ask:type>
+                    <ask:lineSketchFreehand/>
+                  </ask:type>
+                </ask:lineSketchStyleProps>
+              </a:ext>
+            </a:extLst>
+          </a:ln>
+        </p:spPr>
+        <p:style>
+          <a:lnRef idx="2">
+            <a:schemeClr val="accent1">
+              <a:shade val="50000"/>
+            </a:schemeClr>
+          </a:lnRef>
+          <a:fillRef idx="1">
+            <a:schemeClr val="accent1"/>
+          </a:fillRef>
+          <a:effectRef idx="0">
+            <a:schemeClr val="accent1"/>
+          </a:effectRef>
+          <a:fontRef idx="minor">
+            <a:schemeClr val="lt1"/>
+          </a:fontRef>
+        </p:style>
+        <p:txBody>
+          <a:bodyPr rtlCol="0" anchor="ctr"/>
+          <a:lstStyle/>
+          <a:p>
+            <a:pPr algn="ctr"/>
+            <a:r>
+              <a:rPr lang="zh-CN" altLang="en-US" sz="1600" b="1" dirty="0">
+                <a:solidFill>
+                  <a:schemeClr val="tx1">
+                    <a:lumMod val="85000"/>
+                    <a:lumOff val="15000"/>
+                  </a:schemeClr>
+                </a:solidFill>
+                <a:latin typeface="Xingkai SC Light" panose="02010600040101010101" pitchFamily="2" charset="-122"/>
+                <a:ea typeface="Xingkai SC Light" panose="02010600040101010101" pitchFamily="2" charset="-122"/>
+                <a:cs typeface="+mn-ea"/>
+              </a:rPr>
+              <a:t>接口隔离原则：</a:t>
+            </a:r>
+            <a:r>
+              <a:rPr lang="zh-CN" altLang="en-US" sz="1600" dirty="0">
+                <a:solidFill>
+                  <a:schemeClr val="tx1">
+                    <a:lumMod val="85000"/>
+                    <a:lumOff val="15000"/>
+                  </a:schemeClr>
+                </a:solidFill>
+                <a:latin typeface="Xingkai SC Light" panose="02010600040101010101" pitchFamily="2" charset="-122"/>
+                <a:ea typeface="Xingkai SC Light" panose="02010600040101010101" pitchFamily="2" charset="-122"/>
+                <a:cs typeface="+mn-ea"/>
+              </a:rPr>
+              <a:t>要求程序员尽量将臃肿庞大的接口拆分为更小的和更具体的接口，让接口中只包含客户感兴趣的方法。</a:t>
+            </a:r>
+          </a:p>
+        </p:txBody>
+      </p:sp>
+      <p:pic>
+        <p:nvPicPr>
+          <p:cNvPr id="4" name="图片 3">
+            <a:extLst>
+              <a:ext uri="{FF2B5EF4-FFF2-40B4-BE49-F238E27FC236}">
+                <a16:creationId xmlns:a16="http://schemas.microsoft.com/office/drawing/2014/main" id="{D587A6BB-23F3-B14F-9EEE-8AED686590CB}"/>
+              </a:ext>
+            </a:extLst>
+          </p:cNvPr>
+          <p:cNvPicPr>
+            <a:picLocks noChangeAspect="1"/>
+          </p:cNvPicPr>
+          <p:nvPr/>
+        </p:nvPicPr>
+        <p:blipFill>
+          <a:blip r:embed="rId5"/>
+          <a:stretch>
+            <a:fillRect/>
+          </a:stretch>
+        </p:blipFill>
+        <p:spPr>
+          <a:xfrm>
+            <a:off x="5772872" y="2123326"/>
+            <a:ext cx="1082867" cy="685359"/>
+          </a:xfrm>
+          <a:prstGeom prst="rect">
+            <a:avLst/>
+          </a:prstGeom>
+          <a:effectLst>
+            <a:outerShdw blurRad="50800" dist="38100" dir="2700000" algn="tl" rotWithShape="0">
+              <a:prstClr val="black">
+                <a:alpha val="40000"/>
+              </a:prstClr>
+            </a:outerShdw>
+          </a:effectLst>
+        </p:spPr>
+      </p:pic>
+    </p:spTree>
+    <p:extLst>
+      <p:ext uri="{BB962C8B-B14F-4D97-AF65-F5344CB8AC3E}">
+        <p14:creationId xmlns:p14="http://schemas.microsoft.com/office/powerpoint/2010/main" val="744597094"/>
       </p:ext>
     </p:extLst>
   </p:cSld>

--- a/docs/assets/图稿.pptx
+++ b/docs/assets/图稿.pptx
@@ -5,7 +5,7 @@
     <p:sldMasterId id="2147483648" r:id="rId1"/>
   </p:sldMasterIdLst>
   <p:notesMasterIdLst>
-    <p:notesMasterId r:id="rId17"/>
+    <p:notesMasterId r:id="rId20"/>
   </p:notesMasterIdLst>
   <p:sldIdLst>
     <p:sldId id="262" r:id="rId2"/>
@@ -23,6 +23,9 @@
     <p:sldId id="270" r:id="rId14"/>
     <p:sldId id="272" r:id="rId15"/>
     <p:sldId id="271" r:id="rId16"/>
+    <p:sldId id="273" r:id="rId17"/>
+    <p:sldId id="275" r:id="rId18"/>
+    <p:sldId id="274" r:id="rId19"/>
   </p:sldIdLst>
   <p:sldSz cx="12192000" cy="6858000"/>
   <p:notesSz cx="6858000" cy="9144000"/>
@@ -149,6 +152,9 @@
             <p14:sldId id="270"/>
             <p14:sldId id="272"/>
             <p14:sldId id="271"/>
+            <p14:sldId id="273"/>
+            <p14:sldId id="275"/>
+            <p14:sldId id="274"/>
           </p14:sldIdLst>
         </p14:section>
       </p14:sectionLst>
@@ -593,6 +599,206 @@
 </p:notes>
 </file>
 
+<file path=ppt/notesSlides/notesSlide10.xml><?xml version="1.0" encoding="utf-8"?>
+<p:notes xmlns:a="http://schemas.openxmlformats.org/drawingml/2006/main" xmlns:r="http://schemas.openxmlformats.org/officeDocument/2006/relationships" xmlns:p="http://schemas.openxmlformats.org/presentationml/2006/main">
+  <p:cSld>
+    <p:spTree>
+      <p:nvGrpSpPr>
+        <p:cNvPr id="1" name=""/>
+        <p:cNvGrpSpPr/>
+        <p:nvPr/>
+      </p:nvGrpSpPr>
+      <p:grpSpPr>
+        <a:xfrm>
+          <a:off x="0" y="0"/>
+          <a:ext cx="0" cy="0"/>
+          <a:chOff x="0" y="0"/>
+          <a:chExt cx="0" cy="0"/>
+        </a:xfrm>
+      </p:grpSpPr>
+      <p:sp>
+        <p:nvSpPr>
+          <p:cNvPr id="2" name="幻灯片图像占位符 1"/>
+          <p:cNvSpPr>
+            <a:spLocks noGrp="1" noRot="1" noChangeAspect="1"/>
+          </p:cNvSpPr>
+          <p:nvPr>
+            <p:ph type="sldImg"/>
+          </p:nvPr>
+        </p:nvSpPr>
+        <p:spPr/>
+      </p:sp>
+      <p:sp>
+        <p:nvSpPr>
+          <p:cNvPr id="3" name="备注占位符 2"/>
+          <p:cNvSpPr>
+            <a:spLocks noGrp="1"/>
+          </p:cNvSpPr>
+          <p:nvPr>
+            <p:ph type="body" idx="1"/>
+          </p:nvPr>
+        </p:nvSpPr>
+        <p:spPr/>
+        <p:txBody>
+          <a:bodyPr/>
+          <a:lstStyle/>
+          <a:p>
+            <a:pPr marL="228600" indent="-228600">
+              <a:buAutoNum type="arabicPeriod"/>
+            </a:pPr>
+            <a:r>
+              <a:rPr kumimoji="1" lang="zh-CN" altLang="en-US" dirty="0"/>
+              <a:t>皇帝给大臣传指，领导给下属安排工作，跑你到工位说，那个小傅哥，怎么明天开个会呗，你看你行程有没问题不。这显然不成立吗。通知你，要不是发个邮件、要不拍个小弟群里圈你，明天开会</a:t>
+            </a:r>
+            <a:endParaRPr kumimoji="1" lang="en-US" altLang="zh-CN" dirty="0"/>
+          </a:p>
+          <a:p>
+            <a:pPr marL="228600" indent="-228600">
+              <a:buAutoNum type="arabicPeriod"/>
+            </a:pPr>
+            <a:r>
+              <a:rPr kumimoji="1" lang="zh-CN" altLang="en-US" dirty="0"/>
+              <a:t>虽然领导层，也就是上层服务，要调用下层模块提供的功能。但这个过程只是定义的标准，不会做过调用细节处理，也处理不过来。</a:t>
+            </a:r>
+            <a:endParaRPr kumimoji="1" lang="en-US" altLang="zh-CN" dirty="0"/>
+          </a:p>
+          <a:p>
+            <a:pPr marL="228600" indent="-228600">
+              <a:buAutoNum type="arabicPeriod"/>
+            </a:pPr>
+            <a:endParaRPr kumimoji="1" lang="en-US" altLang="zh-CN" dirty="0"/>
+          </a:p>
+          <a:p>
+            <a:pPr marL="228600" indent="-228600">
+              <a:buAutoNum type="arabicPeriod"/>
+            </a:pPr>
+            <a:r>
+              <a:rPr kumimoji="1" lang="zh-CN" altLang="en-US" dirty="0"/>
+              <a:t>这一章讲场景，下一章说案例</a:t>
+            </a:r>
+          </a:p>
+        </p:txBody>
+      </p:sp>
+      <p:sp>
+        <p:nvSpPr>
+          <p:cNvPr id="4" name="灯片编号占位符 3"/>
+          <p:cNvSpPr>
+            <a:spLocks noGrp="1"/>
+          </p:cNvSpPr>
+          <p:nvPr>
+            <p:ph type="sldNum" sz="quarter" idx="5"/>
+          </p:nvPr>
+        </p:nvSpPr>
+        <p:spPr/>
+        <p:txBody>
+          <a:bodyPr/>
+          <a:lstStyle/>
+          <a:p>
+            <a:fld id="{F27ACFC7-DDB1-344E-839F-3E9A781B1DD5}" type="slidenum">
+              <a:rPr kumimoji="1" lang="zh-CN" altLang="en-US" smtClean="0"/>
+              <a:t>17</a:t>
+            </a:fld>
+            <a:endParaRPr kumimoji="1" lang="zh-CN" altLang="en-US"/>
+          </a:p>
+        </p:txBody>
+      </p:sp>
+    </p:spTree>
+    <p:extLst>
+      <p:ext uri="{BB962C8B-B14F-4D97-AF65-F5344CB8AC3E}">
+        <p14:creationId xmlns:p14="http://schemas.microsoft.com/office/powerpoint/2010/main" val="2590722910"/>
+      </p:ext>
+    </p:extLst>
+  </p:cSld>
+  <p:clrMapOvr>
+    <a:masterClrMapping/>
+  </p:clrMapOvr>
+</p:notes>
+</file>
+
+<file path=ppt/notesSlides/notesSlide11.xml><?xml version="1.0" encoding="utf-8"?>
+<p:notes xmlns:a="http://schemas.openxmlformats.org/drawingml/2006/main" xmlns:r="http://schemas.openxmlformats.org/officeDocument/2006/relationships" xmlns:p="http://schemas.openxmlformats.org/presentationml/2006/main">
+  <p:cSld>
+    <p:spTree>
+      <p:nvGrpSpPr>
+        <p:cNvPr id="1" name=""/>
+        <p:cNvGrpSpPr/>
+        <p:nvPr/>
+      </p:nvGrpSpPr>
+      <p:grpSpPr>
+        <a:xfrm>
+          <a:off x="0" y="0"/>
+          <a:ext cx="0" cy="0"/>
+          <a:chOff x="0" y="0"/>
+          <a:chExt cx="0" cy="0"/>
+        </a:xfrm>
+      </p:grpSpPr>
+      <p:sp>
+        <p:nvSpPr>
+          <p:cNvPr id="2" name="幻灯片图像占位符 1"/>
+          <p:cNvSpPr>
+            <a:spLocks noGrp="1" noRot="1" noChangeAspect="1"/>
+          </p:cNvSpPr>
+          <p:nvPr>
+            <p:ph type="sldImg"/>
+          </p:nvPr>
+        </p:nvSpPr>
+        <p:spPr/>
+      </p:sp>
+      <p:sp>
+        <p:nvSpPr>
+          <p:cNvPr id="3" name="备注占位符 2"/>
+          <p:cNvSpPr>
+            <a:spLocks noGrp="1"/>
+          </p:cNvSpPr>
+          <p:nvPr>
+            <p:ph type="body" idx="1"/>
+          </p:nvPr>
+        </p:nvSpPr>
+        <p:spPr/>
+        <p:txBody>
+          <a:bodyPr/>
+          <a:lstStyle/>
+          <a:p>
+            <a:endParaRPr kumimoji="1" lang="zh-CN" altLang="en-US" dirty="0"/>
+          </a:p>
+        </p:txBody>
+      </p:sp>
+      <p:sp>
+        <p:nvSpPr>
+          <p:cNvPr id="4" name="灯片编号占位符 3"/>
+          <p:cNvSpPr>
+            <a:spLocks noGrp="1"/>
+          </p:cNvSpPr>
+          <p:nvPr>
+            <p:ph type="sldNum" sz="quarter" idx="5"/>
+          </p:nvPr>
+        </p:nvSpPr>
+        <p:spPr/>
+        <p:txBody>
+          <a:bodyPr/>
+          <a:lstStyle/>
+          <a:p>
+            <a:fld id="{F27ACFC7-DDB1-344E-839F-3E9A781B1DD5}" type="slidenum">
+              <a:rPr kumimoji="1" lang="zh-CN" altLang="en-US" smtClean="0"/>
+              <a:t>18</a:t>
+            </a:fld>
+            <a:endParaRPr kumimoji="1" lang="zh-CN" altLang="en-US"/>
+          </a:p>
+        </p:txBody>
+      </p:sp>
+    </p:spTree>
+    <p:extLst>
+      <p:ext uri="{BB962C8B-B14F-4D97-AF65-F5344CB8AC3E}">
+        <p14:creationId xmlns:p14="http://schemas.microsoft.com/office/powerpoint/2010/main" val="2811530168"/>
+      </p:ext>
+    </p:extLst>
+  </p:cSld>
+  <p:clrMapOvr>
+    <a:masterClrMapping/>
+  </p:clrMapOvr>
+</p:notes>
+</file>
+
 <file path=ppt/notesSlides/notesSlide2.xml><?xml version="1.0" encoding="utf-8"?>
 <p:notes xmlns:a="http://schemas.openxmlformats.org/drawingml/2006/main" xmlns:r="http://schemas.openxmlformats.org/officeDocument/2006/relationships" xmlns:p="http://schemas.openxmlformats.org/presentationml/2006/main">
   <p:cSld>
@@ -1308,6 +1514,104 @@
     <p:extLst>
       <p:ext uri="{BB962C8B-B14F-4D97-AF65-F5344CB8AC3E}">
         <p14:creationId xmlns:p14="http://schemas.microsoft.com/office/powerpoint/2010/main" val="3192719528"/>
+      </p:ext>
+    </p:extLst>
+  </p:cSld>
+  <p:clrMapOvr>
+    <a:masterClrMapping/>
+  </p:clrMapOvr>
+</p:notes>
+</file>
+
+<file path=ppt/notesSlides/notesSlide9.xml><?xml version="1.0" encoding="utf-8"?>
+<p:notes xmlns:a="http://schemas.openxmlformats.org/drawingml/2006/main" xmlns:r="http://schemas.openxmlformats.org/officeDocument/2006/relationships" xmlns:p="http://schemas.openxmlformats.org/presentationml/2006/main">
+  <p:cSld>
+    <p:spTree>
+      <p:nvGrpSpPr>
+        <p:cNvPr id="1" name=""/>
+        <p:cNvGrpSpPr/>
+        <p:nvPr/>
+      </p:nvGrpSpPr>
+      <p:grpSpPr>
+        <a:xfrm>
+          <a:off x="0" y="0"/>
+          <a:ext cx="0" cy="0"/>
+          <a:chOff x="0" y="0"/>
+          <a:chExt cx="0" cy="0"/>
+        </a:xfrm>
+      </p:grpSpPr>
+      <p:sp>
+        <p:nvSpPr>
+          <p:cNvPr id="2" name="幻灯片图像占位符 1"/>
+          <p:cNvSpPr>
+            <a:spLocks noGrp="1" noRot="1" noChangeAspect="1"/>
+          </p:cNvSpPr>
+          <p:nvPr>
+            <p:ph type="sldImg"/>
+          </p:nvPr>
+        </p:nvSpPr>
+        <p:spPr/>
+      </p:sp>
+      <p:sp>
+        <p:nvSpPr>
+          <p:cNvPr id="3" name="备注占位符 2"/>
+          <p:cNvSpPr>
+            <a:spLocks noGrp="1"/>
+          </p:cNvSpPr>
+          <p:nvPr>
+            <p:ph type="body" idx="1"/>
+          </p:nvPr>
+        </p:nvSpPr>
+        <p:spPr/>
+        <p:txBody>
+          <a:bodyPr/>
+          <a:lstStyle/>
+          <a:p>
+            <a:r>
+              <a:rPr kumimoji="1" lang="zh-CN" altLang="en-US" sz="4400" dirty="0"/>
+              <a:t>这一章说概念，下一章讲场景</a:t>
+            </a:r>
+            <a:endParaRPr kumimoji="1" lang="en-US" altLang="zh-CN" sz="4400" dirty="0"/>
+          </a:p>
+          <a:p>
+            <a:endParaRPr kumimoji="1" lang="en-US" altLang="zh-CN" sz="4400" dirty="0"/>
+          </a:p>
+          <a:p>
+            <a:r>
+              <a:rPr kumimoji="1" lang="zh-CN" altLang="en-US" sz="4400" dirty="0"/>
+              <a:t>这一章节会带着大家用更好理解的方式，来学习依赖倒置，其实依赖倒置也是实现开闭原则的重要途径之一，降低类间的耦合，提供系统的稳定性和可维护性。细节只的是实现</a:t>
+            </a:r>
+            <a:endParaRPr kumimoji="1" lang="en-US" altLang="zh-CN" sz="4400" dirty="0"/>
+          </a:p>
+        </p:txBody>
+      </p:sp>
+      <p:sp>
+        <p:nvSpPr>
+          <p:cNvPr id="4" name="灯片编号占位符 3"/>
+          <p:cNvSpPr>
+            <a:spLocks noGrp="1"/>
+          </p:cNvSpPr>
+          <p:nvPr>
+            <p:ph type="sldNum" sz="quarter" idx="5"/>
+          </p:nvPr>
+        </p:nvSpPr>
+        <p:spPr/>
+        <p:txBody>
+          <a:bodyPr/>
+          <a:lstStyle/>
+          <a:p>
+            <a:fld id="{F27ACFC7-DDB1-344E-839F-3E9A781B1DD5}" type="slidenum">
+              <a:rPr kumimoji="1" lang="zh-CN" altLang="en-US" smtClean="0"/>
+              <a:t>16</a:t>
+            </a:fld>
+            <a:endParaRPr kumimoji="1" lang="zh-CN" altLang="en-US"/>
+          </a:p>
+        </p:txBody>
+      </p:sp>
+    </p:spTree>
+    <p:extLst>
+      <p:ext uri="{BB962C8B-B14F-4D97-AF65-F5344CB8AC3E}">
+        <p14:creationId xmlns:p14="http://schemas.microsoft.com/office/powerpoint/2010/main" val="3348509668"/>
       </p:ext>
     </p:extLst>
   </p:cSld>
@@ -8834,7 +9138,7 @@
                 <a:cs typeface="+mn-ea"/>
                 <a:sym typeface="+mn-lt"/>
               </a:rPr>
-              <a:t>4</a:t>
+              <a:t>5</a:t>
             </a:r>
             <a:r>
               <a:rPr lang="zh-CN" altLang="en-US" sz="3386" dirty="0">
@@ -9478,6 +9782,2803 @@
     <p:extLst>
       <p:ext uri="{BB962C8B-B14F-4D97-AF65-F5344CB8AC3E}">
         <p14:creationId xmlns:p14="http://schemas.microsoft.com/office/powerpoint/2010/main" val="744597094"/>
+      </p:ext>
+    </p:extLst>
+  </p:cSld>
+  <p:clrMapOvr>
+    <a:masterClrMapping/>
+  </p:clrMapOvr>
+</p:sld>
+</file>
+
+<file path=ppt/slides/slide16.xml><?xml version="1.0" encoding="utf-8"?>
+<p:sld xmlns:a="http://schemas.openxmlformats.org/drawingml/2006/main" xmlns:r="http://schemas.openxmlformats.org/officeDocument/2006/relationships" xmlns:p="http://schemas.openxmlformats.org/presentationml/2006/main">
+  <p:cSld>
+    <p:spTree>
+      <p:nvGrpSpPr>
+        <p:cNvPr id="1" name=""/>
+        <p:cNvGrpSpPr/>
+        <p:nvPr/>
+      </p:nvGrpSpPr>
+      <p:grpSpPr>
+        <a:xfrm>
+          <a:off x="0" y="0"/>
+          <a:ext cx="0" cy="0"/>
+          <a:chOff x="0" y="0"/>
+          <a:chExt cx="0" cy="0"/>
+        </a:xfrm>
+      </p:grpSpPr>
+      <p:sp>
+        <p:nvSpPr>
+          <p:cNvPr id="4" name="文本占位符 1">
+            <a:extLst>
+              <a:ext uri="{FF2B5EF4-FFF2-40B4-BE49-F238E27FC236}">
+                <a16:creationId xmlns:a16="http://schemas.microsoft.com/office/drawing/2014/main" id="{25B626B5-DD24-F848-9DDB-A341E51865E7}"/>
+              </a:ext>
+            </a:extLst>
+          </p:cNvPr>
+          <p:cNvSpPr txBox="1">
+            <a:spLocks/>
+          </p:cNvSpPr>
+          <p:nvPr/>
+        </p:nvSpPr>
+        <p:spPr>
+          <a:xfrm>
+            <a:off x="1" y="1720146"/>
+            <a:ext cx="12192000" cy="685359"/>
+          </a:xfrm>
+          <a:prstGeom prst="rect">
+            <a:avLst/>
+          </a:prstGeom>
+        </p:spPr>
+        <p:txBody>
+          <a:bodyPr/>
+          <a:lstStyle>
+            <a:lvl1pPr marL="0" indent="0" algn="l" defTabSz="1028065" rtl="0" eaLnBrk="1" latinLnBrk="0" hangingPunct="1">
+              <a:spcBef>
+                <a:spcPct val="20000"/>
+              </a:spcBef>
+              <a:buFontTx/>
+              <a:buNone/>
+              <a:defRPr sz="3200" b="1" kern="1200">
+                <a:solidFill>
+                  <a:srgbClr val="E2231A"/>
+                </a:solidFill>
+                <a:latin typeface="Microsoft YaHei" charset="-122"/>
+                <a:ea typeface="Microsoft YaHei" charset="-122"/>
+                <a:cs typeface="Microsoft YaHei" charset="-122"/>
+              </a:defRPr>
+            </a:lvl1pPr>
+            <a:lvl2pPr marL="835660" indent="-321310" algn="l" defTabSz="1028065" rtl="0" eaLnBrk="1" latinLnBrk="0" hangingPunct="1">
+              <a:spcBef>
+                <a:spcPct val="20000"/>
+              </a:spcBef>
+              <a:buFont typeface="Arial" panose="020B0604020202020204" pitchFamily="34" charset="0"/>
+              <a:buChar char="–"/>
+              <a:defRPr sz="3100" kern="1200">
+                <a:solidFill>
+                  <a:schemeClr val="tx1"/>
+                </a:solidFill>
+                <a:latin typeface="+mn-lt"/>
+                <a:ea typeface="+mn-ea"/>
+                <a:cs typeface="+mn-cs"/>
+              </a:defRPr>
+            </a:lvl2pPr>
+            <a:lvl3pPr marL="1285875" indent="-257175" algn="l" defTabSz="1028065" rtl="0" eaLnBrk="1" latinLnBrk="0" hangingPunct="1">
+              <a:spcBef>
+                <a:spcPct val="20000"/>
+              </a:spcBef>
+              <a:buFont typeface="Arial" panose="020B0604020202020204" pitchFamily="34" charset="0"/>
+              <a:buChar char="•"/>
+              <a:defRPr sz="2700" kern="1200">
+                <a:solidFill>
+                  <a:schemeClr val="tx1"/>
+                </a:solidFill>
+                <a:latin typeface="+mn-lt"/>
+                <a:ea typeface="+mn-ea"/>
+                <a:cs typeface="+mn-cs"/>
+              </a:defRPr>
+            </a:lvl3pPr>
+            <a:lvl4pPr marL="1800225" indent="-257175" algn="l" defTabSz="1028065" rtl="0" eaLnBrk="1" latinLnBrk="0" hangingPunct="1">
+              <a:spcBef>
+                <a:spcPct val="20000"/>
+              </a:spcBef>
+              <a:buFont typeface="Arial" panose="020B0604020202020204" pitchFamily="34" charset="0"/>
+              <a:buChar char="–"/>
+              <a:defRPr sz="2200" kern="1200">
+                <a:solidFill>
+                  <a:schemeClr val="tx1"/>
+                </a:solidFill>
+                <a:latin typeface="+mn-lt"/>
+                <a:ea typeface="+mn-ea"/>
+                <a:cs typeface="+mn-cs"/>
+              </a:defRPr>
+            </a:lvl4pPr>
+            <a:lvl5pPr marL="2314575" indent="-257175" algn="l" defTabSz="1028065" rtl="0" eaLnBrk="1" latinLnBrk="0" hangingPunct="1">
+              <a:spcBef>
+                <a:spcPct val="20000"/>
+              </a:spcBef>
+              <a:buFont typeface="Arial" panose="020B0604020202020204" pitchFamily="34" charset="0"/>
+              <a:buChar char="»"/>
+              <a:defRPr sz="2200" kern="1200">
+                <a:solidFill>
+                  <a:schemeClr val="tx1"/>
+                </a:solidFill>
+                <a:latin typeface="+mn-lt"/>
+                <a:ea typeface="+mn-ea"/>
+                <a:cs typeface="+mn-cs"/>
+              </a:defRPr>
+            </a:lvl5pPr>
+            <a:lvl6pPr marL="2828925" indent="-257175" algn="l" defTabSz="1028065" rtl="0" eaLnBrk="1" latinLnBrk="0" hangingPunct="1">
+              <a:spcBef>
+                <a:spcPct val="20000"/>
+              </a:spcBef>
+              <a:buFont typeface="Arial" panose="020B0604020202020204" pitchFamily="34" charset="0"/>
+              <a:buChar char="•"/>
+              <a:defRPr sz="2200" kern="1200">
+                <a:solidFill>
+                  <a:schemeClr val="tx1"/>
+                </a:solidFill>
+                <a:latin typeface="+mn-lt"/>
+                <a:ea typeface="+mn-ea"/>
+                <a:cs typeface="+mn-cs"/>
+              </a:defRPr>
+            </a:lvl6pPr>
+            <a:lvl7pPr marL="3343275" indent="-257175" algn="l" defTabSz="1028065" rtl="0" eaLnBrk="1" latinLnBrk="0" hangingPunct="1">
+              <a:spcBef>
+                <a:spcPct val="20000"/>
+              </a:spcBef>
+              <a:buFont typeface="Arial" panose="020B0604020202020204" pitchFamily="34" charset="0"/>
+              <a:buChar char="•"/>
+              <a:defRPr sz="2200" kern="1200">
+                <a:solidFill>
+                  <a:schemeClr val="tx1"/>
+                </a:solidFill>
+                <a:latin typeface="+mn-lt"/>
+                <a:ea typeface="+mn-ea"/>
+                <a:cs typeface="+mn-cs"/>
+              </a:defRPr>
+            </a:lvl7pPr>
+            <a:lvl8pPr marL="3856990" indent="-257175" algn="l" defTabSz="1028065" rtl="0" eaLnBrk="1" latinLnBrk="0" hangingPunct="1">
+              <a:spcBef>
+                <a:spcPct val="20000"/>
+              </a:spcBef>
+              <a:buFont typeface="Arial" panose="020B0604020202020204" pitchFamily="34" charset="0"/>
+              <a:buChar char="•"/>
+              <a:defRPr sz="2200" kern="1200">
+                <a:solidFill>
+                  <a:schemeClr val="tx1"/>
+                </a:solidFill>
+                <a:latin typeface="+mn-lt"/>
+                <a:ea typeface="+mn-ea"/>
+                <a:cs typeface="+mn-cs"/>
+              </a:defRPr>
+            </a:lvl8pPr>
+            <a:lvl9pPr marL="4371340" indent="-257175" algn="l" defTabSz="1028065" rtl="0" eaLnBrk="1" latinLnBrk="0" hangingPunct="1">
+              <a:spcBef>
+                <a:spcPct val="20000"/>
+              </a:spcBef>
+              <a:buFont typeface="Arial" panose="020B0604020202020204" pitchFamily="34" charset="0"/>
+              <a:buChar char="•"/>
+              <a:defRPr sz="2200" kern="1200">
+                <a:solidFill>
+                  <a:schemeClr val="tx1"/>
+                </a:solidFill>
+                <a:latin typeface="+mn-lt"/>
+                <a:ea typeface="+mn-ea"/>
+                <a:cs typeface="+mn-cs"/>
+              </a:defRPr>
+            </a:lvl9pPr>
+          </a:lstStyle>
+          <a:p>
+            <a:pPr algn="ctr"/>
+            <a:endParaRPr lang="en-US" altLang="zh-CN" sz="6600" dirty="0">
+              <a:solidFill>
+                <a:schemeClr val="tx1">
+                  <a:lumMod val="85000"/>
+                  <a:lumOff val="15000"/>
+                </a:schemeClr>
+              </a:solidFill>
+              <a:latin typeface="Wawati SC" pitchFamily="82" charset="-122"/>
+              <a:ea typeface="Wawati SC" pitchFamily="82" charset="-122"/>
+              <a:cs typeface="+mn-ea"/>
+              <a:sym typeface="+mn-lt"/>
+            </a:endParaRPr>
+          </a:p>
+        </p:txBody>
+      </p:sp>
+      <p:sp>
+        <p:nvSpPr>
+          <p:cNvPr id="6" name="文本框 5">
+            <a:extLst>
+              <a:ext uri="{FF2B5EF4-FFF2-40B4-BE49-F238E27FC236}">
+                <a16:creationId xmlns:a16="http://schemas.microsoft.com/office/drawing/2014/main" id="{7F8629B9-B787-CC49-991B-6C91BFAD7C17}"/>
+              </a:ext>
+            </a:extLst>
+          </p:cNvPr>
+          <p:cNvSpPr txBox="1"/>
+          <p:nvPr/>
+        </p:nvSpPr>
+        <p:spPr>
+          <a:xfrm>
+            <a:off x="3047999" y="5332214"/>
+            <a:ext cx="6096000" cy="369332"/>
+          </a:xfrm>
+          <a:prstGeom prst="rect">
+            <a:avLst/>
+          </a:prstGeom>
+          <a:noFill/>
+        </p:spPr>
+        <p:txBody>
+          <a:bodyPr wrap="square">
+            <a:spAutoFit/>
+          </a:bodyPr>
+          <a:lstStyle/>
+          <a:p>
+            <a:pPr algn="ctr"/>
+            <a:r>
+              <a:rPr lang="zh-CN" altLang="en-US" sz="1800" dirty="0">
+                <a:solidFill>
+                  <a:schemeClr val="tx1">
+                    <a:lumMod val="85000"/>
+                    <a:lumOff val="15000"/>
+                  </a:schemeClr>
+                </a:solidFill>
+                <a:latin typeface="Xingkai SC Light" panose="02010600040101010101" pitchFamily="2" charset="-122"/>
+                <a:ea typeface="Xingkai SC Light" panose="02010600040101010101" pitchFamily="2" charset="-122"/>
+                <a:cs typeface="+mn-ea"/>
+                <a:sym typeface="+mn-lt"/>
+              </a:rPr>
+              <a:t>迪米特法则原则</a:t>
+            </a:r>
+            <a:endParaRPr lang="zh-CN" altLang="en-US" sz="1000" dirty="0">
+              <a:solidFill>
+                <a:schemeClr val="tx1">
+                  <a:lumMod val="85000"/>
+                  <a:lumOff val="15000"/>
+                </a:schemeClr>
+              </a:solidFill>
+              <a:latin typeface="Xingkai SC Light" panose="02010600040101010101" pitchFamily="2" charset="-122"/>
+              <a:ea typeface="Xingkai SC Light" panose="02010600040101010101" pitchFamily="2" charset="-122"/>
+              <a:cs typeface="+mn-ea"/>
+              <a:sym typeface="+mn-lt"/>
+            </a:endParaRPr>
+          </a:p>
+        </p:txBody>
+      </p:sp>
+      <p:grpSp>
+        <p:nvGrpSpPr>
+          <p:cNvPr id="7" name="组合 6">
+            <a:extLst>
+              <a:ext uri="{FF2B5EF4-FFF2-40B4-BE49-F238E27FC236}">
+                <a16:creationId xmlns:a16="http://schemas.microsoft.com/office/drawing/2014/main" id="{0A3B3EBB-8DCB-A849-B1A7-CFA5EB488E13}"/>
+              </a:ext>
+            </a:extLst>
+          </p:cNvPr>
+          <p:cNvGrpSpPr/>
+          <p:nvPr/>
+        </p:nvGrpSpPr>
+        <p:grpSpPr>
+          <a:xfrm>
+            <a:off x="2926079" y="-109728"/>
+            <a:ext cx="6339841" cy="7174894"/>
+            <a:chOff x="2926079" y="0"/>
+            <a:chExt cx="6339841" cy="7174894"/>
+          </a:xfrm>
+        </p:grpSpPr>
+        <p:pic>
+          <p:nvPicPr>
+            <p:cNvPr id="8" name="图片 7">
+              <a:extLst>
+                <a:ext uri="{FF2B5EF4-FFF2-40B4-BE49-F238E27FC236}">
+                  <a16:creationId xmlns:a16="http://schemas.microsoft.com/office/drawing/2014/main" id="{A32C34E6-B517-A841-BA5A-0D92AC4C8DEC}"/>
+                </a:ext>
+              </a:extLst>
+            </p:cNvPr>
+            <p:cNvPicPr>
+              <a:picLocks noChangeAspect="1"/>
+            </p:cNvPicPr>
+            <p:nvPr/>
+          </p:nvPicPr>
+          <p:blipFill>
+            <a:blip r:embed="rId3"/>
+            <a:stretch>
+              <a:fillRect/>
+            </a:stretch>
+          </p:blipFill>
+          <p:spPr>
+            <a:xfrm>
+              <a:off x="3339384" y="0"/>
+              <a:ext cx="5513232" cy="1340343"/>
+            </a:xfrm>
+            <a:prstGeom prst="rect">
+              <a:avLst/>
+            </a:prstGeom>
+          </p:spPr>
+        </p:pic>
+        <p:pic>
+          <p:nvPicPr>
+            <p:cNvPr id="9" name="图片 8">
+              <a:extLst>
+                <a:ext uri="{FF2B5EF4-FFF2-40B4-BE49-F238E27FC236}">
+                  <a16:creationId xmlns:a16="http://schemas.microsoft.com/office/drawing/2014/main" id="{61893400-53A8-1D40-8999-D8BC26758C48}"/>
+                </a:ext>
+              </a:extLst>
+            </p:cNvPr>
+            <p:cNvPicPr>
+              <a:picLocks noChangeAspect="1"/>
+            </p:cNvPicPr>
+            <p:nvPr/>
+          </p:nvPicPr>
+          <p:blipFill>
+            <a:blip r:embed="rId4"/>
+            <a:stretch>
+              <a:fillRect/>
+            </a:stretch>
+          </p:blipFill>
+          <p:spPr>
+            <a:xfrm>
+              <a:off x="3339384" y="1340344"/>
+              <a:ext cx="5513232" cy="1333740"/>
+            </a:xfrm>
+            <a:prstGeom prst="rect">
+              <a:avLst/>
+            </a:prstGeom>
+          </p:spPr>
+        </p:pic>
+        <p:pic>
+          <p:nvPicPr>
+            <p:cNvPr id="10" name="图片 9">
+              <a:extLst>
+                <a:ext uri="{FF2B5EF4-FFF2-40B4-BE49-F238E27FC236}">
+                  <a16:creationId xmlns:a16="http://schemas.microsoft.com/office/drawing/2014/main" id="{B4FA7EB1-3E09-9B42-895D-1596CE39F6CF}"/>
+                </a:ext>
+              </a:extLst>
+            </p:cNvPr>
+            <p:cNvPicPr>
+              <a:picLocks noChangeAspect="1"/>
+            </p:cNvPicPr>
+            <p:nvPr/>
+          </p:nvPicPr>
+          <p:blipFill>
+            <a:blip r:embed="rId5"/>
+            <a:stretch>
+              <a:fillRect/>
+            </a:stretch>
+          </p:blipFill>
+          <p:spPr>
+            <a:xfrm>
+              <a:off x="2926079" y="2674084"/>
+              <a:ext cx="6339841" cy="1617981"/>
+            </a:xfrm>
+            <a:prstGeom prst="rect">
+              <a:avLst/>
+            </a:prstGeom>
+          </p:spPr>
+        </p:pic>
+        <p:pic>
+          <p:nvPicPr>
+            <p:cNvPr id="11" name="图片 10">
+              <a:extLst>
+                <a:ext uri="{FF2B5EF4-FFF2-40B4-BE49-F238E27FC236}">
+                  <a16:creationId xmlns:a16="http://schemas.microsoft.com/office/drawing/2014/main" id="{F789A2CC-EC3E-1F4F-92BE-CDA8DD6497AA}"/>
+                </a:ext>
+              </a:extLst>
+            </p:cNvPr>
+            <p:cNvPicPr>
+              <a:picLocks noChangeAspect="1"/>
+            </p:cNvPicPr>
+            <p:nvPr/>
+          </p:nvPicPr>
+          <p:blipFill>
+            <a:blip r:embed="rId6"/>
+            <a:stretch>
+              <a:fillRect/>
+            </a:stretch>
+          </p:blipFill>
+          <p:spPr>
+            <a:xfrm>
+              <a:off x="3085338" y="4292065"/>
+              <a:ext cx="2669286" cy="2847239"/>
+            </a:xfrm>
+            <a:prstGeom prst="rect">
+              <a:avLst/>
+            </a:prstGeom>
+          </p:spPr>
+        </p:pic>
+        <p:pic>
+          <p:nvPicPr>
+            <p:cNvPr id="12" name="图片 11">
+              <a:extLst>
+                <a:ext uri="{FF2B5EF4-FFF2-40B4-BE49-F238E27FC236}">
+                  <a16:creationId xmlns:a16="http://schemas.microsoft.com/office/drawing/2014/main" id="{3D156A68-8BDF-774E-A16E-CC9F7D2B2C4E}"/>
+                </a:ext>
+              </a:extLst>
+            </p:cNvPr>
+            <p:cNvPicPr>
+              <a:picLocks noChangeAspect="1"/>
+            </p:cNvPicPr>
+            <p:nvPr/>
+          </p:nvPicPr>
+          <p:blipFill>
+            <a:blip r:embed="rId7"/>
+            <a:stretch>
+              <a:fillRect/>
+            </a:stretch>
+          </p:blipFill>
+          <p:spPr>
+            <a:xfrm>
+              <a:off x="6473954" y="4292065"/>
+              <a:ext cx="2669286" cy="2882829"/>
+            </a:xfrm>
+            <a:prstGeom prst="rect">
+              <a:avLst/>
+            </a:prstGeom>
+          </p:spPr>
+        </p:pic>
+      </p:grpSp>
+      <p:sp>
+        <p:nvSpPr>
+          <p:cNvPr id="13" name="圆角矩形 12">
+            <a:extLst>
+              <a:ext uri="{FF2B5EF4-FFF2-40B4-BE49-F238E27FC236}">
+                <a16:creationId xmlns:a16="http://schemas.microsoft.com/office/drawing/2014/main" id="{1CDDE813-4415-0648-91DE-5E82C07B7EAC}"/>
+              </a:ext>
+            </a:extLst>
+          </p:cNvPr>
+          <p:cNvSpPr/>
+          <p:nvPr/>
+        </p:nvSpPr>
+        <p:spPr>
+          <a:xfrm rot="2714456">
+            <a:off x="5365236" y="4485021"/>
+            <a:ext cx="1461526" cy="1461526"/>
+          </a:xfrm>
+          <a:prstGeom prst="roundRect">
+            <a:avLst>
+              <a:gd name="adj" fmla="val 17165"/>
+            </a:avLst>
+          </a:prstGeom>
+          <a:gradFill>
+            <a:gsLst>
+              <a:gs pos="0">
+                <a:srgbClr val="C00000">
+                  <a:shade val="30000"/>
+                  <a:satMod val="115000"/>
+                </a:srgbClr>
+              </a:gs>
+              <a:gs pos="24000">
+                <a:srgbClr val="C00000">
+                  <a:shade val="67500"/>
+                  <a:satMod val="115000"/>
+                </a:srgbClr>
+              </a:gs>
+              <a:gs pos="41000">
+                <a:srgbClr val="C00000">
+                  <a:shade val="100000"/>
+                  <a:satMod val="115000"/>
+                </a:srgbClr>
+              </a:gs>
+            </a:gsLst>
+            <a:lin ang="13800000" scaled="0"/>
+          </a:gradFill>
+          <a:ln>
+            <a:noFill/>
+          </a:ln>
+          <a:effectLst>
+            <a:outerShdw blurRad="50800" dist="38100" dir="2700000" algn="tl" rotWithShape="0">
+              <a:prstClr val="black">
+                <a:alpha val="40000"/>
+              </a:prstClr>
+            </a:outerShdw>
+          </a:effectLst>
+        </p:spPr>
+        <p:style>
+          <a:lnRef idx="2">
+            <a:schemeClr val="accent1">
+              <a:shade val="50000"/>
+            </a:schemeClr>
+          </a:lnRef>
+          <a:fillRef idx="1">
+            <a:schemeClr val="accent1"/>
+          </a:fillRef>
+          <a:effectRef idx="0">
+            <a:schemeClr val="accent1"/>
+          </a:effectRef>
+          <a:fontRef idx="minor">
+            <a:schemeClr val="lt1"/>
+          </a:fontRef>
+        </p:style>
+        <p:txBody>
+          <a:bodyPr rtlCol="0" anchor="ctr"/>
+          <a:lstStyle/>
+          <a:p>
+            <a:pPr algn="ctr"/>
+            <a:endParaRPr kumimoji="1" lang="zh-CN" altLang="en-US"/>
+          </a:p>
+        </p:txBody>
+      </p:sp>
+      <p:pic>
+        <p:nvPicPr>
+          <p:cNvPr id="14" name="图片 13">
+            <a:extLst>
+              <a:ext uri="{FF2B5EF4-FFF2-40B4-BE49-F238E27FC236}">
+                <a16:creationId xmlns:a16="http://schemas.microsoft.com/office/drawing/2014/main" id="{D9719BF0-F8E7-D346-ACB5-5F330A4FE5A5}"/>
+              </a:ext>
+            </a:extLst>
+          </p:cNvPr>
+          <p:cNvPicPr>
+            <a:picLocks noChangeAspect="1"/>
+          </p:cNvPicPr>
+          <p:nvPr/>
+        </p:nvPicPr>
+        <p:blipFill>
+          <a:blip r:embed="rId8"/>
+          <a:stretch>
+            <a:fillRect/>
+          </a:stretch>
+        </p:blipFill>
+        <p:spPr>
+          <a:xfrm>
+            <a:off x="5967729" y="4495518"/>
+            <a:ext cx="256542" cy="256542"/>
+          </a:xfrm>
+          <a:prstGeom prst="rect">
+            <a:avLst/>
+          </a:prstGeom>
+        </p:spPr>
+      </p:pic>
+      <p:sp>
+        <p:nvSpPr>
+          <p:cNvPr id="15" name="文本框 14">
+            <a:extLst>
+              <a:ext uri="{FF2B5EF4-FFF2-40B4-BE49-F238E27FC236}">
+                <a16:creationId xmlns:a16="http://schemas.microsoft.com/office/drawing/2014/main" id="{0114A935-51F8-3E48-A0F7-887ADCD77C34}"/>
+              </a:ext>
+            </a:extLst>
+          </p:cNvPr>
+          <p:cNvSpPr txBox="1"/>
+          <p:nvPr/>
+        </p:nvSpPr>
+        <p:spPr>
+          <a:xfrm>
+            <a:off x="5286979" y="4963509"/>
+            <a:ext cx="1654620" cy="307777"/>
+          </a:xfrm>
+          <a:prstGeom prst="rect">
+            <a:avLst/>
+          </a:prstGeom>
+          <a:noFill/>
+        </p:spPr>
+        <p:txBody>
+          <a:bodyPr wrap="none" rtlCol="0">
+            <a:spAutoFit/>
+          </a:bodyPr>
+          <a:lstStyle/>
+          <a:p>
+            <a:r>
+              <a:rPr kumimoji="1" lang="zh-CN" altLang="en-US" sz="1400" b="1" dirty="0">
+                <a:solidFill>
+                  <a:schemeClr val="bg1"/>
+                </a:solidFill>
+                <a:latin typeface="PingFang SC" panose="020B0400000000000000" pitchFamily="34" charset="-122"/>
+                <a:ea typeface="PingFang SC" panose="020B0400000000000000" pitchFamily="34" charset="-122"/>
+              </a:rPr>
+              <a:t>重学</a:t>
+            </a:r>
+            <a:r>
+              <a:rPr kumimoji="1" lang="en-US" altLang="zh-CN" sz="1400" b="1" dirty="0">
+                <a:solidFill>
+                  <a:schemeClr val="bg1"/>
+                </a:solidFill>
+                <a:latin typeface="PingFang SC" panose="020B0400000000000000" pitchFamily="34" charset="-122"/>
+                <a:ea typeface="PingFang SC" panose="020B0400000000000000" pitchFamily="34" charset="-122"/>
+              </a:rPr>
+              <a:t>Java</a:t>
+            </a:r>
+            <a:r>
+              <a:rPr kumimoji="1" lang="zh-CN" altLang="en-US" sz="1400" b="1" dirty="0">
+                <a:solidFill>
+                  <a:schemeClr val="bg1"/>
+                </a:solidFill>
+                <a:latin typeface="PingFang SC" panose="020B0400000000000000" pitchFamily="34" charset="-122"/>
+                <a:ea typeface="PingFang SC" panose="020B0400000000000000" pitchFamily="34" charset="-122"/>
+              </a:rPr>
+              <a:t>设计模式</a:t>
+            </a:r>
+          </a:p>
+        </p:txBody>
+      </p:sp>
+      <p:sp>
+        <p:nvSpPr>
+          <p:cNvPr id="16" name="文本框 15">
+            <a:extLst>
+              <a:ext uri="{FF2B5EF4-FFF2-40B4-BE49-F238E27FC236}">
+                <a16:creationId xmlns:a16="http://schemas.microsoft.com/office/drawing/2014/main" id="{21077201-E258-E94C-8F2C-D7857B80F04C}"/>
+              </a:ext>
+            </a:extLst>
+          </p:cNvPr>
+          <p:cNvSpPr txBox="1"/>
+          <p:nvPr/>
+        </p:nvSpPr>
+        <p:spPr>
+          <a:xfrm>
+            <a:off x="5286979" y="5200780"/>
+            <a:ext cx="1766327" cy="369332"/>
+          </a:xfrm>
+          <a:prstGeom prst="rect">
+            <a:avLst/>
+          </a:prstGeom>
+          <a:noFill/>
+        </p:spPr>
+        <p:txBody>
+          <a:bodyPr wrap="square">
+            <a:spAutoFit/>
+          </a:bodyPr>
+          <a:lstStyle/>
+          <a:p>
+            <a:r>
+              <a:rPr lang="zh-CN" altLang="en-US" dirty="0">
+                <a:solidFill>
+                  <a:schemeClr val="bg1"/>
+                </a:solidFill>
+                <a:latin typeface="Nanum Brush Script" panose="03060600000000000000" pitchFamily="66" charset="-127"/>
+              </a:rPr>
+              <a:t>CodeDesignTutorials</a:t>
+            </a:r>
+          </a:p>
+        </p:txBody>
+      </p:sp>
+      <p:sp>
+        <p:nvSpPr>
+          <p:cNvPr id="17" name="圆角矩形 16">
+            <a:extLst>
+              <a:ext uri="{FF2B5EF4-FFF2-40B4-BE49-F238E27FC236}">
+                <a16:creationId xmlns:a16="http://schemas.microsoft.com/office/drawing/2014/main" id="{9329DCFD-83B7-EC47-873E-9D9368891F7A}"/>
+              </a:ext>
+            </a:extLst>
+          </p:cNvPr>
+          <p:cNvSpPr/>
+          <p:nvPr/>
+        </p:nvSpPr>
+        <p:spPr>
+          <a:xfrm>
+            <a:off x="5205983" y="5973333"/>
+            <a:ext cx="1780032" cy="367643"/>
+          </a:xfrm>
+          <a:prstGeom prst="roundRect">
+            <a:avLst/>
+          </a:prstGeom>
+          <a:solidFill>
+            <a:srgbClr val="A80100"/>
+          </a:solidFill>
+          <a:ln>
+            <a:solidFill>
+              <a:srgbClr val="C00000"/>
+            </a:solidFill>
+          </a:ln>
+          <a:effectLst>
+            <a:outerShdw blurRad="50800" dist="38100" dir="5400000" algn="t" rotWithShape="0">
+              <a:prstClr val="black">
+                <a:alpha val="40000"/>
+              </a:prstClr>
+            </a:outerShdw>
+          </a:effectLst>
+        </p:spPr>
+        <p:style>
+          <a:lnRef idx="2">
+            <a:schemeClr val="accent1">
+              <a:shade val="50000"/>
+            </a:schemeClr>
+          </a:lnRef>
+          <a:fillRef idx="1">
+            <a:schemeClr val="accent1"/>
+          </a:fillRef>
+          <a:effectRef idx="0">
+            <a:schemeClr val="accent1"/>
+          </a:effectRef>
+          <a:fontRef idx="minor">
+            <a:schemeClr val="lt1"/>
+          </a:fontRef>
+        </p:style>
+        <p:txBody>
+          <a:bodyPr rtlCol="0" anchor="ctr"/>
+          <a:lstStyle/>
+          <a:p>
+            <a:pPr algn="ctr"/>
+            <a:r>
+              <a:rPr kumimoji="1" lang="zh-CN" altLang="en-US" sz="1400" dirty="0">
+                <a:latin typeface="PingFang SC" panose="020B0400000000000000" pitchFamily="34" charset="-122"/>
+                <a:ea typeface="PingFang SC" panose="020B0400000000000000" pitchFamily="34" charset="-122"/>
+              </a:rPr>
+              <a:t>小傅哥，带你卷！</a:t>
+            </a:r>
+          </a:p>
+        </p:txBody>
+      </p:sp>
+      <p:cxnSp>
+        <p:nvCxnSpPr>
+          <p:cNvPr id="18" name="直线连接符 17">
+            <a:extLst>
+              <a:ext uri="{FF2B5EF4-FFF2-40B4-BE49-F238E27FC236}">
+                <a16:creationId xmlns:a16="http://schemas.microsoft.com/office/drawing/2014/main" id="{3F260CF0-93B3-E640-9B28-95FE18AD4AEE}"/>
+              </a:ext>
+            </a:extLst>
+          </p:cNvPr>
+          <p:cNvCxnSpPr/>
+          <p:nvPr/>
+        </p:nvCxnSpPr>
+        <p:spPr>
+          <a:xfrm>
+            <a:off x="5231126" y="5959886"/>
+            <a:ext cx="1754889" cy="0"/>
+          </a:xfrm>
+          <a:prstGeom prst="line">
+            <a:avLst/>
+          </a:prstGeom>
+          <a:ln w="19050">
+            <a:solidFill>
+              <a:schemeClr val="bg1"/>
+            </a:solidFill>
+          </a:ln>
+        </p:spPr>
+        <p:style>
+          <a:lnRef idx="1">
+            <a:schemeClr val="accent1"/>
+          </a:lnRef>
+          <a:fillRef idx="0">
+            <a:schemeClr val="accent1"/>
+          </a:fillRef>
+          <a:effectRef idx="0">
+            <a:schemeClr val="accent1"/>
+          </a:effectRef>
+          <a:fontRef idx="minor">
+            <a:schemeClr val="tx1"/>
+          </a:fontRef>
+        </p:style>
+      </p:cxnSp>
+      <p:sp>
+        <p:nvSpPr>
+          <p:cNvPr id="19" name="圆角矩形 18">
+            <a:extLst>
+              <a:ext uri="{FF2B5EF4-FFF2-40B4-BE49-F238E27FC236}">
+                <a16:creationId xmlns:a16="http://schemas.microsoft.com/office/drawing/2014/main" id="{C1025C4F-698A-2546-8CFA-E7E5175E7BAA}"/>
+              </a:ext>
+            </a:extLst>
+          </p:cNvPr>
+          <p:cNvSpPr/>
+          <p:nvPr/>
+        </p:nvSpPr>
+        <p:spPr>
+          <a:xfrm>
+            <a:off x="0" y="-19454"/>
+            <a:ext cx="12192000" cy="6877454"/>
+          </a:xfrm>
+          <a:prstGeom prst="roundRect">
+            <a:avLst>
+              <a:gd name="adj" fmla="val 9324"/>
+            </a:avLst>
+          </a:prstGeom>
+          <a:solidFill>
+            <a:schemeClr val="bg1">
+              <a:alpha val="92977"/>
+            </a:schemeClr>
+          </a:solidFill>
+          <a:ln>
+            <a:noFill/>
+          </a:ln>
+        </p:spPr>
+        <p:style>
+          <a:lnRef idx="2">
+            <a:schemeClr val="accent1">
+              <a:shade val="50000"/>
+            </a:schemeClr>
+          </a:lnRef>
+          <a:fillRef idx="1">
+            <a:schemeClr val="accent1"/>
+          </a:fillRef>
+          <a:effectRef idx="0">
+            <a:schemeClr val="accent1"/>
+          </a:effectRef>
+          <a:fontRef idx="minor">
+            <a:schemeClr val="lt1"/>
+          </a:fontRef>
+        </p:style>
+        <p:txBody>
+          <a:bodyPr rtlCol="0" anchor="ctr"/>
+          <a:lstStyle/>
+          <a:p>
+            <a:pPr algn="ctr"/>
+            <a:r>
+              <a:rPr lang="zh-CN" altLang="en-US" sz="6600" b="1" dirty="0">
+                <a:solidFill>
+                  <a:schemeClr val="tx1">
+                    <a:lumMod val="85000"/>
+                    <a:lumOff val="15000"/>
+                  </a:schemeClr>
+                </a:solidFill>
+                <a:latin typeface="Wawati SC" pitchFamily="82" charset="-122"/>
+                <a:ea typeface="Wawati SC" pitchFamily="82" charset="-122"/>
+                <a:cs typeface="+mn-ea"/>
+                <a:sym typeface="+mn-lt"/>
+              </a:rPr>
+              <a:t>第</a:t>
+            </a:r>
+            <a:r>
+              <a:rPr lang="en-US" altLang="zh-CN" sz="6600" b="1" dirty="0">
+                <a:solidFill>
+                  <a:schemeClr val="tx1">
+                    <a:lumMod val="85000"/>
+                    <a:lumOff val="15000"/>
+                  </a:schemeClr>
+                </a:solidFill>
+                <a:latin typeface="Wawati SC" pitchFamily="82" charset="-122"/>
+                <a:ea typeface="Wawati SC" pitchFamily="82" charset="-122"/>
+                <a:cs typeface="+mn-ea"/>
+                <a:sym typeface="+mn-lt"/>
+              </a:rPr>
+              <a:t>2</a:t>
+            </a:r>
+            <a:r>
+              <a:rPr lang="zh-CN" altLang="en-US" sz="6600" b="1" dirty="0">
+                <a:solidFill>
+                  <a:schemeClr val="tx1">
+                    <a:lumMod val="85000"/>
+                    <a:lumOff val="15000"/>
+                  </a:schemeClr>
+                </a:solidFill>
+                <a:latin typeface="Wawati SC" pitchFamily="82" charset="-122"/>
+                <a:ea typeface="Wawati SC" pitchFamily="82" charset="-122"/>
+                <a:cs typeface="+mn-ea"/>
+                <a:sym typeface="+mn-lt"/>
+              </a:rPr>
+              <a:t>章 六大设计原则</a:t>
+            </a:r>
+            <a:endParaRPr lang="en-US" altLang="zh-CN" sz="6600" b="1" dirty="0">
+              <a:solidFill>
+                <a:schemeClr val="tx1">
+                  <a:lumMod val="85000"/>
+                  <a:lumOff val="15000"/>
+                </a:schemeClr>
+              </a:solidFill>
+              <a:latin typeface="Wawati SC" pitchFamily="82" charset="-122"/>
+              <a:ea typeface="Wawati SC" pitchFamily="82" charset="-122"/>
+              <a:cs typeface="+mn-ea"/>
+              <a:sym typeface="+mn-lt"/>
+            </a:endParaRPr>
+          </a:p>
+        </p:txBody>
+      </p:sp>
+      <p:pic>
+        <p:nvPicPr>
+          <p:cNvPr id="20" name="图片 19">
+            <a:extLst>
+              <a:ext uri="{FF2B5EF4-FFF2-40B4-BE49-F238E27FC236}">
+                <a16:creationId xmlns:a16="http://schemas.microsoft.com/office/drawing/2014/main" id="{F677A7BD-381D-A240-AC80-3C004D55C334}"/>
+              </a:ext>
+            </a:extLst>
+          </p:cNvPr>
+          <p:cNvPicPr>
+            <a:picLocks noChangeAspect="1"/>
+          </p:cNvPicPr>
+          <p:nvPr/>
+        </p:nvPicPr>
+        <p:blipFill>
+          <a:blip r:embed="rId9"/>
+          <a:stretch>
+            <a:fillRect/>
+          </a:stretch>
+        </p:blipFill>
+        <p:spPr>
+          <a:xfrm>
+            <a:off x="588190" y="863291"/>
+            <a:ext cx="2067560" cy="2067560"/>
+          </a:xfrm>
+          <a:prstGeom prst="rect">
+            <a:avLst/>
+          </a:prstGeom>
+        </p:spPr>
+      </p:pic>
+      <p:pic>
+        <p:nvPicPr>
+          <p:cNvPr id="21" name="图片 20">
+            <a:extLst>
+              <a:ext uri="{FF2B5EF4-FFF2-40B4-BE49-F238E27FC236}">
+                <a16:creationId xmlns:a16="http://schemas.microsoft.com/office/drawing/2014/main" id="{EB47E011-0F23-0642-934B-3514E5A4AF8A}"/>
+              </a:ext>
+            </a:extLst>
+          </p:cNvPr>
+          <p:cNvPicPr>
+            <a:picLocks noChangeAspect="1"/>
+          </p:cNvPicPr>
+          <p:nvPr/>
+        </p:nvPicPr>
+        <p:blipFill>
+          <a:blip r:embed="rId10"/>
+          <a:stretch>
+            <a:fillRect/>
+          </a:stretch>
+        </p:blipFill>
+        <p:spPr>
+          <a:xfrm>
+            <a:off x="8873147" y="3855301"/>
+            <a:ext cx="2107320" cy="2067560"/>
+          </a:xfrm>
+          <a:prstGeom prst="rect">
+            <a:avLst/>
+          </a:prstGeom>
+        </p:spPr>
+      </p:pic>
+      <p:sp>
+        <p:nvSpPr>
+          <p:cNvPr id="22" name="文本框 21">
+            <a:extLst>
+              <a:ext uri="{FF2B5EF4-FFF2-40B4-BE49-F238E27FC236}">
+                <a16:creationId xmlns:a16="http://schemas.microsoft.com/office/drawing/2014/main" id="{5E496DAC-FFB3-8E4D-B9CD-2E2F28A0BE81}"/>
+              </a:ext>
+            </a:extLst>
+          </p:cNvPr>
+          <p:cNvSpPr txBox="1"/>
+          <p:nvPr/>
+        </p:nvSpPr>
+        <p:spPr>
+          <a:xfrm>
+            <a:off x="9159492" y="6570858"/>
+            <a:ext cx="2918608" cy="200055"/>
+          </a:xfrm>
+          <a:prstGeom prst="rect">
+            <a:avLst/>
+          </a:prstGeom>
+          <a:noFill/>
+        </p:spPr>
+        <p:txBody>
+          <a:bodyPr wrap="square">
+            <a:spAutoFit/>
+          </a:bodyPr>
+          <a:lstStyle/>
+          <a:p>
+            <a:r>
+              <a:rPr lang="zh-CN" altLang="en-US" sz="700" dirty="0">
+                <a:latin typeface="PingFang SC" panose="020B0400000000000000" pitchFamily="34" charset="-122"/>
+                <a:ea typeface="PingFang SC" panose="020B0400000000000000" pitchFamily="34" charset="-122"/>
+              </a:rPr>
+              <a:t>参考图稿来源：https://refactoringguru.cn</a:t>
+            </a:r>
+          </a:p>
+        </p:txBody>
+      </p:sp>
+      <p:sp>
+        <p:nvSpPr>
+          <p:cNvPr id="23" name="文本框 22">
+            <a:extLst>
+              <a:ext uri="{FF2B5EF4-FFF2-40B4-BE49-F238E27FC236}">
+                <a16:creationId xmlns:a16="http://schemas.microsoft.com/office/drawing/2014/main" id="{4D67C327-A46F-294C-AF78-388412390533}"/>
+              </a:ext>
+            </a:extLst>
+          </p:cNvPr>
+          <p:cNvSpPr txBox="1"/>
+          <p:nvPr/>
+        </p:nvSpPr>
+        <p:spPr>
+          <a:xfrm>
+            <a:off x="4434731" y="4153660"/>
+            <a:ext cx="3849131" cy="646331"/>
+          </a:xfrm>
+          <a:prstGeom prst="rect">
+            <a:avLst/>
+          </a:prstGeom>
+          <a:noFill/>
+        </p:spPr>
+        <p:txBody>
+          <a:bodyPr wrap="none" rtlCol="0">
+            <a:spAutoFit/>
+          </a:bodyPr>
+          <a:lstStyle/>
+          <a:p>
+            <a:r>
+              <a:rPr kumimoji="1" lang="en-US" altLang="zh-CN" sz="3600" dirty="0">
+                <a:solidFill>
+                  <a:schemeClr val="tx1">
+                    <a:lumMod val="75000"/>
+                    <a:lumOff val="25000"/>
+                  </a:schemeClr>
+                </a:solidFill>
+                <a:latin typeface="Wawati SC" pitchFamily="82" charset="-122"/>
+                <a:ea typeface="Wawati SC" pitchFamily="82" charset="-122"/>
+              </a:rPr>
+              <a:t>2.6</a:t>
+            </a:r>
+            <a:r>
+              <a:rPr kumimoji="1" lang="zh-CN" altLang="en-US" sz="3600" dirty="0">
+                <a:solidFill>
+                  <a:schemeClr val="tx1">
+                    <a:lumMod val="75000"/>
+                    <a:lumOff val="25000"/>
+                  </a:schemeClr>
+                </a:solidFill>
+                <a:latin typeface="Wawati SC" pitchFamily="82" charset="-122"/>
+                <a:ea typeface="Wawati SC" pitchFamily="82" charset="-122"/>
+              </a:rPr>
+              <a:t> 依赖倒置原则</a:t>
+            </a:r>
+          </a:p>
+        </p:txBody>
+      </p:sp>
+    </p:spTree>
+    <p:extLst>
+      <p:ext uri="{BB962C8B-B14F-4D97-AF65-F5344CB8AC3E}">
+        <p14:creationId xmlns:p14="http://schemas.microsoft.com/office/powerpoint/2010/main" val="2853152680"/>
+      </p:ext>
+    </p:extLst>
+  </p:cSld>
+  <p:clrMapOvr>
+    <a:masterClrMapping/>
+  </p:clrMapOvr>
+</p:sld>
+</file>
+
+<file path=ppt/slides/slide17.xml><?xml version="1.0" encoding="utf-8"?>
+<p:sld xmlns:a="http://schemas.openxmlformats.org/drawingml/2006/main" xmlns:r="http://schemas.openxmlformats.org/officeDocument/2006/relationships" xmlns:p="http://schemas.openxmlformats.org/presentationml/2006/main">
+  <p:cSld>
+    <p:spTree>
+      <p:nvGrpSpPr>
+        <p:cNvPr id="1" name=""/>
+        <p:cNvGrpSpPr/>
+        <p:nvPr/>
+      </p:nvGrpSpPr>
+      <p:grpSpPr>
+        <a:xfrm>
+          <a:off x="0" y="0"/>
+          <a:ext cx="0" cy="0"/>
+          <a:chOff x="0" y="0"/>
+          <a:chExt cx="0" cy="0"/>
+        </a:xfrm>
+      </p:grpSpPr>
+      <p:sp>
+        <p:nvSpPr>
+          <p:cNvPr id="4" name="圆角矩形 3">
+            <a:extLst>
+              <a:ext uri="{FF2B5EF4-FFF2-40B4-BE49-F238E27FC236}">
+                <a16:creationId xmlns:a16="http://schemas.microsoft.com/office/drawing/2014/main" id="{5312BB6E-A5F0-244F-B262-654A36816508}"/>
+              </a:ext>
+            </a:extLst>
+          </p:cNvPr>
+          <p:cNvSpPr/>
+          <p:nvPr/>
+        </p:nvSpPr>
+        <p:spPr>
+          <a:xfrm>
+            <a:off x="2787445" y="840658"/>
+            <a:ext cx="1843548" cy="1548581"/>
+          </a:xfrm>
+          <a:prstGeom prst="roundRect">
+            <a:avLst>
+              <a:gd name="adj" fmla="val 8096"/>
+            </a:avLst>
+          </a:prstGeom>
+          <a:solidFill>
+            <a:srgbClr val="DE3D3F"/>
+          </a:solidFill>
+          <a:ln>
+            <a:noFill/>
+          </a:ln>
+        </p:spPr>
+        <p:style>
+          <a:lnRef idx="2">
+            <a:schemeClr val="accent1">
+              <a:shade val="50000"/>
+            </a:schemeClr>
+          </a:lnRef>
+          <a:fillRef idx="1">
+            <a:schemeClr val="accent1"/>
+          </a:fillRef>
+          <a:effectRef idx="0">
+            <a:schemeClr val="accent1"/>
+          </a:effectRef>
+          <a:fontRef idx="minor">
+            <a:schemeClr val="lt1"/>
+          </a:fontRef>
+        </p:style>
+        <p:txBody>
+          <a:bodyPr rtlCol="0" anchor="ctr"/>
+          <a:lstStyle/>
+          <a:p>
+            <a:pPr algn="ctr"/>
+            <a:endParaRPr kumimoji="1" lang="zh-CN" altLang="en-US"/>
+          </a:p>
+        </p:txBody>
+      </p:sp>
+      <p:sp>
+        <p:nvSpPr>
+          <p:cNvPr id="5" name="圆角矩形 4">
+            <a:extLst>
+              <a:ext uri="{FF2B5EF4-FFF2-40B4-BE49-F238E27FC236}">
+                <a16:creationId xmlns:a16="http://schemas.microsoft.com/office/drawing/2014/main" id="{82458C62-F005-0243-9DA8-7B44C3C68279}"/>
+              </a:ext>
+            </a:extLst>
+          </p:cNvPr>
+          <p:cNvSpPr/>
+          <p:nvPr/>
+        </p:nvSpPr>
+        <p:spPr>
+          <a:xfrm>
+            <a:off x="2787445" y="3692013"/>
+            <a:ext cx="1843548" cy="1548581"/>
+          </a:xfrm>
+          <a:prstGeom prst="roundRect">
+            <a:avLst>
+              <a:gd name="adj" fmla="val 8096"/>
+            </a:avLst>
+          </a:prstGeom>
+          <a:solidFill>
+            <a:schemeClr val="accent4">
+              <a:lumMod val="60000"/>
+              <a:lumOff val="40000"/>
+            </a:schemeClr>
+          </a:solidFill>
+          <a:ln>
+            <a:noFill/>
+          </a:ln>
+        </p:spPr>
+        <p:style>
+          <a:lnRef idx="2">
+            <a:schemeClr val="accent1">
+              <a:shade val="50000"/>
+            </a:schemeClr>
+          </a:lnRef>
+          <a:fillRef idx="1">
+            <a:schemeClr val="accent1"/>
+          </a:fillRef>
+          <a:effectRef idx="0">
+            <a:schemeClr val="accent1"/>
+          </a:effectRef>
+          <a:fontRef idx="minor">
+            <a:schemeClr val="lt1"/>
+          </a:fontRef>
+        </p:style>
+        <p:txBody>
+          <a:bodyPr rtlCol="0" anchor="ctr"/>
+          <a:lstStyle/>
+          <a:p>
+            <a:pPr algn="ctr"/>
+            <a:endParaRPr kumimoji="1" lang="zh-CN" altLang="en-US"/>
+          </a:p>
+        </p:txBody>
+      </p:sp>
+      <p:cxnSp>
+        <p:nvCxnSpPr>
+          <p:cNvPr id="7" name="直线箭头连接符 6">
+            <a:extLst>
+              <a:ext uri="{FF2B5EF4-FFF2-40B4-BE49-F238E27FC236}">
+                <a16:creationId xmlns:a16="http://schemas.microsoft.com/office/drawing/2014/main" id="{BAED58CE-4502-4C4F-8BA1-0929D8B5D684}"/>
+              </a:ext>
+            </a:extLst>
+          </p:cNvPr>
+          <p:cNvCxnSpPr>
+            <a:stCxn id="4" idx="2"/>
+            <a:endCxn id="5" idx="0"/>
+          </p:cNvCxnSpPr>
+          <p:nvPr/>
+        </p:nvCxnSpPr>
+        <p:spPr>
+          <a:xfrm>
+            <a:off x="3709219" y="2389239"/>
+            <a:ext cx="0" cy="1302774"/>
+          </a:xfrm>
+          <a:prstGeom prst="straightConnector1">
+            <a:avLst/>
+          </a:prstGeom>
+          <a:ln w="28575">
+            <a:solidFill>
+              <a:srgbClr val="E3443E"/>
+            </a:solidFill>
+            <a:tailEnd type="triangle"/>
+          </a:ln>
+        </p:spPr>
+        <p:style>
+          <a:lnRef idx="1">
+            <a:schemeClr val="accent1"/>
+          </a:lnRef>
+          <a:fillRef idx="0">
+            <a:schemeClr val="accent1"/>
+          </a:fillRef>
+          <a:effectRef idx="0">
+            <a:schemeClr val="accent1"/>
+          </a:effectRef>
+          <a:fontRef idx="minor">
+            <a:schemeClr val="tx1"/>
+          </a:fontRef>
+        </p:style>
+      </p:cxnSp>
+      <p:sp>
+        <p:nvSpPr>
+          <p:cNvPr id="8" name="圆角矩形 7">
+            <a:extLst>
+              <a:ext uri="{FF2B5EF4-FFF2-40B4-BE49-F238E27FC236}">
+                <a16:creationId xmlns:a16="http://schemas.microsoft.com/office/drawing/2014/main" id="{C42C3FD1-9FBB-D24B-A6B9-6AB8BE0EE336}"/>
+              </a:ext>
+            </a:extLst>
+          </p:cNvPr>
+          <p:cNvSpPr/>
+          <p:nvPr/>
+        </p:nvSpPr>
+        <p:spPr>
+          <a:xfrm>
+            <a:off x="7231626" y="840658"/>
+            <a:ext cx="1843548" cy="1548581"/>
+          </a:xfrm>
+          <a:prstGeom prst="roundRect">
+            <a:avLst>
+              <a:gd name="adj" fmla="val 8096"/>
+            </a:avLst>
+          </a:prstGeom>
+          <a:solidFill>
+            <a:srgbClr val="DE3D3F"/>
+          </a:solidFill>
+          <a:ln>
+            <a:noFill/>
+          </a:ln>
+        </p:spPr>
+        <p:style>
+          <a:lnRef idx="2">
+            <a:schemeClr val="accent1">
+              <a:shade val="50000"/>
+            </a:schemeClr>
+          </a:lnRef>
+          <a:fillRef idx="1">
+            <a:schemeClr val="accent1"/>
+          </a:fillRef>
+          <a:effectRef idx="0">
+            <a:schemeClr val="accent1"/>
+          </a:effectRef>
+          <a:fontRef idx="minor">
+            <a:schemeClr val="lt1"/>
+          </a:fontRef>
+        </p:style>
+        <p:txBody>
+          <a:bodyPr rtlCol="0" anchor="ctr"/>
+          <a:lstStyle/>
+          <a:p>
+            <a:pPr algn="ctr"/>
+            <a:endParaRPr kumimoji="1" lang="zh-CN" altLang="en-US"/>
+          </a:p>
+        </p:txBody>
+      </p:sp>
+      <p:sp>
+        <p:nvSpPr>
+          <p:cNvPr id="9" name="圆角矩形 8">
+            <a:extLst>
+              <a:ext uri="{FF2B5EF4-FFF2-40B4-BE49-F238E27FC236}">
+                <a16:creationId xmlns:a16="http://schemas.microsoft.com/office/drawing/2014/main" id="{DDBD74E9-8F80-7E4C-B4EC-C973A9EA8BA7}"/>
+              </a:ext>
+            </a:extLst>
+          </p:cNvPr>
+          <p:cNvSpPr/>
+          <p:nvPr/>
+        </p:nvSpPr>
+        <p:spPr>
+          <a:xfrm>
+            <a:off x="7231626" y="3692013"/>
+            <a:ext cx="1843548" cy="1548581"/>
+          </a:xfrm>
+          <a:prstGeom prst="roundRect">
+            <a:avLst>
+              <a:gd name="adj" fmla="val 8096"/>
+            </a:avLst>
+          </a:prstGeom>
+          <a:solidFill>
+            <a:schemeClr val="accent4">
+              <a:lumMod val="60000"/>
+              <a:lumOff val="40000"/>
+            </a:schemeClr>
+          </a:solidFill>
+          <a:ln>
+            <a:noFill/>
+          </a:ln>
+        </p:spPr>
+        <p:style>
+          <a:lnRef idx="2">
+            <a:schemeClr val="accent1">
+              <a:shade val="50000"/>
+            </a:schemeClr>
+          </a:lnRef>
+          <a:fillRef idx="1">
+            <a:schemeClr val="accent1"/>
+          </a:fillRef>
+          <a:effectRef idx="0">
+            <a:schemeClr val="accent1"/>
+          </a:effectRef>
+          <a:fontRef idx="minor">
+            <a:schemeClr val="lt1"/>
+          </a:fontRef>
+        </p:style>
+        <p:txBody>
+          <a:bodyPr rtlCol="0" anchor="ctr"/>
+          <a:lstStyle/>
+          <a:p>
+            <a:pPr algn="ctr"/>
+            <a:endParaRPr kumimoji="1" lang="zh-CN" altLang="en-US"/>
+          </a:p>
+        </p:txBody>
+      </p:sp>
+      <p:cxnSp>
+        <p:nvCxnSpPr>
+          <p:cNvPr id="12" name="直线箭头连接符 11">
+            <a:extLst>
+              <a:ext uri="{FF2B5EF4-FFF2-40B4-BE49-F238E27FC236}">
+                <a16:creationId xmlns:a16="http://schemas.microsoft.com/office/drawing/2014/main" id="{30142A8F-311F-9641-8865-E76164043F8F}"/>
+              </a:ext>
+            </a:extLst>
+          </p:cNvPr>
+          <p:cNvCxnSpPr>
+            <a:stCxn id="9" idx="0"/>
+            <a:endCxn id="8" idx="2"/>
+          </p:cNvCxnSpPr>
+          <p:nvPr/>
+        </p:nvCxnSpPr>
+        <p:spPr>
+          <a:xfrm flipV="1">
+            <a:off x="8153400" y="2389239"/>
+            <a:ext cx="0" cy="1302774"/>
+          </a:xfrm>
+          <a:prstGeom prst="straightConnector1">
+            <a:avLst/>
+          </a:prstGeom>
+          <a:ln w="28575">
+            <a:solidFill>
+              <a:srgbClr val="FFC000"/>
+            </a:solidFill>
+            <a:tailEnd type="triangle"/>
+          </a:ln>
+        </p:spPr>
+        <p:style>
+          <a:lnRef idx="1">
+            <a:schemeClr val="accent1"/>
+          </a:lnRef>
+          <a:fillRef idx="0">
+            <a:schemeClr val="accent1"/>
+          </a:fillRef>
+          <a:effectRef idx="0">
+            <a:schemeClr val="accent1"/>
+          </a:effectRef>
+          <a:fontRef idx="minor">
+            <a:schemeClr val="tx1"/>
+          </a:fontRef>
+        </p:style>
+      </p:cxnSp>
+      <p:sp>
+        <p:nvSpPr>
+          <p:cNvPr id="13" name="文本框 12">
+            <a:extLst>
+              <a:ext uri="{FF2B5EF4-FFF2-40B4-BE49-F238E27FC236}">
+                <a16:creationId xmlns:a16="http://schemas.microsoft.com/office/drawing/2014/main" id="{26717283-DA79-CE4C-89E9-5319F6BDDB7A}"/>
+              </a:ext>
+            </a:extLst>
+          </p:cNvPr>
+          <p:cNvSpPr txBox="1"/>
+          <p:nvPr/>
+        </p:nvSpPr>
+        <p:spPr>
+          <a:xfrm>
+            <a:off x="3709219" y="2855960"/>
+            <a:ext cx="655949" cy="369332"/>
+          </a:xfrm>
+          <a:prstGeom prst="rect">
+            <a:avLst/>
+          </a:prstGeom>
+          <a:noFill/>
+        </p:spPr>
+        <p:txBody>
+          <a:bodyPr wrap="none" rtlCol="0">
+            <a:spAutoFit/>
+          </a:bodyPr>
+          <a:lstStyle/>
+          <a:p>
+            <a:r>
+              <a:rPr kumimoji="1" lang="zh-CN" altLang="en-US" b="1" dirty="0">
+                <a:latin typeface="Wawati SC" pitchFamily="82" charset="-122"/>
+                <a:ea typeface="Wawati SC" pitchFamily="82" charset="-122"/>
+              </a:rPr>
+              <a:t>依赖</a:t>
+            </a:r>
+          </a:p>
+        </p:txBody>
+      </p:sp>
+      <p:sp>
+        <p:nvSpPr>
+          <p:cNvPr id="14" name="文本框 13">
+            <a:extLst>
+              <a:ext uri="{FF2B5EF4-FFF2-40B4-BE49-F238E27FC236}">
+                <a16:creationId xmlns:a16="http://schemas.microsoft.com/office/drawing/2014/main" id="{406B38BA-84DF-A54E-88F0-69901ADC7328}"/>
+              </a:ext>
+            </a:extLst>
+          </p:cNvPr>
+          <p:cNvSpPr txBox="1"/>
+          <p:nvPr/>
+        </p:nvSpPr>
+        <p:spPr>
+          <a:xfrm>
+            <a:off x="7507069" y="2855960"/>
+            <a:ext cx="655949" cy="369332"/>
+          </a:xfrm>
+          <a:prstGeom prst="rect">
+            <a:avLst/>
+          </a:prstGeom>
+          <a:noFill/>
+        </p:spPr>
+        <p:txBody>
+          <a:bodyPr wrap="none" rtlCol="0">
+            <a:spAutoFit/>
+          </a:bodyPr>
+          <a:lstStyle/>
+          <a:p>
+            <a:r>
+              <a:rPr kumimoji="1" lang="zh-CN" altLang="en-US" b="1" dirty="0">
+                <a:latin typeface="Wawati SC" pitchFamily="82" charset="-122"/>
+                <a:ea typeface="Wawati SC" pitchFamily="82" charset="-122"/>
+              </a:rPr>
+              <a:t>倒置</a:t>
+            </a:r>
+          </a:p>
+        </p:txBody>
+      </p:sp>
+      <p:cxnSp>
+        <p:nvCxnSpPr>
+          <p:cNvPr id="16" name="直线箭头连接符 15">
+            <a:extLst>
+              <a:ext uri="{FF2B5EF4-FFF2-40B4-BE49-F238E27FC236}">
+                <a16:creationId xmlns:a16="http://schemas.microsoft.com/office/drawing/2014/main" id="{6B15A0A0-A3E3-E049-AD7E-726C41226591}"/>
+              </a:ext>
+            </a:extLst>
+          </p:cNvPr>
+          <p:cNvCxnSpPr>
+            <a:stCxn id="13" idx="3"/>
+            <a:endCxn id="14" idx="1"/>
+          </p:cNvCxnSpPr>
+          <p:nvPr/>
+        </p:nvCxnSpPr>
+        <p:spPr>
+          <a:xfrm>
+            <a:off x="4365168" y="3040626"/>
+            <a:ext cx="3141901" cy="0"/>
+          </a:xfrm>
+          <a:prstGeom prst="straightConnector1">
+            <a:avLst/>
+          </a:prstGeom>
+          <a:ln w="28575">
+            <a:solidFill>
+              <a:srgbClr val="FFC000"/>
+            </a:solidFill>
+            <a:prstDash val="dash"/>
+            <a:tailEnd type="triangle"/>
+          </a:ln>
+        </p:spPr>
+        <p:style>
+          <a:lnRef idx="1">
+            <a:schemeClr val="accent1"/>
+          </a:lnRef>
+          <a:fillRef idx="0">
+            <a:schemeClr val="accent1"/>
+          </a:fillRef>
+          <a:effectRef idx="0">
+            <a:schemeClr val="accent1"/>
+          </a:effectRef>
+          <a:fontRef idx="minor">
+            <a:schemeClr val="tx1"/>
+          </a:fontRef>
+        </p:style>
+      </p:cxnSp>
+      <p:sp>
+        <p:nvSpPr>
+          <p:cNvPr id="17" name="圆角矩形 16">
+            <a:extLst>
+              <a:ext uri="{FF2B5EF4-FFF2-40B4-BE49-F238E27FC236}">
+                <a16:creationId xmlns:a16="http://schemas.microsoft.com/office/drawing/2014/main" id="{B76C5FE1-BB24-E848-80F1-F0FE7A5A9E3E}"/>
+              </a:ext>
+            </a:extLst>
+          </p:cNvPr>
+          <p:cNvSpPr/>
+          <p:nvPr/>
+        </p:nvSpPr>
+        <p:spPr>
+          <a:xfrm>
+            <a:off x="2953364" y="1774722"/>
+            <a:ext cx="393291" cy="330365"/>
+          </a:xfrm>
+          <a:prstGeom prst="roundRect">
+            <a:avLst>
+              <a:gd name="adj" fmla="val 8096"/>
+            </a:avLst>
+          </a:prstGeom>
+          <a:solidFill>
+            <a:schemeClr val="accent4">
+              <a:lumMod val="60000"/>
+              <a:lumOff val="40000"/>
+            </a:schemeClr>
+          </a:solidFill>
+          <a:ln>
+            <a:noFill/>
+          </a:ln>
+        </p:spPr>
+        <p:style>
+          <a:lnRef idx="2">
+            <a:schemeClr val="accent1">
+              <a:shade val="50000"/>
+            </a:schemeClr>
+          </a:lnRef>
+          <a:fillRef idx="1">
+            <a:schemeClr val="accent1"/>
+          </a:fillRef>
+          <a:effectRef idx="0">
+            <a:schemeClr val="accent1"/>
+          </a:effectRef>
+          <a:fontRef idx="minor">
+            <a:schemeClr val="lt1"/>
+          </a:fontRef>
+        </p:style>
+        <p:txBody>
+          <a:bodyPr rtlCol="0" anchor="ctr"/>
+          <a:lstStyle/>
+          <a:p>
+            <a:pPr algn="ctr"/>
+            <a:endParaRPr kumimoji="1" lang="zh-CN" altLang="en-US"/>
+          </a:p>
+        </p:txBody>
+      </p:sp>
+      <p:sp>
+        <p:nvSpPr>
+          <p:cNvPr id="18" name="圆角矩形 17">
+            <a:extLst>
+              <a:ext uri="{FF2B5EF4-FFF2-40B4-BE49-F238E27FC236}">
+                <a16:creationId xmlns:a16="http://schemas.microsoft.com/office/drawing/2014/main" id="{DD7BC574-779E-424F-AE39-7D2DBCF734F9}"/>
+              </a:ext>
+            </a:extLst>
+          </p:cNvPr>
+          <p:cNvSpPr/>
+          <p:nvPr/>
+        </p:nvSpPr>
+        <p:spPr>
+          <a:xfrm>
+            <a:off x="3512573" y="1774722"/>
+            <a:ext cx="393291" cy="330365"/>
+          </a:xfrm>
+          <a:prstGeom prst="roundRect">
+            <a:avLst>
+              <a:gd name="adj" fmla="val 8096"/>
+            </a:avLst>
+          </a:prstGeom>
+          <a:solidFill>
+            <a:schemeClr val="accent4">
+              <a:lumMod val="60000"/>
+              <a:lumOff val="40000"/>
+            </a:schemeClr>
+          </a:solidFill>
+          <a:ln>
+            <a:noFill/>
+          </a:ln>
+        </p:spPr>
+        <p:style>
+          <a:lnRef idx="2">
+            <a:schemeClr val="accent1">
+              <a:shade val="50000"/>
+            </a:schemeClr>
+          </a:lnRef>
+          <a:fillRef idx="1">
+            <a:schemeClr val="accent1"/>
+          </a:fillRef>
+          <a:effectRef idx="0">
+            <a:schemeClr val="accent1"/>
+          </a:effectRef>
+          <a:fontRef idx="minor">
+            <a:schemeClr val="lt1"/>
+          </a:fontRef>
+        </p:style>
+        <p:txBody>
+          <a:bodyPr rtlCol="0" anchor="ctr"/>
+          <a:lstStyle/>
+          <a:p>
+            <a:pPr algn="ctr"/>
+            <a:endParaRPr kumimoji="1" lang="zh-CN" altLang="en-US"/>
+          </a:p>
+        </p:txBody>
+      </p:sp>
+      <p:sp>
+        <p:nvSpPr>
+          <p:cNvPr id="19" name="圆角矩形 18">
+            <a:extLst>
+              <a:ext uri="{FF2B5EF4-FFF2-40B4-BE49-F238E27FC236}">
+                <a16:creationId xmlns:a16="http://schemas.microsoft.com/office/drawing/2014/main" id="{2C69B966-020B-324B-BFF8-9A77439EBB9A}"/>
+              </a:ext>
+            </a:extLst>
+          </p:cNvPr>
+          <p:cNvSpPr/>
+          <p:nvPr/>
+        </p:nvSpPr>
+        <p:spPr>
+          <a:xfrm>
+            <a:off x="4066335" y="1767839"/>
+            <a:ext cx="393291" cy="330365"/>
+          </a:xfrm>
+          <a:prstGeom prst="roundRect">
+            <a:avLst>
+              <a:gd name="adj" fmla="val 8096"/>
+            </a:avLst>
+          </a:prstGeom>
+          <a:solidFill>
+            <a:schemeClr val="accent4">
+              <a:lumMod val="60000"/>
+              <a:lumOff val="40000"/>
+            </a:schemeClr>
+          </a:solidFill>
+          <a:ln>
+            <a:noFill/>
+          </a:ln>
+        </p:spPr>
+        <p:style>
+          <a:lnRef idx="2">
+            <a:schemeClr val="accent1">
+              <a:shade val="50000"/>
+            </a:schemeClr>
+          </a:lnRef>
+          <a:fillRef idx="1">
+            <a:schemeClr val="accent1"/>
+          </a:fillRef>
+          <a:effectRef idx="0">
+            <a:schemeClr val="accent1"/>
+          </a:effectRef>
+          <a:fontRef idx="minor">
+            <a:schemeClr val="lt1"/>
+          </a:fontRef>
+        </p:style>
+        <p:txBody>
+          <a:bodyPr rtlCol="0" anchor="ctr"/>
+          <a:lstStyle/>
+          <a:p>
+            <a:pPr algn="ctr"/>
+            <a:endParaRPr kumimoji="1" lang="zh-CN" altLang="en-US"/>
+          </a:p>
+        </p:txBody>
+      </p:sp>
+      <p:sp>
+        <p:nvSpPr>
+          <p:cNvPr id="21" name="圆角矩形 20">
+            <a:extLst>
+              <a:ext uri="{FF2B5EF4-FFF2-40B4-BE49-F238E27FC236}">
+                <a16:creationId xmlns:a16="http://schemas.microsoft.com/office/drawing/2014/main" id="{F90A9D5B-8265-0B46-83C1-9B37EC69EC24}"/>
+              </a:ext>
+            </a:extLst>
+          </p:cNvPr>
+          <p:cNvSpPr/>
+          <p:nvPr/>
+        </p:nvSpPr>
+        <p:spPr>
+          <a:xfrm>
+            <a:off x="7966372" y="1774721"/>
+            <a:ext cx="393291" cy="330365"/>
+          </a:xfrm>
+          <a:prstGeom prst="roundRect">
+            <a:avLst>
+              <a:gd name="adj" fmla="val 8096"/>
+            </a:avLst>
+          </a:prstGeom>
+          <a:solidFill>
+            <a:schemeClr val="bg1">
+              <a:lumMod val="95000"/>
+            </a:schemeClr>
+          </a:solidFill>
+          <a:ln w="3175">
+            <a:solidFill>
+              <a:schemeClr val="bg1"/>
+            </a:solidFill>
+            <a:prstDash val="dash"/>
+          </a:ln>
+        </p:spPr>
+        <p:style>
+          <a:lnRef idx="2">
+            <a:schemeClr val="accent1">
+              <a:shade val="50000"/>
+            </a:schemeClr>
+          </a:lnRef>
+          <a:fillRef idx="1">
+            <a:schemeClr val="accent1"/>
+          </a:fillRef>
+          <a:effectRef idx="0">
+            <a:schemeClr val="accent1"/>
+          </a:effectRef>
+          <a:fontRef idx="minor">
+            <a:schemeClr val="lt1"/>
+          </a:fontRef>
+        </p:style>
+        <p:txBody>
+          <a:bodyPr rtlCol="0" anchor="ctr"/>
+          <a:lstStyle/>
+          <a:p>
+            <a:pPr algn="ctr"/>
+            <a:endParaRPr kumimoji="1" lang="zh-CN" altLang="en-US"/>
+          </a:p>
+        </p:txBody>
+      </p:sp>
+      <p:sp>
+        <p:nvSpPr>
+          <p:cNvPr id="23" name="圆角矩形 22">
+            <a:extLst>
+              <a:ext uri="{FF2B5EF4-FFF2-40B4-BE49-F238E27FC236}">
+                <a16:creationId xmlns:a16="http://schemas.microsoft.com/office/drawing/2014/main" id="{99EA3FB9-35C9-414B-B8B0-C8041A3B077F}"/>
+              </a:ext>
+            </a:extLst>
+          </p:cNvPr>
+          <p:cNvSpPr/>
+          <p:nvPr/>
+        </p:nvSpPr>
+        <p:spPr>
+          <a:xfrm>
+            <a:off x="7956753" y="4304380"/>
+            <a:ext cx="393291" cy="330365"/>
+          </a:xfrm>
+          <a:prstGeom prst="roundRect">
+            <a:avLst>
+              <a:gd name="adj" fmla="val 8096"/>
+            </a:avLst>
+          </a:prstGeom>
+          <a:solidFill>
+            <a:srgbClr val="DE3D3F"/>
+          </a:solidFill>
+          <a:ln w="3175">
+            <a:solidFill>
+              <a:schemeClr val="bg1"/>
+            </a:solidFill>
+            <a:prstDash val="dash"/>
+          </a:ln>
+        </p:spPr>
+        <p:style>
+          <a:lnRef idx="2">
+            <a:schemeClr val="accent1">
+              <a:shade val="50000"/>
+            </a:schemeClr>
+          </a:lnRef>
+          <a:fillRef idx="1">
+            <a:schemeClr val="accent1"/>
+          </a:fillRef>
+          <a:effectRef idx="0">
+            <a:schemeClr val="accent1"/>
+          </a:effectRef>
+          <a:fontRef idx="minor">
+            <a:schemeClr val="lt1"/>
+          </a:fontRef>
+        </p:style>
+        <p:txBody>
+          <a:bodyPr rtlCol="0" anchor="ctr"/>
+          <a:lstStyle/>
+          <a:p>
+            <a:pPr algn="ctr"/>
+            <a:endParaRPr kumimoji="1" lang="zh-CN" altLang="en-US"/>
+          </a:p>
+        </p:txBody>
+      </p:sp>
+      <p:sp>
+        <p:nvSpPr>
+          <p:cNvPr id="24" name="文本框 23">
+            <a:extLst>
+              <a:ext uri="{FF2B5EF4-FFF2-40B4-BE49-F238E27FC236}">
+                <a16:creationId xmlns:a16="http://schemas.microsoft.com/office/drawing/2014/main" id="{C63DA43D-1699-D145-9767-B43A554B8DB5}"/>
+              </a:ext>
+            </a:extLst>
+          </p:cNvPr>
+          <p:cNvSpPr txBox="1"/>
+          <p:nvPr/>
+        </p:nvSpPr>
+        <p:spPr>
+          <a:xfrm>
+            <a:off x="2787445" y="938669"/>
+            <a:ext cx="1843548" cy="461665"/>
+          </a:xfrm>
+          <a:prstGeom prst="rect">
+            <a:avLst/>
+          </a:prstGeom>
+          <a:noFill/>
+        </p:spPr>
+        <p:txBody>
+          <a:bodyPr wrap="square" rtlCol="0">
+            <a:spAutoFit/>
+          </a:bodyPr>
+          <a:lstStyle/>
+          <a:p>
+            <a:pPr algn="ctr"/>
+            <a:r>
+              <a:rPr kumimoji="1" lang="zh-CN" altLang="en-US" sz="2400" b="1" dirty="0">
+                <a:solidFill>
+                  <a:schemeClr val="bg1"/>
+                </a:solidFill>
+                <a:latin typeface="Wawati SC" pitchFamily="82" charset="-122"/>
+                <a:ea typeface="Wawati SC" pitchFamily="82" charset="-122"/>
+              </a:rPr>
+              <a:t>上级</a:t>
+            </a:r>
+          </a:p>
+        </p:txBody>
+      </p:sp>
+      <p:sp>
+        <p:nvSpPr>
+          <p:cNvPr id="25" name="文本框 24">
+            <a:extLst>
+              <a:ext uri="{FF2B5EF4-FFF2-40B4-BE49-F238E27FC236}">
+                <a16:creationId xmlns:a16="http://schemas.microsoft.com/office/drawing/2014/main" id="{D871CB75-5BB3-DD46-ABCF-6B7D96E75E91}"/>
+              </a:ext>
+            </a:extLst>
+          </p:cNvPr>
+          <p:cNvSpPr txBox="1"/>
+          <p:nvPr/>
+        </p:nvSpPr>
+        <p:spPr>
+          <a:xfrm>
+            <a:off x="7231624" y="938669"/>
+            <a:ext cx="1843548" cy="461665"/>
+          </a:xfrm>
+          <a:prstGeom prst="rect">
+            <a:avLst/>
+          </a:prstGeom>
+          <a:noFill/>
+        </p:spPr>
+        <p:txBody>
+          <a:bodyPr wrap="square" rtlCol="0">
+            <a:spAutoFit/>
+          </a:bodyPr>
+          <a:lstStyle/>
+          <a:p>
+            <a:pPr algn="ctr"/>
+            <a:r>
+              <a:rPr kumimoji="1" lang="zh-CN" altLang="en-US" sz="2400" b="1" dirty="0">
+                <a:solidFill>
+                  <a:schemeClr val="bg1"/>
+                </a:solidFill>
+                <a:latin typeface="Wawati SC" pitchFamily="82" charset="-122"/>
+                <a:ea typeface="Wawati SC" pitchFamily="82" charset="-122"/>
+              </a:rPr>
+              <a:t>上级</a:t>
+            </a:r>
+          </a:p>
+        </p:txBody>
+      </p:sp>
+      <p:sp>
+        <p:nvSpPr>
+          <p:cNvPr id="26" name="文本框 25">
+            <a:extLst>
+              <a:ext uri="{FF2B5EF4-FFF2-40B4-BE49-F238E27FC236}">
+                <a16:creationId xmlns:a16="http://schemas.microsoft.com/office/drawing/2014/main" id="{889287B9-A89D-1D4B-B538-FF13D3E894A2}"/>
+              </a:ext>
+            </a:extLst>
+          </p:cNvPr>
+          <p:cNvSpPr txBox="1"/>
+          <p:nvPr/>
+        </p:nvSpPr>
+        <p:spPr>
+          <a:xfrm>
+            <a:off x="2787445" y="3774915"/>
+            <a:ext cx="1843548" cy="461665"/>
+          </a:xfrm>
+          <a:prstGeom prst="rect">
+            <a:avLst/>
+          </a:prstGeom>
+          <a:noFill/>
+        </p:spPr>
+        <p:txBody>
+          <a:bodyPr wrap="square" rtlCol="0">
+            <a:spAutoFit/>
+          </a:bodyPr>
+          <a:lstStyle/>
+          <a:p>
+            <a:pPr algn="ctr"/>
+            <a:r>
+              <a:rPr kumimoji="1" lang="zh-CN" altLang="en-US" sz="2400" b="1" dirty="0">
+                <a:solidFill>
+                  <a:schemeClr val="tx1">
+                    <a:lumMod val="85000"/>
+                    <a:lumOff val="15000"/>
+                  </a:schemeClr>
+                </a:solidFill>
+                <a:latin typeface="Wawati SC" pitchFamily="82" charset="-122"/>
+                <a:ea typeface="Wawati SC" pitchFamily="82" charset="-122"/>
+              </a:rPr>
+              <a:t>下级</a:t>
+            </a:r>
+          </a:p>
+        </p:txBody>
+      </p:sp>
+      <p:sp>
+        <p:nvSpPr>
+          <p:cNvPr id="27" name="文本框 26">
+            <a:extLst>
+              <a:ext uri="{FF2B5EF4-FFF2-40B4-BE49-F238E27FC236}">
+                <a16:creationId xmlns:a16="http://schemas.microsoft.com/office/drawing/2014/main" id="{BEA2F680-52A5-8947-8A53-B5B0A7F1FCA4}"/>
+              </a:ext>
+            </a:extLst>
+          </p:cNvPr>
+          <p:cNvSpPr txBox="1"/>
+          <p:nvPr/>
+        </p:nvSpPr>
+        <p:spPr>
+          <a:xfrm>
+            <a:off x="7241243" y="3774914"/>
+            <a:ext cx="1843548" cy="461665"/>
+          </a:xfrm>
+          <a:prstGeom prst="rect">
+            <a:avLst/>
+          </a:prstGeom>
+          <a:noFill/>
+        </p:spPr>
+        <p:txBody>
+          <a:bodyPr wrap="square" rtlCol="0">
+            <a:spAutoFit/>
+          </a:bodyPr>
+          <a:lstStyle/>
+          <a:p>
+            <a:pPr algn="ctr"/>
+            <a:r>
+              <a:rPr kumimoji="1" lang="zh-CN" altLang="en-US" sz="2400" b="1" dirty="0">
+                <a:solidFill>
+                  <a:schemeClr val="tx1">
+                    <a:lumMod val="85000"/>
+                    <a:lumOff val="15000"/>
+                  </a:schemeClr>
+                </a:solidFill>
+                <a:latin typeface="Wawati SC" pitchFamily="82" charset="-122"/>
+                <a:ea typeface="Wawati SC" pitchFamily="82" charset="-122"/>
+              </a:rPr>
+              <a:t>上级</a:t>
+            </a:r>
+          </a:p>
+        </p:txBody>
+      </p:sp>
+    </p:spTree>
+    <p:extLst>
+      <p:ext uri="{BB962C8B-B14F-4D97-AF65-F5344CB8AC3E}">
+        <p14:creationId xmlns:p14="http://schemas.microsoft.com/office/powerpoint/2010/main" val="1521442477"/>
+      </p:ext>
+    </p:extLst>
+  </p:cSld>
+  <p:clrMapOvr>
+    <a:masterClrMapping/>
+  </p:clrMapOvr>
+</p:sld>
+</file>
+
+<file path=ppt/slides/slide18.xml><?xml version="1.0" encoding="utf-8"?>
+<p:sld xmlns:a="http://schemas.openxmlformats.org/drawingml/2006/main" xmlns:r="http://schemas.openxmlformats.org/officeDocument/2006/relationships" xmlns:p="http://schemas.openxmlformats.org/presentationml/2006/main">
+  <p:cSld>
+    <p:spTree>
+      <p:nvGrpSpPr>
+        <p:cNvPr id="1" name=""/>
+        <p:cNvGrpSpPr/>
+        <p:nvPr/>
+      </p:nvGrpSpPr>
+      <p:grpSpPr>
+        <a:xfrm>
+          <a:off x="0" y="0"/>
+          <a:ext cx="0" cy="0"/>
+          <a:chOff x="0" y="0"/>
+          <a:chExt cx="0" cy="0"/>
+        </a:xfrm>
+      </p:grpSpPr>
+      <p:sp>
+        <p:nvSpPr>
+          <p:cNvPr id="8" name="文本占位符 1">
+            <a:extLst>
+              <a:ext uri="{FF2B5EF4-FFF2-40B4-BE49-F238E27FC236}">
+                <a16:creationId xmlns:a16="http://schemas.microsoft.com/office/drawing/2014/main" id="{587F8A25-E515-D342-9A64-D2BF6FA543BD}"/>
+              </a:ext>
+            </a:extLst>
+          </p:cNvPr>
+          <p:cNvSpPr txBox="1">
+            <a:spLocks/>
+          </p:cNvSpPr>
+          <p:nvPr/>
+        </p:nvSpPr>
+        <p:spPr>
+          <a:xfrm>
+            <a:off x="457589" y="269298"/>
+            <a:ext cx="6476553" cy="685359"/>
+          </a:xfrm>
+          <a:prstGeom prst="rect">
+            <a:avLst/>
+          </a:prstGeom>
+        </p:spPr>
+        <p:txBody>
+          <a:bodyPr/>
+          <a:lstStyle>
+            <a:lvl1pPr marL="0" indent="0" algn="l" defTabSz="1028065" rtl="0" eaLnBrk="1" latinLnBrk="0" hangingPunct="1">
+              <a:spcBef>
+                <a:spcPct val="20000"/>
+              </a:spcBef>
+              <a:buFontTx/>
+              <a:buNone/>
+              <a:defRPr sz="3200" b="1" kern="1200">
+                <a:solidFill>
+                  <a:srgbClr val="E2231A"/>
+                </a:solidFill>
+                <a:latin typeface="Microsoft YaHei" charset="-122"/>
+                <a:ea typeface="Microsoft YaHei" charset="-122"/>
+                <a:cs typeface="Microsoft YaHei" charset="-122"/>
+              </a:defRPr>
+            </a:lvl1pPr>
+            <a:lvl2pPr marL="835660" indent="-321310" algn="l" defTabSz="1028065" rtl="0" eaLnBrk="1" latinLnBrk="0" hangingPunct="1">
+              <a:spcBef>
+                <a:spcPct val="20000"/>
+              </a:spcBef>
+              <a:buFont typeface="Arial" panose="020B0604020202020204" pitchFamily="34" charset="0"/>
+              <a:buChar char="–"/>
+              <a:defRPr sz="3100" kern="1200">
+                <a:solidFill>
+                  <a:schemeClr val="tx1"/>
+                </a:solidFill>
+                <a:latin typeface="+mn-lt"/>
+                <a:ea typeface="+mn-ea"/>
+                <a:cs typeface="+mn-cs"/>
+              </a:defRPr>
+            </a:lvl2pPr>
+            <a:lvl3pPr marL="1285875" indent="-257175" algn="l" defTabSz="1028065" rtl="0" eaLnBrk="1" latinLnBrk="0" hangingPunct="1">
+              <a:spcBef>
+                <a:spcPct val="20000"/>
+              </a:spcBef>
+              <a:buFont typeface="Arial" panose="020B0604020202020204" pitchFamily="34" charset="0"/>
+              <a:buChar char="•"/>
+              <a:defRPr sz="2700" kern="1200">
+                <a:solidFill>
+                  <a:schemeClr val="tx1"/>
+                </a:solidFill>
+                <a:latin typeface="+mn-lt"/>
+                <a:ea typeface="+mn-ea"/>
+                <a:cs typeface="+mn-cs"/>
+              </a:defRPr>
+            </a:lvl3pPr>
+            <a:lvl4pPr marL="1800225" indent="-257175" algn="l" defTabSz="1028065" rtl="0" eaLnBrk="1" latinLnBrk="0" hangingPunct="1">
+              <a:spcBef>
+                <a:spcPct val="20000"/>
+              </a:spcBef>
+              <a:buFont typeface="Arial" panose="020B0604020202020204" pitchFamily="34" charset="0"/>
+              <a:buChar char="–"/>
+              <a:defRPr sz="2200" kern="1200">
+                <a:solidFill>
+                  <a:schemeClr val="tx1"/>
+                </a:solidFill>
+                <a:latin typeface="+mn-lt"/>
+                <a:ea typeface="+mn-ea"/>
+                <a:cs typeface="+mn-cs"/>
+              </a:defRPr>
+            </a:lvl4pPr>
+            <a:lvl5pPr marL="2314575" indent="-257175" algn="l" defTabSz="1028065" rtl="0" eaLnBrk="1" latinLnBrk="0" hangingPunct="1">
+              <a:spcBef>
+                <a:spcPct val="20000"/>
+              </a:spcBef>
+              <a:buFont typeface="Arial" panose="020B0604020202020204" pitchFamily="34" charset="0"/>
+              <a:buChar char="»"/>
+              <a:defRPr sz="2200" kern="1200">
+                <a:solidFill>
+                  <a:schemeClr val="tx1"/>
+                </a:solidFill>
+                <a:latin typeface="+mn-lt"/>
+                <a:ea typeface="+mn-ea"/>
+                <a:cs typeface="+mn-cs"/>
+              </a:defRPr>
+            </a:lvl5pPr>
+            <a:lvl6pPr marL="2828925" indent="-257175" algn="l" defTabSz="1028065" rtl="0" eaLnBrk="1" latinLnBrk="0" hangingPunct="1">
+              <a:spcBef>
+                <a:spcPct val="20000"/>
+              </a:spcBef>
+              <a:buFont typeface="Arial" panose="020B0604020202020204" pitchFamily="34" charset="0"/>
+              <a:buChar char="•"/>
+              <a:defRPr sz="2200" kern="1200">
+                <a:solidFill>
+                  <a:schemeClr val="tx1"/>
+                </a:solidFill>
+                <a:latin typeface="+mn-lt"/>
+                <a:ea typeface="+mn-ea"/>
+                <a:cs typeface="+mn-cs"/>
+              </a:defRPr>
+            </a:lvl6pPr>
+            <a:lvl7pPr marL="3343275" indent="-257175" algn="l" defTabSz="1028065" rtl="0" eaLnBrk="1" latinLnBrk="0" hangingPunct="1">
+              <a:spcBef>
+                <a:spcPct val="20000"/>
+              </a:spcBef>
+              <a:buFont typeface="Arial" panose="020B0604020202020204" pitchFamily="34" charset="0"/>
+              <a:buChar char="•"/>
+              <a:defRPr sz="2200" kern="1200">
+                <a:solidFill>
+                  <a:schemeClr val="tx1"/>
+                </a:solidFill>
+                <a:latin typeface="+mn-lt"/>
+                <a:ea typeface="+mn-ea"/>
+                <a:cs typeface="+mn-cs"/>
+              </a:defRPr>
+            </a:lvl7pPr>
+            <a:lvl8pPr marL="3856990" indent="-257175" algn="l" defTabSz="1028065" rtl="0" eaLnBrk="1" latinLnBrk="0" hangingPunct="1">
+              <a:spcBef>
+                <a:spcPct val="20000"/>
+              </a:spcBef>
+              <a:buFont typeface="Arial" panose="020B0604020202020204" pitchFamily="34" charset="0"/>
+              <a:buChar char="•"/>
+              <a:defRPr sz="2200" kern="1200">
+                <a:solidFill>
+                  <a:schemeClr val="tx1"/>
+                </a:solidFill>
+                <a:latin typeface="+mn-lt"/>
+                <a:ea typeface="+mn-ea"/>
+                <a:cs typeface="+mn-cs"/>
+              </a:defRPr>
+            </a:lvl8pPr>
+            <a:lvl9pPr marL="4371340" indent="-257175" algn="l" defTabSz="1028065" rtl="0" eaLnBrk="1" latinLnBrk="0" hangingPunct="1">
+              <a:spcBef>
+                <a:spcPct val="20000"/>
+              </a:spcBef>
+              <a:buFont typeface="Arial" panose="020B0604020202020204" pitchFamily="34" charset="0"/>
+              <a:buChar char="•"/>
+              <a:defRPr sz="2200" kern="1200">
+                <a:solidFill>
+                  <a:schemeClr val="tx1"/>
+                </a:solidFill>
+                <a:latin typeface="+mn-lt"/>
+                <a:ea typeface="+mn-ea"/>
+                <a:cs typeface="+mn-cs"/>
+              </a:defRPr>
+            </a:lvl9pPr>
+          </a:lstStyle>
+          <a:p>
+            <a:r>
+              <a:rPr lang="en-US" altLang="zh-CN" sz="3386" dirty="0">
+                <a:solidFill>
+                  <a:schemeClr val="tx1">
+                    <a:lumMod val="85000"/>
+                    <a:lumOff val="15000"/>
+                  </a:schemeClr>
+                </a:solidFill>
+                <a:latin typeface="Xingkai SC Light" panose="02010600040101010101" pitchFamily="2" charset="-122"/>
+                <a:ea typeface="Xingkai SC Light" panose="02010600040101010101" pitchFamily="2" charset="-122"/>
+                <a:cs typeface="+mn-ea"/>
+                <a:sym typeface="+mn-lt"/>
+              </a:rPr>
+              <a:t>6</a:t>
+            </a:r>
+            <a:r>
+              <a:rPr lang="zh-CN" altLang="en-US" sz="3386" dirty="0">
+                <a:solidFill>
+                  <a:schemeClr val="tx1">
+                    <a:lumMod val="85000"/>
+                    <a:lumOff val="15000"/>
+                  </a:schemeClr>
+                </a:solidFill>
+                <a:latin typeface="Xingkai SC Light" panose="02010600040101010101" pitchFamily="2" charset="-122"/>
+                <a:ea typeface="Xingkai SC Light" panose="02010600040101010101" pitchFamily="2" charset="-122"/>
+                <a:cs typeface="+mn-ea"/>
+                <a:sym typeface="+mn-lt"/>
+              </a:rPr>
+              <a:t>、依赖倒置原则</a:t>
+            </a:r>
+          </a:p>
+        </p:txBody>
+      </p:sp>
+      <p:sp>
+        <p:nvSpPr>
+          <p:cNvPr id="20" name="Rounded Rectangle 4">
+            <a:extLst>
+              <a:ext uri="{FF2B5EF4-FFF2-40B4-BE49-F238E27FC236}">
+                <a16:creationId xmlns:a16="http://schemas.microsoft.com/office/drawing/2014/main" id="{FD835581-2B48-AF47-985A-42E116B90135}"/>
+              </a:ext>
+            </a:extLst>
+          </p:cNvPr>
+          <p:cNvSpPr/>
+          <p:nvPr/>
+        </p:nvSpPr>
+        <p:spPr>
+          <a:xfrm>
+            <a:off x="1147798" y="1770950"/>
+            <a:ext cx="2715316" cy="2996121"/>
+          </a:xfrm>
+          <a:prstGeom prst="roundRect">
+            <a:avLst>
+              <a:gd name="adj" fmla="val 2432"/>
+            </a:avLst>
+          </a:prstGeom>
+          <a:solidFill>
+            <a:schemeClr val="bg1">
+              <a:lumMod val="95000"/>
+            </a:schemeClr>
+          </a:solidFill>
+          <a:ln>
+            <a:noFill/>
+          </a:ln>
+        </p:spPr>
+        <p:style>
+          <a:lnRef idx="2">
+            <a:schemeClr val="accent1">
+              <a:shade val="50000"/>
+            </a:schemeClr>
+          </a:lnRef>
+          <a:fillRef idx="1">
+            <a:schemeClr val="accent1"/>
+          </a:fillRef>
+          <a:effectRef idx="0">
+            <a:schemeClr val="accent1"/>
+          </a:effectRef>
+          <a:fontRef idx="minor">
+            <a:schemeClr val="lt1"/>
+          </a:fontRef>
+        </p:style>
+        <p:txBody>
+          <a:bodyPr rtlCol="0" anchor="ctr"/>
+          <a:lstStyle/>
+          <a:p>
+            <a:pPr algn="ctr"/>
+            <a:endParaRPr kumimoji="1" lang="en-US" altLang="zh-CN" sz="1905" b="1" dirty="0">
+              <a:solidFill>
+                <a:srgbClr val="C00000"/>
+              </a:solidFill>
+            </a:endParaRPr>
+          </a:p>
+        </p:txBody>
+      </p:sp>
+      <p:sp>
+        <p:nvSpPr>
+          <p:cNvPr id="22" name="文本框 21">
+            <a:extLst>
+              <a:ext uri="{FF2B5EF4-FFF2-40B4-BE49-F238E27FC236}">
+                <a16:creationId xmlns:a16="http://schemas.microsoft.com/office/drawing/2014/main" id="{93FE1862-82D6-7C46-BCA1-C321297B4238}"/>
+              </a:ext>
+            </a:extLst>
+          </p:cNvPr>
+          <p:cNvSpPr txBox="1"/>
+          <p:nvPr/>
+        </p:nvSpPr>
+        <p:spPr>
+          <a:xfrm>
+            <a:off x="1147798" y="3109830"/>
+            <a:ext cx="2759561" cy="352854"/>
+          </a:xfrm>
+          <a:prstGeom prst="rect">
+            <a:avLst/>
+          </a:prstGeom>
+          <a:noFill/>
+        </p:spPr>
+        <p:txBody>
+          <a:bodyPr wrap="square" rtlCol="0">
+            <a:spAutoFit/>
+          </a:bodyPr>
+          <a:lstStyle/>
+          <a:p>
+            <a:pPr algn="ctr"/>
+            <a:r>
+              <a:rPr lang="zh-CN" altLang="en-US" sz="1693" b="1" dirty="0">
+                <a:solidFill>
+                  <a:srgbClr val="C00000"/>
+                </a:solidFill>
+                <a:latin typeface="+mn-ea"/>
+              </a:rPr>
+              <a:t>依赖倒置原则</a:t>
+            </a:r>
+          </a:p>
+        </p:txBody>
+      </p:sp>
+      <p:sp>
+        <p:nvSpPr>
+          <p:cNvPr id="23" name="文本框 22">
+            <a:extLst>
+              <a:ext uri="{FF2B5EF4-FFF2-40B4-BE49-F238E27FC236}">
+                <a16:creationId xmlns:a16="http://schemas.microsoft.com/office/drawing/2014/main" id="{8CF472E5-805D-7C4B-9947-4716FF1180A5}"/>
+              </a:ext>
+            </a:extLst>
+          </p:cNvPr>
+          <p:cNvSpPr txBox="1"/>
+          <p:nvPr/>
+        </p:nvSpPr>
+        <p:spPr>
+          <a:xfrm>
+            <a:off x="1147799" y="3908959"/>
+            <a:ext cx="2715316" cy="255134"/>
+          </a:xfrm>
+          <a:prstGeom prst="rect">
+            <a:avLst/>
+          </a:prstGeom>
+          <a:noFill/>
+        </p:spPr>
+        <p:txBody>
+          <a:bodyPr wrap="square" rtlCol="0">
+            <a:spAutoFit/>
+          </a:bodyPr>
+          <a:lstStyle/>
+          <a:p>
+            <a:pPr algn="ctr"/>
+            <a:r>
+              <a:rPr lang="zh-CN" altLang="en-US" sz="1058" dirty="0">
+                <a:latin typeface="+mn-ea"/>
+              </a:rPr>
+              <a:t>依赖接口、降低耦合</a:t>
+            </a:r>
+          </a:p>
+        </p:txBody>
+      </p:sp>
+      <p:pic>
+        <p:nvPicPr>
+          <p:cNvPr id="53" name="图片 52">
+            <a:extLst>
+              <a:ext uri="{FF2B5EF4-FFF2-40B4-BE49-F238E27FC236}">
+                <a16:creationId xmlns:a16="http://schemas.microsoft.com/office/drawing/2014/main" id="{CC3D935B-F2B4-CA42-8841-E391FBF1B84A}"/>
+              </a:ext>
+            </a:extLst>
+          </p:cNvPr>
+          <p:cNvPicPr>
+            <a:picLocks noChangeAspect="1"/>
+          </p:cNvPicPr>
+          <p:nvPr/>
+        </p:nvPicPr>
+        <p:blipFill>
+          <a:blip r:embed="rId3"/>
+          <a:stretch>
+            <a:fillRect/>
+          </a:stretch>
+        </p:blipFill>
+        <p:spPr>
+          <a:xfrm>
+            <a:off x="2278825" y="2219490"/>
+            <a:ext cx="493033" cy="493033"/>
+          </a:xfrm>
+          <a:prstGeom prst="rect">
+            <a:avLst/>
+          </a:prstGeom>
+          <a:effectLst>
+            <a:outerShdw blurRad="50800" dist="38100" dir="2700000" algn="tl" rotWithShape="0">
+              <a:prstClr val="black">
+                <a:alpha val="40000"/>
+              </a:prstClr>
+            </a:outerShdw>
+          </a:effectLst>
+        </p:spPr>
+      </p:pic>
+      <p:sp>
+        <p:nvSpPr>
+          <p:cNvPr id="54" name="Rounded Rectangle 4">
+            <a:extLst>
+              <a:ext uri="{FF2B5EF4-FFF2-40B4-BE49-F238E27FC236}">
+                <a16:creationId xmlns:a16="http://schemas.microsoft.com/office/drawing/2014/main" id="{A3272151-2C4C-5B46-8DC7-C804CBDECFF1}"/>
+              </a:ext>
+            </a:extLst>
+          </p:cNvPr>
+          <p:cNvSpPr/>
+          <p:nvPr/>
+        </p:nvSpPr>
+        <p:spPr>
+          <a:xfrm>
+            <a:off x="4878550" y="1770950"/>
+            <a:ext cx="2715316" cy="2996121"/>
+          </a:xfrm>
+          <a:prstGeom prst="roundRect">
+            <a:avLst>
+              <a:gd name="adj" fmla="val 2432"/>
+            </a:avLst>
+          </a:prstGeom>
+          <a:solidFill>
+            <a:schemeClr val="bg1">
+              <a:lumMod val="95000"/>
+            </a:schemeClr>
+          </a:solidFill>
+          <a:ln>
+            <a:noFill/>
+          </a:ln>
+        </p:spPr>
+        <p:style>
+          <a:lnRef idx="2">
+            <a:schemeClr val="accent1">
+              <a:shade val="50000"/>
+            </a:schemeClr>
+          </a:lnRef>
+          <a:fillRef idx="1">
+            <a:schemeClr val="accent1"/>
+          </a:fillRef>
+          <a:effectRef idx="0">
+            <a:schemeClr val="accent1"/>
+          </a:effectRef>
+          <a:fontRef idx="minor">
+            <a:schemeClr val="lt1"/>
+          </a:fontRef>
+        </p:style>
+        <p:txBody>
+          <a:bodyPr rtlCol="0" anchor="ctr"/>
+          <a:lstStyle/>
+          <a:p>
+            <a:pPr algn="ctr"/>
+            <a:endParaRPr kumimoji="1" lang="en-US" altLang="zh-CN" sz="1905" b="1" dirty="0">
+              <a:solidFill>
+                <a:srgbClr val="C00000"/>
+              </a:solidFill>
+            </a:endParaRPr>
+          </a:p>
+        </p:txBody>
+      </p:sp>
+      <p:sp>
+        <p:nvSpPr>
+          <p:cNvPr id="55" name="文本框 54">
+            <a:extLst>
+              <a:ext uri="{FF2B5EF4-FFF2-40B4-BE49-F238E27FC236}">
+                <a16:creationId xmlns:a16="http://schemas.microsoft.com/office/drawing/2014/main" id="{BB22FBCD-D4A2-A749-908C-2948C6D0B306}"/>
+              </a:ext>
+            </a:extLst>
+          </p:cNvPr>
+          <p:cNvSpPr txBox="1"/>
+          <p:nvPr/>
+        </p:nvSpPr>
+        <p:spPr>
+          <a:xfrm>
+            <a:off x="4878550" y="3109830"/>
+            <a:ext cx="2759561" cy="352854"/>
+          </a:xfrm>
+          <a:prstGeom prst="rect">
+            <a:avLst/>
+          </a:prstGeom>
+          <a:noFill/>
+        </p:spPr>
+        <p:txBody>
+          <a:bodyPr wrap="square" rtlCol="0">
+            <a:spAutoFit/>
+          </a:bodyPr>
+          <a:lstStyle/>
+          <a:p>
+            <a:pPr algn="ctr"/>
+            <a:r>
+              <a:rPr lang="zh-CN" altLang="en-US" sz="1693" b="1" dirty="0">
+                <a:solidFill>
+                  <a:srgbClr val="C00000"/>
+                </a:solidFill>
+                <a:latin typeface="+mn-ea"/>
+              </a:rPr>
+              <a:t>用户抽奖</a:t>
+            </a:r>
+          </a:p>
+        </p:txBody>
+      </p:sp>
+      <p:sp>
+        <p:nvSpPr>
+          <p:cNvPr id="56" name="文本框 55">
+            <a:extLst>
+              <a:ext uri="{FF2B5EF4-FFF2-40B4-BE49-F238E27FC236}">
+                <a16:creationId xmlns:a16="http://schemas.microsoft.com/office/drawing/2014/main" id="{223E20C5-6354-044C-B4D6-D8529945D5EF}"/>
+              </a:ext>
+            </a:extLst>
+          </p:cNvPr>
+          <p:cNvSpPr txBox="1"/>
+          <p:nvPr/>
+        </p:nvSpPr>
+        <p:spPr>
+          <a:xfrm>
+            <a:off x="4878551" y="3908959"/>
+            <a:ext cx="2715316" cy="255134"/>
+          </a:xfrm>
+          <a:prstGeom prst="rect">
+            <a:avLst/>
+          </a:prstGeom>
+          <a:noFill/>
+        </p:spPr>
+        <p:txBody>
+          <a:bodyPr wrap="square" rtlCol="0">
+            <a:spAutoFit/>
+          </a:bodyPr>
+          <a:lstStyle/>
+          <a:p>
+            <a:pPr algn="ctr"/>
+            <a:r>
+              <a:rPr lang="zh-CN" altLang="en-US" sz="1058" dirty="0">
+                <a:latin typeface="+mn-ea"/>
+              </a:rPr>
+              <a:t>随机抽奖、权重抽奖</a:t>
+            </a:r>
+          </a:p>
+        </p:txBody>
+      </p:sp>
+      <p:sp>
+        <p:nvSpPr>
+          <p:cNvPr id="60" name="Rounded Rectangle 4">
+            <a:extLst>
+              <a:ext uri="{FF2B5EF4-FFF2-40B4-BE49-F238E27FC236}">
+                <a16:creationId xmlns:a16="http://schemas.microsoft.com/office/drawing/2014/main" id="{F6609698-76BD-D44F-93EB-8071451838E7}"/>
+              </a:ext>
+            </a:extLst>
+          </p:cNvPr>
+          <p:cNvSpPr/>
+          <p:nvPr/>
+        </p:nvSpPr>
+        <p:spPr>
+          <a:xfrm>
+            <a:off x="8609302" y="1770950"/>
+            <a:ext cx="2715316" cy="2996121"/>
+          </a:xfrm>
+          <a:prstGeom prst="roundRect">
+            <a:avLst>
+              <a:gd name="adj" fmla="val 2432"/>
+            </a:avLst>
+          </a:prstGeom>
+          <a:solidFill>
+            <a:schemeClr val="bg1">
+              <a:lumMod val="95000"/>
+            </a:schemeClr>
+          </a:solidFill>
+          <a:ln>
+            <a:noFill/>
+          </a:ln>
+        </p:spPr>
+        <p:style>
+          <a:lnRef idx="2">
+            <a:schemeClr val="accent1">
+              <a:shade val="50000"/>
+            </a:schemeClr>
+          </a:lnRef>
+          <a:fillRef idx="1">
+            <a:schemeClr val="accent1"/>
+          </a:fillRef>
+          <a:effectRef idx="0">
+            <a:schemeClr val="accent1"/>
+          </a:effectRef>
+          <a:fontRef idx="minor">
+            <a:schemeClr val="lt1"/>
+          </a:fontRef>
+        </p:style>
+        <p:txBody>
+          <a:bodyPr rtlCol="0" anchor="ctr"/>
+          <a:lstStyle/>
+          <a:p>
+            <a:pPr algn="ctr"/>
+            <a:endParaRPr kumimoji="1" lang="en-US" altLang="zh-CN" sz="1905" b="1" dirty="0">
+              <a:solidFill>
+                <a:srgbClr val="C00000"/>
+              </a:solidFill>
+            </a:endParaRPr>
+          </a:p>
+        </p:txBody>
+      </p:sp>
+      <p:sp>
+        <p:nvSpPr>
+          <p:cNvPr id="61" name="文本框 60">
+            <a:extLst>
+              <a:ext uri="{FF2B5EF4-FFF2-40B4-BE49-F238E27FC236}">
+                <a16:creationId xmlns:a16="http://schemas.microsoft.com/office/drawing/2014/main" id="{5D2F3745-4FA4-D04A-94FC-2CD28FD90042}"/>
+              </a:ext>
+            </a:extLst>
+          </p:cNvPr>
+          <p:cNvSpPr txBox="1"/>
+          <p:nvPr/>
+        </p:nvSpPr>
+        <p:spPr>
+          <a:xfrm>
+            <a:off x="8609302" y="3109830"/>
+            <a:ext cx="2759561" cy="352854"/>
+          </a:xfrm>
+          <a:prstGeom prst="rect">
+            <a:avLst/>
+          </a:prstGeom>
+          <a:noFill/>
+        </p:spPr>
+        <p:txBody>
+          <a:bodyPr wrap="square" rtlCol="0">
+            <a:spAutoFit/>
+          </a:bodyPr>
+          <a:lstStyle/>
+          <a:p>
+            <a:pPr algn="ctr"/>
+            <a:r>
+              <a:rPr lang="zh-CN" altLang="en-US" sz="1693" b="1" dirty="0">
+                <a:solidFill>
+                  <a:srgbClr val="C00000"/>
+                </a:solidFill>
+                <a:latin typeface="+mn-ea"/>
+              </a:rPr>
+              <a:t>编码实现</a:t>
+            </a:r>
+          </a:p>
+        </p:txBody>
+      </p:sp>
+      <p:sp>
+        <p:nvSpPr>
+          <p:cNvPr id="62" name="文本框 61">
+            <a:extLst>
+              <a:ext uri="{FF2B5EF4-FFF2-40B4-BE49-F238E27FC236}">
+                <a16:creationId xmlns:a16="http://schemas.microsoft.com/office/drawing/2014/main" id="{E746D5D7-CF11-CE45-ADF2-40EEB4C88A46}"/>
+              </a:ext>
+            </a:extLst>
+          </p:cNvPr>
+          <p:cNvSpPr txBox="1"/>
+          <p:nvPr/>
+        </p:nvSpPr>
+        <p:spPr>
+          <a:xfrm>
+            <a:off x="8609303" y="3908959"/>
+            <a:ext cx="2715316" cy="255134"/>
+          </a:xfrm>
+          <a:prstGeom prst="rect">
+            <a:avLst/>
+          </a:prstGeom>
+          <a:noFill/>
+        </p:spPr>
+        <p:txBody>
+          <a:bodyPr wrap="square" rtlCol="0">
+            <a:spAutoFit/>
+          </a:bodyPr>
+          <a:lstStyle/>
+          <a:p>
+            <a:pPr algn="ctr"/>
+            <a:r>
+              <a:rPr lang="zh-CN" altLang="en-US" sz="1058" dirty="0">
+                <a:latin typeface="+mn-ea"/>
+              </a:rPr>
+              <a:t>高内聚、低耦合</a:t>
+            </a:r>
+          </a:p>
+        </p:txBody>
+      </p:sp>
+      <p:pic>
+        <p:nvPicPr>
+          <p:cNvPr id="65" name="图片 64">
+            <a:extLst>
+              <a:ext uri="{FF2B5EF4-FFF2-40B4-BE49-F238E27FC236}">
+                <a16:creationId xmlns:a16="http://schemas.microsoft.com/office/drawing/2014/main" id="{2391F3AA-A4D0-8944-A315-D52FE8ECB29C}"/>
+              </a:ext>
+            </a:extLst>
+          </p:cNvPr>
+          <p:cNvPicPr>
+            <a:picLocks noChangeAspect="1"/>
+          </p:cNvPicPr>
+          <p:nvPr/>
+        </p:nvPicPr>
+        <p:blipFill>
+          <a:blip r:embed="rId4"/>
+          <a:stretch>
+            <a:fillRect/>
+          </a:stretch>
+        </p:blipFill>
+        <p:spPr>
+          <a:xfrm>
+            <a:off x="9742565" y="2219490"/>
+            <a:ext cx="493033" cy="493033"/>
+          </a:xfrm>
+          <a:prstGeom prst="rect">
+            <a:avLst/>
+          </a:prstGeom>
+          <a:effectLst>
+            <a:outerShdw blurRad="50800" dist="38100" dir="2700000" algn="tl" rotWithShape="0">
+              <a:prstClr val="black">
+                <a:alpha val="40000"/>
+              </a:prstClr>
+            </a:outerShdw>
+          </a:effectLst>
+        </p:spPr>
+      </p:pic>
+      <p:sp>
+        <p:nvSpPr>
+          <p:cNvPr id="69" name="圆角矩形 68">
+            <a:extLst>
+              <a:ext uri="{FF2B5EF4-FFF2-40B4-BE49-F238E27FC236}">
+                <a16:creationId xmlns:a16="http://schemas.microsoft.com/office/drawing/2014/main" id="{E3CC9A0F-2A75-A548-8A30-11B39E7451A3}"/>
+              </a:ext>
+            </a:extLst>
+          </p:cNvPr>
+          <p:cNvSpPr/>
+          <p:nvPr/>
+        </p:nvSpPr>
+        <p:spPr>
+          <a:xfrm>
+            <a:off x="1147798" y="5352288"/>
+            <a:ext cx="10176820" cy="597408"/>
+          </a:xfrm>
+          <a:prstGeom prst="roundRect">
+            <a:avLst/>
+          </a:prstGeom>
+          <a:noFill/>
+          <a:ln>
+            <a:solidFill>
+              <a:schemeClr val="tx1">
+                <a:lumMod val="75000"/>
+                <a:lumOff val="25000"/>
+              </a:schemeClr>
+            </a:solidFill>
+            <a:prstDash val="dash"/>
+            <a:extLst>
+              <a:ext uri="{C807C97D-BFC1-408E-A445-0C87EB9F89A2}">
+                <ask:lineSketchStyleProps xmlns:ask="http://schemas.microsoft.com/office/drawing/2018/sketchyshapes">
+                  <ask:type>
+                    <ask:lineSketchFreehand/>
+                  </ask:type>
+                </ask:lineSketchStyleProps>
+              </a:ext>
+            </a:extLst>
+          </a:ln>
+        </p:spPr>
+        <p:style>
+          <a:lnRef idx="2">
+            <a:schemeClr val="accent1">
+              <a:shade val="50000"/>
+            </a:schemeClr>
+          </a:lnRef>
+          <a:fillRef idx="1">
+            <a:schemeClr val="accent1"/>
+          </a:fillRef>
+          <a:effectRef idx="0">
+            <a:schemeClr val="accent1"/>
+          </a:effectRef>
+          <a:fontRef idx="minor">
+            <a:schemeClr val="lt1"/>
+          </a:fontRef>
+        </p:style>
+        <p:txBody>
+          <a:bodyPr rtlCol="0" anchor="ctr"/>
+          <a:lstStyle/>
+          <a:p>
+            <a:pPr algn="ctr"/>
+            <a:r>
+              <a:rPr lang="zh-CN" altLang="en-US" sz="1600" b="1" dirty="0">
+                <a:solidFill>
+                  <a:schemeClr val="tx1">
+                    <a:lumMod val="85000"/>
+                    <a:lumOff val="15000"/>
+                  </a:schemeClr>
+                </a:solidFill>
+                <a:latin typeface="Xingkai SC Light" panose="02010600040101010101" pitchFamily="2" charset="-122"/>
+                <a:ea typeface="Xingkai SC Light" panose="02010600040101010101" pitchFamily="2" charset="-122"/>
+                <a:cs typeface="+mn-ea"/>
+              </a:rPr>
+              <a:t>依赖倒置原则：</a:t>
+            </a:r>
+            <a:r>
+              <a:rPr lang="zh-CN" altLang="en-US" sz="1600" dirty="0">
+                <a:solidFill>
+                  <a:schemeClr val="tx1">
+                    <a:lumMod val="85000"/>
+                    <a:lumOff val="15000"/>
+                  </a:schemeClr>
+                </a:solidFill>
+                <a:latin typeface="Xingkai SC Light" panose="02010600040101010101" pitchFamily="2" charset="-122"/>
+                <a:ea typeface="Xingkai SC Light" panose="02010600040101010101" pitchFamily="2" charset="-122"/>
+                <a:cs typeface="+mn-ea"/>
+              </a:rPr>
+              <a:t>程序要依赖于抽象接口，不要依赖于具体实现。简单的说就是要求对抽象进行编程，不要对实现进行编程，这样就降低了客户与实现模块间的耦合。</a:t>
+            </a:r>
+          </a:p>
+        </p:txBody>
+      </p:sp>
+      <p:pic>
+        <p:nvPicPr>
+          <p:cNvPr id="3" name="图片 2">
+            <a:extLst>
+              <a:ext uri="{FF2B5EF4-FFF2-40B4-BE49-F238E27FC236}">
+                <a16:creationId xmlns:a16="http://schemas.microsoft.com/office/drawing/2014/main" id="{866F0DDD-5370-4346-81CC-2C2478508A47}"/>
+              </a:ext>
+            </a:extLst>
+          </p:cNvPr>
+          <p:cNvPicPr>
+            <a:picLocks noChangeAspect="1"/>
+          </p:cNvPicPr>
+          <p:nvPr/>
+        </p:nvPicPr>
+        <p:blipFill>
+          <a:blip r:embed="rId5"/>
+          <a:stretch>
+            <a:fillRect/>
+          </a:stretch>
+        </p:blipFill>
+        <p:spPr>
+          <a:xfrm>
+            <a:off x="5980159" y="2207520"/>
+            <a:ext cx="512097" cy="512097"/>
+          </a:xfrm>
+          <a:prstGeom prst="rect">
+            <a:avLst/>
+          </a:prstGeom>
+          <a:effectLst>
+            <a:outerShdw blurRad="50800" dist="38100" dir="2700000" algn="tl" rotWithShape="0">
+              <a:prstClr val="black">
+                <a:alpha val="40000"/>
+              </a:prstClr>
+            </a:outerShdw>
+          </a:effectLst>
+        </p:spPr>
+      </p:pic>
+    </p:spTree>
+    <p:extLst>
+      <p:ext uri="{BB962C8B-B14F-4D97-AF65-F5344CB8AC3E}">
+        <p14:creationId xmlns:p14="http://schemas.microsoft.com/office/powerpoint/2010/main" val="3887069573"/>
       </p:ext>
     </p:extLst>
   </p:cSld>
